--- a/c_08_features/features.pptx
+++ b/c_08_features/features.pptx
@@ -8,6 +8,9 @@
     <p:sldId id="256" r:id="rId2"/>
     <p:sldId id="588" r:id="rId3"/>
     <p:sldId id="589" r:id="rId4"/>
+    <p:sldId id="590" r:id="rId5"/>
+    <p:sldId id="592" r:id="rId6"/>
+    <p:sldId id="591" r:id="rId7"/>
   </p:sldIdLst>
   <p:sldSz cx="12192000" cy="6858000"/>
   <p:notesSz cx="6858000" cy="9144000"/>
@@ -108,7 +111,7 @@
   </p:defaultTextStyle>
   <p:extLst>
     <p:ext uri="{EFAFB233-063F-42B5-8137-9DF3F51BA10A}">
-      <p15:sldGuideLst xmlns:p15="http://schemas.microsoft.com/office/powerpoint/2012/main"/>
+      <p15:sldGuideLst xmlns:p15="http://schemas.microsoft.com/office/powerpoint/2012/main" xmlns=""/>
     </p:ext>
   </p:extLst>
 </p:presentation>
@@ -406,7 +409,7 @@
           <a:p>
             <a:fld id="{1930E4BE-DC49-4C06-9EAD-5C882F80E0B2}" type="datetimeFigureOut">
               <a:rPr lang="en-US" smtClean="0"/>
-              <a:t>08-Nov-19</a:t>
+              <a:t>10-Nov-19</a:t>
             </a:fld>
             <a:endParaRPr lang="en-US"/>
           </a:p>
@@ -584,7 +587,7 @@
           <a:p>
             <a:fld id="{1930E4BE-DC49-4C06-9EAD-5C882F80E0B2}" type="datetimeFigureOut">
               <a:rPr lang="en-US" smtClean="0"/>
-              <a:t>08-Nov-19</a:t>
+              <a:t>10-Nov-19</a:t>
             </a:fld>
             <a:endParaRPr lang="en-US"/>
           </a:p>
@@ -883,7 +886,7 @@
           <a:p>
             <a:fld id="{1930E4BE-DC49-4C06-9EAD-5C882F80E0B2}" type="datetimeFigureOut">
               <a:rPr lang="en-US" smtClean="0"/>
-              <a:t>08-Nov-19</a:t>
+              <a:t>10-Nov-19</a:t>
             </a:fld>
             <a:endParaRPr lang="en-US"/>
           </a:p>
@@ -1128,7 +1131,7 @@
           <a:p>
             <a:fld id="{1930E4BE-DC49-4C06-9EAD-5C882F80E0B2}" type="datetimeFigureOut">
               <a:rPr lang="en-US" smtClean="0"/>
-              <a:t>08-Nov-19</a:t>
+              <a:t>10-Nov-19</a:t>
             </a:fld>
             <a:endParaRPr lang="en-US"/>
           </a:p>
@@ -1413,7 +1416,7 @@
           <a:p>
             <a:fld id="{1930E4BE-DC49-4C06-9EAD-5C882F80E0B2}" type="datetimeFigureOut">
               <a:rPr lang="en-US" smtClean="0"/>
-              <a:t>08-Nov-19</a:t>
+              <a:t>10-Nov-19</a:t>
             </a:fld>
             <a:endParaRPr lang="en-US"/>
           </a:p>
@@ -1832,7 +1835,7 @@
           <a:p>
             <a:fld id="{1930E4BE-DC49-4C06-9EAD-5C882F80E0B2}" type="datetimeFigureOut">
               <a:rPr lang="en-US" smtClean="0"/>
-              <a:t>08-Nov-19</a:t>
+              <a:t>10-Nov-19</a:t>
             </a:fld>
             <a:endParaRPr lang="en-US"/>
           </a:p>
@@ -1949,7 +1952,7 @@
           <a:p>
             <a:fld id="{1930E4BE-DC49-4C06-9EAD-5C882F80E0B2}" type="datetimeFigureOut">
               <a:rPr lang="en-US" smtClean="0"/>
-              <a:t>08-Nov-19</a:t>
+              <a:t>10-Nov-19</a:t>
             </a:fld>
             <a:endParaRPr lang="en-US"/>
           </a:p>
@@ -2044,7 +2047,7 @@
           <a:p>
             <a:fld id="{1930E4BE-DC49-4C06-9EAD-5C882F80E0B2}" type="datetimeFigureOut">
               <a:rPr lang="en-US" smtClean="0"/>
-              <a:t>08-Nov-19</a:t>
+              <a:t>10-Nov-19</a:t>
             </a:fld>
             <a:endParaRPr lang="en-US"/>
           </a:p>
@@ -2319,7 +2322,7 @@
           <a:p>
             <a:fld id="{1930E4BE-DC49-4C06-9EAD-5C882F80E0B2}" type="datetimeFigureOut">
               <a:rPr lang="en-US" smtClean="0"/>
-              <a:t>08-Nov-19</a:t>
+              <a:t>10-Nov-19</a:t>
             </a:fld>
             <a:endParaRPr lang="en-US"/>
           </a:p>
@@ -2571,7 +2574,7 @@
           <a:p>
             <a:fld id="{1930E4BE-DC49-4C06-9EAD-5C882F80E0B2}" type="datetimeFigureOut">
               <a:rPr lang="en-US" smtClean="0"/>
-              <a:t>08-Nov-19</a:t>
+              <a:t>10-Nov-19</a:t>
             </a:fld>
             <a:endParaRPr lang="en-US"/>
           </a:p>
@@ -2782,7 +2785,7 @@
           <a:p>
             <a:fld id="{1930E4BE-DC49-4C06-9EAD-5C882F80E0B2}" type="datetimeFigureOut">
               <a:rPr lang="en-US" smtClean="0"/>
-              <a:t>08-Nov-19</a:t>
+              <a:t>10-Nov-19</a:t>
             </a:fld>
             <a:endParaRPr lang="en-US"/>
           </a:p>
@@ -3356,7 +3359,7 @@
           <p:cNvPr id="2" name="Title 1">
             <a:extLst>
               <a:ext uri="{FF2B5EF4-FFF2-40B4-BE49-F238E27FC236}">
-                <a16:creationId xmlns:a16="http://schemas.microsoft.com/office/drawing/2014/main" id="{A20DB4A6-AFE1-4F8E-B54F-7A302B25FDD4}"/>
+                <a16:creationId xmlns:a16="http://schemas.microsoft.com/office/drawing/2014/main" xmlns="" id="{A20DB4A6-AFE1-4F8E-B54F-7A302B25FDD4}"/>
               </a:ext>
             </a:extLst>
           </p:cNvPr>
@@ -3381,7 +3384,7 @@
           <p:cNvPr id="3" name="Content Placeholder 2">
             <a:extLst>
               <a:ext uri="{FF2B5EF4-FFF2-40B4-BE49-F238E27FC236}">
-                <a16:creationId xmlns:a16="http://schemas.microsoft.com/office/drawing/2014/main" id="{8CC1A28A-BF0F-4286-8895-BC5370F57509}"/>
+                <a16:creationId xmlns:a16="http://schemas.microsoft.com/office/drawing/2014/main" xmlns="" id="{8CC1A28A-BF0F-4286-8895-BC5370F57509}"/>
               </a:ext>
             </a:extLst>
           </p:cNvPr>
@@ -3451,6 +3454,568 @@
     <p:extLst>
       <p:ext uri="{BB962C8B-B14F-4D97-AF65-F5344CB8AC3E}">
         <p14:creationId xmlns:p14="http://schemas.microsoft.com/office/powerpoint/2010/main" val="3199300629"/>
+      </p:ext>
+    </p:extLst>
+  </p:cSld>
+  <p:clrMapOvr>
+    <a:masterClrMapping/>
+  </p:clrMapOvr>
+</p:sld>
+</file>
+
+<file path=ppt/slides/slide4.xml><?xml version="1.0" encoding="utf-8"?>
+<p:sld xmlns:a="http://schemas.openxmlformats.org/drawingml/2006/main" xmlns:r="http://schemas.openxmlformats.org/officeDocument/2006/relationships" xmlns:p="http://schemas.openxmlformats.org/presentationml/2006/main">
+  <p:cSld>
+    <p:spTree>
+      <p:nvGrpSpPr>
+        <p:cNvPr id="1" name=""/>
+        <p:cNvGrpSpPr/>
+        <p:nvPr/>
+      </p:nvGrpSpPr>
+      <p:grpSpPr>
+        <a:xfrm>
+          <a:off x="0" y="0"/>
+          <a:ext cx="0" cy="0"/>
+          <a:chOff x="0" y="0"/>
+          <a:chExt cx="0" cy="0"/>
+        </a:xfrm>
+      </p:grpSpPr>
+      <p:sp>
+        <p:nvSpPr>
+          <p:cNvPr id="2" name="Title 1"/>
+          <p:cNvSpPr>
+            <a:spLocks noGrp="1"/>
+          </p:cNvSpPr>
+          <p:nvPr>
+            <p:ph type="title"/>
+          </p:nvPr>
+        </p:nvSpPr>
+        <p:spPr/>
+        <p:txBody>
+          <a:bodyPr/>
+          <a:lstStyle/>
+          <a:p>
+            <a:r>
+              <a:rPr lang="en-US" dirty="0" smtClean="0"/>
+              <a:t>What is a feature?</a:t>
+            </a:r>
+            <a:endParaRPr lang="en-US" dirty="0"/>
+          </a:p>
+        </p:txBody>
+      </p:sp>
+      <p:sp>
+        <p:nvSpPr>
+          <p:cNvPr id="3" name="Content Placeholder 2"/>
+          <p:cNvSpPr>
+            <a:spLocks noGrp="1"/>
+          </p:cNvSpPr>
+          <p:nvPr>
+            <p:ph idx="1"/>
+          </p:nvPr>
+        </p:nvSpPr>
+        <p:spPr/>
+        <p:txBody>
+          <a:bodyPr/>
+          <a:lstStyle/>
+          <a:p>
+            <a:r>
+              <a:rPr lang="en-US" dirty="0"/>
+              <a:t>There is no universal or exact definition of what constitutes a feature, and the exact definition often depends on the problem or the type of application. Given that, a feature is defined as an </a:t>
+            </a:r>
+            <a:r>
+              <a:rPr lang="en-US" b="1" dirty="0"/>
+              <a:t>"interesting" </a:t>
+            </a:r>
+            <a:r>
+              <a:rPr lang="en-US" dirty="0"/>
+              <a:t>part of an </a:t>
+            </a:r>
+            <a:r>
+              <a:rPr lang="en-US" dirty="0" smtClean="0"/>
+              <a:t>image.</a:t>
+            </a:r>
+          </a:p>
+          <a:p>
+            <a:pPr lvl="1"/>
+            <a:r>
+              <a:rPr lang="en-US" dirty="0" smtClean="0"/>
+              <a:t>[from: </a:t>
+            </a:r>
+            <a:r>
+              <a:rPr lang="en-US" dirty="0" err="1" smtClean="0"/>
+              <a:t>wikipedia</a:t>
+            </a:r>
+            <a:r>
+              <a:rPr lang="en-US" dirty="0"/>
+              <a:t>]</a:t>
+            </a:r>
+          </a:p>
+        </p:txBody>
+      </p:sp>
+    </p:spTree>
+    <p:extLst>
+      <p:ext uri="{BB962C8B-B14F-4D97-AF65-F5344CB8AC3E}">
+        <p14:creationId xmlns:p14="http://schemas.microsoft.com/office/powerpoint/2010/main" val="2213808971"/>
+      </p:ext>
+    </p:extLst>
+  </p:cSld>
+  <p:clrMapOvr>
+    <a:masterClrMapping/>
+  </p:clrMapOvr>
+</p:sld>
+</file>
+
+<file path=ppt/slides/slide5.xml><?xml version="1.0" encoding="utf-8"?>
+<p:sld xmlns:a="http://schemas.openxmlformats.org/drawingml/2006/main" xmlns:r="http://schemas.openxmlformats.org/officeDocument/2006/relationships" xmlns:p="http://schemas.openxmlformats.org/presentationml/2006/main">
+  <p:cSld>
+    <p:spTree>
+      <p:nvGrpSpPr>
+        <p:cNvPr id="1" name=""/>
+        <p:cNvGrpSpPr/>
+        <p:nvPr/>
+      </p:nvGrpSpPr>
+      <p:grpSpPr>
+        <a:xfrm>
+          <a:off x="0" y="0"/>
+          <a:ext cx="0" cy="0"/>
+          <a:chOff x="0" y="0"/>
+          <a:chExt cx="0" cy="0"/>
+        </a:xfrm>
+      </p:grpSpPr>
+      <p:sp>
+        <p:nvSpPr>
+          <p:cNvPr id="2" name="Title 1"/>
+          <p:cNvSpPr>
+            <a:spLocks noGrp="1"/>
+          </p:cNvSpPr>
+          <p:nvPr>
+            <p:ph type="title"/>
+          </p:nvPr>
+        </p:nvSpPr>
+        <p:spPr/>
+        <p:txBody>
+          <a:bodyPr/>
+          <a:lstStyle/>
+          <a:p>
+            <a:r>
+              <a:rPr lang="en-US" dirty="0" smtClean="0"/>
+              <a:t>What can we do with features?</a:t>
+            </a:r>
+            <a:endParaRPr lang="en-US" dirty="0"/>
+          </a:p>
+        </p:txBody>
+      </p:sp>
+      <p:sp>
+        <p:nvSpPr>
+          <p:cNvPr id="3" name="Content Placeholder 2"/>
+          <p:cNvSpPr>
+            <a:spLocks noGrp="1"/>
+          </p:cNvSpPr>
+          <p:nvPr>
+            <p:ph idx="1"/>
+          </p:nvPr>
+        </p:nvSpPr>
+        <p:spPr/>
+        <p:txBody>
+          <a:bodyPr/>
+          <a:lstStyle/>
+          <a:p>
+            <a:endParaRPr lang="en-US" dirty="0"/>
+          </a:p>
+        </p:txBody>
+      </p:sp>
+      <p:graphicFrame>
+        <p:nvGraphicFramePr>
+          <p:cNvPr id="4" name="Object 4"/>
+          <p:cNvGraphicFramePr>
+            <a:graphicFrameLocks noChangeAspect="1"/>
+          </p:cNvGraphicFramePr>
+          <p:nvPr>
+            <p:extLst>
+              <p:ext uri="{D42A27DB-BD31-4B8C-83A1-F6EECF244321}">
+                <p14:modId xmlns:p14="http://schemas.microsoft.com/office/powerpoint/2010/main" val="3959694035"/>
+              </p:ext>
+            </p:extLst>
+          </p:nvPr>
+        </p:nvGraphicFramePr>
+        <p:xfrm>
+          <a:off x="6406101" y="685128"/>
+          <a:ext cx="2690784" cy="3194384"/>
+        </p:xfrm>
+        <a:graphic>
+          <a:graphicData uri="http://schemas.openxmlformats.org/presentationml/2006/ole">
+            <mc:AlternateContent xmlns:mc="http://schemas.openxmlformats.org/markup-compatibility/2006">
+              <mc:Choice xmlns:v="urn:schemas-microsoft-com:vml" Requires="v">
+                <p:oleObj spid="_x0000_s1033" name="CorelPhotoPaint.Image.8" r:id="rId3" imgW="3796825" imgH="4507937" progId="">
+                  <p:embed/>
+                </p:oleObj>
+              </mc:Choice>
+              <mc:Fallback>
+                <p:oleObj name="CorelPhotoPaint.Image.8" r:id="rId3" imgW="3796825" imgH="4507937" progId="">
+                  <p:embed/>
+                  <p:pic>
+                    <p:nvPicPr>
+                      <p:cNvPr id="0" name=""/>
+                      <p:cNvPicPr>
+                        <a:picLocks noChangeAspect="1" noChangeArrowheads="1"/>
+                      </p:cNvPicPr>
+                      <p:nvPr/>
+                    </p:nvPicPr>
+                    <p:blipFill>
+                      <a:blip r:embed="rId4">
+                        <a:extLst>
+                          <a:ext uri="{28A0092B-C50C-407E-A947-70E740481C1C}">
+                            <a14:useLocalDpi xmlns:a14="http://schemas.microsoft.com/office/drawing/2010/main" val="0"/>
+                          </a:ext>
+                        </a:extLst>
+                      </a:blip>
+                      <a:srcRect/>
+                      <a:stretch>
+                        <a:fillRect/>
+                      </a:stretch>
+                    </p:blipFill>
+                    <p:spPr bwMode="auto">
+                      <a:xfrm>
+                        <a:off x="6406101" y="685128"/>
+                        <a:ext cx="2690784" cy="3194384"/>
+                      </a:xfrm>
+                      <a:prstGeom prst="rect">
+                        <a:avLst/>
+                      </a:prstGeom>
+                      <a:noFill/>
+                      <a:ln>
+                        <a:noFill/>
+                      </a:ln>
+                      <a:effectLst/>
+                      <a:extLst/>
+                    </p:spPr>
+                  </p:pic>
+                </p:oleObj>
+              </mc:Fallback>
+            </mc:AlternateContent>
+          </a:graphicData>
+        </a:graphic>
+      </p:graphicFrame>
+      <p:pic>
+        <p:nvPicPr>
+          <p:cNvPr id="5" name="Picture 7"/>
+          <p:cNvPicPr>
+            <a:picLocks noChangeAspect="1" noChangeArrowheads="1"/>
+          </p:cNvPicPr>
+          <p:nvPr/>
+        </p:nvPicPr>
+        <p:blipFill>
+          <a:blip r:embed="rId5" cstate="print"/>
+          <a:srcRect l="13637" t="24706" r="12122" b="11978"/>
+          <a:stretch>
+            <a:fillRect/>
+          </a:stretch>
+        </p:blipFill>
+        <p:spPr bwMode="auto">
+          <a:xfrm>
+            <a:off x="9045271" y="1105230"/>
+            <a:ext cx="2781390" cy="2099739"/>
+          </a:xfrm>
+          <a:prstGeom prst="rect">
+            <a:avLst/>
+          </a:prstGeom>
+          <a:noFill/>
+          <a:ln w="12700" cap="sq">
+            <a:noFill/>
+            <a:miter lim="800000"/>
+            <a:headEnd type="none" w="sm" len="sm"/>
+            <a:tailEnd type="none" w="sm" len="sm"/>
+          </a:ln>
+        </p:spPr>
+      </p:pic>
+      <p:sp>
+        <p:nvSpPr>
+          <p:cNvPr id="6" name="TextBox 5"/>
+          <p:cNvSpPr txBox="1"/>
+          <p:nvPr/>
+        </p:nvSpPr>
+        <p:spPr>
+          <a:xfrm>
+            <a:off x="7370859" y="3745069"/>
+            <a:ext cx="3689406" cy="369332"/>
+          </a:xfrm>
+          <a:prstGeom prst="rect">
+            <a:avLst/>
+          </a:prstGeom>
+          <a:noFill/>
+        </p:spPr>
+        <p:txBody>
+          <a:bodyPr wrap="square" rtlCol="0">
+            <a:spAutoFit/>
+          </a:bodyPr>
+          <a:lstStyle/>
+          <a:p>
+            <a:pPr algn="ctr"/>
+            <a:r>
+              <a:rPr lang="en-US" dirty="0" smtClean="0"/>
+              <a:t>Object recognition</a:t>
+            </a:r>
+            <a:endParaRPr lang="en-US" dirty="0"/>
+          </a:p>
+        </p:txBody>
+      </p:sp>
+      <p:pic>
+        <p:nvPicPr>
+          <p:cNvPr id="1028" name="Picture 4" descr="Image result for features slam"/>
+          <p:cNvPicPr>
+            <a:picLocks noChangeAspect="1" noChangeArrowheads="1"/>
+          </p:cNvPicPr>
+          <p:nvPr/>
+        </p:nvPicPr>
+        <p:blipFill>
+          <a:blip r:embed="rId6">
+            <a:extLst>
+              <a:ext uri="{28A0092B-C50C-407E-A947-70E740481C1C}">
+                <a14:useLocalDpi xmlns:a14="http://schemas.microsoft.com/office/drawing/2010/main" val="0"/>
+              </a:ext>
+            </a:extLst>
+          </a:blip>
+          <a:srcRect/>
+          <a:stretch>
+            <a:fillRect/>
+          </a:stretch>
+        </p:blipFill>
+        <p:spPr bwMode="auto">
+          <a:xfrm>
+            <a:off x="323564" y="720865"/>
+            <a:ext cx="5319002" cy="2991938"/>
+          </a:xfrm>
+          <a:prstGeom prst="rect">
+            <a:avLst/>
+          </a:prstGeom>
+          <a:noFill/>
+          <a:extLst>
+            <a:ext uri="{909E8E84-426E-40DD-AFC4-6F175D3DCCD1}">
+              <a14:hiddenFill xmlns:a14="http://schemas.microsoft.com/office/drawing/2010/main">
+                <a:solidFill>
+                  <a:srgbClr val="FFFFFF"/>
+                </a:solidFill>
+              </a14:hiddenFill>
+            </a:ext>
+          </a:extLst>
+        </p:spPr>
+      </p:pic>
+      <p:sp>
+        <p:nvSpPr>
+          <p:cNvPr id="8" name="TextBox 7"/>
+          <p:cNvSpPr txBox="1"/>
+          <p:nvPr/>
+        </p:nvSpPr>
+        <p:spPr>
+          <a:xfrm>
+            <a:off x="1138362" y="3712803"/>
+            <a:ext cx="3689406" cy="369332"/>
+          </a:xfrm>
+          <a:prstGeom prst="rect">
+            <a:avLst/>
+          </a:prstGeom>
+          <a:noFill/>
+        </p:spPr>
+        <p:txBody>
+          <a:bodyPr wrap="square" rtlCol="0">
+            <a:spAutoFit/>
+          </a:bodyPr>
+          <a:lstStyle/>
+          <a:p>
+            <a:pPr algn="ctr"/>
+            <a:r>
+              <a:rPr lang="en-US" dirty="0" smtClean="0"/>
+              <a:t>Robot navigation</a:t>
+            </a:r>
+            <a:endParaRPr lang="en-US" dirty="0"/>
+          </a:p>
+        </p:txBody>
+      </p:sp>
+      <p:pic>
+        <p:nvPicPr>
+          <p:cNvPr id="1032" name="Picture 8" descr="http://www.athoughtabroad.com/images/19.png"/>
+          <p:cNvPicPr>
+            <a:picLocks noChangeAspect="1" noChangeArrowheads="1"/>
+          </p:cNvPicPr>
+          <p:nvPr/>
+        </p:nvPicPr>
+        <p:blipFill rotWithShape="1">
+          <a:blip r:embed="rId7">
+            <a:extLst>
+              <a:ext uri="{28A0092B-C50C-407E-A947-70E740481C1C}">
+                <a14:useLocalDpi xmlns:a14="http://schemas.microsoft.com/office/drawing/2010/main" val="0"/>
+              </a:ext>
+            </a:extLst>
+          </a:blip>
+          <a:srcRect l="1125" t="5048" r="1178" b="41133"/>
+          <a:stretch/>
+        </p:blipFill>
+        <p:spPr bwMode="auto">
+          <a:xfrm>
+            <a:off x="79528" y="4055178"/>
+            <a:ext cx="7186934" cy="2329732"/>
+          </a:xfrm>
+          <a:prstGeom prst="rect">
+            <a:avLst/>
+          </a:prstGeom>
+          <a:noFill/>
+          <a:extLst>
+            <a:ext uri="{909E8E84-426E-40DD-AFC4-6F175D3DCCD1}">
+              <a14:hiddenFill xmlns:a14="http://schemas.microsoft.com/office/drawing/2010/main">
+                <a:solidFill>
+                  <a:srgbClr val="FFFFFF"/>
+                </a:solidFill>
+              </a14:hiddenFill>
+            </a:ext>
+          </a:extLst>
+        </p:spPr>
+      </p:pic>
+      <p:pic>
+        <p:nvPicPr>
+          <p:cNvPr id="11" name="Picture 8" descr="http://www.athoughtabroad.com/images/19.png"/>
+          <p:cNvPicPr>
+            <a:picLocks noChangeAspect="1" noChangeArrowheads="1"/>
+          </p:cNvPicPr>
+          <p:nvPr/>
+        </p:nvPicPr>
+        <p:blipFill rotWithShape="1">
+          <a:blip r:embed="rId7">
+            <a:extLst>
+              <a:ext uri="{28A0092B-C50C-407E-A947-70E740481C1C}">
+                <a14:useLocalDpi xmlns:a14="http://schemas.microsoft.com/office/drawing/2010/main" val="0"/>
+              </a:ext>
+            </a:extLst>
+          </a:blip>
+          <a:srcRect l="50911" t="60156" r="1658" b="6547"/>
+          <a:stretch/>
+        </p:blipFill>
+        <p:spPr bwMode="auto">
+          <a:xfrm>
+            <a:off x="6074150" y="4055178"/>
+            <a:ext cx="5577598" cy="2304036"/>
+          </a:xfrm>
+          <a:prstGeom prst="rect">
+            <a:avLst/>
+          </a:prstGeom>
+          <a:noFill/>
+          <a:extLst>
+            <a:ext uri="{909E8E84-426E-40DD-AFC4-6F175D3DCCD1}">
+              <a14:hiddenFill xmlns:a14="http://schemas.microsoft.com/office/drawing/2010/main">
+                <a:solidFill>
+                  <a:srgbClr val="FFFFFF"/>
+                </a:solidFill>
+              </a14:hiddenFill>
+            </a:ext>
+          </a:extLst>
+        </p:spPr>
+      </p:pic>
+      <p:sp>
+        <p:nvSpPr>
+          <p:cNvPr id="12" name="TextBox 11"/>
+          <p:cNvSpPr txBox="1"/>
+          <p:nvPr/>
+        </p:nvSpPr>
+        <p:spPr>
+          <a:xfrm>
+            <a:off x="4121426" y="6384910"/>
+            <a:ext cx="3689406" cy="369332"/>
+          </a:xfrm>
+          <a:prstGeom prst="rect">
+            <a:avLst/>
+          </a:prstGeom>
+          <a:noFill/>
+        </p:spPr>
+        <p:txBody>
+          <a:bodyPr wrap="square" rtlCol="0">
+            <a:spAutoFit/>
+          </a:bodyPr>
+          <a:lstStyle/>
+          <a:p>
+            <a:pPr algn="ctr"/>
+            <a:r>
+              <a:rPr lang="en-US" dirty="0" smtClean="0"/>
+              <a:t>Panorama stitching</a:t>
+            </a:r>
+            <a:endParaRPr lang="en-US" dirty="0"/>
+          </a:p>
+        </p:txBody>
+      </p:sp>
+    </p:spTree>
+    <p:extLst>
+      <p:ext uri="{BB962C8B-B14F-4D97-AF65-F5344CB8AC3E}">
+        <p14:creationId xmlns:p14="http://schemas.microsoft.com/office/powerpoint/2010/main" val="1030544703"/>
+      </p:ext>
+    </p:extLst>
+  </p:cSld>
+  <p:clrMapOvr>
+    <a:masterClrMapping/>
+  </p:clrMapOvr>
+</p:sld>
+</file>
+
+<file path=ppt/slides/slide6.xml><?xml version="1.0" encoding="utf-8"?>
+<p:sld xmlns:a="http://schemas.openxmlformats.org/drawingml/2006/main" xmlns:r="http://schemas.openxmlformats.org/officeDocument/2006/relationships" xmlns:p="http://schemas.openxmlformats.org/presentationml/2006/main">
+  <p:cSld>
+    <p:spTree>
+      <p:nvGrpSpPr>
+        <p:cNvPr id="1" name=""/>
+        <p:cNvGrpSpPr/>
+        <p:nvPr/>
+      </p:nvGrpSpPr>
+      <p:grpSpPr>
+        <a:xfrm>
+          <a:off x="0" y="0"/>
+          <a:ext cx="0" cy="0"/>
+          <a:chOff x="0" y="0"/>
+          <a:chExt cx="0" cy="0"/>
+        </a:xfrm>
+      </p:grpSpPr>
+      <p:sp>
+        <p:nvSpPr>
+          <p:cNvPr id="2" name="Title 1"/>
+          <p:cNvSpPr>
+            <a:spLocks noGrp="1"/>
+          </p:cNvSpPr>
+          <p:nvPr>
+            <p:ph type="title"/>
+          </p:nvPr>
+        </p:nvSpPr>
+        <p:spPr/>
+        <p:txBody>
+          <a:bodyPr/>
+          <a:lstStyle/>
+          <a:p>
+            <a:r>
+              <a:rPr lang="en-US" dirty="0" smtClean="0"/>
+              <a:t>Feature detector</a:t>
+            </a:r>
+            <a:endParaRPr lang="en-US" dirty="0"/>
+          </a:p>
+        </p:txBody>
+      </p:sp>
+      <p:sp>
+        <p:nvSpPr>
+          <p:cNvPr id="3" name="Content Placeholder 2"/>
+          <p:cNvSpPr>
+            <a:spLocks noGrp="1"/>
+          </p:cNvSpPr>
+          <p:nvPr>
+            <p:ph idx="1"/>
+          </p:nvPr>
+        </p:nvSpPr>
+        <p:spPr/>
+        <p:txBody>
+          <a:bodyPr/>
+          <a:lstStyle/>
+          <a:p>
+            <a:endParaRPr lang="en-US" dirty="0"/>
+          </a:p>
+        </p:txBody>
+      </p:sp>
+    </p:spTree>
+    <p:extLst>
+      <p:ext uri="{BB962C8B-B14F-4D97-AF65-F5344CB8AC3E}">
+        <p14:creationId xmlns:p14="http://schemas.microsoft.com/office/powerpoint/2010/main" val="1927824165"/>
       </p:ext>
     </p:extLst>
   </p:cSld>

--- a/c_08_features/features.pptx
+++ b/c_08_features/features.pptx
@@ -10,7 +10,8 @@
     <p:sldId id="589" r:id="rId4"/>
     <p:sldId id="590" r:id="rId5"/>
     <p:sldId id="592" r:id="rId6"/>
-    <p:sldId id="591" r:id="rId7"/>
+    <p:sldId id="593" r:id="rId7"/>
+    <p:sldId id="324" r:id="rId8"/>
   </p:sldIdLst>
   <p:sldSz cx="12192000" cy="6858000"/>
   <p:notesSz cx="6858000" cy="9144000"/>
@@ -111,7 +112,18 @@
   </p:defaultTextStyle>
   <p:extLst>
     <p:ext uri="{EFAFB233-063F-42B5-8137-9DF3F51BA10A}">
-      <p15:sldGuideLst xmlns:p15="http://schemas.microsoft.com/office/powerpoint/2012/main" xmlns=""/>
+      <p15:sldGuideLst xmlns:p15="http://schemas.microsoft.com/office/powerpoint/2012/main">
+        <p15:guide id="1" orient="horz" pos="2160">
+          <p15:clr>
+            <a:srgbClr val="A4A3A4"/>
+          </p15:clr>
+        </p15:guide>
+        <p15:guide id="2" pos="3840">
+          <p15:clr>
+            <a:srgbClr val="A4A3A4"/>
+          </p15:clr>
+        </p15:guide>
+      </p15:sldGuideLst>
     </p:ext>
   </p:extLst>
 </p:presentation>
@@ -769,6 +781,88 @@
     <p:extLst>
       <p:ext uri="{BB962C8B-B14F-4D97-AF65-F5344CB8AC3E}">
         <p14:creationId xmlns:p14="http://schemas.microsoft.com/office/powerpoint/2010/main" val="1501923058"/>
+      </p:ext>
+    </p:extLst>
+  </p:cSld>
+  <p:clrMapOvr>
+    <a:masterClrMapping/>
+  </p:clrMapOvr>
+  <p:transition spd="med"/>
+</p:sldLayout>
+</file>
+
+<file path=ppt/slideLayouts/slideLayout13.xml><?xml version="1.0" encoding="utf-8"?>
+<p:sldLayout xmlns:a="http://schemas.openxmlformats.org/drawingml/2006/main" xmlns:r="http://schemas.openxmlformats.org/officeDocument/2006/relationships" xmlns:p="http://schemas.openxmlformats.org/presentationml/2006/main" type="tx">
+  <p:cSld name="Title - Top">
+    <p:spTree>
+      <p:nvGrpSpPr>
+        <p:cNvPr id="1" name=""/>
+        <p:cNvGrpSpPr/>
+        <p:nvPr/>
+      </p:nvGrpSpPr>
+      <p:grpSpPr>
+        <a:xfrm>
+          <a:off x="0" y="0"/>
+          <a:ext cx="0" cy="0"/>
+          <a:chOff x="0" y="0"/>
+          <a:chExt cx="0" cy="0"/>
+        </a:xfrm>
+      </p:grpSpPr>
+      <p:sp>
+        <p:nvSpPr>
+          <p:cNvPr id="48" name="Title Text"/>
+          <p:cNvSpPr txBox="1">
+            <a:spLocks noGrp="1"/>
+          </p:cNvSpPr>
+          <p:nvPr>
+            <p:ph type="title"/>
+          </p:nvPr>
+        </p:nvSpPr>
+        <p:spPr>
+          <a:prstGeom prst="rect">
+            <a:avLst/>
+          </a:prstGeom>
+        </p:spPr>
+        <p:txBody>
+          <a:bodyPr/>
+          <a:lstStyle/>
+          <a:p>
+            <a:r>
+              <a:t>Title Text</a:t>
+            </a:r>
+          </a:p>
+        </p:txBody>
+      </p:sp>
+      <p:sp>
+        <p:nvSpPr>
+          <p:cNvPr id="49" name="Slide Number"/>
+          <p:cNvSpPr txBox="1">
+            <a:spLocks noGrp="1"/>
+          </p:cNvSpPr>
+          <p:nvPr>
+            <p:ph type="sldNum" sz="quarter" idx="2"/>
+          </p:nvPr>
+        </p:nvSpPr>
+        <p:spPr>
+          <a:prstGeom prst="rect">
+            <a:avLst/>
+          </a:prstGeom>
+        </p:spPr>
+        <p:txBody>
+          <a:bodyPr/>
+          <a:lstStyle/>
+          <a:p>
+            <a:fld id="{86CB4B4D-7CA3-9044-876B-883B54F8677D}" type="slidenum">
+              <a:t>‹#›</a:t>
+            </a:fld>
+            <a:endParaRPr/>
+          </a:p>
+        </p:txBody>
+      </p:sp>
+    </p:spTree>
+    <p:extLst>
+      <p:ext uri="{BB962C8B-B14F-4D97-AF65-F5344CB8AC3E}">
+        <p14:creationId xmlns:p14="http://schemas.microsoft.com/office/powerpoint/2010/main" val="3145451353"/>
       </p:ext>
     </p:extLst>
   </p:cSld>
@@ -2890,6 +2984,7 @@
     <p:sldLayoutId id="2147483670" r:id="rId10"/>
     <p:sldLayoutId id="2147483671" r:id="rId11"/>
     <p:sldLayoutId id="2147483672" r:id="rId12"/>
+    <p:sldLayoutId id="2147483673" r:id="rId13"/>
   </p:sldLayoutIdLst>
   <p:txStyles>
     <p:titleStyle>
@@ -3359,7 +3454,7 @@
           <p:cNvPr id="2" name="Title 1">
             <a:extLst>
               <a:ext uri="{FF2B5EF4-FFF2-40B4-BE49-F238E27FC236}">
-                <a16:creationId xmlns:a16="http://schemas.microsoft.com/office/drawing/2014/main" xmlns="" id="{A20DB4A6-AFE1-4F8E-B54F-7A302B25FDD4}"/>
+                <a16:creationId xmlns:a16="http://schemas.microsoft.com/office/drawing/2014/main" id="{A20DB4A6-AFE1-4F8E-B54F-7A302B25FDD4}"/>
               </a:ext>
             </a:extLst>
           </p:cNvPr>
@@ -3384,7 +3479,7 @@
           <p:cNvPr id="3" name="Content Placeholder 2">
             <a:extLst>
               <a:ext uri="{FF2B5EF4-FFF2-40B4-BE49-F238E27FC236}">
-                <a16:creationId xmlns:a16="http://schemas.microsoft.com/office/drawing/2014/main" xmlns="" id="{8CC1A28A-BF0F-4286-8895-BC5370F57509}"/>
+                <a16:creationId xmlns:a16="http://schemas.microsoft.com/office/drawing/2014/main" id="{8CC1A28A-BF0F-4286-8895-BC5370F57509}"/>
               </a:ext>
             </a:extLst>
           </p:cNvPr>
@@ -3496,10 +3591,9 @@
           <a:lstStyle/>
           <a:p>
             <a:r>
-              <a:rPr lang="en-US" dirty="0" smtClean="0"/>
+              <a:rPr lang="en-US" dirty="0"/>
               <a:t>What is a feature?</a:t>
             </a:r>
-            <a:endParaRPr lang="en-US" dirty="0"/>
           </a:p>
         </p:txBody>
       </p:sp>
@@ -3528,21 +3622,17 @@
             </a:r>
             <a:r>
               <a:rPr lang="en-US" dirty="0"/>
-              <a:t>part of an </a:t>
-            </a:r>
-            <a:r>
-              <a:rPr lang="en-US" dirty="0" smtClean="0"/>
-              <a:t>image.</a:t>
+              <a:t>part of an image.</a:t>
             </a:r>
           </a:p>
           <a:p>
             <a:pPr lvl="1"/>
             <a:r>
-              <a:rPr lang="en-US" dirty="0" smtClean="0"/>
+              <a:rPr lang="en-US" dirty="0"/>
               <a:t>[from: </a:t>
             </a:r>
             <a:r>
-              <a:rPr lang="en-US" dirty="0" err="1" smtClean="0"/>
+              <a:rPr lang="en-US" dirty="0" err="1"/>
               <a:t>wikipedia</a:t>
             </a:r>
             <a:r>
@@ -3598,10 +3688,9 @@
           <a:lstStyle/>
           <a:p>
             <a:r>
-              <a:rPr lang="en-US" dirty="0" smtClean="0"/>
+              <a:rPr lang="en-US" dirty="0"/>
               <a:t>What can we do with features?</a:t>
             </a:r>
-            <a:endParaRPr lang="en-US" dirty="0"/>
           </a:p>
         </p:txBody>
       </p:sp>
@@ -3646,7 +3735,7 @@
           <a:graphicData uri="http://schemas.openxmlformats.org/presentationml/2006/ole">
             <mc:AlternateContent xmlns:mc="http://schemas.openxmlformats.org/markup-compatibility/2006">
               <mc:Choice xmlns:v="urn:schemas-microsoft-com:vml" Requires="v">
-                <p:oleObj spid="_x0000_s1033" name="CorelPhotoPaint.Image.8" r:id="rId3" imgW="3796825" imgH="4507937" progId="">
+                <p:oleObj spid="_x0000_s1036" name="CorelPhotoPaint.Image.8" r:id="rId3" imgW="3796825" imgH="4507937" progId="">
                   <p:embed/>
                 </p:oleObj>
               </mc:Choice>
@@ -3687,7 +3776,6 @@
                         <a:noFill/>
                       </a:ln>
                       <a:effectLst/>
-                      <a:extLst/>
                     </p:spPr>
                   </p:pic>
                 </p:oleObj>
@@ -3752,10 +3840,9 @@
           <a:p>
             <a:pPr algn="ctr"/>
             <a:r>
-              <a:rPr lang="en-US" dirty="0" smtClean="0"/>
+              <a:rPr lang="en-US" dirty="0"/>
               <a:t>Object recognition</a:t>
             </a:r>
-            <a:endParaRPr lang="en-US" dirty="0"/>
           </a:p>
         </p:txBody>
       </p:sp>
@@ -3824,10 +3911,9 @@
           <a:p>
             <a:pPr algn="ctr"/>
             <a:r>
-              <a:rPr lang="en-US" dirty="0" smtClean="0"/>
+              <a:rPr lang="en-US" dirty="0"/>
               <a:t>Robot navigation</a:t>
             </a:r>
-            <a:endParaRPr lang="en-US" dirty="0"/>
           </a:p>
         </p:txBody>
       </p:sp>
@@ -3933,10 +4019,9 @@
           <a:p>
             <a:pPr algn="ctr"/>
             <a:r>
-              <a:rPr lang="en-US" dirty="0" smtClean="0"/>
+              <a:rPr lang="en-US" dirty="0"/>
               <a:t>Panorama stitching</a:t>
             </a:r>
-            <a:endParaRPr lang="en-US" dirty="0"/>
           </a:p>
         </p:txBody>
       </p:sp>
@@ -3972,7 +4057,13 @@
       </p:grpSpPr>
       <p:sp>
         <p:nvSpPr>
-          <p:cNvPr id="2" name="Title 1"/>
+          <p:cNvPr id="2" name="Title 1">
+            <a:extLst>
+              <a:ext uri="{FF2B5EF4-FFF2-40B4-BE49-F238E27FC236}">
+                <a16:creationId xmlns:a16="http://schemas.microsoft.com/office/drawing/2014/main" id="{3076269A-2DDF-4C73-8777-A6A49EFFEDFF}"/>
+              </a:ext>
+            </a:extLst>
+          </p:cNvPr>
           <p:cNvSpPr>
             <a:spLocks noGrp="1"/>
           </p:cNvSpPr>
@@ -3986,16 +4077,21 @@
           <a:lstStyle/>
           <a:p>
             <a:r>
-              <a:rPr lang="en-US" dirty="0" smtClean="0"/>
-              <a:t>Feature detector</a:t>
-            </a:r>
-            <a:endParaRPr lang="en-US" dirty="0"/>
-          </a:p>
-        </p:txBody>
-      </p:sp>
-      <p:sp>
-        <p:nvSpPr>
-          <p:cNvPr id="3" name="Content Placeholder 2"/>
+              <a:rPr lang="en-US" dirty="0"/>
+              <a:t>Features- 2 main parts</a:t>
+            </a:r>
+          </a:p>
+        </p:txBody>
+      </p:sp>
+      <p:sp>
+        <p:nvSpPr>
+          <p:cNvPr id="3" name="Content Placeholder 2">
+            <a:extLst>
+              <a:ext uri="{FF2B5EF4-FFF2-40B4-BE49-F238E27FC236}">
+                <a16:creationId xmlns:a16="http://schemas.microsoft.com/office/drawing/2014/main" id="{A929CB41-18BD-4B23-B8DD-90AC882D83B8}"/>
+              </a:ext>
+            </a:extLst>
+          </p:cNvPr>
           <p:cNvSpPr>
             <a:spLocks noGrp="1"/>
           </p:cNvSpPr>
@@ -4007,6 +4103,42 @@
         <p:txBody>
           <a:bodyPr/>
           <a:lstStyle/>
+          <a:p>
+            <a:r>
+              <a:rPr lang="en-US" b="1" dirty="0"/>
+              <a:t>Detector</a:t>
+            </a:r>
+            <a:r>
+              <a:rPr lang="en-US" dirty="0"/>
+              <a:t>: an algorithm to determine which points of an image are interesting and unique enough to be considered features (also known as </a:t>
+            </a:r>
+            <a:r>
+              <a:rPr lang="en-US" b="1" dirty="0" err="1"/>
+              <a:t>keypoints</a:t>
+            </a:r>
+            <a:r>
+              <a:rPr lang="en-US" dirty="0"/>
+              <a:t>).</a:t>
+            </a:r>
+          </a:p>
+          <a:p>
+            <a:r>
+              <a:rPr lang="en-US" b="1" dirty="0"/>
+              <a:t>Descriptor</a:t>
+            </a:r>
+            <a:r>
+              <a:rPr lang="en-US" dirty="0"/>
+              <a:t>: once we have </a:t>
+            </a:r>
+            <a:r>
+              <a:rPr lang="en-US" dirty="0" err="1"/>
+              <a:t>keypoints</a:t>
+            </a:r>
+            <a:r>
+              <a:rPr lang="en-US" dirty="0"/>
+              <a:t>, we need to be able to find matches between two feature sets of two images as fast and as accurate as possible. The descriptor is a feature vector that can be compared to others.</a:t>
+            </a:r>
+          </a:p>
           <a:p>
             <a:endParaRPr lang="en-US" dirty="0"/>
           </a:p>
@@ -4015,13 +4147,178 @@
     </p:spTree>
     <p:extLst>
       <p:ext uri="{BB962C8B-B14F-4D97-AF65-F5344CB8AC3E}">
-        <p14:creationId xmlns:p14="http://schemas.microsoft.com/office/powerpoint/2010/main" val="1927824165"/>
+        <p14:creationId xmlns:p14="http://schemas.microsoft.com/office/powerpoint/2010/main" val="4143437750"/>
       </p:ext>
     </p:extLst>
   </p:cSld>
   <p:clrMapOvr>
     <a:masterClrMapping/>
   </p:clrMapOvr>
+</p:sld>
+</file>
+
+<file path=ppt/slides/slide7.xml><?xml version="1.0" encoding="utf-8"?>
+<p:sld xmlns:a="http://schemas.openxmlformats.org/drawingml/2006/main" xmlns:r="http://schemas.openxmlformats.org/officeDocument/2006/relationships" xmlns:p="http://schemas.openxmlformats.org/presentationml/2006/main">
+  <p:cSld>
+    <p:spTree>
+      <p:nvGrpSpPr>
+        <p:cNvPr id="1" name=""/>
+        <p:cNvGrpSpPr/>
+        <p:nvPr/>
+      </p:nvGrpSpPr>
+      <p:grpSpPr>
+        <a:xfrm>
+          <a:off x="0" y="0"/>
+          <a:ext cx="0" cy="0"/>
+          <a:chOff x="0" y="0"/>
+          <a:chExt cx="0" cy="0"/>
+        </a:xfrm>
+      </p:grpSpPr>
+      <p:pic>
+        <p:nvPicPr>
+          <p:cNvPr id="503" name="image.png" descr="image.png"/>
+          <p:cNvPicPr>
+            <a:picLocks noChangeAspect="1"/>
+          </p:cNvPicPr>
+          <p:nvPr/>
+        </p:nvPicPr>
+        <p:blipFill>
+          <a:blip r:embed="rId2"/>
+          <a:stretch>
+            <a:fillRect/>
+          </a:stretch>
+        </p:blipFill>
+        <p:spPr>
+          <a:xfrm>
+            <a:off x="2387599" y="500864"/>
+            <a:ext cx="7416802" cy="2790825"/>
+          </a:xfrm>
+          <a:prstGeom prst="rect">
+            <a:avLst/>
+          </a:prstGeom>
+          <a:ln w="12700">
+            <a:miter lim="400000"/>
+          </a:ln>
+        </p:spPr>
+      </p:pic>
+      <p:pic>
+        <p:nvPicPr>
+          <p:cNvPr id="504" name="image.png" descr="image.png"/>
+          <p:cNvPicPr>
+            <a:picLocks noChangeAspect="1"/>
+          </p:cNvPicPr>
+          <p:nvPr/>
+        </p:nvPicPr>
+        <p:blipFill>
+          <a:blip r:embed="rId3"/>
+          <a:stretch>
+            <a:fillRect/>
+          </a:stretch>
+        </p:blipFill>
+        <p:spPr>
+          <a:xfrm>
+            <a:off x="3143250" y="3660200"/>
+            <a:ext cx="5905500" cy="2779713"/>
+          </a:xfrm>
+          <a:prstGeom prst="rect">
+            <a:avLst/>
+          </a:prstGeom>
+          <a:ln w="12700">
+            <a:miter lim="400000"/>
+          </a:ln>
+        </p:spPr>
+      </p:pic>
+      <p:sp>
+        <p:nvSpPr>
+          <p:cNvPr id="505" name="Gaussian"/>
+          <p:cNvSpPr txBox="1"/>
+          <p:nvPr/>
+        </p:nvSpPr>
+        <p:spPr>
+          <a:xfrm>
+            <a:off x="5603188" y="3263121"/>
+            <a:ext cx="864019" cy="331758"/>
+          </a:xfrm>
+          <a:prstGeom prst="rect">
+            <a:avLst/>
+          </a:prstGeom>
+          <a:ln w="12700">
+            <a:miter lim="400000"/>
+          </a:ln>
+          <a:extLst>
+            <a:ext uri="{C572A759-6A51-4108-AA02-DFA0A04FC94B}">
+              <ma14:wrappingTextBoxFlag xmlns="" xmlns:ma14="http://schemas.microsoft.com/office/mac/drawingml/2011/main" val="1"/>
+            </a:ext>
+          </a:extLst>
+        </p:spPr>
+        <p:txBody>
+          <a:bodyPr wrap="none" lIns="35719" tIns="35719" rIns="35719" bIns="35719" anchor="ctr">
+            <a:spAutoFit/>
+          </a:bodyPr>
+          <a:lstStyle>
+            <a:lvl1pPr>
+              <a:defRPr sz="2400"/>
+            </a:lvl1pPr>
+          </a:lstStyle>
+          <a:p>
+            <a:r>
+              <a:rPr sz="1687"/>
+              <a:t>Gaussian</a:t>
+            </a:r>
+          </a:p>
+        </p:txBody>
+      </p:sp>
+      <p:sp>
+        <p:nvSpPr>
+          <p:cNvPr id="506" name="Laplacian"/>
+          <p:cNvSpPr txBox="1"/>
+          <p:nvPr/>
+        </p:nvSpPr>
+        <p:spPr>
+          <a:xfrm>
+            <a:off x="5585293" y="6413097"/>
+            <a:ext cx="894477" cy="331758"/>
+          </a:xfrm>
+          <a:prstGeom prst="rect">
+            <a:avLst/>
+          </a:prstGeom>
+          <a:ln w="12700">
+            <a:miter lim="400000"/>
+          </a:ln>
+          <a:extLst>
+            <a:ext uri="{C572A759-6A51-4108-AA02-DFA0A04FC94B}">
+              <ma14:wrappingTextBoxFlag xmlns="" xmlns:ma14="http://schemas.microsoft.com/office/mac/drawingml/2011/main" val="1"/>
+            </a:ext>
+          </a:extLst>
+        </p:spPr>
+        <p:txBody>
+          <a:bodyPr wrap="none" lIns="35719" tIns="35719" rIns="35719" bIns="35719" anchor="ctr">
+            <a:spAutoFit/>
+          </a:bodyPr>
+          <a:lstStyle>
+            <a:lvl1pPr>
+              <a:defRPr sz="2400"/>
+            </a:lvl1pPr>
+          </a:lstStyle>
+          <a:p>
+            <a:r>
+              <a:rPr sz="1687"/>
+              <a:t>Laplacian</a:t>
+            </a:r>
+          </a:p>
+        </p:txBody>
+      </p:sp>
+    </p:spTree>
+    <p:extLst>
+      <p:ext uri="{BB962C8B-B14F-4D97-AF65-F5344CB8AC3E}">
+        <p14:creationId xmlns:p14="http://schemas.microsoft.com/office/powerpoint/2010/main" val="50300046"/>
+      </p:ext>
+    </p:extLst>
+  </p:cSld>
+  <p:clrMapOvr>
+    <a:masterClrMapping/>
+  </p:clrMapOvr>
+  <p:transition spd="med"/>
 </p:sld>
 </file>
 

--- a/c_08_features/features.pptx
+++ b/c_08_features/features.pptx
@@ -5,7 +5,7 @@
     <p:sldMasterId id="2147483660" r:id="rId1"/>
   </p:sldMasterIdLst>
   <p:notesMasterIdLst>
-    <p:notesMasterId r:id="rId41"/>
+    <p:notesMasterId r:id="rId42"/>
   </p:notesMasterIdLst>
   <p:sldIdLst>
     <p:sldId id="256" r:id="rId2"/>
@@ -22,31 +22,32 @@
     <p:sldId id="601" r:id="rId13"/>
     <p:sldId id="602" r:id="rId14"/>
     <p:sldId id="605" r:id="rId15"/>
-    <p:sldId id="606" r:id="rId16"/>
-    <p:sldId id="607" r:id="rId17"/>
-    <p:sldId id="608" r:id="rId18"/>
-    <p:sldId id="609" r:id="rId19"/>
-    <p:sldId id="615" r:id="rId20"/>
-    <p:sldId id="616" r:id="rId21"/>
-    <p:sldId id="617" r:id="rId22"/>
-    <p:sldId id="618" r:id="rId23"/>
-    <p:sldId id="619" r:id="rId24"/>
-    <p:sldId id="620" r:id="rId25"/>
-    <p:sldId id="621" r:id="rId26"/>
-    <p:sldId id="622" r:id="rId27"/>
-    <p:sldId id="623" r:id="rId28"/>
-    <p:sldId id="624" r:id="rId29"/>
-    <p:sldId id="625" r:id="rId30"/>
-    <p:sldId id="626" r:id="rId31"/>
-    <p:sldId id="627" r:id="rId32"/>
-    <p:sldId id="628" r:id="rId33"/>
-    <p:sldId id="629" r:id="rId34"/>
-    <p:sldId id="630" r:id="rId35"/>
-    <p:sldId id="324" r:id="rId36"/>
-    <p:sldId id="597" r:id="rId37"/>
-    <p:sldId id="594" r:id="rId38"/>
-    <p:sldId id="595" r:id="rId39"/>
-    <p:sldId id="596" r:id="rId40"/>
+    <p:sldId id="607" r:id="rId16"/>
+    <p:sldId id="608" r:id="rId17"/>
+    <p:sldId id="634" r:id="rId18"/>
+    <p:sldId id="635" r:id="rId19"/>
+    <p:sldId id="609" r:id="rId20"/>
+    <p:sldId id="615" r:id="rId21"/>
+    <p:sldId id="616" r:id="rId22"/>
+    <p:sldId id="617" r:id="rId23"/>
+    <p:sldId id="618" r:id="rId24"/>
+    <p:sldId id="619" r:id="rId25"/>
+    <p:sldId id="620" r:id="rId26"/>
+    <p:sldId id="621" r:id="rId27"/>
+    <p:sldId id="622" r:id="rId28"/>
+    <p:sldId id="623" r:id="rId29"/>
+    <p:sldId id="624" r:id="rId30"/>
+    <p:sldId id="625" r:id="rId31"/>
+    <p:sldId id="626" r:id="rId32"/>
+    <p:sldId id="627" r:id="rId33"/>
+    <p:sldId id="628" r:id="rId34"/>
+    <p:sldId id="629" r:id="rId35"/>
+    <p:sldId id="630" r:id="rId36"/>
+    <p:sldId id="324" r:id="rId37"/>
+    <p:sldId id="597" r:id="rId38"/>
+    <p:sldId id="594" r:id="rId39"/>
+    <p:sldId id="595" r:id="rId40"/>
+    <p:sldId id="596" r:id="rId41"/>
   </p:sldIdLst>
   <p:sldSz cx="12192000" cy="6858000"/>
   <p:notesSz cx="6858000" cy="9144000"/>
@@ -164,9 +165,10 @@
             <p14:sldId id="601"/>
             <p14:sldId id="602"/>
             <p14:sldId id="605"/>
-            <p14:sldId id="606"/>
             <p14:sldId id="607"/>
             <p14:sldId id="608"/>
+            <p14:sldId id="634"/>
+            <p14:sldId id="635"/>
             <p14:sldId id="609"/>
             <p14:sldId id="615"/>
             <p14:sldId id="616"/>
@@ -198,13 +200,18 @@
       </p14:sectionLst>
     </p:ext>
     <p:ext uri="{EFAFB233-063F-42B5-8137-9DF3F51BA10A}">
-      <p15:sldGuideLst xmlns:p15="http://schemas.microsoft.com/office/powerpoint/2012/main" xmlns="">
+      <p15:sldGuideLst xmlns:p15="http://schemas.microsoft.com/office/powerpoint/2012/main">
         <p15:guide id="1" orient="horz" pos="2160">
           <p15:clr>
             <a:srgbClr val="A4A3A4"/>
           </p15:clr>
         </p15:guide>
         <p15:guide id="2" pos="3840">
+          <p15:clr>
+            <a:srgbClr val="A4A3A4"/>
+          </p15:clr>
+        </p15:guide>
+        <p15:guide id="3" orient="horz" pos="4319">
           <p15:clr>
             <a:srgbClr val="A4A3A4"/>
           </p15:clr>
@@ -361,38 +368,37 @@
           <a:p>
             <a:pPr lvl="0"/>
             <a:r>
-              <a:rPr lang="en-US" smtClean="0"/>
+              <a:rPr lang="en-US"/>
               <a:t>Click to edit Master text styles</a:t>
             </a:r>
           </a:p>
           <a:p>
             <a:pPr lvl="1"/>
             <a:r>
-              <a:rPr lang="en-US" smtClean="0"/>
+              <a:rPr lang="en-US"/>
               <a:t>Second level</a:t>
             </a:r>
           </a:p>
           <a:p>
             <a:pPr lvl="2"/>
             <a:r>
-              <a:rPr lang="en-US" smtClean="0"/>
+              <a:rPr lang="en-US"/>
               <a:t>Third level</a:t>
             </a:r>
           </a:p>
           <a:p>
             <a:pPr lvl="3"/>
             <a:r>
-              <a:rPr lang="en-US" smtClean="0"/>
+              <a:rPr lang="en-US"/>
               <a:t>Fourth level</a:t>
             </a:r>
           </a:p>
           <a:p>
             <a:pPr lvl="4"/>
             <a:r>
-              <a:rPr lang="en-US" smtClean="0"/>
+              <a:rPr lang="en-US"/>
               <a:t>Fifth level</a:t>
             </a:r>
-            <a:endParaRPr lang="en-US"/>
           </a:p>
         </p:txBody>
       </p:sp>
@@ -628,7 +634,7 @@
               </a14:hiddenLine>
             </a:ext>
             <a:ext uri="{FAA26D3D-D897-4be2-8F04-BA451C77F1D7}">
-              <ma14:placeholderFlag xmlns:ma14="http://schemas.microsoft.com/office/mac/drawingml/2011/main" xmlns="" val="1"/>
+              <ma14:placeholderFlag xmlns="" xmlns:ma14="http://schemas.microsoft.com/office/mac/drawingml/2011/main" val="1"/>
             </a:ext>
           </a:extLst>
         </p:spPr>
@@ -844,6 +850,93 @@
       </p:grpSpPr>
       <p:sp>
         <p:nvSpPr>
+          <p:cNvPr id="43010" name="Slide Image Placeholder 1"/>
+          <p:cNvSpPr>
+            <a:spLocks noGrp="1" noRot="1" noChangeAspect="1" noTextEdit="1"/>
+          </p:cNvSpPr>
+          <p:nvPr>
+            <p:ph type="sldImg"/>
+          </p:nvPr>
+        </p:nvSpPr>
+        <p:spPr>
+          <a:ln/>
+        </p:spPr>
+      </p:sp>
+      <p:sp>
+        <p:nvSpPr>
+          <p:cNvPr id="43011" name="Notes Placeholder 2"/>
+          <p:cNvSpPr>
+            <a:spLocks noGrp="1"/>
+          </p:cNvSpPr>
+          <p:nvPr>
+            <p:ph type="body" idx="1"/>
+          </p:nvPr>
+        </p:nvSpPr>
+        <p:spPr>
+          <a:noFill/>
+          <a:ln/>
+        </p:spPr>
+        <p:txBody>
+          <a:bodyPr/>
+          <a:lstStyle/>
+          <a:p>
+            <a:endParaRPr lang="en-US"/>
+          </a:p>
+        </p:txBody>
+      </p:sp>
+      <p:sp>
+        <p:nvSpPr>
+          <p:cNvPr id="43012" name="Slide Number Placeholder 3"/>
+          <p:cNvSpPr>
+            <a:spLocks noGrp="1"/>
+          </p:cNvSpPr>
+          <p:nvPr>
+            <p:ph type="sldNum" sz="quarter" idx="5"/>
+          </p:nvPr>
+        </p:nvSpPr>
+        <p:spPr>
+          <a:noFill/>
+        </p:spPr>
+        <p:txBody>
+          <a:bodyPr/>
+          <a:lstStyle/>
+          <a:p>
+            <a:fld id="{97BF356B-C23D-4938-AA88-87895EC5400D}" type="slidenum">
+              <a:rPr lang="en-US"/>
+              <a:pPr/>
+              <a:t>20</a:t>
+            </a:fld>
+            <a:endParaRPr lang="en-US"/>
+          </a:p>
+        </p:txBody>
+      </p:sp>
+    </p:spTree>
+  </p:cSld>
+  <p:clrMapOvr>
+    <a:masterClrMapping/>
+  </p:clrMapOvr>
+</p:notes>
+</file>
+
+<file path=ppt/notesSlides/notesSlide11.xml><?xml version="1.0" encoding="utf-8"?>
+<p:notes xmlns:a="http://schemas.openxmlformats.org/drawingml/2006/main" xmlns:r="http://schemas.openxmlformats.org/officeDocument/2006/relationships" xmlns:p="http://schemas.openxmlformats.org/presentationml/2006/main">
+  <p:cSld>
+    <p:spTree>
+      <p:nvGrpSpPr>
+        <p:cNvPr id="1" name=""/>
+        <p:cNvGrpSpPr/>
+        <p:nvPr/>
+      </p:nvGrpSpPr>
+      <p:grpSpPr>
+        <a:xfrm>
+          <a:off x="0" y="0"/>
+          <a:ext cx="0" cy="0"/>
+          <a:chOff x="0" y="0"/>
+          <a:chExt cx="0" cy="0"/>
+        </a:xfrm>
+      </p:grpSpPr>
+      <p:sp>
+        <p:nvSpPr>
           <p:cNvPr id="81922" name="Rectangle 7"/>
           <p:cNvSpPr>
             <a:spLocks noGrp="1" noChangeArrowheads="1"/>
@@ -862,7 +955,7 @@
             <a:fld id="{9042F8AC-5B45-42CB-9735-3EB7A7C8F900}" type="slidenum">
               <a:rPr lang="en-US" smtClean="0"/>
               <a:pPr/>
-              <a:t>22</a:t>
+              <a:t>23</a:t>
             </a:fld>
             <a:endParaRPr lang="en-US"/>
           </a:p>
@@ -921,7 +1014,7 @@
 </p:notes>
 </file>
 
-<file path=ppt/notesSlides/notesSlide11.xml><?xml version="1.0" encoding="utf-8"?>
+<file path=ppt/notesSlides/notesSlide12.xml><?xml version="1.0" encoding="utf-8"?>
 <p:notes xmlns:a="http://schemas.openxmlformats.org/drawingml/2006/main" xmlns:r="http://schemas.openxmlformats.org/officeDocument/2006/relationships" xmlns:p="http://schemas.openxmlformats.org/presentationml/2006/main">
   <p:cSld>
     <p:spTree>
@@ -984,7 +1077,7 @@
               </a14:hiddenLine>
             </a:ext>
             <a:ext uri="{FAA26D3D-D897-4be2-8F04-BA451C77F1D7}">
-              <ma14:placeholderFlag xmlns:ma14="http://schemas.microsoft.com/office/mac/drawingml/2011/main" xmlns="" val="1"/>
+              <ma14:placeholderFlag xmlns="" xmlns:ma14="http://schemas.microsoft.com/office/mac/drawingml/2011/main" val="1"/>
             </a:ext>
           </a:extLst>
         </p:spPr>
@@ -1012,7 +1105,7 @@
 </p:notes>
 </file>
 
-<file path=ppt/notesSlides/notesSlide12.xml><?xml version="1.0" encoding="utf-8"?>
+<file path=ppt/notesSlides/notesSlide13.xml><?xml version="1.0" encoding="utf-8"?>
 <p:notes xmlns:a="http://schemas.openxmlformats.org/drawingml/2006/main" xmlns:r="http://schemas.openxmlformats.org/officeDocument/2006/relationships" xmlns:p="http://schemas.openxmlformats.org/presentationml/2006/main">
   <p:cSld>
     <p:spTree>
@@ -1049,7 +1142,7 @@
             <a:fld id="{6E5A9006-87B5-46C9-9E96-6AA3839CC93E}" type="slidenum">
               <a:rPr lang="en-US" smtClean="0"/>
               <a:pPr/>
-              <a:t>37</a:t>
+              <a:t>38</a:t>
             </a:fld>
             <a:endParaRPr lang="en-US"/>
           </a:p>
@@ -1100,7 +1193,7 @@
 </p:notes>
 </file>
 
-<file path=ppt/notesSlides/notesSlide13.xml><?xml version="1.0" encoding="utf-8"?>
+<file path=ppt/notesSlides/notesSlide14.xml><?xml version="1.0" encoding="utf-8"?>
 <p:notes xmlns:a="http://schemas.openxmlformats.org/drawingml/2006/main" xmlns:r="http://schemas.openxmlformats.org/officeDocument/2006/relationships" xmlns:p="http://schemas.openxmlformats.org/presentationml/2006/main">
   <p:cSld>
     <p:spTree>
@@ -1137,7 +1230,7 @@
             <a:fld id="{4A0BA7A5-3491-45A6-9E3B-1789197AE14A}" type="slidenum">
               <a:rPr lang="en-US" smtClean="0"/>
               <a:pPr/>
-              <a:t>38</a:t>
+              <a:t>39</a:t>
             </a:fld>
             <a:endParaRPr lang="en-US"/>
           </a:p>
@@ -1188,7 +1281,7 @@
 </p:notes>
 </file>
 
-<file path=ppt/notesSlides/notesSlide14.xml><?xml version="1.0" encoding="utf-8"?>
+<file path=ppt/notesSlides/notesSlide15.xml><?xml version="1.0" encoding="utf-8"?>
 <p:notes xmlns:a="http://schemas.openxmlformats.org/drawingml/2006/main" xmlns:r="http://schemas.openxmlformats.org/officeDocument/2006/relationships" xmlns:p="http://schemas.openxmlformats.org/presentationml/2006/main">
   <p:cSld>
     <p:spTree>
@@ -1225,7 +1318,7 @@
             <a:fld id="{8206E027-5420-4928-A7CA-206C85BCA021}" type="slidenum">
               <a:rPr lang="en-US" smtClean="0"/>
               <a:pPr/>
-              <a:t>39</a:t>
+              <a:t>40</a:t>
             </a:fld>
             <a:endParaRPr lang="en-US"/>
           </a:p>
@@ -1741,72 +1834,152 @@
       </p:grpSpPr>
       <p:sp>
         <p:nvSpPr>
-          <p:cNvPr id="76802" name="Rectangle 7"/>
+          <p:cNvPr id="2" name="Slide Image Placeholder 1"/>
           <p:cNvSpPr>
-            <a:spLocks noGrp="1" noChangeArrowheads="1"/>
+            <a:spLocks noGrp="1" noRot="1" noChangeAspect="1"/>
+          </p:cNvSpPr>
+          <p:nvPr>
+            <p:ph type="sldImg"/>
+          </p:nvPr>
+        </p:nvSpPr>
+        <p:spPr/>
+      </p:sp>
+      <p:sp>
+        <p:nvSpPr>
+          <p:cNvPr id="3" name="Notes Placeholder 2"/>
+          <p:cNvSpPr>
+            <a:spLocks noGrp="1"/>
+          </p:cNvSpPr>
+          <p:nvPr>
+            <p:ph type="body" idx="1"/>
+          </p:nvPr>
+        </p:nvSpPr>
+        <p:spPr/>
+        <p:txBody>
+          <a:bodyPr/>
+          <a:lstStyle/>
+          <a:p>
+            <a:r>
+              <a:rPr lang="en-US" dirty="0"/>
+              <a:t>\\</a:t>
+            </a:r>
+          </a:p>
+          <a:p>
+            <a:r>
+              <a:rPr lang="en-US" dirty="0"/>
+              <a:t>Av = \lambda v </a:t>
+            </a:r>
+          </a:p>
+          <a:p>
+            <a:r>
+              <a:rPr lang="en-US" dirty="0"/>
+              <a:t>\\</a:t>
+            </a:r>
+          </a:p>
+          <a:p>
+            <a:endParaRPr lang="en-US" dirty="0"/>
+          </a:p>
+          <a:p>
+            <a:r>
+              <a:rPr lang="en-US" dirty="0"/>
+              <a:t>AQ=Q\Lambda</a:t>
+            </a:r>
+          </a:p>
+          <a:p>
+            <a:r>
+              <a:rPr lang="en-US" dirty="0"/>
+              <a:t>\\</a:t>
+            </a:r>
+          </a:p>
+          <a:p>
+            <a:r>
+              <a:rPr lang="en-US" dirty="0"/>
+              <a:t>A=Q\Lambda Q^{-1}</a:t>
+            </a:r>
+          </a:p>
+          <a:p>
+            <a:r>
+              <a:rPr lang="en-US" dirty="0"/>
+              <a:t>\\</a:t>
+            </a:r>
+          </a:p>
+          <a:p>
+            <a:r>
+              <a:rPr lang="en-US" dirty="0"/>
+              <a:t>\</a:t>
+            </a:r>
+            <a:r>
+              <a:rPr lang="en-US" dirty="0" err="1"/>
+              <a:t>xrightarrow</a:t>
+            </a:r>
+            <a:r>
+              <a:rPr lang="en-US" dirty="0"/>
+              <a:t>{\text{A is real symmetric matrix}}</a:t>
+            </a:r>
+          </a:p>
+          <a:p>
+            <a:r>
+              <a:rPr lang="en-US" dirty="0"/>
+              <a:t>\\</a:t>
+            </a:r>
+          </a:p>
+          <a:p>
+            <a:r>
+              <a:rPr lang="en-US" dirty="0"/>
+              <a:t>A=Q\Lambda Q^{T}</a:t>
+            </a:r>
+          </a:p>
+          <a:p>
+            <a:r>
+              <a:rPr lang="en-US" dirty="0"/>
+              <a:t>\\</a:t>
+            </a:r>
+          </a:p>
+          <a:p>
+            <a:r>
+              <a:rPr lang="en-US" dirty="0"/>
+              <a:t>A=\left(\begin{array}{</a:t>
+            </a:r>
+            <a:r>
+              <a:rPr lang="en-US" dirty="0" err="1"/>
+              <a:t>ll</a:t>
+            </a:r>
+            <a:r>
+              <a:rPr lang="en-US" dirty="0"/>
+              <a:t>}{e_{1}} &amp; {e_{2}}\end{array}\right)\left(\begin{array}{cc}{\lambda_{1}} &amp; {0} \\ {0} &amp; {\lambda_{2}}\end{array}\right)\left(\begin{array}{c}{e_{1}^{T}} \\ {e_{2}^{T}}\end{array}\right) </a:t>
+            </a:r>
+          </a:p>
+        </p:txBody>
+      </p:sp>
+      <p:sp>
+        <p:nvSpPr>
+          <p:cNvPr id="4" name="Slide Number Placeholder 3"/>
+          <p:cNvSpPr>
+            <a:spLocks noGrp="1"/>
           </p:cNvSpPr>
           <p:nvPr>
             <p:ph type="sldNum" sz="quarter" idx="5"/>
           </p:nvPr>
         </p:nvSpPr>
-        <p:spPr>
-          <a:noFill/>
-        </p:spPr>
+        <p:spPr/>
         <p:txBody>
           <a:bodyPr/>
           <a:lstStyle/>
           <a:p>
-            <a:fld id="{1E0F3CD5-5F33-4E00-8631-D02E0087863D}" type="slidenum">
+            <a:fld id="{4E5A7449-0C62-42CB-B32A-6A9BAFE4E3B6}" type="slidenum">
               <a:rPr lang="en-US" smtClean="0"/>
-              <a:pPr/>
               <a:t>17</a:t>
             </a:fld>
             <a:endParaRPr lang="en-US"/>
           </a:p>
         </p:txBody>
       </p:sp>
-      <p:sp>
-        <p:nvSpPr>
-          <p:cNvPr id="76803" name="Rectangle 2"/>
-          <p:cNvSpPr>
-            <a:spLocks noGrp="1" noRot="1" noChangeAspect="1" noChangeArrowheads="1" noTextEdit="1"/>
-          </p:cNvSpPr>
-          <p:nvPr>
-            <p:ph type="sldImg"/>
-          </p:nvPr>
-        </p:nvSpPr>
-        <p:spPr>
-          <a:ln/>
-        </p:spPr>
-      </p:sp>
-      <p:sp>
-        <p:nvSpPr>
-          <p:cNvPr id="76804" name="Rectangle 3"/>
-          <p:cNvSpPr>
-            <a:spLocks noGrp="1" noChangeArrowheads="1"/>
-          </p:cNvSpPr>
-          <p:nvPr>
-            <p:ph type="body" idx="1"/>
-          </p:nvPr>
-        </p:nvSpPr>
-        <p:spPr>
-          <a:xfrm>
-            <a:off x="913805" y="4343704"/>
-            <a:ext cx="5030391" cy="4113892"/>
-          </a:xfrm>
-          <a:noFill/>
-          <a:ln/>
-        </p:spPr>
-        <p:txBody>
-          <a:bodyPr/>
-          <a:lstStyle/>
-          <a:p>
-            <a:pPr eaLnBrk="1" hangingPunct="1"/>
-            <a:endParaRPr lang="en-US" dirty="0"/>
-          </a:p>
-        </p:txBody>
-      </p:sp>
     </p:spTree>
+    <p:extLst>
+      <p:ext uri="{BB962C8B-B14F-4D97-AF65-F5344CB8AC3E}">
+        <p14:creationId xmlns:p14="http://schemas.microsoft.com/office/powerpoint/2010/main" val="1006965077"/>
+      </p:ext>
+    </p:extLst>
   </p:cSld>
   <p:clrMapOvr>
     <a:masterClrMapping/>
@@ -1815,6 +1988,147 @@
 </file>
 
 <file path=ppt/notesSlides/notesSlide8.xml><?xml version="1.0" encoding="utf-8"?>
+<p:notes xmlns:a="http://schemas.openxmlformats.org/drawingml/2006/main" xmlns:r="http://schemas.openxmlformats.org/officeDocument/2006/relationships" xmlns:p="http://schemas.openxmlformats.org/presentationml/2006/main">
+  <p:cSld>
+    <p:spTree>
+      <p:nvGrpSpPr>
+        <p:cNvPr id="1" name=""/>
+        <p:cNvGrpSpPr/>
+        <p:nvPr/>
+      </p:nvGrpSpPr>
+      <p:grpSpPr>
+        <a:xfrm>
+          <a:off x="0" y="0"/>
+          <a:ext cx="0" cy="0"/>
+          <a:chOff x="0" y="0"/>
+          <a:chExt cx="0" cy="0"/>
+        </a:xfrm>
+      </p:grpSpPr>
+      <p:sp>
+        <p:nvSpPr>
+          <p:cNvPr id="2" name="Slide Image Placeholder 1"/>
+          <p:cNvSpPr>
+            <a:spLocks noGrp="1" noRot="1" noChangeAspect="1"/>
+          </p:cNvSpPr>
+          <p:nvPr>
+            <p:ph type="sldImg"/>
+          </p:nvPr>
+        </p:nvSpPr>
+        <p:spPr/>
+      </p:sp>
+      <p:sp>
+        <p:nvSpPr>
+          <p:cNvPr id="3" name="Notes Placeholder 2"/>
+          <p:cNvSpPr>
+            <a:spLocks noGrp="1"/>
+          </p:cNvSpPr>
+          <p:nvPr>
+            <p:ph type="body" idx="1"/>
+          </p:nvPr>
+        </p:nvSpPr>
+        <p:spPr/>
+        <p:txBody>
+          <a:bodyPr/>
+          <a:lstStyle/>
+          <a:p>
+            <a:r>
+              <a:rPr lang="en-US" dirty="0"/>
+              <a:t>\\</a:t>
+            </a:r>
+          </a:p>
+          <a:p>
+            <a:endParaRPr lang="en-US" dirty="0"/>
+          </a:p>
+          <a:p>
+            <a:r>
+              <a:rPr lang="en-US" dirty="0"/>
+              <a:t>x^{T}\left(e_{1} e_{2}\right)\left(\begin{array}{cc}{\lambda_{1}} \\ {} &amp; {\lambda_{2}}\end{array}\right)\left(\begin{array}{c}{e_{1}^{T}} \\ {e_{2}^{T}}\end{array}\right) x=1</a:t>
+            </a:r>
+          </a:p>
+          <a:p>
+            <a:endParaRPr lang="en-US" dirty="0"/>
+          </a:p>
+          <a:p>
+            <a:r>
+              <a:rPr lang="en-US" dirty="0"/>
+              <a:t>\\</a:t>
+            </a:r>
+          </a:p>
+          <a:p>
+            <a:r>
+              <a:rPr lang="en-US" dirty="0"/>
+              <a:t> \lambda_{1} x^{T} e_{1} e_{1}^{T} x+\lambda_{2} x^{T} e_{2} e_{2}^{T} x =1</a:t>
+            </a:r>
+          </a:p>
+          <a:p>
+            <a:r>
+              <a:rPr lang="en-US" dirty="0"/>
+              <a:t>\\</a:t>
+            </a:r>
+          </a:p>
+          <a:p>
+            <a:r>
+              <a:rPr lang="en-US" dirty="0"/>
+              <a:t>\frac{\left(e_{1}^{T} x\right)^{2}}{\left(\frac{1}{\sqrt{\lambda_{1}}}\right)^{2}}+\frac{\left(e_{2}^{T} x\right)^{2}}{\left(\frac{1}{\sqrt{\lambda_{2}}}\right)^{2}}=1</a:t>
+            </a:r>
+          </a:p>
+          <a:p>
+            <a:endParaRPr lang="en-US" dirty="0"/>
+          </a:p>
+          <a:p>
+            <a:r>
+              <a:rPr lang="en-US" dirty="0"/>
+              <a:t>=============================================</a:t>
+            </a:r>
+          </a:p>
+          <a:p>
+            <a:endParaRPr lang="en-US" dirty="0"/>
+          </a:p>
+          <a:p>
+            <a:r>
+              <a:rPr lang="en-US" dirty="0"/>
+              <a:t>\frac{(x \cos (\theta)+y \sin (\theta))^{2}}{a^2}+\frac{(x \sin (\theta)-y \cos (\theta))^2}{b^{2}}=1</a:t>
+            </a:r>
+          </a:p>
+        </p:txBody>
+      </p:sp>
+      <p:sp>
+        <p:nvSpPr>
+          <p:cNvPr id="4" name="Slide Number Placeholder 3"/>
+          <p:cNvSpPr>
+            <a:spLocks noGrp="1"/>
+          </p:cNvSpPr>
+          <p:nvPr>
+            <p:ph type="sldNum" sz="quarter" idx="5"/>
+          </p:nvPr>
+        </p:nvSpPr>
+        <p:spPr/>
+        <p:txBody>
+          <a:bodyPr/>
+          <a:lstStyle/>
+          <a:p>
+            <a:fld id="{4E5A7449-0C62-42CB-B32A-6A9BAFE4E3B6}" type="slidenum">
+              <a:rPr lang="en-US" smtClean="0"/>
+              <a:t>18</a:t>
+            </a:fld>
+            <a:endParaRPr lang="en-US"/>
+          </a:p>
+        </p:txBody>
+      </p:sp>
+    </p:spTree>
+    <p:extLst>
+      <p:ext uri="{BB962C8B-B14F-4D97-AF65-F5344CB8AC3E}">
+        <p14:creationId xmlns:p14="http://schemas.microsoft.com/office/powerpoint/2010/main" val="1730420193"/>
+      </p:ext>
+    </p:extLst>
+  </p:cSld>
+  <p:clrMapOvr>
+    <a:masterClrMapping/>
+  </p:clrMapOvr>
+</p:notes>
+</file>
+
+<file path=ppt/notesSlides/notesSlide9.xml><?xml version="1.0" encoding="utf-8"?>
 <p:notes xmlns:a="http://schemas.openxmlformats.org/drawingml/2006/main" xmlns:r="http://schemas.openxmlformats.org/officeDocument/2006/relationships" xmlns:p="http://schemas.openxmlformats.org/presentationml/2006/main">
   <p:cSld>
     <p:spTree>
@@ -1851,7 +2165,7 @@
             <a:fld id="{7DB4F949-82A5-4D3D-BD83-D7F98958187F}" type="slidenum">
               <a:rPr lang="en-US" smtClean="0"/>
               <a:pPr/>
-              <a:t>18</a:t>
+              <a:t>19</a:t>
             </a:fld>
             <a:endParaRPr lang="en-US"/>
           </a:p>
@@ -1894,93 +2208,6 @@
           <a:lstStyle/>
           <a:p>
             <a:pPr eaLnBrk="1" hangingPunct="1"/>
-            <a:endParaRPr lang="en-US"/>
-          </a:p>
-        </p:txBody>
-      </p:sp>
-    </p:spTree>
-  </p:cSld>
-  <p:clrMapOvr>
-    <a:masterClrMapping/>
-  </p:clrMapOvr>
-</p:notes>
-</file>
-
-<file path=ppt/notesSlides/notesSlide9.xml><?xml version="1.0" encoding="utf-8"?>
-<p:notes xmlns:a="http://schemas.openxmlformats.org/drawingml/2006/main" xmlns:r="http://schemas.openxmlformats.org/officeDocument/2006/relationships" xmlns:p="http://schemas.openxmlformats.org/presentationml/2006/main">
-  <p:cSld>
-    <p:spTree>
-      <p:nvGrpSpPr>
-        <p:cNvPr id="1" name=""/>
-        <p:cNvGrpSpPr/>
-        <p:nvPr/>
-      </p:nvGrpSpPr>
-      <p:grpSpPr>
-        <a:xfrm>
-          <a:off x="0" y="0"/>
-          <a:ext cx="0" cy="0"/>
-          <a:chOff x="0" y="0"/>
-          <a:chExt cx="0" cy="0"/>
-        </a:xfrm>
-      </p:grpSpPr>
-      <p:sp>
-        <p:nvSpPr>
-          <p:cNvPr id="43010" name="Slide Image Placeholder 1"/>
-          <p:cNvSpPr>
-            <a:spLocks noGrp="1" noRot="1" noChangeAspect="1" noTextEdit="1"/>
-          </p:cNvSpPr>
-          <p:nvPr>
-            <p:ph type="sldImg"/>
-          </p:nvPr>
-        </p:nvSpPr>
-        <p:spPr>
-          <a:ln/>
-        </p:spPr>
-      </p:sp>
-      <p:sp>
-        <p:nvSpPr>
-          <p:cNvPr id="43011" name="Notes Placeholder 2"/>
-          <p:cNvSpPr>
-            <a:spLocks noGrp="1"/>
-          </p:cNvSpPr>
-          <p:nvPr>
-            <p:ph type="body" idx="1"/>
-          </p:nvPr>
-        </p:nvSpPr>
-        <p:spPr>
-          <a:noFill/>
-          <a:ln/>
-        </p:spPr>
-        <p:txBody>
-          <a:bodyPr/>
-          <a:lstStyle/>
-          <a:p>
-            <a:endParaRPr lang="en-US"/>
-          </a:p>
-        </p:txBody>
-      </p:sp>
-      <p:sp>
-        <p:nvSpPr>
-          <p:cNvPr id="43012" name="Slide Number Placeholder 3"/>
-          <p:cNvSpPr>
-            <a:spLocks noGrp="1"/>
-          </p:cNvSpPr>
-          <p:nvPr>
-            <p:ph type="sldNum" sz="quarter" idx="5"/>
-          </p:nvPr>
-        </p:nvSpPr>
-        <p:spPr>
-          <a:noFill/>
-        </p:spPr>
-        <p:txBody>
-          <a:bodyPr/>
-          <a:lstStyle/>
-          <a:p>
-            <a:fld id="{97BF356B-C23D-4938-AA88-87895EC5400D}" type="slidenum">
-              <a:rPr lang="en-US"/>
-              <a:pPr/>
-              <a:t>19</a:t>
-            </a:fld>
             <a:endParaRPr lang="en-US"/>
           </a:p>
         </p:txBody>
@@ -5708,13 +5935,6 @@
   <p:clrMapOvr>
     <a:masterClrMapping/>
   </p:clrMapOvr>
-  <p:timing>
-    <p:tnLst>
-      <p:par>
-        <p:cTn id="1" dur="indefinite" restart="never" nodeType="tmRoot"/>
-      </p:par>
-    </p:tnLst>
-  </p:timing>
 </p:sld>
 </file>
 
@@ -5776,13 +5996,8 @@
           <a:p>
             <a:r>
               <a:rPr lang="en-US" sz="2800" dirty="0"/>
-              <a:t>Suppose we only consider a small window of </a:t>
-            </a:r>
-            <a:r>
-              <a:rPr lang="en-US" sz="2800" dirty="0" smtClean="0"/>
-              <a:t>pixels- </a:t>
-            </a:r>
-            <a:endParaRPr lang="en-US" sz="2800" dirty="0"/>
+              <a:t>Suppose we only consider a small window of pixels- </a:t>
+            </a:r>
           </a:p>
           <a:p>
             <a:pPr lvl="0"/>
@@ -5790,7 +6005,6 @@
               <a:rPr lang="en-US" dirty="0"/>
               <a:t>How does the window change when you shift it?</a:t>
             </a:r>
-            <a:endParaRPr lang="en-US" dirty="0"/>
           </a:p>
         </p:txBody>
       </p:sp>
@@ -6383,13 +6597,6 @@
   <p:clrMapOvr>
     <a:masterClrMapping/>
   </p:clrMapOvr>
-  <p:timing>
-    <p:tnLst>
-      <p:par>
-        <p:cTn id="1" dur="indefinite" restart="never" nodeType="tmRoot"/>
-      </p:par>
-    </p:tnLst>
-  </p:timing>
 </p:sld>
 </file>
 
@@ -7631,23 +7838,14 @@
           <a:p>
             <a:r>
               <a:rPr lang="en-US" sz="2800" dirty="0"/>
-              <a:t>Suppose we only consider a small window of </a:t>
-            </a:r>
-            <a:r>
-              <a:rPr lang="en-US" sz="2800" dirty="0" smtClean="0"/>
-              <a:t>pixels- </a:t>
-            </a:r>
-            <a:endParaRPr lang="en-US" sz="2800" dirty="0"/>
+              <a:t>Suppose we only consider a small window of pixels- </a:t>
+            </a:r>
           </a:p>
           <a:p>
             <a:pPr lvl="0"/>
             <a:r>
               <a:rPr lang="en-US" dirty="0"/>
-              <a:t>How does the window change when you shift it</a:t>
-            </a:r>
-            <a:r>
-              <a:rPr lang="en-US" dirty="0" smtClean="0"/>
-              <a:t>?</a:t>
+              <a:t>How does the window change when you shift it?</a:t>
             </a:r>
           </a:p>
           <a:p>
@@ -7668,13 +7866,6 @@
   <p:clrMapOvr>
     <a:masterClrMapping/>
   </p:clrMapOvr>
-  <p:timing>
-    <p:tnLst>
-      <p:par>
-        <p:cTn id="1" dur="indefinite" restart="never" nodeType="tmRoot"/>
-      </p:par>
-    </p:tnLst>
-  </p:timing>
 </p:sld>
 </file>
 
@@ -7725,10 +7916,12 @@
               <a:bodyPr/>
               <a:lstStyle/>
               <a:p>
-                <a:pPr marL="342900" indent="-342900">
+                <a:pPr marL="457200" indent="-457200">
                   <a:spcBef>
                     <a:spcPct val="20000"/>
                   </a:spcBef>
+                  <a:buFont typeface="Arial" panose="020B0604020202020204" pitchFamily="34" charset="0"/>
+                  <a:buChar char="•"/>
                 </a:pPr>
                 <a:r>
                   <a:rPr lang="en-US" sz="2800" b="0" dirty="0"/>
@@ -7760,26 +7953,9 @@
                   <a:buChar char="•"/>
                 </a:pPr>
                 <a:r>
-                  <a:rPr lang="en-US" sz="2400" b="0" dirty="0" smtClean="0"/>
-                  <a:t>compare </a:t>
+                  <a:rPr lang="en-US" sz="2400" b="0" dirty="0"/>
+                  <a:t>compare each pixel before and after by summing up the squared differences (SSD).</a:t>
                 </a:r>
-                <a:r>
-                  <a:rPr lang="en-US" sz="2400" b="0" dirty="0"/>
-                  <a:t>each pixel before and after </a:t>
-                </a:r>
-                <a:r>
-                  <a:rPr lang="en-US" sz="2400" b="0" dirty="0" smtClean="0"/>
-                  <a:t>by summing </a:t>
-                </a:r>
-                <a:r>
-                  <a:rPr lang="en-US" sz="2400" b="0" dirty="0"/>
-                  <a:t>up the squared differences (SSD</a:t>
-                </a:r>
-                <a:r>
-                  <a:rPr lang="en-US" sz="2400" b="0" dirty="0" smtClean="0"/>
-                  <a:t>).</a:t>
-                </a:r>
-                <a:endParaRPr lang="en-US" sz="2400" b="0" dirty="0"/>
               </a:p>
               <a:p>
                 <a:pPr marL="742950" lvl="1" indent="-285750">
@@ -7865,7 +8041,7 @@
                 <a:endParaRPr lang="en-US" sz="1200" b="0" dirty="0"/>
               </a:p>
               <a:p>
-                <a:pPr marL="742950" lvl="1" indent="-285750">
+                <a:pPr marL="285750" indent="-285750">
                   <a:spcBef>
                     <a:spcPct val="20000"/>
                   </a:spcBef>
@@ -7873,14 +8049,72 @@
                   <a:buChar char="•"/>
                 </a:pPr>
                 <a:r>
-                  <a:rPr lang="en-US" sz="2400" dirty="0"/>
-                  <a:t>We are happy if this error is </a:t>
+                  <a:rPr lang="en-US" sz="2400" b="1" dirty="0"/>
+                  <a:t>We are happy if this error is high for all </a:t>
                 </a:r>
-                <a:r>
-                  <a:rPr lang="en-US" sz="2400" dirty="0" smtClean="0"/>
-                  <a:t>high</a:t>
-                </a:r>
-                <a:endParaRPr lang="en-US" sz="2400" dirty="0"/>
+                <a14:m>
+                  <m:oMath xmlns:m="http://schemas.openxmlformats.org/officeDocument/2006/math">
+                    <m:r>
+                      <a:rPr lang="en-US" sz="2400" b="1" i="1" smtClean="0">
+                        <a:latin typeface="Cambria Math" panose="02040503050406030204" pitchFamily="18" charset="0"/>
+                      </a:rPr>
+                      <m:t>(</m:t>
+                    </m:r>
+                    <m:r>
+                      <a:rPr lang="en-US" sz="2400" b="1" i="1" smtClean="0">
+                        <a:latin typeface="Cambria Math" panose="02040503050406030204" pitchFamily="18" charset="0"/>
+                      </a:rPr>
+                      <m:t>𝒖</m:t>
+                    </m:r>
+                    <m:r>
+                      <a:rPr lang="en-US" sz="2400" b="1" i="1" smtClean="0">
+                        <a:latin typeface="Cambria Math" panose="02040503050406030204" pitchFamily="18" charset="0"/>
+                      </a:rPr>
+                      <m:t>,</m:t>
+                    </m:r>
+                    <m:r>
+                      <a:rPr lang="en-US" sz="2400" b="1" i="1" smtClean="0">
+                        <a:latin typeface="Cambria Math" panose="02040503050406030204" pitchFamily="18" charset="0"/>
+                      </a:rPr>
+                      <m:t>𝒗</m:t>
+                    </m:r>
+                    <m:r>
+                      <a:rPr lang="en-US" sz="2400" b="1" i="1" smtClean="0">
+                        <a:latin typeface="Cambria Math" panose="02040503050406030204" pitchFamily="18" charset="0"/>
+                      </a:rPr>
+                      <m:t>)≠(</m:t>
+                    </m:r>
+                    <m:r>
+                      <a:rPr lang="en-US" sz="2400" b="1" i="1" smtClean="0">
+                        <a:latin typeface="Cambria Math" panose="02040503050406030204" pitchFamily="18" charset="0"/>
+                        <a:ea typeface="Cambria Math" panose="02040503050406030204" pitchFamily="18" charset="0"/>
+                      </a:rPr>
+                      <m:t>𝟎</m:t>
+                    </m:r>
+                    <m:r>
+                      <a:rPr lang="en-US" sz="2400" b="1" i="1" smtClean="0">
+                        <a:latin typeface="Cambria Math" panose="02040503050406030204" pitchFamily="18" charset="0"/>
+                        <a:ea typeface="Cambria Math" panose="02040503050406030204" pitchFamily="18" charset="0"/>
+                      </a:rPr>
+                      <m:t>,</m:t>
+                    </m:r>
+                    <m:r>
+                      <a:rPr lang="en-US" sz="2400" b="1" i="1" smtClean="0">
+                        <a:latin typeface="Cambria Math" panose="02040503050406030204" pitchFamily="18" charset="0"/>
+                        <a:ea typeface="Cambria Math" panose="02040503050406030204" pitchFamily="18" charset="0"/>
+                      </a:rPr>
+                      <m:t>𝟎</m:t>
+                    </m:r>
+                    <m:r>
+                      <a:rPr lang="en-US" sz="2400" b="1" i="1" smtClean="0">
+                        <a:latin typeface="Cambria Math" panose="02040503050406030204" pitchFamily="18" charset="0"/>
+                        <a:ea typeface="Cambria Math" panose="02040503050406030204" pitchFamily="18" charset="0"/>
+                      </a:rPr>
+                      <m:t>)</m:t>
+                    </m:r>
+                  </m:oMath>
+                </a14:m>
+                <a:endParaRPr lang="en-US" sz="2400" b="1" dirty="0"/>
               </a:p>
             </p:txBody>
           </p:sp>
@@ -7902,10 +8136,10 @@
               <a:prstGeom prst="rect">
                 <a:avLst/>
               </a:prstGeom>
-              <a:blipFill rotWithShape="1">
+              <a:blipFill>
                 <a:blip r:embed="rId4"/>
                 <a:stretch>
-                  <a:fillRect l="-1481" t="-836"/>
+                  <a:fillRect l="-1333" t="-929"/>
                 </a:stretch>
               </a:blipFill>
               <a:ln w="9525">
@@ -8329,13 +8563,6 @@
   <p:clrMapOvr>
     <a:masterClrMapping/>
   </p:clrMapOvr>
-  <p:timing>
-    <p:tnLst>
-      <p:par>
-        <p:cTn id="1" dur="indefinite" restart="never" nodeType="tmRoot"/>
-      </p:par>
-    </p:tnLst>
-  </p:timing>
 </p:sld>
 </file>
 
@@ -8356,8 +8583,8 @@
           <a:chExt cx="0" cy="0"/>
         </a:xfrm>
       </p:grpSpPr>
-      <mc:AlternateContent xmlns:mc="http://schemas.openxmlformats.org/markup-compatibility/2006">
-        <mc:Choice xmlns:a14="http://schemas.microsoft.com/office/drawing/2010/main" Requires="a14">
+      <mc:AlternateContent xmlns:mc="http://schemas.openxmlformats.org/markup-compatibility/2006" xmlns:a14="http://schemas.microsoft.com/office/drawing/2010/main">
+        <mc:Choice Requires="a14">
           <p:sp>
             <p:nvSpPr>
               <p:cNvPr id="36866" name="Rectangle 10"/>
@@ -8480,11 +8707,7 @@
                 </a14:m>
                 <a:r>
                   <a:rPr lang="en-US" sz="2000" b="0" dirty="0"/>
-                  <a:t> is small, then first order approximation is </a:t>
-                </a:r>
-                <a:r>
-                  <a:rPr lang="en-US" sz="2000" b="0" dirty="0" smtClean="0"/>
-                  <a:t>good</a:t>
+                  <a:t> is small, then first order approximation is good</a:t>
                 </a:r>
               </a:p>
               <a:p>
@@ -8503,7 +8726,7 @@
                     <a:spcPct val="20000"/>
                   </a:spcBef>
                 </a:pPr>
-                <a:endParaRPr lang="en-US" sz="2000" b="0" dirty="0" smtClean="0"/>
+                <a:endParaRPr lang="en-US" sz="2000" b="0" dirty="0"/>
               </a:p>
               <a:p>
                 <a:pPr marL="342900" indent="-342900">
@@ -8514,7 +8737,7 @@
                   <a:buChar char="•"/>
                 </a:pPr>
                 <a:r>
-                  <a:rPr lang="en-US" sz="2000" dirty="0" smtClean="0"/>
+                  <a:rPr lang="en-US" sz="2000" dirty="0"/>
                   <a:t>Plug it into the SSD error term:</a:t>
                 </a:r>
                 <a:endParaRPr lang="en-US" sz="2000" b="0" dirty="0"/>
@@ -8572,7 +8795,7 @@
             </p:txBody>
           </p:sp>
         </mc:Choice>
-        <mc:Fallback>
+        <mc:Fallback xmlns="">
           <p:sp>
             <p:nvSpPr>
               <p:cNvPr id="36866" name="Rectangle 10"/>
@@ -8808,13 +9031,6 @@
   <p:clrMapOvr>
     <a:masterClrMapping/>
   </p:clrMapOvr>
-  <p:timing>
-    <p:tnLst>
-      <p:par>
-        <p:cTn id="1" dur="indefinite" restart="never" nodeType="tmRoot"/>
-      </p:par>
-    </p:tnLst>
-  </p:timing>
 </p:sld>
 </file>
 
@@ -8857,332 +9073,6 @@
           </a:p>
         </p:txBody>
       </p:sp>
-      <p:sp>
-        <p:nvSpPr>
-          <p:cNvPr id="12" name="Rectangle 10"/>
-          <p:cNvSpPr>
-            <a:spLocks noChangeArrowheads="1"/>
-          </p:cNvSpPr>
-          <p:nvPr/>
-        </p:nvSpPr>
-        <p:spPr bwMode="auto">
-          <a:xfrm>
-            <a:off x="508000" y="1981200"/>
-            <a:ext cx="8026400" cy="1295400"/>
-          </a:xfrm>
-          <a:prstGeom prst="rect">
-            <a:avLst/>
-          </a:prstGeom>
-          <a:noFill/>
-          <a:ln w="9525">
-            <a:noFill/>
-            <a:miter lim="800000"/>
-            <a:headEnd/>
-            <a:tailEnd/>
-          </a:ln>
-        </p:spPr>
-        <p:txBody>
-          <a:bodyPr/>
-          <a:lstStyle/>
-          <a:p>
-            <a:pPr marL="342900" indent="-342900">
-              <a:spcBef>
-                <a:spcPct val="20000"/>
-              </a:spcBef>
-            </a:pPr>
-            <a:r>
-              <a:rPr lang="en-US" sz="2800" b="0" dirty="0"/>
-              <a:t>Consider shifting the window </a:t>
-            </a:r>
-            <a:r>
-              <a:rPr lang="en-US" sz="2800" i="1" dirty="0"/>
-              <a:t>W</a:t>
-            </a:r>
-            <a:r>
-              <a:rPr lang="en-US" sz="2800" b="0" dirty="0"/>
-              <a:t> by (</a:t>
-            </a:r>
-            <a:r>
-              <a:rPr lang="en-US" sz="2800" b="0" i="1" dirty="0" err="1"/>
-              <a:t>u,v</a:t>
-            </a:r>
-            <a:r>
-              <a:rPr lang="en-US" sz="2800" b="0" dirty="0"/>
-              <a:t>)</a:t>
-            </a:r>
-          </a:p>
-          <a:p>
-            <a:pPr marL="742950" lvl="1" indent="-285750">
-              <a:spcBef>
-                <a:spcPct val="20000"/>
-              </a:spcBef>
-              <a:buFontTx/>
-              <a:buChar char="•"/>
-            </a:pPr>
-            <a:r>
-              <a:rPr lang="en-US" sz="2400" b="0" dirty="0"/>
-              <a:t>define an SSD “error” </a:t>
-            </a:r>
-            <a:r>
-              <a:rPr lang="en-US" sz="2400" b="0" i="1" dirty="0"/>
-              <a:t>E(</a:t>
-            </a:r>
-            <a:r>
-              <a:rPr lang="en-US" sz="2400" b="0" i="1" dirty="0" err="1"/>
-              <a:t>u,v</a:t>
-            </a:r>
-            <a:r>
-              <a:rPr lang="en-US" sz="2400" b="0" i="1" dirty="0"/>
-              <a:t>)</a:t>
-            </a:r>
-            <a:r>
-              <a:rPr lang="en-US" sz="2400" b="0" dirty="0"/>
-              <a:t>:</a:t>
-            </a:r>
-          </a:p>
-          <a:p>
-            <a:pPr marL="742950" lvl="1" indent="-285750">
-              <a:spcBef>
-                <a:spcPct val="20000"/>
-              </a:spcBef>
-              <a:buFontTx/>
-              <a:buChar char="•"/>
-            </a:pPr>
-            <a:endParaRPr lang="en-US" sz="2800" b="0" dirty="0"/>
-          </a:p>
-        </p:txBody>
-      </p:sp>
-      <p:grpSp>
-        <p:nvGrpSpPr>
-          <p:cNvPr id="2" name="Group 42"/>
-          <p:cNvGrpSpPr>
-            <a:grpSpLocks/>
-          </p:cNvGrpSpPr>
-          <p:nvPr/>
-        </p:nvGrpSpPr>
-        <p:grpSpPr bwMode="auto">
-          <a:xfrm>
-            <a:off x="8737600" y="1371600"/>
-            <a:ext cx="3149600" cy="2209800"/>
-            <a:chOff x="2208" y="1104"/>
-            <a:chExt cx="1488" cy="1392"/>
-          </a:xfrm>
-        </p:grpSpPr>
-        <p:sp>
-          <p:nvSpPr>
-            <p:cNvPr id="14" name="Rectangle 43"/>
-            <p:cNvSpPr>
-              <a:spLocks noChangeArrowheads="1"/>
-            </p:cNvSpPr>
-            <p:nvPr/>
-          </p:nvSpPr>
-          <p:spPr bwMode="auto">
-            <a:xfrm>
-              <a:off x="2208" y="1104"/>
-              <a:ext cx="1488" cy="1392"/>
-            </a:xfrm>
-            <a:prstGeom prst="rect">
-              <a:avLst/>
-            </a:prstGeom>
-            <a:solidFill>
-              <a:srgbClr val="C0C0C0"/>
-            </a:solidFill>
-            <a:ln w="9525">
-              <a:solidFill>
-                <a:schemeClr val="tx1"/>
-              </a:solidFill>
-              <a:miter lim="800000"/>
-              <a:headEnd/>
-              <a:tailEnd/>
-            </a:ln>
-          </p:spPr>
-          <p:txBody>
-            <a:bodyPr wrap="none" anchor="ctr"/>
-            <a:lstStyle/>
-            <a:p>
-              <a:endParaRPr lang="en-US"/>
-            </a:p>
-          </p:txBody>
-        </p:sp>
-        <p:sp>
-          <p:nvSpPr>
-            <p:cNvPr id="15" name="Freeform 44"/>
-            <p:cNvSpPr>
-              <a:spLocks/>
-            </p:cNvSpPr>
-            <p:nvPr/>
-          </p:nvSpPr>
-          <p:spPr bwMode="auto">
-            <a:xfrm>
-              <a:off x="2592" y="1344"/>
-              <a:ext cx="1008" cy="912"/>
-            </a:xfrm>
-            <a:custGeom>
-              <a:avLst/>
-              <a:gdLst>
-                <a:gd name="T0" fmla="*/ 0 w 1008"/>
-                <a:gd name="T1" fmla="*/ 912 h 912"/>
-                <a:gd name="T2" fmla="*/ 0 w 1008"/>
-                <a:gd name="T3" fmla="*/ 0 h 912"/>
-                <a:gd name="T4" fmla="*/ 1008 w 1008"/>
-                <a:gd name="T5" fmla="*/ 528 h 912"/>
-                <a:gd name="T6" fmla="*/ 0 60000 65536"/>
-                <a:gd name="T7" fmla="*/ 0 60000 65536"/>
-                <a:gd name="T8" fmla="*/ 0 60000 65536"/>
-                <a:gd name="T9" fmla="*/ 0 w 1008"/>
-                <a:gd name="T10" fmla="*/ 0 h 912"/>
-                <a:gd name="T11" fmla="*/ 1008 w 1008"/>
-                <a:gd name="T12" fmla="*/ 912 h 912"/>
-              </a:gdLst>
-              <a:ahLst/>
-              <a:cxnLst>
-                <a:cxn ang="T6">
-                  <a:pos x="T0" y="T1"/>
-                </a:cxn>
-                <a:cxn ang="T7">
-                  <a:pos x="T2" y="T3"/>
-                </a:cxn>
-                <a:cxn ang="T8">
-                  <a:pos x="T4" y="T5"/>
-                </a:cxn>
-              </a:cxnLst>
-              <a:rect l="T9" t="T10" r="T11" b="T12"/>
-              <a:pathLst>
-                <a:path w="1008" h="912">
-                  <a:moveTo>
-                    <a:pt x="0" y="912"/>
-                  </a:moveTo>
-                  <a:lnTo>
-                    <a:pt x="0" y="0"/>
-                  </a:lnTo>
-                  <a:lnTo>
-                    <a:pt x="1008" y="528"/>
-                  </a:lnTo>
-                </a:path>
-              </a:pathLst>
-            </a:custGeom>
-            <a:noFill/>
-            <a:ln w="41275">
-              <a:solidFill>
-                <a:schemeClr val="tx1"/>
-              </a:solidFill>
-              <a:round/>
-              <a:headEnd/>
-              <a:tailEnd/>
-            </a:ln>
-          </p:spPr>
-          <p:txBody>
-            <a:bodyPr/>
-            <a:lstStyle/>
-            <a:p>
-              <a:endParaRPr lang="en-US"/>
-            </a:p>
-          </p:txBody>
-        </p:sp>
-      </p:grpSp>
-      <p:sp>
-        <p:nvSpPr>
-          <p:cNvPr id="16" name="Rectangle 46"/>
-          <p:cNvSpPr>
-            <a:spLocks noChangeArrowheads="1"/>
-          </p:cNvSpPr>
-          <p:nvPr/>
-        </p:nvSpPr>
-        <p:spPr bwMode="auto">
-          <a:xfrm>
-            <a:off x="9186334" y="2322513"/>
-            <a:ext cx="647700" cy="469900"/>
-          </a:xfrm>
-          <a:prstGeom prst="rect">
-            <a:avLst/>
-          </a:prstGeom>
-          <a:solidFill>
-            <a:schemeClr val="accent1">
-              <a:alpha val="50195"/>
-            </a:schemeClr>
-          </a:solidFill>
-          <a:ln w="9525">
-            <a:solidFill>
-              <a:schemeClr val="tx1"/>
-            </a:solidFill>
-            <a:miter lim="800000"/>
-            <a:headEnd/>
-            <a:tailEnd/>
-          </a:ln>
-        </p:spPr>
-        <p:txBody>
-          <a:bodyPr wrap="none" anchor="ctr"/>
-          <a:lstStyle/>
-          <a:p>
-            <a:endParaRPr lang="en-US"/>
-          </a:p>
-        </p:txBody>
-      </p:sp>
-      <p:sp>
-        <p:nvSpPr>
-          <p:cNvPr id="17" name="Rectangle 7"/>
-          <p:cNvSpPr>
-            <a:spLocks noChangeArrowheads="1"/>
-          </p:cNvSpPr>
-          <p:nvPr/>
-        </p:nvSpPr>
-        <p:spPr bwMode="auto">
-          <a:xfrm>
-            <a:off x="9448801" y="2578100"/>
-            <a:ext cx="647700" cy="469900"/>
-          </a:xfrm>
-          <a:prstGeom prst="rect">
-            <a:avLst/>
-          </a:prstGeom>
-          <a:solidFill>
-            <a:schemeClr val="accent1">
-              <a:alpha val="50195"/>
-            </a:schemeClr>
-          </a:solidFill>
-          <a:ln w="9525">
-            <a:solidFill>
-              <a:schemeClr val="tx1"/>
-            </a:solidFill>
-            <a:miter lim="800000"/>
-            <a:headEnd/>
-            <a:tailEnd/>
-          </a:ln>
-        </p:spPr>
-        <p:txBody>
-          <a:bodyPr wrap="none" anchor="ctr"/>
-          <a:lstStyle/>
-          <a:p>
-            <a:endParaRPr lang="en-US"/>
-          </a:p>
-        </p:txBody>
-      </p:sp>
-      <p:cxnSp>
-        <p:nvCxnSpPr>
-          <p:cNvPr id="18" name="Straight Arrow Connector 27"/>
-          <p:cNvCxnSpPr>
-            <a:cxnSpLocks noChangeShapeType="1"/>
-          </p:cNvCxnSpPr>
-          <p:nvPr/>
-        </p:nvCxnSpPr>
-        <p:spPr bwMode="auto">
-          <a:xfrm rot="16200000" flipH="1">
-            <a:off x="9189773" y="2319074"/>
-            <a:ext cx="255587" cy="262467"/>
-          </a:xfrm>
-          <a:prstGeom prst="straightConnector1">
-            <a:avLst/>
-          </a:prstGeom>
-          <a:noFill/>
-          <a:ln w="38100">
-            <a:solidFill>
-              <a:srgbClr val="0066FF"/>
-            </a:solidFill>
-            <a:round/>
-            <a:headEnd/>
-            <a:tailEnd type="triangle" w="med" len="med"/>
-          </a:ln>
-        </p:spPr>
-      </p:cxnSp>
       <p:pic>
         <p:nvPicPr>
           <p:cNvPr id="212995" name="Picture 3"/>
@@ -9192,7 +9082,7 @@
           <p:nvPr/>
         </p:nvPicPr>
         <p:blipFill>
-          <a:blip r:embed="rId2" cstate="print"/>
+          <a:blip r:embed="rId3" cstate="print"/>
           <a:srcRect/>
           <a:stretch>
             <a:fillRect/>
@@ -9200,8 +9090,8 @@
         </p:blipFill>
         <p:spPr bwMode="auto">
           <a:xfrm>
-            <a:off x="914400" y="5015192"/>
-            <a:ext cx="2763371" cy="816908"/>
+            <a:off x="7341833" y="1171727"/>
+            <a:ext cx="2096180" cy="619673"/>
           </a:xfrm>
           <a:prstGeom prst="rect">
             <a:avLst/>
@@ -9224,7 +9114,7 @@
           <p:nvPr/>
         </p:nvPicPr>
         <p:blipFill>
-          <a:blip r:embed="rId3" cstate="print"/>
+          <a:blip r:embed="rId4" cstate="print"/>
           <a:srcRect/>
           <a:stretch>
             <a:fillRect/>
@@ -9232,8 +9122,8 @@
         </p:blipFill>
         <p:spPr bwMode="auto">
           <a:xfrm>
-            <a:off x="4312769" y="5015192"/>
-            <a:ext cx="3180232" cy="852208"/>
+            <a:off x="7341833" y="1918921"/>
+            <a:ext cx="2412393" cy="646450"/>
           </a:xfrm>
           <a:prstGeom prst="rect">
             <a:avLst/>
@@ -9256,97 +9146,6 @@
           <p:nvPr/>
         </p:nvPicPr>
         <p:blipFill>
-          <a:blip r:embed="rId4" cstate="print"/>
-          <a:srcRect/>
-          <a:stretch>
-            <a:fillRect/>
-          </a:stretch>
-        </p:blipFill>
-        <p:spPr bwMode="auto">
-          <a:xfrm>
-            <a:off x="8128000" y="5015192"/>
-            <a:ext cx="2743200" cy="796738"/>
-          </a:xfrm>
-          <a:prstGeom prst="rect">
-            <a:avLst/>
-          </a:prstGeom>
-          <a:noFill/>
-          <a:ln w="9525">
-            <a:noFill/>
-            <a:miter lim="800000"/>
-            <a:headEnd/>
-            <a:tailEnd/>
-          </a:ln>
-        </p:spPr>
-      </p:pic>
-      <p:sp>
-        <p:nvSpPr>
-          <p:cNvPr id="20" name="Rectangle 19"/>
-          <p:cNvSpPr/>
-          <p:nvPr/>
-        </p:nvSpPr>
-        <p:spPr>
-          <a:xfrm>
-            <a:off x="1" y="6167736"/>
-            <a:ext cx="8928855" cy="461665"/>
-          </a:xfrm>
-          <a:prstGeom prst="rect">
-            <a:avLst/>
-          </a:prstGeom>
-        </p:spPr>
-        <p:txBody>
-          <a:bodyPr wrap="none">
-            <a:spAutoFit/>
-          </a:bodyPr>
-          <a:lstStyle/>
-          <a:p>
-            <a:pPr marL="742950" lvl="1" indent="-285750">
-              <a:spcBef>
-                <a:spcPct val="20000"/>
-              </a:spcBef>
-              <a:buFontTx/>
-              <a:buChar char="•"/>
-            </a:pPr>
-            <a:r>
-              <a:rPr lang="en-US" sz="2400" dirty="0"/>
-              <a:t>Thus, </a:t>
-            </a:r>
-            <a:r>
-              <a:rPr lang="en-US" sz="2400" i="1" dirty="0"/>
-              <a:t>E</a:t>
-            </a:r>
-            <a:r>
-              <a:rPr lang="en-US" sz="2400" dirty="0"/>
-              <a:t>(</a:t>
-            </a:r>
-            <a:r>
-              <a:rPr lang="en-US" sz="2400" i="1" dirty="0" err="1"/>
-              <a:t>u</a:t>
-            </a:r>
-            <a:r>
-              <a:rPr lang="en-US" sz="2400" dirty="0" err="1"/>
-              <a:t>,</a:t>
-            </a:r>
-            <a:r>
-              <a:rPr lang="en-US" sz="2400" i="1" dirty="0" err="1"/>
-              <a:t>v</a:t>
-            </a:r>
-            <a:r>
-              <a:rPr lang="en-US" sz="2400" dirty="0"/>
-              <a:t>) is locally approximated as a quadratic error function</a:t>
-            </a:r>
-          </a:p>
-        </p:txBody>
-      </p:sp>
-      <p:pic>
-        <p:nvPicPr>
-          <p:cNvPr id="212998" name="Picture 6"/>
-          <p:cNvPicPr>
-            <a:picLocks noChangeAspect="1" noChangeArrowheads="1"/>
-          </p:cNvPicPr>
-          <p:nvPr/>
-        </p:nvPicPr>
-        <p:blipFill>
           <a:blip r:embed="rId5" cstate="print"/>
           <a:srcRect/>
           <a:stretch>
@@ -9355,272 +9154,8 @@
         </p:blipFill>
         <p:spPr bwMode="auto">
           <a:xfrm>
-            <a:off x="812989" y="3195640"/>
-            <a:ext cx="7518212" cy="1528761"/>
-          </a:xfrm>
-          <a:prstGeom prst="rect">
-            <a:avLst/>
-          </a:prstGeom>
-          <a:noFill/>
-          <a:ln w="9525">
-            <a:noFill/>
-            <a:miter lim="800000"/>
-            <a:headEnd/>
-            <a:tailEnd/>
-          </a:ln>
-        </p:spPr>
-      </p:pic>
-      <p:sp>
-        <p:nvSpPr>
-          <p:cNvPr id="21" name="Rectangle 9"/>
-          <p:cNvSpPr>
-            <a:spLocks noChangeArrowheads="1"/>
-          </p:cNvSpPr>
-          <p:nvPr/>
-        </p:nvSpPr>
-        <p:spPr bwMode="auto">
-          <a:xfrm>
-            <a:off x="9495043" y="2286000"/>
-            <a:ext cx="320922" cy="258532"/>
-          </a:xfrm>
-          <a:prstGeom prst="rect">
-            <a:avLst/>
-          </a:prstGeom>
-          <a:noFill/>
-          <a:ln w="9525">
-            <a:noFill/>
-            <a:miter lim="800000"/>
-            <a:headEnd/>
-            <a:tailEnd/>
-          </a:ln>
-        </p:spPr>
-        <p:txBody>
-          <a:bodyPr wrap="none">
-            <a:spAutoFit/>
-          </a:bodyPr>
-          <a:lstStyle/>
-          <a:p>
-            <a:pPr>
-              <a:lnSpc>
-                <a:spcPct val="90000"/>
-              </a:lnSpc>
-              <a:spcBef>
-                <a:spcPct val="20000"/>
-              </a:spcBef>
-            </a:pPr>
-            <a:r>
-              <a:rPr lang="en-US" sz="1200" i="1" dirty="0"/>
-              <a:t>W</a:t>
-            </a:r>
-            <a:endParaRPr lang="en-US" sz="1400" i="1" baseline="-25000" dirty="0"/>
-          </a:p>
-        </p:txBody>
-      </p:sp>
-      <p:sp>
-        <p:nvSpPr>
-          <p:cNvPr id="22" name="Rectangle 9"/>
-          <p:cNvSpPr>
-            <a:spLocks noChangeArrowheads="1"/>
-          </p:cNvSpPr>
-          <p:nvPr/>
-        </p:nvSpPr>
-        <p:spPr bwMode="auto">
-          <a:xfrm>
-            <a:off x="8927692" y="2381303"/>
-            <a:ext cx="372218" cy="203133"/>
-          </a:xfrm>
-          <a:prstGeom prst="rect">
-            <a:avLst/>
-          </a:prstGeom>
-          <a:noFill/>
-          <a:ln w="9525">
-            <a:noFill/>
-            <a:miter lim="800000"/>
-            <a:headEnd/>
-            <a:tailEnd/>
-          </a:ln>
-        </p:spPr>
-        <p:txBody>
-          <a:bodyPr wrap="none">
-            <a:spAutoFit/>
-          </a:bodyPr>
-          <a:lstStyle/>
-          <a:p>
-            <a:pPr>
-              <a:lnSpc>
-                <a:spcPct val="90000"/>
-              </a:lnSpc>
-              <a:spcBef>
-                <a:spcPct val="20000"/>
-              </a:spcBef>
-            </a:pPr>
-            <a:r>
-              <a:rPr lang="en-US" sz="1200" baseline="-25000" dirty="0"/>
-              <a:t>(</a:t>
-            </a:r>
-            <a:r>
-              <a:rPr lang="en-US" sz="1200" baseline="-25000" dirty="0" err="1"/>
-              <a:t>u,v</a:t>
-            </a:r>
-            <a:r>
-              <a:rPr lang="en-US" sz="1200" baseline="-25000" dirty="0"/>
-              <a:t>)</a:t>
-            </a:r>
-            <a:endParaRPr lang="en-US" sz="1400" baseline="-25000" dirty="0"/>
-          </a:p>
-        </p:txBody>
-      </p:sp>
-    </p:spTree>
-    <p:extLst>
-      <p:ext uri="{BB962C8B-B14F-4D97-AF65-F5344CB8AC3E}">
-        <p14:creationId xmlns:p14="http://schemas.microsoft.com/office/powerpoint/2010/main" val="3627162785"/>
-      </p:ext>
-    </p:extLst>
-  </p:cSld>
-  <p:clrMapOvr>
-    <a:masterClrMapping/>
-  </p:clrMapOvr>
-  <p:timing>
-    <p:tnLst>
-      <p:par>
-        <p:cTn id="1" dur="indefinite" restart="never" nodeType="tmRoot"/>
-      </p:par>
-    </p:tnLst>
-  </p:timing>
-</p:sld>
-</file>
-
-<file path=ppt/slides/slide15.xml><?xml version="1.0" encoding="utf-8"?>
-<p:sld xmlns:a="http://schemas.openxmlformats.org/drawingml/2006/main" xmlns:r="http://schemas.openxmlformats.org/officeDocument/2006/relationships" xmlns:p="http://schemas.openxmlformats.org/presentationml/2006/main">
-  <p:cSld>
-    <p:spTree>
-      <p:nvGrpSpPr>
-        <p:cNvPr id="1" name=""/>
-        <p:cNvGrpSpPr/>
-        <p:nvPr/>
-      </p:nvGrpSpPr>
-      <p:grpSpPr>
-        <a:xfrm>
-          <a:off x="0" y="0"/>
-          <a:ext cx="0" cy="0"/>
-          <a:chOff x="0" y="0"/>
-          <a:chExt cx="0" cy="0"/>
-        </a:xfrm>
-      </p:grpSpPr>
-      <p:sp>
-        <p:nvSpPr>
-          <p:cNvPr id="5124" name="Text Box 3"/>
-          <p:cNvSpPr txBox="1">
-            <a:spLocks noChangeArrowheads="1"/>
-          </p:cNvSpPr>
-          <p:nvPr/>
-        </p:nvSpPr>
-        <p:spPr bwMode="auto">
-          <a:xfrm>
-            <a:off x="711200" y="1173163"/>
-            <a:ext cx="10668000" cy="461665"/>
-          </a:xfrm>
-          <a:prstGeom prst="rect">
-            <a:avLst/>
-          </a:prstGeom>
-          <a:noFill/>
-          <a:ln w="9525">
-            <a:noFill/>
-            <a:miter lim="800000"/>
-            <a:headEnd/>
-            <a:tailEnd/>
-          </a:ln>
-        </p:spPr>
-        <p:txBody>
-          <a:bodyPr>
-            <a:spAutoFit/>
-          </a:bodyPr>
-          <a:lstStyle/>
-          <a:p>
-            <a:pPr eaLnBrk="1" hangingPunct="1">
-              <a:spcBef>
-                <a:spcPct val="50000"/>
-              </a:spcBef>
-            </a:pPr>
-            <a:r>
-              <a:rPr lang="en-US" sz="2400" dirty="0"/>
-              <a:t>The surface </a:t>
-            </a:r>
-            <a:r>
-              <a:rPr lang="en-US" sz="2400" i="1" dirty="0"/>
-              <a:t>E</a:t>
-            </a:r>
-            <a:r>
-              <a:rPr lang="en-US" sz="2400" dirty="0"/>
-              <a:t>(</a:t>
-            </a:r>
-            <a:r>
-              <a:rPr lang="en-US" sz="2400" i="1" dirty="0" err="1"/>
-              <a:t>u</a:t>
-            </a:r>
-            <a:r>
-              <a:rPr lang="en-US" sz="2400" dirty="0" err="1"/>
-              <a:t>,</a:t>
-            </a:r>
-            <a:r>
-              <a:rPr lang="en-US" sz="2400" i="1" dirty="0" err="1"/>
-              <a:t>v</a:t>
-            </a:r>
-            <a:r>
-              <a:rPr lang="en-US" sz="2400" dirty="0"/>
-              <a:t>) is locally approximated by a quadratic form. </a:t>
-            </a:r>
-          </a:p>
-        </p:txBody>
-      </p:sp>
-      <p:sp>
-        <p:nvSpPr>
-          <p:cNvPr id="5125" name="Rectangle 7"/>
-          <p:cNvSpPr>
-            <a:spLocks noGrp="1" noChangeArrowheads="1"/>
-          </p:cNvSpPr>
-          <p:nvPr>
-            <p:ph type="title"/>
-          </p:nvPr>
-        </p:nvSpPr>
-        <p:spPr>
-          <a:xfrm>
-            <a:off x="609600" y="76200"/>
-            <a:ext cx="10972800" cy="1143000"/>
-          </a:xfrm>
-        </p:spPr>
-        <p:txBody>
-          <a:bodyPr>
-            <a:normAutofit/>
-          </a:bodyPr>
-          <a:lstStyle/>
-          <a:p>
-            <a:r>
-              <a:rPr lang="en-US" dirty="0"/>
-              <a:t>The second moment matrix</a:t>
-            </a:r>
-          </a:p>
-        </p:txBody>
-      </p:sp>
-      <p:pic>
-        <p:nvPicPr>
-          <p:cNvPr id="5126" name="Picture 16"/>
-          <p:cNvPicPr>
-            <a:picLocks noChangeAspect="1" noChangeArrowheads="1"/>
-          </p:cNvPicPr>
-          <p:nvPr/>
-        </p:nvPicPr>
-        <p:blipFill>
-          <a:blip r:embed="rId4" cstate="print"/>
-          <a:srcRect/>
-          <a:stretch>
-            <a:fillRect/>
-          </a:stretch>
-        </p:blipFill>
-        <p:spPr bwMode="auto">
-          <a:xfrm>
-            <a:off x="7823200" y="3886201"/>
-            <a:ext cx="3860800" cy="2766497"/>
+            <a:off x="7341833" y="2692892"/>
+            <a:ext cx="2080880" cy="604373"/>
           </a:xfrm>
           <a:prstGeom prst="rect">
             <a:avLst/>
@@ -9636,14 +9171,14 @@
       </p:pic>
       <p:pic>
         <p:nvPicPr>
-          <p:cNvPr id="214023" name="Picture 7"/>
+          <p:cNvPr id="212998" name="Picture 6"/>
           <p:cNvPicPr>
             <a:picLocks noChangeAspect="1" noChangeArrowheads="1"/>
           </p:cNvPicPr>
           <p:nvPr/>
         </p:nvPicPr>
         <p:blipFill>
-          <a:blip r:embed="rId5" cstate="print"/>
+          <a:blip r:embed="rId6" cstate="print"/>
           <a:srcRect/>
           <a:stretch>
             <a:fillRect/>
@@ -9651,8 +9186,8 @@
         </p:blipFill>
         <p:spPr bwMode="auto">
           <a:xfrm>
-            <a:off x="508001" y="1676400"/>
-            <a:ext cx="7412599" cy="585530"/>
+            <a:off x="553663" y="1171727"/>
+            <a:ext cx="5057024" cy="1028300"/>
           </a:xfrm>
           <a:prstGeom prst="rect">
             <a:avLst/>
@@ -9668,28 +9203,40 @@
       </p:pic>
       <p:grpSp>
         <p:nvGrpSpPr>
-          <p:cNvPr id="12" name="Group 11"/>
+          <p:cNvPr id="19" name="Group 18">
+            <a:extLst>
+              <a:ext uri="{FF2B5EF4-FFF2-40B4-BE49-F238E27FC236}">
+                <a16:creationId xmlns:a16="http://schemas.microsoft.com/office/drawing/2014/main" id="{96D493C6-FD8D-4994-A2D5-77B5BA5B5BC5}"/>
+              </a:ext>
+            </a:extLst>
+          </p:cNvPr>
           <p:cNvGrpSpPr/>
           <p:nvPr/>
         </p:nvGrpSpPr>
         <p:grpSpPr>
           <a:xfrm>
-            <a:off x="609600" y="2362200"/>
-            <a:ext cx="8432800" cy="976021"/>
+            <a:off x="476434" y="2311892"/>
+            <a:ext cx="5995387" cy="762000"/>
             <a:chOff x="838200" y="2667000"/>
             <a:chExt cx="7108372" cy="1096974"/>
           </a:xfrm>
         </p:grpSpPr>
         <p:pic>
           <p:nvPicPr>
-            <p:cNvPr id="214020" name="Picture 4"/>
+            <p:cNvPr id="23" name="Picture 4">
+              <a:extLst>
+                <a:ext uri="{FF2B5EF4-FFF2-40B4-BE49-F238E27FC236}">
+                  <a16:creationId xmlns:a16="http://schemas.microsoft.com/office/drawing/2014/main" id="{57157CBB-0154-4E55-AAE5-181D9CB282C3}"/>
+                </a:ext>
+              </a:extLst>
+            </p:cNvPr>
             <p:cNvPicPr>
               <a:picLocks noChangeAspect="1" noChangeArrowheads="1"/>
             </p:cNvPicPr>
             <p:nvPr/>
           </p:nvPicPr>
           <p:blipFill>
-            <a:blip r:embed="rId6" cstate="print"/>
+            <a:blip r:embed="rId7" cstate="print"/>
             <a:srcRect/>
             <a:stretch>
               <a:fillRect/>
@@ -9714,7 +9261,13 @@
         </p:pic>
         <p:sp>
           <p:nvSpPr>
-            <p:cNvPr id="11" name="Rectangle 10"/>
+            <p:cNvPr id="24" name="Rectangle 23">
+              <a:extLst>
+                <a:ext uri="{FF2B5EF4-FFF2-40B4-BE49-F238E27FC236}">
+                  <a16:creationId xmlns:a16="http://schemas.microsoft.com/office/drawing/2014/main" id="{6CF9D9D9-8F2A-455C-89F5-C0C6977F8323}"/>
+                </a:ext>
+              </a:extLst>
+            </p:cNvPr>
             <p:cNvSpPr/>
             <p:nvPr/>
           </p:nvSpPr>
@@ -9761,6 +9314,406 @@
           </p:txBody>
         </p:sp>
       </p:grpSp>
+      <p:sp>
+        <p:nvSpPr>
+          <p:cNvPr id="25" name="Left Brace 17">
+            <a:extLst>
+              <a:ext uri="{FF2B5EF4-FFF2-40B4-BE49-F238E27FC236}">
+                <a16:creationId xmlns:a16="http://schemas.microsoft.com/office/drawing/2014/main" id="{32288ED3-C48F-4694-9FDD-84A1FC1444C1}"/>
+              </a:ext>
+            </a:extLst>
+          </p:cNvPr>
+          <p:cNvSpPr>
+            <a:spLocks/>
+          </p:cNvSpPr>
+          <p:nvPr/>
+        </p:nvSpPr>
+        <p:spPr bwMode="auto">
+          <a:xfrm rot="-5400000">
+            <a:off x="4534126" y="2469853"/>
+            <a:ext cx="237964" cy="1456712"/>
+          </a:xfrm>
+          <a:prstGeom prst="leftBrace">
+            <a:avLst>
+              <a:gd name="adj1" fmla="val 8324"/>
+              <a:gd name="adj2" fmla="val 50000"/>
+            </a:avLst>
+          </a:prstGeom>
+          <a:noFill/>
+          <a:ln w="28575">
+            <a:solidFill>
+              <a:schemeClr val="tx1"/>
+            </a:solidFill>
+            <a:round/>
+            <a:headEnd/>
+            <a:tailEnd/>
+          </a:ln>
+        </p:spPr>
+        <p:txBody>
+          <a:bodyPr/>
+          <a:lstStyle/>
+          <a:p>
+            <a:endParaRPr lang="en-US"/>
+          </a:p>
+        </p:txBody>
+      </p:sp>
+      <p:pic>
+        <p:nvPicPr>
+          <p:cNvPr id="26" name="Picture 20" descr="TP_tmp.emf">
+            <a:extLst>
+              <a:ext uri="{FF2B5EF4-FFF2-40B4-BE49-F238E27FC236}">
+                <a16:creationId xmlns:a16="http://schemas.microsoft.com/office/drawing/2014/main" id="{6E7724B0-9B0C-4741-A3B2-2345D52CF8F7}"/>
+              </a:ext>
+            </a:extLst>
+          </p:cNvPr>
+          <p:cNvPicPr>
+            <a:picLocks noChangeAspect="1"/>
+          </p:cNvPicPr>
+          <p:nvPr>
+            <p:custDataLst>
+              <p:tags r:id="rId1"/>
+            </p:custDataLst>
+          </p:nvPr>
+        </p:nvPicPr>
+        <p:blipFill>
+          <a:blip r:embed="rId8" cstate="print"/>
+          <a:srcRect/>
+          <a:stretch>
+            <a:fillRect/>
+          </a:stretch>
+        </p:blipFill>
+        <p:spPr bwMode="auto">
+          <a:xfrm>
+            <a:off x="4415144" y="3460886"/>
+            <a:ext cx="475928" cy="316046"/>
+          </a:xfrm>
+          <a:prstGeom prst="rect">
+            <a:avLst/>
+          </a:prstGeom>
+          <a:noFill/>
+          <a:ln w="9525">
+            <a:noFill/>
+            <a:miter lim="800000"/>
+            <a:headEnd/>
+            <a:tailEnd/>
+          </a:ln>
+        </p:spPr>
+      </p:pic>
+      <p:grpSp>
+        <p:nvGrpSpPr>
+          <p:cNvPr id="3" name="Group 2">
+            <a:extLst>
+              <a:ext uri="{FF2B5EF4-FFF2-40B4-BE49-F238E27FC236}">
+                <a16:creationId xmlns:a16="http://schemas.microsoft.com/office/drawing/2014/main" id="{DCB8E157-BB2E-42B9-BF9B-01B7976AB3BC}"/>
+              </a:ext>
+            </a:extLst>
+          </p:cNvPr>
+          <p:cNvGrpSpPr/>
+          <p:nvPr/>
+        </p:nvGrpSpPr>
+        <p:grpSpPr>
+          <a:xfrm>
+            <a:off x="7341833" y="3886201"/>
+            <a:ext cx="4342167" cy="2766497"/>
+            <a:chOff x="7341833" y="3886201"/>
+            <a:chExt cx="4342167" cy="2766497"/>
+          </a:xfrm>
+        </p:grpSpPr>
+        <p:pic>
+          <p:nvPicPr>
+            <p:cNvPr id="27" name="Picture 16">
+              <a:extLst>
+                <a:ext uri="{FF2B5EF4-FFF2-40B4-BE49-F238E27FC236}">
+                  <a16:creationId xmlns:a16="http://schemas.microsoft.com/office/drawing/2014/main" id="{B305AAAD-D6D9-4830-B581-F807363983C9}"/>
+                </a:ext>
+              </a:extLst>
+            </p:cNvPr>
+            <p:cNvPicPr>
+              <a:picLocks noChangeAspect="1" noChangeArrowheads="1"/>
+            </p:cNvPicPr>
+            <p:nvPr/>
+          </p:nvPicPr>
+          <p:blipFill>
+            <a:blip r:embed="rId9" cstate="print"/>
+            <a:srcRect/>
+            <a:stretch>
+              <a:fillRect/>
+            </a:stretch>
+          </p:blipFill>
+          <p:spPr bwMode="auto">
+            <a:xfrm>
+              <a:off x="7823200" y="3886201"/>
+              <a:ext cx="3860800" cy="2766497"/>
+            </a:xfrm>
+            <a:prstGeom prst="rect">
+              <a:avLst/>
+            </a:prstGeom>
+            <a:noFill/>
+            <a:ln w="9525">
+              <a:noFill/>
+              <a:miter lim="800000"/>
+              <a:headEnd/>
+              <a:tailEnd/>
+            </a:ln>
+          </p:spPr>
+        </p:pic>
+        <p:sp>
+          <p:nvSpPr>
+            <p:cNvPr id="28" name="TextBox 27">
+              <a:extLst>
+                <a:ext uri="{FF2B5EF4-FFF2-40B4-BE49-F238E27FC236}">
+                  <a16:creationId xmlns:a16="http://schemas.microsoft.com/office/drawing/2014/main" id="{9E428CFB-1706-4E18-99AA-E50EA979F8EA}"/>
+                </a:ext>
+              </a:extLst>
+            </p:cNvPr>
+            <p:cNvSpPr txBox="1"/>
+            <p:nvPr/>
+          </p:nvSpPr>
+          <p:spPr>
+            <a:xfrm flipH="1">
+              <a:off x="8874072" y="6160445"/>
+              <a:ext cx="548641" cy="369332"/>
+            </a:xfrm>
+            <a:prstGeom prst="rect">
+              <a:avLst/>
+            </a:prstGeom>
+            <a:noFill/>
+          </p:spPr>
+          <p:txBody>
+            <a:bodyPr wrap="square" rtlCol="0">
+              <a:spAutoFit/>
+            </a:bodyPr>
+            <a:lstStyle/>
+            <a:p>
+              <a:r>
+                <a:rPr lang="en-US" dirty="0"/>
+                <a:t>u</a:t>
+              </a:r>
+            </a:p>
+          </p:txBody>
+        </p:sp>
+        <p:sp>
+          <p:nvSpPr>
+            <p:cNvPr id="29" name="TextBox 28">
+              <a:extLst>
+                <a:ext uri="{FF2B5EF4-FFF2-40B4-BE49-F238E27FC236}">
+                  <a16:creationId xmlns:a16="http://schemas.microsoft.com/office/drawing/2014/main" id="{42E30E86-828A-4962-B6AD-31A7D7913C06}"/>
+                </a:ext>
+              </a:extLst>
+            </p:cNvPr>
+            <p:cNvSpPr txBox="1"/>
+            <p:nvPr/>
+          </p:nvSpPr>
+          <p:spPr>
+            <a:xfrm flipH="1">
+              <a:off x="10998727" y="5858671"/>
+              <a:ext cx="548641" cy="369332"/>
+            </a:xfrm>
+            <a:prstGeom prst="rect">
+              <a:avLst/>
+            </a:prstGeom>
+            <a:noFill/>
+          </p:spPr>
+          <p:txBody>
+            <a:bodyPr wrap="square" rtlCol="0">
+              <a:spAutoFit/>
+            </a:bodyPr>
+            <a:lstStyle/>
+            <a:p>
+              <a:r>
+                <a:rPr lang="en-US" dirty="0"/>
+                <a:t>v</a:t>
+              </a:r>
+            </a:p>
+          </p:txBody>
+        </p:sp>
+        <p:sp>
+          <p:nvSpPr>
+            <p:cNvPr id="30" name="TextBox 29">
+              <a:extLst>
+                <a:ext uri="{FF2B5EF4-FFF2-40B4-BE49-F238E27FC236}">
+                  <a16:creationId xmlns:a16="http://schemas.microsoft.com/office/drawing/2014/main" id="{3CE37FD6-BB45-4151-B099-34ADEB56DBE9}"/>
+                </a:ext>
+              </a:extLst>
+            </p:cNvPr>
+            <p:cNvSpPr txBox="1"/>
+            <p:nvPr/>
+          </p:nvSpPr>
+          <p:spPr>
+            <a:xfrm>
+              <a:off x="7341833" y="5006837"/>
+              <a:ext cx="721672" cy="369332"/>
+            </a:xfrm>
+            <a:prstGeom prst="rect">
+              <a:avLst/>
+            </a:prstGeom>
+            <a:noFill/>
+          </p:spPr>
+          <p:txBody>
+            <a:bodyPr wrap="none" rtlCol="0">
+              <a:spAutoFit/>
+            </a:bodyPr>
+            <a:lstStyle/>
+            <a:p>
+              <a:r>
+                <a:rPr lang="en-US" dirty="0"/>
+                <a:t>E(</a:t>
+              </a:r>
+              <a:r>
+                <a:rPr lang="en-US" dirty="0" err="1"/>
+                <a:t>u,v</a:t>
+              </a:r>
+              <a:r>
+                <a:rPr lang="en-US" dirty="0"/>
+                <a:t>)</a:t>
+              </a:r>
+            </a:p>
+          </p:txBody>
+        </p:sp>
+      </p:grpSp>
+      <p:sp>
+        <p:nvSpPr>
+          <p:cNvPr id="4" name="TextBox 3">
+            <a:extLst>
+              <a:ext uri="{FF2B5EF4-FFF2-40B4-BE49-F238E27FC236}">
+                <a16:creationId xmlns:a16="http://schemas.microsoft.com/office/drawing/2014/main" id="{B95F911D-2D2E-462E-A0E1-2D57C5C492E8}"/>
+              </a:ext>
+            </a:extLst>
+          </p:cNvPr>
+          <p:cNvSpPr txBox="1"/>
+          <p:nvPr/>
+        </p:nvSpPr>
+        <p:spPr>
+          <a:xfrm>
+            <a:off x="852255" y="4341180"/>
+            <a:ext cx="4121211" cy="369332"/>
+          </a:xfrm>
+          <a:prstGeom prst="rect">
+            <a:avLst/>
+          </a:prstGeom>
+          <a:noFill/>
+        </p:spPr>
+        <p:txBody>
+          <a:bodyPr wrap="square" rtlCol="0">
+            <a:spAutoFit/>
+          </a:bodyPr>
+          <a:lstStyle/>
+          <a:p>
+            <a:r>
+              <a:rPr lang="en-US" dirty="0"/>
+              <a:t>Also called </a:t>
+            </a:r>
+            <a:r>
+              <a:rPr lang="en-US" b="1" dirty="0"/>
+              <a:t>second-moments matrix</a:t>
+            </a:r>
+          </a:p>
+        </p:txBody>
+      </p:sp>
+      <p:cxnSp>
+        <p:nvCxnSpPr>
+          <p:cNvPr id="6" name="Straight Arrow Connector 5">
+            <a:extLst>
+              <a:ext uri="{FF2B5EF4-FFF2-40B4-BE49-F238E27FC236}">
+                <a16:creationId xmlns:a16="http://schemas.microsoft.com/office/drawing/2014/main" id="{A77245C2-32A3-4E88-B419-269B3DFA529A}"/>
+              </a:ext>
+            </a:extLst>
+          </p:cNvPr>
+          <p:cNvCxnSpPr>
+            <a:stCxn id="4" idx="0"/>
+            <a:endCxn id="26" idx="1"/>
+          </p:cNvCxnSpPr>
+          <p:nvPr/>
+        </p:nvCxnSpPr>
+        <p:spPr>
+          <a:xfrm flipV="1">
+            <a:off x="2912861" y="3618909"/>
+            <a:ext cx="1502283" cy="722271"/>
+          </a:xfrm>
+          <a:prstGeom prst="straightConnector1">
+            <a:avLst/>
+          </a:prstGeom>
+          <a:ln>
+            <a:tailEnd type="triangle"/>
+          </a:ln>
+        </p:spPr>
+        <p:style>
+          <a:lnRef idx="1">
+            <a:schemeClr val="accent1"/>
+          </a:lnRef>
+          <a:fillRef idx="0">
+            <a:schemeClr val="accent1"/>
+          </a:fillRef>
+          <a:effectRef idx="0">
+            <a:schemeClr val="accent1"/>
+          </a:effectRef>
+          <a:fontRef idx="minor">
+            <a:schemeClr val="tx1"/>
+          </a:fontRef>
+        </p:style>
+      </p:cxnSp>
+    </p:spTree>
+    <p:extLst>
+      <p:ext uri="{BB962C8B-B14F-4D97-AF65-F5344CB8AC3E}">
+        <p14:creationId xmlns:p14="http://schemas.microsoft.com/office/powerpoint/2010/main" val="3627162785"/>
+      </p:ext>
+    </p:extLst>
+  </p:cSld>
+  <p:clrMapOvr>
+    <a:masterClrMapping/>
+  </p:clrMapOvr>
+</p:sld>
+</file>
+
+<file path=ppt/slides/slide15.xml><?xml version="1.0" encoding="utf-8"?>
+<p:sld xmlns:a="http://schemas.openxmlformats.org/drawingml/2006/main" xmlns:r="http://schemas.openxmlformats.org/officeDocument/2006/relationships" xmlns:p="http://schemas.openxmlformats.org/presentationml/2006/main">
+  <p:cSld>
+    <p:spTree>
+      <p:nvGrpSpPr>
+        <p:cNvPr id="1" name=""/>
+        <p:cNvGrpSpPr/>
+        <p:nvPr/>
+      </p:nvGrpSpPr>
+      <p:grpSpPr>
+        <a:xfrm>
+          <a:off x="0" y="0"/>
+          <a:ext cx="0" cy="0"/>
+          <a:chOff x="0" y="0"/>
+          <a:chExt cx="0" cy="0"/>
+        </a:xfrm>
+      </p:grpSpPr>
+      <p:pic>
+        <p:nvPicPr>
+          <p:cNvPr id="214020" name="Picture 4"/>
+          <p:cNvPicPr>
+            <a:picLocks noChangeAspect="1" noChangeArrowheads="1"/>
+          </p:cNvPicPr>
+          <p:nvPr/>
+        </p:nvPicPr>
+        <p:blipFill>
+          <a:blip r:embed="rId4" cstate="print"/>
+          <a:srcRect/>
+          <a:stretch>
+            <a:fillRect/>
+          </a:stretch>
+        </p:blipFill>
+        <p:spPr bwMode="auto">
+          <a:xfrm>
+            <a:off x="1828801" y="457201"/>
+            <a:ext cx="8071209" cy="976021"/>
+          </a:xfrm>
+          <a:prstGeom prst="rect">
+            <a:avLst/>
+          </a:prstGeom>
+          <a:noFill/>
+          <a:ln w="9525">
+            <a:noFill/>
+            <a:miter lim="800000"/>
+            <a:headEnd/>
+            <a:tailEnd/>
+          </a:ln>
+        </p:spPr>
+      </p:pic>
       <p:pic>
         <p:nvPicPr>
           <p:cNvPr id="13" name="Picture 3"/>
@@ -9770,7 +9723,7 @@
           <p:nvPr/>
         </p:nvPicPr>
         <p:blipFill>
-          <a:blip r:embed="rId7" cstate="print"/>
+          <a:blip r:embed="rId5" cstate="print"/>
           <a:srcRect/>
           <a:stretch>
             <a:fillRect/>
@@ -9778,7 +9731,7 @@
         </p:blipFill>
         <p:spPr bwMode="auto">
           <a:xfrm>
-            <a:off x="851265" y="3588602"/>
+            <a:off x="888177" y="2906291"/>
             <a:ext cx="2415696" cy="714128"/>
           </a:xfrm>
           <a:prstGeom prst="rect">
@@ -9802,7 +9755,7 @@
           <p:nvPr/>
         </p:nvPicPr>
         <p:blipFill>
-          <a:blip r:embed="rId8" cstate="print"/>
+          <a:blip r:embed="rId6" cstate="print"/>
           <a:srcRect/>
           <a:stretch>
             <a:fillRect/>
@@ -9810,7 +9763,7 @@
         </p:blipFill>
         <p:spPr bwMode="auto">
           <a:xfrm>
-            <a:off x="674288" y="4572000"/>
+            <a:off x="711200" y="3889689"/>
             <a:ext cx="2780112" cy="744988"/>
           </a:xfrm>
           <a:prstGeom prst="rect">
@@ -9834,7 +9787,7 @@
           <p:nvPr/>
         </p:nvPicPr>
         <p:blipFill>
-          <a:blip r:embed="rId9" cstate="print"/>
+          <a:blip r:embed="rId7" cstate="print"/>
           <a:srcRect/>
           <a:stretch>
             <a:fillRect/>
@@ -9842,7 +9795,7 @@
         </p:blipFill>
         <p:spPr bwMode="auto">
           <a:xfrm>
-            <a:off x="849996" y="5559111"/>
+            <a:off x="886908" y="4876800"/>
             <a:ext cx="2398064" cy="696496"/>
           </a:xfrm>
           <a:prstGeom prst="rect">
@@ -9867,7 +9820,7 @@
         </p:nvSpPr>
         <p:spPr bwMode="auto">
           <a:xfrm rot="-5400000">
-            <a:off x="6341533" y="2564136"/>
+            <a:off x="7171267" y="651934"/>
             <a:ext cx="304800" cy="2048933"/>
           </a:xfrm>
           <a:prstGeom prst="leftBrace">
@@ -9907,7 +9860,7 @@
           </p:nvPr>
         </p:nvPicPr>
         <p:blipFill>
-          <a:blip r:embed="rId10" cstate="print"/>
+          <a:blip r:embed="rId8" cstate="print"/>
           <a:srcRect/>
           <a:stretch>
             <a:fillRect/>
@@ -9915,7 +9868,7 @@
         </p:blipFill>
         <p:spPr bwMode="auto">
           <a:xfrm>
-            <a:off x="6197600" y="3893403"/>
+            <a:off x="7027333" y="1981201"/>
             <a:ext cx="609600" cy="404813"/>
           </a:xfrm>
           <a:prstGeom prst="rect">
@@ -9930,51 +9883,432 @@
           </a:ln>
         </p:spPr>
       </p:pic>
+      <p:grpSp>
+        <p:nvGrpSpPr>
+          <p:cNvPr id="20" name="Group 19"/>
+          <p:cNvGrpSpPr/>
+          <p:nvPr/>
+        </p:nvGrpSpPr>
+        <p:grpSpPr>
+          <a:xfrm>
+            <a:off x="4331605" y="3048000"/>
+            <a:ext cx="3149600" cy="2209800"/>
+            <a:chOff x="3429000" y="2413000"/>
+            <a:chExt cx="2362200" cy="2209800"/>
+          </a:xfrm>
+        </p:grpSpPr>
+        <p:grpSp>
+          <p:nvGrpSpPr>
+            <p:cNvPr id="21" name="Group 42"/>
+            <p:cNvGrpSpPr>
+              <a:grpSpLocks/>
+            </p:cNvGrpSpPr>
+            <p:nvPr/>
+          </p:nvGrpSpPr>
+          <p:grpSpPr bwMode="auto">
+            <a:xfrm>
+              <a:off x="3429000" y="2413000"/>
+              <a:ext cx="2362200" cy="2209800"/>
+              <a:chOff x="2208" y="1104"/>
+              <a:chExt cx="1488" cy="1392"/>
+            </a:xfrm>
+          </p:grpSpPr>
+          <p:sp>
+            <p:nvSpPr>
+              <p:cNvPr id="23" name="Rectangle 43"/>
+              <p:cNvSpPr>
+                <a:spLocks noChangeArrowheads="1"/>
+              </p:cNvSpPr>
+              <p:nvPr/>
+            </p:nvSpPr>
+            <p:spPr bwMode="auto">
+              <a:xfrm>
+                <a:off x="2208" y="1104"/>
+                <a:ext cx="1488" cy="1392"/>
+              </a:xfrm>
+              <a:prstGeom prst="rect">
+                <a:avLst/>
+              </a:prstGeom>
+              <a:solidFill>
+                <a:srgbClr val="C0C0C0"/>
+              </a:solidFill>
+              <a:ln w="9525">
+                <a:solidFill>
+                  <a:schemeClr val="tx1"/>
+                </a:solidFill>
+                <a:miter lim="800000"/>
+                <a:headEnd/>
+                <a:tailEnd/>
+              </a:ln>
+            </p:spPr>
+            <p:txBody>
+              <a:bodyPr wrap="none" anchor="ctr"/>
+              <a:lstStyle/>
+              <a:p>
+                <a:endParaRPr lang="en-US"/>
+              </a:p>
+            </p:txBody>
+          </p:sp>
+          <p:sp>
+            <p:nvSpPr>
+              <p:cNvPr id="24" name="Freeform 44"/>
+              <p:cNvSpPr>
+                <a:spLocks/>
+              </p:cNvSpPr>
+              <p:nvPr/>
+            </p:nvSpPr>
+            <p:spPr bwMode="auto">
+              <a:xfrm>
+                <a:off x="2496" y="1344"/>
+                <a:ext cx="1008" cy="912"/>
+              </a:xfrm>
+              <a:custGeom>
+                <a:avLst/>
+                <a:gdLst>
+                  <a:gd name="T0" fmla="*/ 0 w 1008"/>
+                  <a:gd name="T1" fmla="*/ 912 h 912"/>
+                  <a:gd name="T2" fmla="*/ 0 w 1008"/>
+                  <a:gd name="T3" fmla="*/ 0 h 912"/>
+                  <a:gd name="T4" fmla="*/ 1008 w 1008"/>
+                  <a:gd name="T5" fmla="*/ 528 h 912"/>
+                  <a:gd name="T6" fmla="*/ 0 60000 65536"/>
+                  <a:gd name="T7" fmla="*/ 0 60000 65536"/>
+                  <a:gd name="T8" fmla="*/ 0 60000 65536"/>
+                  <a:gd name="T9" fmla="*/ 0 w 1008"/>
+                  <a:gd name="T10" fmla="*/ 0 h 912"/>
+                  <a:gd name="T11" fmla="*/ 1008 w 1008"/>
+                  <a:gd name="T12" fmla="*/ 912 h 912"/>
+                  <a:gd name="connsiteX0" fmla="*/ 0 w 1008"/>
+                  <a:gd name="connsiteY0" fmla="*/ 912 h 912"/>
+                  <a:gd name="connsiteX1" fmla="*/ 0 w 1008"/>
+                  <a:gd name="connsiteY1" fmla="*/ 0 h 912"/>
+                  <a:gd name="connsiteX2" fmla="*/ 1008 w 1008"/>
+                  <a:gd name="connsiteY2" fmla="*/ 0 h 912"/>
+                </a:gdLst>
+                <a:ahLst/>
+                <a:cxnLst>
+                  <a:cxn ang="0">
+                    <a:pos x="connsiteX0" y="connsiteY0"/>
+                  </a:cxn>
+                  <a:cxn ang="0">
+                    <a:pos x="connsiteX1" y="connsiteY1"/>
+                  </a:cxn>
+                  <a:cxn ang="0">
+                    <a:pos x="connsiteX2" y="connsiteY2"/>
+                  </a:cxn>
+                </a:cxnLst>
+                <a:rect l="l" t="t" r="r" b="b"/>
+                <a:pathLst>
+                  <a:path w="1008" h="912">
+                    <a:moveTo>
+                      <a:pt x="0" y="912"/>
+                    </a:moveTo>
+                    <a:lnTo>
+                      <a:pt x="0" y="0"/>
+                    </a:lnTo>
+                    <a:lnTo>
+                      <a:pt x="1008" y="0"/>
+                    </a:lnTo>
+                  </a:path>
+                </a:pathLst>
+              </a:custGeom>
+              <a:noFill/>
+              <a:ln w="41275">
+                <a:solidFill>
+                  <a:schemeClr val="tx1"/>
+                </a:solidFill>
+                <a:round/>
+                <a:headEnd/>
+                <a:tailEnd/>
+              </a:ln>
+            </p:spPr>
+            <p:txBody>
+              <a:bodyPr/>
+              <a:lstStyle/>
+              <a:p>
+                <a:endParaRPr lang="en-US"/>
+              </a:p>
+            </p:txBody>
+          </p:sp>
+        </p:grpSp>
+        <p:sp>
+          <p:nvSpPr>
+            <p:cNvPr id="22" name="Rectangle 9"/>
+            <p:cNvSpPr>
+              <a:spLocks noChangeArrowheads="1"/>
+            </p:cNvSpPr>
+            <p:nvPr/>
+          </p:nvSpPr>
+          <p:spPr bwMode="auto">
+            <a:xfrm>
+              <a:off x="4419600" y="2554514"/>
+              <a:ext cx="485775" cy="469900"/>
+            </a:xfrm>
+            <a:prstGeom prst="rect">
+              <a:avLst/>
+            </a:prstGeom>
+            <a:solidFill>
+              <a:schemeClr val="accent1">
+                <a:alpha val="50195"/>
+              </a:schemeClr>
+            </a:solidFill>
+            <a:ln w="9525">
+              <a:solidFill>
+                <a:schemeClr val="tx1"/>
+              </a:solidFill>
+              <a:miter lim="800000"/>
+              <a:headEnd/>
+              <a:tailEnd/>
+            </a:ln>
+          </p:spPr>
+          <p:txBody>
+            <a:bodyPr wrap="none" anchor="ctr"/>
+            <a:lstStyle/>
+            <a:p>
+              <a:endParaRPr lang="en-US"/>
+            </a:p>
+          </p:txBody>
+        </p:sp>
+      </p:grpSp>
       <p:sp>
         <p:nvSpPr>
-          <p:cNvPr id="18" name="Rectangle 17"/>
-          <p:cNvSpPr/>
+          <p:cNvPr id="25" name="TextBox 24"/>
+          <p:cNvSpPr txBox="1"/>
           <p:nvPr/>
         </p:nvSpPr>
         <p:spPr>
           <a:xfrm>
-            <a:off x="4508698" y="6172200"/>
-            <a:ext cx="3247877" cy="369332"/>
+            <a:off x="4064000" y="5410200"/>
+            <a:ext cx="1777346" cy="369332"/>
           </a:xfrm>
           <a:prstGeom prst="rect">
             <a:avLst/>
           </a:prstGeom>
+          <a:noFill/>
         </p:spPr>
         <p:txBody>
-          <a:bodyPr wrap="none">
+          <a:bodyPr wrap="none" rtlCol="0">
             <a:spAutoFit/>
           </a:bodyPr>
           <a:lstStyle/>
           <a:p>
             <a:r>
               <a:rPr lang="en-US" dirty="0"/>
-              <a:t>Let’s try to understand its shape.</a:t>
+              <a:t>Horizontal edge: </a:t>
             </a:r>
           </a:p>
         </p:txBody>
       </p:sp>
+      <p:pic>
+        <p:nvPicPr>
+          <p:cNvPr id="216067" name="Picture 3"/>
+          <p:cNvPicPr>
+            <a:picLocks noChangeAspect="1" noChangeArrowheads="1"/>
+          </p:cNvPicPr>
+          <p:nvPr/>
+        </p:nvPicPr>
+        <p:blipFill>
+          <a:blip r:embed="rId9" cstate="print"/>
+          <a:srcRect/>
+          <a:stretch>
+            <a:fillRect/>
+          </a:stretch>
+        </p:blipFill>
+        <p:spPr bwMode="auto">
+          <a:xfrm>
+            <a:off x="6276520" y="5399314"/>
+            <a:ext cx="1421653" cy="419100"/>
+          </a:xfrm>
+          <a:prstGeom prst="rect">
+            <a:avLst/>
+          </a:prstGeom>
+          <a:noFill/>
+          <a:ln w="9525">
+            <a:noFill/>
+            <a:miter lim="800000"/>
+            <a:headEnd/>
+            <a:tailEnd/>
+          </a:ln>
+        </p:spPr>
+      </p:pic>
+      <p:pic>
+        <p:nvPicPr>
+          <p:cNvPr id="216070" name="Picture 6"/>
+          <p:cNvPicPr>
+            <a:picLocks noChangeAspect="1" noChangeArrowheads="1"/>
+          </p:cNvPicPr>
+          <p:nvPr/>
+        </p:nvPicPr>
+        <p:blipFill>
+          <a:blip r:embed="rId10" cstate="print"/>
+          <a:srcRect/>
+          <a:stretch>
+            <a:fillRect/>
+          </a:stretch>
+        </p:blipFill>
+        <p:spPr bwMode="auto">
+          <a:xfrm>
+            <a:off x="7926273" y="2792766"/>
+            <a:ext cx="4079939" cy="1219200"/>
+          </a:xfrm>
+          <a:prstGeom prst="rect">
+            <a:avLst/>
+          </a:prstGeom>
+          <a:noFill/>
+          <a:ln w="9525">
+            <a:noFill/>
+            <a:miter lim="800000"/>
+            <a:headEnd/>
+            <a:tailEnd/>
+          </a:ln>
+        </p:spPr>
+      </p:pic>
+      <p:grpSp>
+        <p:nvGrpSpPr>
+          <p:cNvPr id="27" name="Group 26"/>
+          <p:cNvGrpSpPr/>
+          <p:nvPr/>
+        </p:nvGrpSpPr>
+        <p:grpSpPr>
+          <a:xfrm>
+            <a:off x="7924800" y="4038600"/>
+            <a:ext cx="4572000" cy="2400300"/>
+            <a:chOff x="5943600" y="4038600"/>
+            <a:chExt cx="3429000" cy="2400300"/>
+          </a:xfrm>
+        </p:grpSpPr>
+        <p:pic>
+          <p:nvPicPr>
+            <p:cNvPr id="216071" name="Picture 7" descr="C:\snavely\work\teaching\09Fa-CS6610\lectures\lec03\plots\xplot.png"/>
+            <p:cNvPicPr>
+              <a:picLocks noChangeAspect="1" noChangeArrowheads="1"/>
+            </p:cNvPicPr>
+            <p:nvPr/>
+          </p:nvPicPr>
+          <p:blipFill>
+            <a:blip r:embed="rId11" cstate="print"/>
+            <a:srcRect/>
+            <a:stretch>
+              <a:fillRect/>
+            </a:stretch>
+          </p:blipFill>
+          <p:spPr bwMode="auto">
+            <a:xfrm>
+              <a:off x="5943600" y="4038600"/>
+              <a:ext cx="3429000" cy="2400300"/>
+            </a:xfrm>
+            <a:prstGeom prst="rect">
+              <a:avLst/>
+            </a:prstGeom>
+            <a:noFill/>
+          </p:spPr>
+        </p:pic>
+        <p:sp>
+          <p:nvSpPr>
+            <p:cNvPr id="18" name="TextBox 17"/>
+            <p:cNvSpPr txBox="1"/>
+            <p:nvPr/>
+          </p:nvSpPr>
+          <p:spPr>
+            <a:xfrm flipH="1">
+              <a:off x="6794861" y="5867400"/>
+              <a:ext cx="411481" cy="369332"/>
+            </a:xfrm>
+            <a:prstGeom prst="rect">
+              <a:avLst/>
+            </a:prstGeom>
+            <a:noFill/>
+          </p:spPr>
+          <p:txBody>
+            <a:bodyPr wrap="square" rtlCol="0">
+              <a:spAutoFit/>
+            </a:bodyPr>
+            <a:lstStyle/>
+            <a:p>
+              <a:r>
+                <a:rPr lang="en-US" dirty="0"/>
+                <a:t>u</a:t>
+              </a:r>
+            </a:p>
+          </p:txBody>
+        </p:sp>
+        <p:sp>
+          <p:nvSpPr>
+            <p:cNvPr id="19" name="TextBox 18"/>
+            <p:cNvSpPr txBox="1"/>
+            <p:nvPr/>
+          </p:nvSpPr>
+          <p:spPr>
+            <a:xfrm flipH="1">
+              <a:off x="8675914" y="5672240"/>
+              <a:ext cx="411481" cy="369332"/>
+            </a:xfrm>
+            <a:prstGeom prst="rect">
+              <a:avLst/>
+            </a:prstGeom>
+            <a:noFill/>
+          </p:spPr>
+          <p:txBody>
+            <a:bodyPr wrap="square" rtlCol="0">
+              <a:spAutoFit/>
+            </a:bodyPr>
+            <a:lstStyle/>
+            <a:p>
+              <a:r>
+                <a:rPr lang="en-US" dirty="0"/>
+                <a:t>v</a:t>
+              </a:r>
+            </a:p>
+          </p:txBody>
+        </p:sp>
+        <p:sp>
+          <p:nvSpPr>
+            <p:cNvPr id="26" name="TextBox 25"/>
+            <p:cNvSpPr txBox="1"/>
+            <p:nvPr/>
+          </p:nvSpPr>
+          <p:spPr>
+            <a:xfrm>
+              <a:off x="6034913" y="4406706"/>
+              <a:ext cx="541254" cy="369332"/>
+            </a:xfrm>
+            <a:prstGeom prst="rect">
+              <a:avLst/>
+            </a:prstGeom>
+            <a:noFill/>
+          </p:spPr>
+          <p:txBody>
+            <a:bodyPr wrap="none" rtlCol="0">
+              <a:spAutoFit/>
+            </a:bodyPr>
+            <a:lstStyle/>
+            <a:p>
+              <a:r>
+                <a:rPr lang="en-US" dirty="0"/>
+                <a:t>E(</a:t>
+              </a:r>
+              <a:r>
+                <a:rPr lang="en-US" dirty="0" err="1"/>
+                <a:t>u,v</a:t>
+              </a:r>
+              <a:r>
+                <a:rPr lang="en-US" dirty="0"/>
+                <a:t>)</a:t>
+              </a:r>
+            </a:p>
+          </p:txBody>
+        </p:sp>
+      </p:grpSp>
     </p:spTree>
     <p:extLst>
       <p:ext uri="{BB962C8B-B14F-4D97-AF65-F5344CB8AC3E}">
-        <p14:creationId xmlns:p14="http://schemas.microsoft.com/office/powerpoint/2010/main" val="2937552159"/>
+        <p14:creationId xmlns:p14="http://schemas.microsoft.com/office/powerpoint/2010/main" val="1595329037"/>
       </p:ext>
     </p:extLst>
   </p:cSld>
   <p:clrMapOvr>
     <a:masterClrMapping/>
   </p:clrMapOvr>
-  <p:timing>
-    <p:tnLst>
-      <p:par>
-        <p:cTn id="1" dur="indefinite" restart="never" nodeType="tmRoot"/>
-      </p:par>
-    </p:tnLst>
-  </p:timing>
 </p:sld>
 </file>
 
@@ -10198,660 +10532,6 @@
       </p:pic>
       <p:grpSp>
         <p:nvGrpSpPr>
-          <p:cNvPr id="20" name="Group 19"/>
-          <p:cNvGrpSpPr/>
-          <p:nvPr/>
-        </p:nvGrpSpPr>
-        <p:grpSpPr>
-          <a:xfrm>
-            <a:off x="4331605" y="3048000"/>
-            <a:ext cx="3149600" cy="2209800"/>
-            <a:chOff x="3429000" y="2413000"/>
-            <a:chExt cx="2362200" cy="2209800"/>
-          </a:xfrm>
-        </p:grpSpPr>
-        <p:grpSp>
-          <p:nvGrpSpPr>
-            <p:cNvPr id="21" name="Group 42"/>
-            <p:cNvGrpSpPr>
-              <a:grpSpLocks/>
-            </p:cNvGrpSpPr>
-            <p:nvPr/>
-          </p:nvGrpSpPr>
-          <p:grpSpPr bwMode="auto">
-            <a:xfrm>
-              <a:off x="3429000" y="2413000"/>
-              <a:ext cx="2362200" cy="2209800"/>
-              <a:chOff x="2208" y="1104"/>
-              <a:chExt cx="1488" cy="1392"/>
-            </a:xfrm>
-          </p:grpSpPr>
-          <p:sp>
-            <p:nvSpPr>
-              <p:cNvPr id="23" name="Rectangle 43"/>
-              <p:cNvSpPr>
-                <a:spLocks noChangeArrowheads="1"/>
-              </p:cNvSpPr>
-              <p:nvPr/>
-            </p:nvSpPr>
-            <p:spPr bwMode="auto">
-              <a:xfrm>
-                <a:off x="2208" y="1104"/>
-                <a:ext cx="1488" cy="1392"/>
-              </a:xfrm>
-              <a:prstGeom prst="rect">
-                <a:avLst/>
-              </a:prstGeom>
-              <a:solidFill>
-                <a:srgbClr val="C0C0C0"/>
-              </a:solidFill>
-              <a:ln w="9525">
-                <a:solidFill>
-                  <a:schemeClr val="tx1"/>
-                </a:solidFill>
-                <a:miter lim="800000"/>
-                <a:headEnd/>
-                <a:tailEnd/>
-              </a:ln>
-            </p:spPr>
-            <p:txBody>
-              <a:bodyPr wrap="none" anchor="ctr"/>
-              <a:lstStyle/>
-              <a:p>
-                <a:endParaRPr lang="en-US"/>
-              </a:p>
-            </p:txBody>
-          </p:sp>
-          <p:sp>
-            <p:nvSpPr>
-              <p:cNvPr id="24" name="Freeform 44"/>
-              <p:cNvSpPr>
-                <a:spLocks/>
-              </p:cNvSpPr>
-              <p:nvPr/>
-            </p:nvSpPr>
-            <p:spPr bwMode="auto">
-              <a:xfrm>
-                <a:off x="2496" y="1344"/>
-                <a:ext cx="1008" cy="912"/>
-              </a:xfrm>
-              <a:custGeom>
-                <a:avLst/>
-                <a:gdLst>
-                  <a:gd name="T0" fmla="*/ 0 w 1008"/>
-                  <a:gd name="T1" fmla="*/ 912 h 912"/>
-                  <a:gd name="T2" fmla="*/ 0 w 1008"/>
-                  <a:gd name="T3" fmla="*/ 0 h 912"/>
-                  <a:gd name="T4" fmla="*/ 1008 w 1008"/>
-                  <a:gd name="T5" fmla="*/ 528 h 912"/>
-                  <a:gd name="T6" fmla="*/ 0 60000 65536"/>
-                  <a:gd name="T7" fmla="*/ 0 60000 65536"/>
-                  <a:gd name="T8" fmla="*/ 0 60000 65536"/>
-                  <a:gd name="T9" fmla="*/ 0 w 1008"/>
-                  <a:gd name="T10" fmla="*/ 0 h 912"/>
-                  <a:gd name="T11" fmla="*/ 1008 w 1008"/>
-                  <a:gd name="T12" fmla="*/ 912 h 912"/>
-                  <a:gd name="connsiteX0" fmla="*/ 0 w 1008"/>
-                  <a:gd name="connsiteY0" fmla="*/ 912 h 912"/>
-                  <a:gd name="connsiteX1" fmla="*/ 0 w 1008"/>
-                  <a:gd name="connsiteY1" fmla="*/ 0 h 912"/>
-                  <a:gd name="connsiteX2" fmla="*/ 1008 w 1008"/>
-                  <a:gd name="connsiteY2" fmla="*/ 0 h 912"/>
-                </a:gdLst>
-                <a:ahLst/>
-                <a:cxnLst>
-                  <a:cxn ang="0">
-                    <a:pos x="connsiteX0" y="connsiteY0"/>
-                  </a:cxn>
-                  <a:cxn ang="0">
-                    <a:pos x="connsiteX1" y="connsiteY1"/>
-                  </a:cxn>
-                  <a:cxn ang="0">
-                    <a:pos x="connsiteX2" y="connsiteY2"/>
-                  </a:cxn>
-                </a:cxnLst>
-                <a:rect l="l" t="t" r="r" b="b"/>
-                <a:pathLst>
-                  <a:path w="1008" h="912">
-                    <a:moveTo>
-                      <a:pt x="0" y="912"/>
-                    </a:moveTo>
-                    <a:lnTo>
-                      <a:pt x="0" y="0"/>
-                    </a:lnTo>
-                    <a:lnTo>
-                      <a:pt x="1008" y="0"/>
-                    </a:lnTo>
-                  </a:path>
-                </a:pathLst>
-              </a:custGeom>
-              <a:noFill/>
-              <a:ln w="41275">
-                <a:solidFill>
-                  <a:schemeClr val="tx1"/>
-                </a:solidFill>
-                <a:round/>
-                <a:headEnd/>
-                <a:tailEnd/>
-              </a:ln>
-            </p:spPr>
-            <p:txBody>
-              <a:bodyPr/>
-              <a:lstStyle/>
-              <a:p>
-                <a:endParaRPr lang="en-US"/>
-              </a:p>
-            </p:txBody>
-          </p:sp>
-        </p:grpSp>
-        <p:sp>
-          <p:nvSpPr>
-            <p:cNvPr id="22" name="Rectangle 9"/>
-            <p:cNvSpPr>
-              <a:spLocks noChangeArrowheads="1"/>
-            </p:cNvSpPr>
-            <p:nvPr/>
-          </p:nvSpPr>
-          <p:spPr bwMode="auto">
-            <a:xfrm>
-              <a:off x="4419600" y="2554514"/>
-              <a:ext cx="485775" cy="469900"/>
-            </a:xfrm>
-            <a:prstGeom prst="rect">
-              <a:avLst/>
-            </a:prstGeom>
-            <a:solidFill>
-              <a:schemeClr val="accent1">
-                <a:alpha val="50195"/>
-              </a:schemeClr>
-            </a:solidFill>
-            <a:ln w="9525">
-              <a:solidFill>
-                <a:schemeClr val="tx1"/>
-              </a:solidFill>
-              <a:miter lim="800000"/>
-              <a:headEnd/>
-              <a:tailEnd/>
-            </a:ln>
-          </p:spPr>
-          <p:txBody>
-            <a:bodyPr wrap="none" anchor="ctr"/>
-            <a:lstStyle/>
-            <a:p>
-              <a:endParaRPr lang="en-US"/>
-            </a:p>
-          </p:txBody>
-        </p:sp>
-      </p:grpSp>
-      <p:sp>
-        <p:nvSpPr>
-          <p:cNvPr id="25" name="TextBox 24"/>
-          <p:cNvSpPr txBox="1"/>
-          <p:nvPr/>
-        </p:nvSpPr>
-        <p:spPr>
-          <a:xfrm>
-            <a:off x="4064000" y="5410200"/>
-            <a:ext cx="1777346" cy="369332"/>
-          </a:xfrm>
-          <a:prstGeom prst="rect">
-            <a:avLst/>
-          </a:prstGeom>
-          <a:noFill/>
-        </p:spPr>
-        <p:txBody>
-          <a:bodyPr wrap="none" rtlCol="0">
-            <a:spAutoFit/>
-          </a:bodyPr>
-          <a:lstStyle/>
-          <a:p>
-            <a:r>
-              <a:rPr lang="en-US" dirty="0"/>
-              <a:t>Horizontal edge: </a:t>
-            </a:r>
-          </a:p>
-        </p:txBody>
-      </p:sp>
-      <p:pic>
-        <p:nvPicPr>
-          <p:cNvPr id="216067" name="Picture 3"/>
-          <p:cNvPicPr>
-            <a:picLocks noChangeAspect="1" noChangeArrowheads="1"/>
-          </p:cNvPicPr>
-          <p:nvPr/>
-        </p:nvPicPr>
-        <p:blipFill>
-          <a:blip r:embed="rId9" cstate="print"/>
-          <a:srcRect/>
-          <a:stretch>
-            <a:fillRect/>
-          </a:stretch>
-        </p:blipFill>
-        <p:spPr bwMode="auto">
-          <a:xfrm>
-            <a:off x="6276520" y="5399314"/>
-            <a:ext cx="1421653" cy="419100"/>
-          </a:xfrm>
-          <a:prstGeom prst="rect">
-            <a:avLst/>
-          </a:prstGeom>
-          <a:noFill/>
-          <a:ln w="9525">
-            <a:noFill/>
-            <a:miter lim="800000"/>
-            <a:headEnd/>
-            <a:tailEnd/>
-          </a:ln>
-        </p:spPr>
-      </p:pic>
-      <p:pic>
-        <p:nvPicPr>
-          <p:cNvPr id="216070" name="Picture 6"/>
-          <p:cNvPicPr>
-            <a:picLocks noChangeAspect="1" noChangeArrowheads="1"/>
-          </p:cNvPicPr>
-          <p:nvPr/>
-        </p:nvPicPr>
-        <p:blipFill>
-          <a:blip r:embed="rId10" cstate="print"/>
-          <a:srcRect/>
-          <a:stretch>
-            <a:fillRect/>
-          </a:stretch>
-        </p:blipFill>
-        <p:spPr bwMode="auto">
-          <a:xfrm>
-            <a:off x="8128001" y="2895600"/>
-            <a:ext cx="3824943" cy="1143000"/>
-          </a:xfrm>
-          <a:prstGeom prst="rect">
-            <a:avLst/>
-          </a:prstGeom>
-          <a:noFill/>
-          <a:ln w="9525">
-            <a:noFill/>
-            <a:miter lim="800000"/>
-            <a:headEnd/>
-            <a:tailEnd/>
-          </a:ln>
-        </p:spPr>
-      </p:pic>
-      <p:grpSp>
-        <p:nvGrpSpPr>
-          <p:cNvPr id="27" name="Group 26"/>
-          <p:cNvGrpSpPr/>
-          <p:nvPr/>
-        </p:nvGrpSpPr>
-        <p:grpSpPr>
-          <a:xfrm>
-            <a:off x="7924800" y="4038600"/>
-            <a:ext cx="4572000" cy="2400300"/>
-            <a:chOff x="5943600" y="4038600"/>
-            <a:chExt cx="3429000" cy="2400300"/>
-          </a:xfrm>
-        </p:grpSpPr>
-        <p:pic>
-          <p:nvPicPr>
-            <p:cNvPr id="216071" name="Picture 7" descr="C:\snavely\work\teaching\09Fa-CS6610\lectures\lec03\plots\xplot.png"/>
-            <p:cNvPicPr>
-              <a:picLocks noChangeAspect="1" noChangeArrowheads="1"/>
-            </p:cNvPicPr>
-            <p:nvPr/>
-          </p:nvPicPr>
-          <p:blipFill>
-            <a:blip r:embed="rId11" cstate="print"/>
-            <a:srcRect/>
-            <a:stretch>
-              <a:fillRect/>
-            </a:stretch>
-          </p:blipFill>
-          <p:spPr bwMode="auto">
-            <a:xfrm>
-              <a:off x="5943600" y="4038600"/>
-              <a:ext cx="3429000" cy="2400300"/>
-            </a:xfrm>
-            <a:prstGeom prst="rect">
-              <a:avLst/>
-            </a:prstGeom>
-            <a:noFill/>
-          </p:spPr>
-        </p:pic>
-        <p:sp>
-          <p:nvSpPr>
-            <p:cNvPr id="18" name="TextBox 17"/>
-            <p:cNvSpPr txBox="1"/>
-            <p:nvPr/>
-          </p:nvSpPr>
-          <p:spPr>
-            <a:xfrm flipH="1">
-              <a:off x="6794861" y="5867400"/>
-              <a:ext cx="411481" cy="369332"/>
-            </a:xfrm>
-            <a:prstGeom prst="rect">
-              <a:avLst/>
-            </a:prstGeom>
-            <a:noFill/>
-          </p:spPr>
-          <p:txBody>
-            <a:bodyPr wrap="square" rtlCol="0">
-              <a:spAutoFit/>
-            </a:bodyPr>
-            <a:lstStyle/>
-            <a:p>
-              <a:r>
-                <a:rPr lang="en-US" dirty="0"/>
-                <a:t>u</a:t>
-              </a:r>
-            </a:p>
-          </p:txBody>
-        </p:sp>
-        <p:sp>
-          <p:nvSpPr>
-            <p:cNvPr id="19" name="TextBox 18"/>
-            <p:cNvSpPr txBox="1"/>
-            <p:nvPr/>
-          </p:nvSpPr>
-          <p:spPr>
-            <a:xfrm flipH="1">
-              <a:off x="8675914" y="5672240"/>
-              <a:ext cx="411481" cy="369332"/>
-            </a:xfrm>
-            <a:prstGeom prst="rect">
-              <a:avLst/>
-            </a:prstGeom>
-            <a:noFill/>
-          </p:spPr>
-          <p:txBody>
-            <a:bodyPr wrap="square" rtlCol="0">
-              <a:spAutoFit/>
-            </a:bodyPr>
-            <a:lstStyle/>
-            <a:p>
-              <a:r>
-                <a:rPr lang="en-US" dirty="0"/>
-                <a:t>v</a:t>
-              </a:r>
-            </a:p>
-          </p:txBody>
-        </p:sp>
-        <p:sp>
-          <p:nvSpPr>
-            <p:cNvPr id="26" name="TextBox 25"/>
-            <p:cNvSpPr txBox="1"/>
-            <p:nvPr/>
-          </p:nvSpPr>
-          <p:spPr>
-            <a:xfrm>
-              <a:off x="6041572" y="4397828"/>
-              <a:ext cx="541254" cy="369332"/>
-            </a:xfrm>
-            <a:prstGeom prst="rect">
-              <a:avLst/>
-            </a:prstGeom>
-            <a:noFill/>
-          </p:spPr>
-          <p:txBody>
-            <a:bodyPr wrap="none" rtlCol="0">
-              <a:spAutoFit/>
-            </a:bodyPr>
-            <a:lstStyle/>
-            <a:p>
-              <a:r>
-                <a:rPr lang="en-US" dirty="0"/>
-                <a:t>E(</a:t>
-              </a:r>
-              <a:r>
-                <a:rPr lang="en-US" dirty="0" err="1"/>
-                <a:t>u,v</a:t>
-              </a:r>
-              <a:r>
-                <a:rPr lang="en-US" dirty="0"/>
-                <a:t>)</a:t>
-              </a:r>
-            </a:p>
-          </p:txBody>
-        </p:sp>
-      </p:grpSp>
-    </p:spTree>
-    <p:extLst>
-      <p:ext uri="{BB962C8B-B14F-4D97-AF65-F5344CB8AC3E}">
-        <p14:creationId xmlns:p14="http://schemas.microsoft.com/office/powerpoint/2010/main" val="1595329037"/>
-      </p:ext>
-    </p:extLst>
-  </p:cSld>
-  <p:clrMapOvr>
-    <a:masterClrMapping/>
-  </p:clrMapOvr>
-  <p:timing>
-    <p:tnLst>
-      <p:par>
-        <p:cTn id="1" dur="indefinite" restart="never" nodeType="tmRoot"/>
-      </p:par>
-    </p:tnLst>
-  </p:timing>
-</p:sld>
-</file>
-
-<file path=ppt/slides/slide17.xml><?xml version="1.0" encoding="utf-8"?>
-<p:sld xmlns:a="http://schemas.openxmlformats.org/drawingml/2006/main" xmlns:r="http://schemas.openxmlformats.org/officeDocument/2006/relationships" xmlns:p="http://schemas.openxmlformats.org/presentationml/2006/main">
-  <p:cSld>
-    <p:spTree>
-      <p:nvGrpSpPr>
-        <p:cNvPr id="1" name=""/>
-        <p:cNvGrpSpPr/>
-        <p:nvPr/>
-      </p:nvGrpSpPr>
-      <p:grpSpPr>
-        <a:xfrm>
-          <a:off x="0" y="0"/>
-          <a:ext cx="0" cy="0"/>
-          <a:chOff x="0" y="0"/>
-          <a:chExt cx="0" cy="0"/>
-        </a:xfrm>
-      </p:grpSpPr>
-      <p:pic>
-        <p:nvPicPr>
-          <p:cNvPr id="214020" name="Picture 4"/>
-          <p:cNvPicPr>
-            <a:picLocks noChangeAspect="1" noChangeArrowheads="1"/>
-          </p:cNvPicPr>
-          <p:nvPr/>
-        </p:nvPicPr>
-        <p:blipFill>
-          <a:blip r:embed="rId4" cstate="print"/>
-          <a:srcRect/>
-          <a:stretch>
-            <a:fillRect/>
-          </a:stretch>
-        </p:blipFill>
-        <p:spPr bwMode="auto">
-          <a:xfrm>
-            <a:off x="1828801" y="457201"/>
-            <a:ext cx="8071209" cy="976021"/>
-          </a:xfrm>
-          <a:prstGeom prst="rect">
-            <a:avLst/>
-          </a:prstGeom>
-          <a:noFill/>
-          <a:ln w="9525">
-            <a:noFill/>
-            <a:miter lim="800000"/>
-            <a:headEnd/>
-            <a:tailEnd/>
-          </a:ln>
-        </p:spPr>
-      </p:pic>
-      <p:pic>
-        <p:nvPicPr>
-          <p:cNvPr id="13" name="Picture 3"/>
-          <p:cNvPicPr>
-            <a:picLocks noChangeAspect="1" noChangeArrowheads="1"/>
-          </p:cNvPicPr>
-          <p:nvPr/>
-        </p:nvPicPr>
-        <p:blipFill>
-          <a:blip r:embed="rId5" cstate="print"/>
-          <a:srcRect/>
-          <a:stretch>
-            <a:fillRect/>
-          </a:stretch>
-        </p:blipFill>
-        <p:spPr bwMode="auto">
-          <a:xfrm>
-            <a:off x="888177" y="2906291"/>
-            <a:ext cx="2415696" cy="714128"/>
-          </a:xfrm>
-          <a:prstGeom prst="rect">
-            <a:avLst/>
-          </a:prstGeom>
-          <a:noFill/>
-          <a:ln w="9525">
-            <a:noFill/>
-            <a:miter lim="800000"/>
-            <a:headEnd/>
-            <a:tailEnd/>
-          </a:ln>
-        </p:spPr>
-      </p:pic>
-      <p:pic>
-        <p:nvPicPr>
-          <p:cNvPr id="14" name="Picture 4"/>
-          <p:cNvPicPr>
-            <a:picLocks noChangeAspect="1" noChangeArrowheads="1"/>
-          </p:cNvPicPr>
-          <p:nvPr/>
-        </p:nvPicPr>
-        <p:blipFill>
-          <a:blip r:embed="rId6" cstate="print"/>
-          <a:srcRect/>
-          <a:stretch>
-            <a:fillRect/>
-          </a:stretch>
-        </p:blipFill>
-        <p:spPr bwMode="auto">
-          <a:xfrm>
-            <a:off x="711200" y="3889689"/>
-            <a:ext cx="2780112" cy="744988"/>
-          </a:xfrm>
-          <a:prstGeom prst="rect">
-            <a:avLst/>
-          </a:prstGeom>
-          <a:noFill/>
-          <a:ln w="9525">
-            <a:noFill/>
-            <a:miter lim="800000"/>
-            <a:headEnd/>
-            <a:tailEnd/>
-          </a:ln>
-        </p:spPr>
-      </p:pic>
-      <p:pic>
-        <p:nvPicPr>
-          <p:cNvPr id="15" name="Picture 5"/>
-          <p:cNvPicPr>
-            <a:picLocks noChangeAspect="1" noChangeArrowheads="1"/>
-          </p:cNvPicPr>
-          <p:nvPr/>
-        </p:nvPicPr>
-        <p:blipFill>
-          <a:blip r:embed="rId7" cstate="print"/>
-          <a:srcRect/>
-          <a:stretch>
-            <a:fillRect/>
-          </a:stretch>
-        </p:blipFill>
-        <p:spPr bwMode="auto">
-          <a:xfrm>
-            <a:off x="886908" y="4876800"/>
-            <a:ext cx="2398064" cy="696496"/>
-          </a:xfrm>
-          <a:prstGeom prst="rect">
-            <a:avLst/>
-          </a:prstGeom>
-          <a:noFill/>
-          <a:ln w="9525">
-            <a:noFill/>
-            <a:miter lim="800000"/>
-            <a:headEnd/>
-            <a:tailEnd/>
-          </a:ln>
-        </p:spPr>
-      </p:pic>
-      <p:sp>
-        <p:nvSpPr>
-          <p:cNvPr id="16" name="Left Brace 17"/>
-          <p:cNvSpPr>
-            <a:spLocks/>
-          </p:cNvSpPr>
-          <p:nvPr/>
-        </p:nvSpPr>
-        <p:spPr bwMode="auto">
-          <a:xfrm rot="-5400000">
-            <a:off x="7171267" y="651934"/>
-            <a:ext cx="304800" cy="2048933"/>
-          </a:xfrm>
-          <a:prstGeom prst="leftBrace">
-            <a:avLst>
-              <a:gd name="adj1" fmla="val 8324"/>
-              <a:gd name="adj2" fmla="val 50000"/>
-            </a:avLst>
-          </a:prstGeom>
-          <a:noFill/>
-          <a:ln w="28575">
-            <a:solidFill>
-              <a:schemeClr val="tx1"/>
-            </a:solidFill>
-            <a:round/>
-            <a:headEnd/>
-            <a:tailEnd/>
-          </a:ln>
-        </p:spPr>
-        <p:txBody>
-          <a:bodyPr/>
-          <a:lstStyle/>
-          <a:p>
-            <a:endParaRPr lang="en-US"/>
-          </a:p>
-        </p:txBody>
-      </p:sp>
-      <p:pic>
-        <p:nvPicPr>
-          <p:cNvPr id="17" name="Picture 20" descr="TP_tmp.emf"/>
-          <p:cNvPicPr>
-            <a:picLocks noChangeAspect="1"/>
-          </p:cNvPicPr>
-          <p:nvPr>
-            <p:custDataLst>
-              <p:tags r:id="rId1"/>
-            </p:custDataLst>
-          </p:nvPr>
-        </p:nvPicPr>
-        <p:blipFill>
-          <a:blip r:embed="rId8" cstate="print"/>
-          <a:srcRect/>
-          <a:stretch>
-            <a:fillRect/>
-          </a:stretch>
-        </p:blipFill>
-        <p:spPr bwMode="auto">
-          <a:xfrm>
-            <a:off x="7027333" y="1981201"/>
-            <a:ext cx="609600" cy="404813"/>
-          </a:xfrm>
-          <a:prstGeom prst="rect">
-            <a:avLst/>
-          </a:prstGeom>
-          <a:noFill/>
-          <a:ln w="9525">
-            <a:noFill/>
-            <a:miter lim="800000"/>
-            <a:headEnd/>
-            <a:tailEnd/>
-          </a:ln>
-        </p:spPr>
-      </p:pic>
-      <p:grpSp>
-        <p:nvGrpSpPr>
           <p:cNvPr id="2" name="Group 19"/>
           <p:cNvGrpSpPr/>
           <p:nvPr/>
@@ -11236,7 +10916,7 @@
           </p:nvSpPr>
           <p:spPr>
             <a:xfrm>
-              <a:off x="6019800" y="4278868"/>
+              <a:off x="6033118" y="4412038"/>
               <a:ext cx="541254" cy="369332"/>
             </a:xfrm>
             <a:prstGeom prst="rect">
@@ -11276,17 +10956,485 @@
   <p:clrMapOvr>
     <a:masterClrMapping/>
   </p:clrMapOvr>
-  <p:timing>
-    <p:tnLst>
-      <p:par>
-        <p:cTn id="1" dur="indefinite" restart="never" nodeType="tmRoot"/>
-      </p:par>
-    </p:tnLst>
-  </p:timing>
+</p:sld>
+</file>
+
+<file path=ppt/slides/slide17.xml><?xml version="1.0" encoding="utf-8"?>
+<p:sld xmlns:a="http://schemas.openxmlformats.org/drawingml/2006/main" xmlns:r="http://schemas.openxmlformats.org/officeDocument/2006/relationships" xmlns:p="http://schemas.openxmlformats.org/presentationml/2006/main">
+  <p:cSld>
+    <p:spTree>
+      <p:nvGrpSpPr>
+        <p:cNvPr id="1" name=""/>
+        <p:cNvGrpSpPr/>
+        <p:nvPr/>
+      </p:nvGrpSpPr>
+      <p:grpSpPr>
+        <a:xfrm>
+          <a:off x="0" y="0"/>
+          <a:ext cx="0" cy="0"/>
+          <a:chOff x="0" y="0"/>
+          <a:chExt cx="0" cy="0"/>
+        </a:xfrm>
+      </p:grpSpPr>
+      <p:sp>
+        <p:nvSpPr>
+          <p:cNvPr id="2" name="Title 1">
+            <a:extLst>
+              <a:ext uri="{FF2B5EF4-FFF2-40B4-BE49-F238E27FC236}">
+                <a16:creationId xmlns:a16="http://schemas.microsoft.com/office/drawing/2014/main" id="{04DB7C90-CA80-41D1-9A8C-3DCB7C9452B2}"/>
+              </a:ext>
+            </a:extLst>
+          </p:cNvPr>
+          <p:cNvSpPr>
+            <a:spLocks noGrp="1"/>
+          </p:cNvSpPr>
+          <p:nvPr>
+            <p:ph type="title"/>
+          </p:nvPr>
+        </p:nvSpPr>
+        <p:spPr/>
+        <p:txBody>
+          <a:bodyPr/>
+          <a:lstStyle/>
+          <a:p>
+            <a:endParaRPr lang="en-US"/>
+          </a:p>
+        </p:txBody>
+      </p:sp>
+      <p:sp>
+        <p:nvSpPr>
+          <p:cNvPr id="3" name="Content Placeholder 2">
+            <a:extLst>
+              <a:ext uri="{FF2B5EF4-FFF2-40B4-BE49-F238E27FC236}">
+                <a16:creationId xmlns:a16="http://schemas.microsoft.com/office/drawing/2014/main" id="{F4D1FC57-AF3F-4078-BDFD-6239486CA5E4}"/>
+              </a:ext>
+            </a:extLst>
+          </p:cNvPr>
+          <p:cNvSpPr>
+            <a:spLocks noGrp="1"/>
+          </p:cNvSpPr>
+          <p:nvPr>
+            <p:ph idx="1"/>
+          </p:nvPr>
+        </p:nvSpPr>
+        <p:spPr>
+          <a:xfrm>
+            <a:off x="203200" y="761999"/>
+            <a:ext cx="11785600" cy="6029417"/>
+          </a:xfrm>
+        </p:spPr>
+        <p:txBody>
+          <a:bodyPr>
+            <a:normAutofit/>
+          </a:bodyPr>
+          <a:lstStyle/>
+          <a:p>
+            <a:r>
+              <a:rPr lang="en-US" dirty="0"/>
+              <a:t>A real symmetric matrix has an </a:t>
+            </a:r>
+            <a:r>
+              <a:rPr lang="en-US" dirty="0" err="1"/>
+              <a:t>eigendecomposition</a:t>
+            </a:r>
+            <a:r>
+              <a:rPr lang="en-US" dirty="0"/>
+              <a:t> of:</a:t>
+            </a:r>
+          </a:p>
+          <a:p>
+            <a:endParaRPr lang="en-US" dirty="0"/>
+          </a:p>
+          <a:p>
+            <a:endParaRPr lang="en-US" dirty="0"/>
+          </a:p>
+          <a:p>
+            <a:endParaRPr lang="en-US" dirty="0"/>
+          </a:p>
+          <a:p>
+            <a:endParaRPr lang="en-US" dirty="0"/>
+          </a:p>
+          <a:p>
+            <a:endParaRPr lang="en-US" dirty="0"/>
+          </a:p>
+          <a:p>
+            <a:endParaRPr lang="en-US" dirty="0"/>
+          </a:p>
+          <a:p>
+            <a:endParaRPr lang="en-US" dirty="0"/>
+          </a:p>
+          <a:p>
+            <a:endParaRPr lang="en-US" dirty="0"/>
+          </a:p>
+          <a:p>
+            <a:pPr lvl="1"/>
+            <a:endParaRPr lang="en-US" dirty="0"/>
+          </a:p>
+          <a:p>
+            <a:pPr lvl="1"/>
+            <a:r>
+              <a:rPr lang="en-US" dirty="0"/>
+              <a:t>Remember: eigenvectors are always orthonormalized (true for all </a:t>
+            </a:r>
+            <a:r>
+              <a:rPr lang="en-US" dirty="0" err="1"/>
+              <a:t>eigendecompositions</a:t>
+            </a:r>
+            <a:r>
+              <a:rPr lang="en-US" dirty="0"/>
+              <a:t>).  </a:t>
+            </a:r>
+          </a:p>
+          <a:p>
+            <a:endParaRPr lang="en-US" dirty="0"/>
+          </a:p>
+          <a:p>
+            <a:endParaRPr lang="en-US" dirty="0"/>
+          </a:p>
+          <a:p>
+            <a:pPr marL="0" indent="0">
+              <a:buNone/>
+            </a:pPr>
+            <a:endParaRPr lang="en-US" dirty="0"/>
+          </a:p>
+        </p:txBody>
+      </p:sp>
+      <p:pic>
+        <p:nvPicPr>
+          <p:cNvPr id="7174" name="Picture 6">
+            <a:extLst>
+              <a:ext uri="{FF2B5EF4-FFF2-40B4-BE49-F238E27FC236}">
+                <a16:creationId xmlns:a16="http://schemas.microsoft.com/office/drawing/2014/main" id="{AE6A78A5-E4DA-45C1-99DC-2A5FD385EC6F}"/>
+              </a:ext>
+            </a:extLst>
+          </p:cNvPr>
+          <p:cNvPicPr>
+            <a:picLocks noChangeAspect="1" noChangeArrowheads="1"/>
+          </p:cNvPicPr>
+          <p:nvPr/>
+        </p:nvPicPr>
+        <p:blipFill>
+          <a:blip r:embed="rId3">
+            <a:extLst>
+              <a:ext uri="{28A0092B-C50C-407E-A947-70E740481C1C}">
+                <a14:useLocalDpi xmlns:a14="http://schemas.microsoft.com/office/drawing/2010/main" val="0"/>
+              </a:ext>
+            </a:extLst>
+          </a:blip>
+          <a:srcRect/>
+          <a:stretch>
+            <a:fillRect/>
+          </a:stretch>
+        </p:blipFill>
+        <p:spPr bwMode="auto">
+          <a:xfrm>
+            <a:off x="708264" y="1414462"/>
+            <a:ext cx="7038975" cy="4029075"/>
+          </a:xfrm>
+          <a:prstGeom prst="rect">
+            <a:avLst/>
+          </a:prstGeom>
+          <a:noFill/>
+          <a:extLst>
+            <a:ext uri="{909E8E84-426E-40DD-AFC4-6F175D3DCCD1}">
+              <a14:hiddenFill xmlns:a14="http://schemas.microsoft.com/office/drawing/2010/main">
+                <a:solidFill>
+                  <a:srgbClr val="FFFFFF"/>
+                </a:solidFill>
+              </a14:hiddenFill>
+            </a:ext>
+          </a:extLst>
+        </p:spPr>
+      </p:pic>
+    </p:spTree>
+    <p:extLst>
+      <p:ext uri="{BB962C8B-B14F-4D97-AF65-F5344CB8AC3E}">
+        <p14:creationId xmlns:p14="http://schemas.microsoft.com/office/powerpoint/2010/main" val="2350018709"/>
+      </p:ext>
+    </p:extLst>
+  </p:cSld>
+  <p:clrMapOvr>
+    <a:masterClrMapping/>
+  </p:clrMapOvr>
 </p:sld>
 </file>
 
 <file path=ppt/slides/slide18.xml><?xml version="1.0" encoding="utf-8"?>
+<p:sld xmlns:a="http://schemas.openxmlformats.org/drawingml/2006/main" xmlns:r="http://schemas.openxmlformats.org/officeDocument/2006/relationships" xmlns:p="http://schemas.openxmlformats.org/presentationml/2006/main">
+  <p:cSld>
+    <p:spTree>
+      <p:nvGrpSpPr>
+        <p:cNvPr id="1" name=""/>
+        <p:cNvGrpSpPr/>
+        <p:nvPr/>
+      </p:nvGrpSpPr>
+      <p:grpSpPr>
+        <a:xfrm>
+          <a:off x="0" y="0"/>
+          <a:ext cx="0" cy="0"/>
+          <a:chOff x="0" y="0"/>
+          <a:chExt cx="0" cy="0"/>
+        </a:xfrm>
+      </p:grpSpPr>
+      <p:sp>
+        <p:nvSpPr>
+          <p:cNvPr id="2" name="Title 1">
+            <a:extLst>
+              <a:ext uri="{FF2B5EF4-FFF2-40B4-BE49-F238E27FC236}">
+                <a16:creationId xmlns:a16="http://schemas.microsoft.com/office/drawing/2014/main" id="{6C59EDE2-7E6C-4BC3-8C40-233548B2D79B}"/>
+              </a:ext>
+            </a:extLst>
+          </p:cNvPr>
+          <p:cNvSpPr>
+            <a:spLocks noGrp="1"/>
+          </p:cNvSpPr>
+          <p:nvPr>
+            <p:ph type="title"/>
+          </p:nvPr>
+        </p:nvSpPr>
+        <p:spPr/>
+        <p:txBody>
+          <a:bodyPr/>
+          <a:lstStyle/>
+          <a:p>
+            <a:endParaRPr lang="en-US"/>
+          </a:p>
+        </p:txBody>
+      </p:sp>
+      <mc:AlternateContent xmlns:mc="http://schemas.openxmlformats.org/markup-compatibility/2006">
+        <mc:Choice xmlns:a14="http://schemas.microsoft.com/office/drawing/2010/main" Requires="a14">
+          <p:sp>
+            <p:nvSpPr>
+              <p:cNvPr id="3" name="Content Placeholder 2">
+                <a:extLst>
+                  <a:ext uri="{FF2B5EF4-FFF2-40B4-BE49-F238E27FC236}">
+                    <a16:creationId xmlns:a16="http://schemas.microsoft.com/office/drawing/2014/main" id="{5F94B82D-E0B3-4F67-AB6D-EE0190DEF29F}"/>
+                  </a:ext>
+                </a:extLst>
+              </p:cNvPr>
+              <p:cNvSpPr>
+                <a:spLocks noGrp="1"/>
+              </p:cNvSpPr>
+              <p:nvPr>
+                <p:ph idx="1"/>
+              </p:nvPr>
+            </p:nvSpPr>
+            <p:spPr/>
+            <p:txBody>
+              <a:bodyPr/>
+              <a:lstStyle/>
+              <a:p>
+                <a:r>
+                  <a:rPr lang="en-US" dirty="0"/>
+                  <a:t>An ellipse can have a matrix form of:</a:t>
+                </a:r>
+              </a:p>
+              <a:p>
+                <a:endParaRPr lang="en-US" dirty="0"/>
+              </a:p>
+              <a:p>
+                <a:endParaRPr lang="en-US" dirty="0"/>
+              </a:p>
+              <a:p>
+                <a:endParaRPr lang="en-US" dirty="0"/>
+              </a:p>
+              <a:p>
+                <a:endParaRPr lang="en-US" dirty="0"/>
+              </a:p>
+              <a:p>
+                <a:endParaRPr lang="en-US" dirty="0"/>
+              </a:p>
+              <a:p>
+                <a:endParaRPr lang="en-US" dirty="0"/>
+              </a:p>
+              <a:p>
+                <a:endParaRPr lang="en-US" dirty="0"/>
+              </a:p>
+              <a:p>
+                <a:r>
+                  <a:rPr lang="en-US" dirty="0"/>
+                  <a:t>Which is exactly as a rotated ellipse with a center of </a:t>
+                </a:r>
+                <a14:m>
+                  <m:oMath xmlns:m="http://schemas.openxmlformats.org/officeDocument/2006/math">
+                    <m:d>
+                      <m:dPr>
+                        <m:ctrlPr>
+                          <a:rPr lang="en-US" b="0" i="1" smtClean="0">
+                            <a:latin typeface="Cambria Math" panose="02040503050406030204" pitchFamily="18" charset="0"/>
+                          </a:rPr>
+                        </m:ctrlPr>
+                      </m:dPr>
+                      <m:e>
+                        <m:r>
+                          <a:rPr lang="en-US" b="0" i="1" smtClean="0">
+                            <a:latin typeface="Cambria Math" panose="02040503050406030204" pitchFamily="18" charset="0"/>
+                          </a:rPr>
+                          <m:t>0,0</m:t>
+                        </m:r>
+                      </m:e>
+                    </m:d>
+                    <m:r>
+                      <a:rPr lang="en-US" b="0" i="1" smtClean="0">
+                        <a:latin typeface="Cambria Math" panose="02040503050406030204" pitchFamily="18" charset="0"/>
+                      </a:rPr>
+                      <m:t>:</m:t>
+                    </m:r>
+                  </m:oMath>
+                </a14:m>
+                <a:endParaRPr lang="en-US" dirty="0"/>
+              </a:p>
+            </p:txBody>
+          </p:sp>
+        </mc:Choice>
+        <mc:Fallback>
+          <p:sp>
+            <p:nvSpPr>
+              <p:cNvPr id="3" name="Content Placeholder 2">
+                <a:extLst>
+                  <a:ext uri="{FF2B5EF4-FFF2-40B4-BE49-F238E27FC236}">
+                    <a16:creationId xmlns:a16="http://schemas.microsoft.com/office/drawing/2014/main" id="{5F94B82D-E0B3-4F67-AB6D-EE0190DEF29F}"/>
+                  </a:ext>
+                </a:extLst>
+              </p:cNvPr>
+              <p:cNvSpPr>
+                <a:spLocks noGrp="1" noRot="1" noChangeAspect="1" noMove="1" noResize="1" noEditPoints="1" noAdjustHandles="1" noChangeArrowheads="1" noChangeShapeType="1" noTextEdit="1"/>
+              </p:cNvSpPr>
+              <p:nvPr>
+                <p:ph idx="1"/>
+              </p:nvPr>
+            </p:nvSpPr>
+            <p:spPr>
+              <a:blipFill>
+                <a:blip r:embed="rId3"/>
+                <a:stretch>
+                  <a:fillRect l="-931" t="-959"/>
+                </a:stretch>
+              </a:blipFill>
+            </p:spPr>
+            <p:txBody>
+              <a:bodyPr/>
+              <a:lstStyle/>
+              <a:p>
+                <a:r>
+                  <a:rPr lang="en-US">
+                    <a:noFill/>
+                  </a:rPr>
+                  <a:t> </a:t>
+                </a:r>
+              </a:p>
+            </p:txBody>
+          </p:sp>
+        </mc:Fallback>
+      </mc:AlternateContent>
+      <p:pic>
+        <p:nvPicPr>
+          <p:cNvPr id="8196" name="Picture 4">
+            <a:extLst>
+              <a:ext uri="{FF2B5EF4-FFF2-40B4-BE49-F238E27FC236}">
+                <a16:creationId xmlns:a16="http://schemas.microsoft.com/office/drawing/2014/main" id="{BD2DC13E-7C92-4E04-9E1C-E94B93826A54}"/>
+              </a:ext>
+            </a:extLst>
+          </p:cNvPr>
+          <p:cNvPicPr>
+            <a:picLocks noChangeAspect="1" noChangeArrowheads="1"/>
+          </p:cNvPicPr>
+          <p:nvPr/>
+        </p:nvPicPr>
+        <p:blipFill>
+          <a:blip r:embed="rId4">
+            <a:extLst>
+              <a:ext uri="{28A0092B-C50C-407E-A947-70E740481C1C}">
+                <a14:useLocalDpi xmlns:a14="http://schemas.microsoft.com/office/drawing/2010/main" val="0"/>
+              </a:ext>
+            </a:extLst>
+          </a:blip>
+          <a:srcRect/>
+          <a:stretch>
+            <a:fillRect/>
+          </a:stretch>
+        </p:blipFill>
+        <p:spPr bwMode="auto">
+          <a:xfrm>
+            <a:off x="520361" y="1304833"/>
+            <a:ext cx="7067550" cy="3467100"/>
+          </a:xfrm>
+          <a:prstGeom prst="rect">
+            <a:avLst/>
+          </a:prstGeom>
+          <a:noFill/>
+          <a:extLst>
+            <a:ext uri="{909E8E84-426E-40DD-AFC4-6F175D3DCCD1}">
+              <a14:hiddenFill xmlns:a14="http://schemas.microsoft.com/office/drawing/2010/main">
+                <a:solidFill>
+                  <a:srgbClr val="FFFFFF"/>
+                </a:solidFill>
+              </a14:hiddenFill>
+            </a:ext>
+          </a:extLst>
+        </p:spPr>
+      </p:pic>
+      <p:pic>
+        <p:nvPicPr>
+          <p:cNvPr id="8198" name="Picture 6">
+            <a:extLst>
+              <a:ext uri="{FF2B5EF4-FFF2-40B4-BE49-F238E27FC236}">
+                <a16:creationId xmlns:a16="http://schemas.microsoft.com/office/drawing/2014/main" id="{8F4E4528-7DA3-4C57-8C96-3C37AFC2FAA9}"/>
+              </a:ext>
+            </a:extLst>
+          </p:cNvPr>
+          <p:cNvPicPr>
+            <a:picLocks noChangeAspect="1" noChangeArrowheads="1"/>
+          </p:cNvPicPr>
+          <p:nvPr/>
+        </p:nvPicPr>
+        <p:blipFill>
+          <a:blip r:embed="rId5">
+            <a:extLst>
+              <a:ext uri="{28A0092B-C50C-407E-A947-70E740481C1C}">
+                <a14:useLocalDpi xmlns:a14="http://schemas.microsoft.com/office/drawing/2010/main" val="0"/>
+              </a:ext>
+            </a:extLst>
+          </a:blip>
+          <a:srcRect/>
+          <a:stretch>
+            <a:fillRect/>
+          </a:stretch>
+        </p:blipFill>
+        <p:spPr bwMode="auto">
+          <a:xfrm>
+            <a:off x="611634" y="5553167"/>
+            <a:ext cx="9867900" cy="1019175"/>
+          </a:xfrm>
+          <a:prstGeom prst="rect">
+            <a:avLst/>
+          </a:prstGeom>
+          <a:noFill/>
+          <a:extLst>
+            <a:ext uri="{909E8E84-426E-40DD-AFC4-6F175D3DCCD1}">
+              <a14:hiddenFill xmlns:a14="http://schemas.microsoft.com/office/drawing/2010/main">
+                <a:solidFill>
+                  <a:srgbClr val="FFFFFF"/>
+                </a:solidFill>
+              </a14:hiddenFill>
+            </a:ext>
+          </a:extLst>
+        </p:spPr>
+      </p:pic>
+    </p:spTree>
+    <p:extLst>
+      <p:ext uri="{BB962C8B-B14F-4D97-AF65-F5344CB8AC3E}">
+        <p14:creationId xmlns:p14="http://schemas.microsoft.com/office/powerpoint/2010/main" val="3505923922"/>
+      </p:ext>
+    </p:extLst>
+  </p:cSld>
+  <p:clrMapOvr>
+    <a:masterClrMapping/>
+  </p:clrMapOvr>
+</p:sld>
+</file>
+
+<file path=ppt/slides/slide19.xml><?xml version="1.0" encoding="utf-8"?>
 <p:sld xmlns:a="http://schemas.openxmlformats.org/drawingml/2006/main" xmlns:r="http://schemas.openxmlformats.org/officeDocument/2006/relationships" xmlns:p="http://schemas.openxmlformats.org/presentationml/2006/main">
   <p:cSld>
     <p:spTree>
@@ -11421,110 +11569,288 @@
         </p:nvGrpSpPr>
         <p:grpSpPr bwMode="auto">
           <a:xfrm>
-            <a:off x="4466168" y="3657600"/>
-            <a:ext cx="7319433" cy="2878138"/>
-            <a:chOff x="2254" y="2352"/>
-            <a:chExt cx="3458" cy="1813"/>
+            <a:off x="4466168" y="3625849"/>
+            <a:ext cx="6832600" cy="3417888"/>
+            <a:chOff x="2254" y="2332"/>
+            <a:chExt cx="3228" cy="2153"/>
           </a:xfrm>
         </p:grpSpPr>
-        <p:sp>
-          <p:nvSpPr>
-            <p:cNvPr id="7177" name="Text Box 8"/>
-            <p:cNvSpPr txBox="1">
-              <a:spLocks noChangeArrowheads="1"/>
-            </p:cNvSpPr>
-            <p:nvPr/>
-          </p:nvSpPr>
-          <p:spPr bwMode="auto">
-            <a:xfrm>
-              <a:off x="4704" y="2736"/>
-              <a:ext cx="1008" cy="366"/>
-            </a:xfrm>
-            <a:prstGeom prst="rect">
-              <a:avLst/>
-            </a:prstGeom>
-            <a:noFill/>
-            <a:ln w="9525">
-              <a:noFill/>
-              <a:miter lim="800000"/>
-              <a:headEnd/>
-              <a:tailEnd/>
-            </a:ln>
-          </p:spPr>
-          <p:txBody>
-            <a:bodyPr>
-              <a:spAutoFit/>
-            </a:bodyPr>
-            <a:lstStyle/>
-            <a:p>
-              <a:pPr algn="ctr" eaLnBrk="1" hangingPunct="1"/>
-              <a:r>
-                <a:rPr lang="en-US" sz="1600">
-                  <a:solidFill>
-                    <a:srgbClr val="FF3300"/>
-                  </a:solidFill>
-                  <a:cs typeface="Times New Roman" pitchFamily="18" charset="0"/>
-                </a:rPr>
-                <a:t>direction of the slowest change</a:t>
-              </a:r>
-              <a:endParaRPr lang="ru-RU" sz="1600">
-                <a:solidFill>
-                  <a:srgbClr val="FF3300"/>
-                </a:solidFill>
-                <a:cs typeface="Times New Roman" pitchFamily="18" charset="0"/>
-              </a:endParaRPr>
-            </a:p>
-          </p:txBody>
-        </p:sp>
-        <p:sp>
-          <p:nvSpPr>
-            <p:cNvPr id="7178" name="Text Box 9"/>
-            <p:cNvSpPr txBox="1">
-              <a:spLocks noChangeArrowheads="1"/>
-            </p:cNvSpPr>
-            <p:nvPr/>
-          </p:nvSpPr>
-          <p:spPr bwMode="auto">
-            <a:xfrm>
-              <a:off x="2688" y="2352"/>
-              <a:ext cx="1056" cy="366"/>
-            </a:xfrm>
-            <a:prstGeom prst="rect">
-              <a:avLst/>
-            </a:prstGeom>
-            <a:noFill/>
-            <a:ln w="9525">
-              <a:noFill/>
-              <a:miter lim="800000"/>
-              <a:headEnd/>
-              <a:tailEnd/>
-            </a:ln>
-          </p:spPr>
-          <p:txBody>
-            <a:bodyPr>
-              <a:spAutoFit/>
-            </a:bodyPr>
-            <a:lstStyle/>
-            <a:p>
-              <a:pPr algn="ctr" eaLnBrk="1" hangingPunct="1"/>
-              <a:r>
-                <a:rPr lang="en-US" sz="1600">
-                  <a:solidFill>
-                    <a:srgbClr val="0033CC"/>
-                  </a:solidFill>
-                  <a:cs typeface="Times New Roman" pitchFamily="18" charset="0"/>
-                </a:rPr>
-                <a:t>direction of the fastest change</a:t>
-              </a:r>
-              <a:endParaRPr lang="ru-RU" sz="1600">
-                <a:solidFill>
-                  <a:srgbClr val="0033CC"/>
-                </a:solidFill>
-                <a:cs typeface="Times New Roman" pitchFamily="18" charset="0"/>
-              </a:endParaRPr>
-            </a:p>
-          </p:txBody>
-        </p:sp>
+        <mc:AlternateContent xmlns:mc="http://schemas.openxmlformats.org/markup-compatibility/2006">
+          <mc:Choice xmlns:a14="http://schemas.microsoft.com/office/drawing/2010/main" Requires="a14">
+            <p:sp>
+              <p:nvSpPr>
+                <p:cNvPr id="7177" name="Text Box 8"/>
+                <p:cNvSpPr txBox="1">
+                  <a:spLocks noChangeArrowheads="1"/>
+                </p:cNvSpPr>
+                <p:nvPr/>
+              </p:nvSpPr>
+              <p:spPr bwMode="auto">
+                <a:xfrm>
+                  <a:off x="4474" y="2679"/>
+                  <a:ext cx="1008" cy="213"/>
+                </a:xfrm>
+                <a:prstGeom prst="rect">
+                  <a:avLst/>
+                </a:prstGeom>
+                <a:noFill/>
+                <a:ln w="9525">
+                  <a:noFill/>
+                  <a:miter lim="800000"/>
+                  <a:headEnd/>
+                  <a:tailEnd/>
+                </a:ln>
+              </p:spPr>
+              <p:txBody>
+                <a:bodyPr>
+                  <a:spAutoFit/>
+                </a:bodyPr>
+                <a:lstStyle/>
+                <a:p>
+                  <a:pPr algn="ctr"/>
+                  <a:r>
+                    <a:rPr lang="en-US" sz="1600" dirty="0">
+                      <a:solidFill>
+                        <a:srgbClr val="FF0000"/>
+                      </a:solidFill>
+                      <a:cs typeface="Times New Roman" pitchFamily="18" charset="0"/>
+                    </a:rPr>
+                    <a:t>direction of </a:t>
+                  </a:r>
+                  <a14:m>
+                    <m:oMath xmlns:m="http://schemas.openxmlformats.org/officeDocument/2006/math">
+                      <m:sSub>
+                        <m:sSubPr>
+                          <m:ctrlPr>
+                            <a:rPr lang="en-US" sz="1600" i="1" dirty="0">
+                              <a:solidFill>
+                                <a:srgbClr val="FF0000"/>
+                              </a:solidFill>
+                              <a:latin typeface="Cambria Math" panose="02040503050406030204" pitchFamily="18" charset="0"/>
+                              <a:cs typeface="Times New Roman" pitchFamily="18" charset="0"/>
+                            </a:rPr>
+                          </m:ctrlPr>
+                        </m:sSubPr>
+                        <m:e>
+                          <m:r>
+                            <a:rPr lang="en-US" sz="1600" i="1" dirty="0">
+                              <a:solidFill>
+                                <a:srgbClr val="FF0000"/>
+                              </a:solidFill>
+                              <a:latin typeface="Cambria Math" panose="02040503050406030204" pitchFamily="18" charset="0"/>
+                              <a:cs typeface="Times New Roman" pitchFamily="18" charset="0"/>
+                            </a:rPr>
+                            <m:t>𝑒</m:t>
+                          </m:r>
+                        </m:e>
+                        <m:sub>
+                          <m:r>
+                            <a:rPr lang="en-US" sz="1600" b="0" i="1" dirty="0" smtClean="0">
+                              <a:solidFill>
+                                <a:srgbClr val="FF0000"/>
+                              </a:solidFill>
+                              <a:latin typeface="Cambria Math" panose="02040503050406030204" pitchFamily="18" charset="0"/>
+                              <a:cs typeface="Times New Roman" pitchFamily="18" charset="0"/>
+                            </a:rPr>
+                            <m:t>2</m:t>
+                          </m:r>
+                        </m:sub>
+                      </m:sSub>
+                    </m:oMath>
+                  </a14:m>
+                  <a:endParaRPr lang="ru-RU" sz="1600" dirty="0">
+                    <a:solidFill>
+                      <a:srgbClr val="FF0000"/>
+                    </a:solidFill>
+                    <a:cs typeface="Times New Roman" pitchFamily="18" charset="0"/>
+                  </a:endParaRPr>
+                </a:p>
+              </p:txBody>
+            </p:sp>
+          </mc:Choice>
+          <mc:Fallback>
+            <p:sp>
+              <p:nvSpPr>
+                <p:cNvPr id="7177" name="Text Box 8"/>
+                <p:cNvSpPr txBox="1">
+                  <a:spLocks noRot="1" noChangeAspect="1" noMove="1" noResize="1" noEditPoints="1" noAdjustHandles="1" noChangeArrowheads="1" noChangeShapeType="1" noTextEdit="1"/>
+                </p:cNvSpPr>
+                <p:nvPr/>
+              </p:nvSpPr>
+              <p:spPr bwMode="auto">
+                <a:xfrm>
+                  <a:off x="4474" y="2679"/>
+                  <a:ext cx="1008" cy="213"/>
+                </a:xfrm>
+                <a:prstGeom prst="rect">
+                  <a:avLst/>
+                </a:prstGeom>
+                <a:blipFill>
+                  <a:blip r:embed="rId4"/>
+                  <a:stretch>
+                    <a:fillRect t="-5357" b="-21429"/>
+                  </a:stretch>
+                </a:blipFill>
+                <a:ln w="9525">
+                  <a:noFill/>
+                  <a:miter lim="800000"/>
+                  <a:headEnd/>
+                  <a:tailEnd/>
+                </a:ln>
+              </p:spPr>
+              <p:txBody>
+                <a:bodyPr/>
+                <a:lstStyle/>
+                <a:p>
+                  <a:r>
+                    <a:rPr lang="en-US">
+                      <a:noFill/>
+                    </a:rPr>
+                    <a:t> </a:t>
+                  </a:r>
+                </a:p>
+              </p:txBody>
+            </p:sp>
+          </mc:Fallback>
+        </mc:AlternateContent>
+        <mc:AlternateContent xmlns:mc="http://schemas.openxmlformats.org/markup-compatibility/2006">
+          <mc:Choice xmlns:a14="http://schemas.microsoft.com/office/drawing/2010/main" Requires="a14">
+            <p:sp>
+              <p:nvSpPr>
+                <p:cNvPr id="7178" name="Text Box 9"/>
+                <p:cNvSpPr txBox="1">
+                  <a:spLocks noChangeArrowheads="1"/>
+                </p:cNvSpPr>
+                <p:nvPr/>
+              </p:nvSpPr>
+              <p:spPr bwMode="auto">
+                <a:xfrm>
+                  <a:off x="2623" y="2531"/>
+                  <a:ext cx="1056" cy="213"/>
+                </a:xfrm>
+                <a:prstGeom prst="rect">
+                  <a:avLst/>
+                </a:prstGeom>
+                <a:noFill/>
+                <a:ln w="9525">
+                  <a:noFill/>
+                  <a:miter lim="800000"/>
+                  <a:headEnd/>
+                  <a:tailEnd/>
+                </a:ln>
+              </p:spPr>
+              <p:txBody>
+                <a:bodyPr>
+                  <a:spAutoFit/>
+                </a:bodyPr>
+                <a:lstStyle/>
+                <a:p>
+                  <a:pPr algn="ctr" eaLnBrk="1" hangingPunct="1"/>
+                  <a:r>
+                    <a:rPr lang="en-US" sz="1600" dirty="0">
+                      <a:solidFill>
+                        <a:srgbClr val="0033CC"/>
+                      </a:solidFill>
+                      <a:cs typeface="Times New Roman" pitchFamily="18" charset="0"/>
+                    </a:rPr>
+                    <a:t>direction of </a:t>
+                  </a:r>
+                  <a14:m>
+                    <m:oMath xmlns:m="http://schemas.openxmlformats.org/officeDocument/2006/math">
+                      <m:sSub>
+                        <m:sSubPr>
+                          <m:ctrlPr>
+                            <a:rPr lang="en-US" sz="1600" i="1" dirty="0" smtClean="0">
+                              <a:solidFill>
+                                <a:srgbClr val="0033CC"/>
+                              </a:solidFill>
+                              <a:latin typeface="Cambria Math" panose="02040503050406030204" pitchFamily="18" charset="0"/>
+                              <a:cs typeface="Times New Roman" pitchFamily="18" charset="0"/>
+                            </a:rPr>
+                          </m:ctrlPr>
+                        </m:sSubPr>
+                        <m:e>
+                          <m:r>
+                            <a:rPr lang="en-US" sz="1600" i="1" dirty="0" smtClean="0">
+                              <a:solidFill>
+                                <a:srgbClr val="0033CC"/>
+                              </a:solidFill>
+                              <a:latin typeface="Cambria Math" panose="02040503050406030204" pitchFamily="18" charset="0"/>
+                              <a:cs typeface="Times New Roman" pitchFamily="18" charset="0"/>
+                            </a:rPr>
+                            <m:t>𝑒</m:t>
+                          </m:r>
+                        </m:e>
+                        <m:sub>
+                          <m:r>
+                            <a:rPr lang="en-US" sz="1600" i="1" dirty="0" smtClean="0">
+                              <a:solidFill>
+                                <a:srgbClr val="0033CC"/>
+                              </a:solidFill>
+                              <a:latin typeface="Cambria Math" panose="02040503050406030204" pitchFamily="18" charset="0"/>
+                              <a:cs typeface="Times New Roman" pitchFamily="18" charset="0"/>
+                            </a:rPr>
+                            <m:t>1</m:t>
+                          </m:r>
+                        </m:sub>
+                      </m:sSub>
+                    </m:oMath>
+                  </a14:m>
+                  <a:endParaRPr lang="ru-RU" sz="1600" dirty="0">
+                    <a:solidFill>
+                      <a:srgbClr val="0033CC"/>
+                    </a:solidFill>
+                    <a:cs typeface="Times New Roman" pitchFamily="18" charset="0"/>
+                  </a:endParaRPr>
+                </a:p>
+              </p:txBody>
+            </p:sp>
+          </mc:Choice>
+          <mc:Fallback>
+            <p:sp>
+              <p:nvSpPr>
+                <p:cNvPr id="7178" name="Text Box 9"/>
+                <p:cNvSpPr txBox="1">
+                  <a:spLocks noRot="1" noChangeAspect="1" noMove="1" noResize="1" noEditPoints="1" noAdjustHandles="1" noChangeArrowheads="1" noChangeShapeType="1" noTextEdit="1"/>
+                </p:cNvSpPr>
+                <p:nvPr/>
+              </p:nvSpPr>
+              <p:spPr bwMode="auto">
+                <a:xfrm>
+                  <a:off x="2623" y="2531"/>
+                  <a:ext cx="1056" cy="213"/>
+                </a:xfrm>
+                <a:prstGeom prst="rect">
+                  <a:avLst/>
+                </a:prstGeom>
+                <a:blipFill>
+                  <a:blip r:embed="rId5"/>
+                  <a:stretch>
+                    <a:fillRect t="-5455" b="-23636"/>
+                  </a:stretch>
+                </a:blipFill>
+                <a:ln w="9525">
+                  <a:noFill/>
+                  <a:miter lim="800000"/>
+                  <a:headEnd/>
+                  <a:tailEnd/>
+                </a:ln>
+              </p:spPr>
+              <p:txBody>
+                <a:bodyPr/>
+                <a:lstStyle/>
+                <a:p>
+                  <a:r>
+                    <a:rPr lang="en-US">
+                      <a:noFill/>
+                    </a:rPr>
+                    <a:t> </a:t>
+                  </a:r>
+                </a:p>
+              </p:txBody>
+            </p:sp>
+          </mc:Fallback>
+        </mc:AlternateContent>
         <p:sp>
           <p:nvSpPr>
             <p:cNvPr id="7179" name="Oval 11"/>
@@ -11534,7 +11860,7 @@
             <p:nvPr/>
           </p:nvSpPr>
           <p:spPr bwMode="auto">
-            <a:xfrm rot="-1106879">
+            <a:xfrm rot="20493121">
               <a:off x="2254" y="2771"/>
               <a:ext cx="2448" cy="1217"/>
             </a:xfrm>
@@ -11571,8 +11897,8 @@
           </p:nvSpPr>
           <p:spPr bwMode="auto">
             <a:xfrm rot="1280297" flipV="1">
-              <a:off x="2555" y="2597"/>
-              <a:ext cx="1875" cy="1568"/>
+              <a:off x="2577" y="2332"/>
+              <a:ext cx="1818" cy="2153"/>
             </a:xfrm>
             <a:prstGeom prst="line">
               <a:avLst/>
@@ -11605,8 +11931,8 @@
           </p:nvSpPr>
           <p:spPr bwMode="auto">
             <a:xfrm rot="1280297" flipH="1" flipV="1">
-              <a:off x="3094" y="2904"/>
-              <a:ext cx="798" cy="940"/>
+              <a:off x="3195" y="2912"/>
+              <a:ext cx="651" cy="872"/>
             </a:xfrm>
             <a:prstGeom prst="line">
               <a:avLst/>
@@ -11614,7 +11940,7 @@
             <a:noFill/>
             <a:ln w="19050">
               <a:solidFill>
-                <a:schemeClr val="accent2"/>
+                <a:schemeClr val="accent1"/>
               </a:solidFill>
               <a:round/>
               <a:headEnd/>
@@ -11638,7 +11964,7 @@
             <p:nvPr/>
           </p:nvSpPr>
           <p:spPr bwMode="auto">
-            <a:xfrm rot="-6496486">
+            <a:xfrm rot="14968928">
               <a:off x="4037" y="2756"/>
               <a:ext cx="116" cy="1095"/>
             </a:xfrm>
@@ -11765,7 +12091,7 @@
                   <a:cs typeface="Times New Roman" pitchFamily="18" charset="0"/>
                   <a:sym typeface="Symbol" pitchFamily="18" charset="2"/>
                 </a:rPr>
-                <a:t>max</a:t>
+                <a:t>1</a:t>
               </a:r>
               <a:r>
                 <a:rPr lang="en-US" sz="2400" dirty="0">
@@ -11810,7 +12136,7 @@
           </p:nvSpPr>
           <p:spPr bwMode="auto">
             <a:xfrm>
-              <a:off x="3552" y="3360"/>
+              <a:off x="3448" y="3396"/>
               <a:ext cx="1104" cy="288"/>
             </a:xfrm>
             <a:prstGeom prst="rect">
@@ -11862,7 +12188,7 @@
                   <a:cs typeface="Times New Roman" pitchFamily="18" charset="0"/>
                   <a:sym typeface="Symbol" pitchFamily="18" charset="2"/>
                 </a:rPr>
-                <a:t>min</a:t>
+                <a:t>2</a:t>
               </a:r>
               <a:r>
                 <a:rPr lang="en-US" sz="2400" dirty="0">
@@ -11916,12 +12242,12 @@
           <a:graphicData uri="http://schemas.openxmlformats.org/presentationml/2006/ole">
             <mc:AlternateContent xmlns:mc="http://schemas.openxmlformats.org/markup-compatibility/2006">
               <mc:Choice xmlns:v="urn:schemas-microsoft-com:vml" Requires="v">
-                <p:oleObj spid="_x0000_s3076" name="Equation" r:id="rId4" imgW="1333440" imgH="457200" progId="Equation.3">
+                <p:oleObj spid="_x0000_s3081" name="Equation" r:id="rId6" imgW="1333440" imgH="457200" progId="Equation.3">
                   <p:embed/>
                 </p:oleObj>
               </mc:Choice>
               <mc:Fallback>
-                <p:oleObj name="Equation" r:id="rId4" imgW="1333440" imgH="457200" progId="Equation.3">
+                <p:oleObj name="Equation" r:id="rId6" imgW="1333440" imgH="457200" progId="Equation.3">
                   <p:embed/>
                   <p:pic>
                     <p:nvPicPr>
@@ -11932,7 +12258,7 @@
                       <p:nvPr/>
                     </p:nvPicPr>
                     <p:blipFill>
-                      <a:blip r:embed="rId5">
+                      <a:blip r:embed="rId7">
                         <a:extLst>
                           <a:ext uri="{28A0092B-C50C-407E-A947-70E740481C1C}">
                             <a14:useLocalDpi xmlns:a14="http://schemas.microsoft.com/office/drawing/2010/main" val="0"/>
@@ -12007,145 +12333,230 @@
           </a:p>
         </p:txBody>
       </p:sp>
-      <p:sp>
-        <p:nvSpPr>
-          <p:cNvPr id="18" name="Rectangle 17"/>
-          <p:cNvSpPr/>
+      <mc:AlternateContent xmlns:mc="http://schemas.openxmlformats.org/markup-compatibility/2006">
+        <mc:Choice xmlns:a14="http://schemas.microsoft.com/office/drawing/2010/main" Requires="a14">
+          <p:sp>
+            <p:nvSpPr>
+              <p:cNvPr id="18" name="Rectangle 17"/>
+              <p:cNvSpPr/>
+              <p:nvPr/>
+            </p:nvSpPr>
+            <p:spPr>
+              <a:xfrm>
+                <a:off x="3277491" y="2394256"/>
+                <a:ext cx="2251129" cy="461665"/>
+              </a:xfrm>
+              <a:prstGeom prst="rect">
+                <a:avLst/>
+              </a:prstGeom>
+            </p:spPr>
+            <p:txBody>
+              <a:bodyPr wrap="none">
+                <a:spAutoFit/>
+              </a:bodyPr>
+              <a:lstStyle/>
+              <a:p>
+                <a:r>
+                  <a:rPr lang="en-US" sz="2400" dirty="0">
+                    <a:solidFill>
+                      <a:schemeClr val="tx1"/>
+                    </a:solidFill>
+                    <a:latin typeface="Times New Roman" pitchFamily="18" charset="0"/>
+                    <a:cs typeface="Times New Roman" pitchFamily="18" charset="0"/>
+                    <a:sym typeface="Symbol" pitchFamily="18" charset="2"/>
+                  </a:rPr>
+                  <a:t>Assume </a:t>
+                </a:r>
+                <a14:m>
+                  <m:oMath xmlns:m="http://schemas.openxmlformats.org/officeDocument/2006/math">
+                    <m:sSub>
+                      <m:sSubPr>
+                        <m:ctrlPr>
+                          <a:rPr lang="en-US" sz="2400" b="0" i="1" smtClean="0">
+                            <a:solidFill>
+                              <a:schemeClr val="tx1"/>
+                            </a:solidFill>
+                            <a:latin typeface="Cambria Math" panose="02040503050406030204" pitchFamily="18" charset="0"/>
+                            <a:cs typeface="Times New Roman" pitchFamily="18" charset="0"/>
+                            <a:sym typeface="Symbol" pitchFamily="18" charset="2"/>
+                          </a:rPr>
+                        </m:ctrlPr>
+                      </m:sSubPr>
+                      <m:e>
+                        <m:r>
+                          <a:rPr lang="en-US" sz="2400" b="0" i="1" smtClean="0">
+                            <a:solidFill>
+                              <a:schemeClr val="tx1"/>
+                            </a:solidFill>
+                            <a:latin typeface="Cambria Math" panose="02040503050406030204" pitchFamily="18" charset="0"/>
+                            <a:cs typeface="Times New Roman" pitchFamily="18" charset="0"/>
+                            <a:sym typeface="Symbol" pitchFamily="18" charset="2"/>
+                          </a:rPr>
+                          <m:t>𝜆</m:t>
+                        </m:r>
+                      </m:e>
+                      <m:sub>
+                        <m:r>
+                          <a:rPr lang="en-US" sz="2400" b="0" i="1" smtClean="0">
+                            <a:solidFill>
+                              <a:schemeClr val="tx1"/>
+                            </a:solidFill>
+                            <a:latin typeface="Cambria Math" panose="02040503050406030204" pitchFamily="18" charset="0"/>
+                            <a:cs typeface="Times New Roman" pitchFamily="18" charset="0"/>
+                            <a:sym typeface="Symbol" pitchFamily="18" charset="2"/>
+                          </a:rPr>
+                          <m:t>1</m:t>
+                        </m:r>
+                      </m:sub>
+                    </m:sSub>
+                    <m:r>
+                      <a:rPr lang="en-US" sz="2400" b="0" i="1" smtClean="0">
+                        <a:solidFill>
+                          <a:schemeClr val="tx1"/>
+                        </a:solidFill>
+                        <a:latin typeface="Cambria Math" panose="02040503050406030204" pitchFamily="18" charset="0"/>
+                        <a:cs typeface="Times New Roman" pitchFamily="18" charset="0"/>
+                        <a:sym typeface="Symbol" pitchFamily="18" charset="2"/>
+                      </a:rPr>
+                      <m:t>&gt;</m:t>
+                    </m:r>
+                    <m:sSub>
+                      <m:sSubPr>
+                        <m:ctrlPr>
+                          <a:rPr lang="en-US" sz="2400" b="0" i="1" smtClean="0">
+                            <a:solidFill>
+                              <a:schemeClr val="tx1"/>
+                            </a:solidFill>
+                            <a:latin typeface="Cambria Math" panose="02040503050406030204" pitchFamily="18" charset="0"/>
+                            <a:cs typeface="Times New Roman" pitchFamily="18" charset="0"/>
+                            <a:sym typeface="Symbol" pitchFamily="18" charset="2"/>
+                          </a:rPr>
+                        </m:ctrlPr>
+                      </m:sSubPr>
+                      <m:e>
+                        <m:r>
+                          <a:rPr lang="en-US" sz="2400" b="0" i="1" smtClean="0">
+                            <a:solidFill>
+                              <a:schemeClr val="tx1"/>
+                            </a:solidFill>
+                            <a:latin typeface="Cambria Math" panose="02040503050406030204" pitchFamily="18" charset="0"/>
+                            <a:cs typeface="Times New Roman" pitchFamily="18" charset="0"/>
+                            <a:sym typeface="Symbol" pitchFamily="18" charset="2"/>
+                          </a:rPr>
+                          <m:t>𝜆</m:t>
+                        </m:r>
+                      </m:e>
+                      <m:sub>
+                        <m:r>
+                          <a:rPr lang="en-US" sz="2400" b="0" i="1" smtClean="0">
+                            <a:solidFill>
+                              <a:schemeClr val="tx1"/>
+                            </a:solidFill>
+                            <a:latin typeface="Cambria Math" panose="02040503050406030204" pitchFamily="18" charset="0"/>
+                            <a:cs typeface="Times New Roman" pitchFamily="18" charset="0"/>
+                            <a:sym typeface="Symbol" pitchFamily="18" charset="2"/>
+                          </a:rPr>
+                          <m:t>2</m:t>
+                        </m:r>
+                      </m:sub>
+                    </m:sSub>
+                  </m:oMath>
+                </a14:m>
+                <a:endParaRPr lang="en-US" i="1" dirty="0">
+                  <a:solidFill>
+                    <a:schemeClr val="tx1"/>
+                  </a:solidFill>
+                </a:endParaRPr>
+              </a:p>
+            </p:txBody>
+          </p:sp>
+        </mc:Choice>
+        <mc:Fallback>
+          <p:sp>
+            <p:nvSpPr>
+              <p:cNvPr id="18" name="Rectangle 17"/>
+              <p:cNvSpPr>
+                <a:spLocks noRot="1" noChangeAspect="1" noMove="1" noResize="1" noEditPoints="1" noAdjustHandles="1" noChangeArrowheads="1" noChangeShapeType="1" noTextEdit="1"/>
+              </p:cNvSpPr>
+              <p:nvPr/>
+            </p:nvSpPr>
+            <p:spPr>
+              <a:xfrm>
+                <a:off x="3277491" y="2394256"/>
+                <a:ext cx="2251129" cy="461665"/>
+              </a:xfrm>
+              <a:prstGeom prst="rect">
+                <a:avLst/>
+              </a:prstGeom>
+              <a:blipFill>
+                <a:blip r:embed="rId8"/>
+                <a:stretch>
+                  <a:fillRect l="-4336" t="-12000" b="-29333"/>
+                </a:stretch>
+              </a:blipFill>
+            </p:spPr>
+            <p:txBody>
+              <a:bodyPr/>
+              <a:lstStyle/>
+              <a:p>
+                <a:r>
+                  <a:rPr lang="en-US">
+                    <a:noFill/>
+                  </a:rPr>
+                  <a:t> </a:t>
+                </a:r>
+              </a:p>
+            </p:txBody>
+          </p:sp>
+        </mc:Fallback>
+      </mc:AlternateContent>
+      <p:pic>
+        <p:nvPicPr>
+          <p:cNvPr id="17" name="Picture 2" descr="Image result for cross section of 3d parabola">
+            <a:extLst>
+              <a:ext uri="{FF2B5EF4-FFF2-40B4-BE49-F238E27FC236}">
+                <a16:creationId xmlns:a16="http://schemas.microsoft.com/office/drawing/2014/main" id="{91343A07-F01C-421A-8B2F-99615B63DF14}"/>
+              </a:ext>
+            </a:extLst>
+          </p:cNvPr>
+          <p:cNvPicPr>
+            <a:picLocks noChangeAspect="1" noChangeArrowheads="1"/>
+          </p:cNvPicPr>
           <p:nvPr/>
-        </p:nvSpPr>
-        <p:spPr>
+        </p:nvPicPr>
+        <p:blipFill>
+          <a:blip r:embed="rId9">
+            <a:extLst>
+              <a:ext uri="{28A0092B-C50C-407E-A947-70E740481C1C}">
+                <a14:useLocalDpi xmlns:a14="http://schemas.microsoft.com/office/drawing/2010/main" val="0"/>
+              </a:ext>
+            </a:extLst>
+          </a:blip>
+          <a:srcRect/>
+          <a:stretch>
+            <a:fillRect/>
+          </a:stretch>
+        </p:blipFill>
+        <p:spPr bwMode="auto">
           <a:xfrm>
-            <a:off x="7721601" y="3352801"/>
-            <a:ext cx="3084947" cy="461665"/>
+            <a:off x="8379721" y="245776"/>
+            <a:ext cx="2951332" cy="3445135"/>
           </a:xfrm>
           <a:prstGeom prst="rect">
             <a:avLst/>
           </a:prstGeom>
+          <a:noFill/>
+          <a:extLst>
+            <a:ext uri="{909E8E84-426E-40DD-AFC4-6F175D3DCCD1}">
+              <a14:hiddenFill xmlns:a14="http://schemas.microsoft.com/office/drawing/2010/main">
+                <a:solidFill>
+                  <a:srgbClr val="FFFFFF"/>
+                </a:solidFill>
+              </a14:hiddenFill>
+            </a:ext>
+          </a:extLst>
         </p:spPr>
-        <p:txBody>
-          <a:bodyPr wrap="none">
-            <a:spAutoFit/>
-          </a:bodyPr>
-          <a:lstStyle/>
-          <a:p>
-            <a:r>
-              <a:rPr lang="ru-RU" sz="2400" dirty="0">
-                <a:solidFill>
-                  <a:srgbClr val="0033CC"/>
-                </a:solidFill>
-                <a:latin typeface="Times New Roman" pitchFamily="18" charset="0"/>
-                <a:cs typeface="Times New Roman" pitchFamily="18" charset="0"/>
-                <a:sym typeface="Symbol" pitchFamily="18" charset="2"/>
-              </a:rPr>
-              <a:t></a:t>
-            </a:r>
-            <a:r>
-              <a:rPr lang="en-US" sz="2400" baseline="-25000" dirty="0">
-                <a:solidFill>
-                  <a:srgbClr val="0033CC"/>
-                </a:solidFill>
-                <a:latin typeface="Times New Roman" pitchFamily="18" charset="0"/>
-                <a:cs typeface="Times New Roman" pitchFamily="18" charset="0"/>
-                <a:sym typeface="Symbol" pitchFamily="18" charset="2"/>
-              </a:rPr>
-              <a:t>max</a:t>
-            </a:r>
-            <a:r>
-              <a:rPr lang="en-US" sz="2400" dirty="0">
-                <a:latin typeface="Times New Roman" pitchFamily="18" charset="0"/>
-                <a:cs typeface="Times New Roman" pitchFamily="18" charset="0"/>
-                <a:sym typeface="Symbol" pitchFamily="18" charset="2"/>
-              </a:rPr>
-              <a:t>,</a:t>
-            </a:r>
-            <a:r>
-              <a:rPr lang="en-US" sz="2400" dirty="0">
-                <a:solidFill>
-                  <a:srgbClr val="FF3300"/>
-                </a:solidFill>
-                <a:latin typeface="Times New Roman" pitchFamily="18" charset="0"/>
-                <a:cs typeface="Times New Roman" pitchFamily="18" charset="0"/>
-                <a:sym typeface="Symbol" pitchFamily="18" charset="2"/>
-              </a:rPr>
-              <a:t> </a:t>
-            </a:r>
-            <a:r>
-              <a:rPr lang="ru-RU" sz="2400" dirty="0">
-                <a:solidFill>
-                  <a:srgbClr val="FF3300"/>
-                </a:solidFill>
-                <a:latin typeface="Times New Roman" pitchFamily="18" charset="0"/>
-                <a:cs typeface="Times New Roman" pitchFamily="18" charset="0"/>
-                <a:sym typeface="Symbol" pitchFamily="18" charset="2"/>
-              </a:rPr>
-              <a:t></a:t>
-            </a:r>
-            <a:r>
-              <a:rPr lang="en-US" sz="2400" baseline="-25000" dirty="0">
-                <a:solidFill>
-                  <a:srgbClr val="FF3300"/>
-                </a:solidFill>
-                <a:latin typeface="Times New Roman" pitchFamily="18" charset="0"/>
-                <a:cs typeface="Times New Roman" pitchFamily="18" charset="0"/>
-                <a:sym typeface="Symbol" pitchFamily="18" charset="2"/>
-              </a:rPr>
-              <a:t>min</a:t>
-            </a:r>
-            <a:r>
-              <a:rPr lang="ru-RU" sz="2400" dirty="0">
-                <a:solidFill>
-                  <a:srgbClr val="FF3300"/>
-                </a:solidFill>
-                <a:latin typeface="Times New Roman" pitchFamily="18" charset="0"/>
-                <a:cs typeface="Times New Roman" pitchFamily="18" charset="0"/>
-                <a:sym typeface="Symbol" pitchFamily="18" charset="2"/>
-              </a:rPr>
-              <a:t> </a:t>
-            </a:r>
-            <a:r>
-              <a:rPr lang="en-US" dirty="0">
-                <a:solidFill>
-                  <a:srgbClr val="FF3300"/>
-                </a:solidFill>
-                <a:cs typeface="Times New Roman" pitchFamily="18" charset="0"/>
-                <a:sym typeface="Symbol" pitchFamily="18" charset="2"/>
-              </a:rPr>
-              <a:t>: </a:t>
-            </a:r>
-            <a:r>
-              <a:rPr lang="en-US" dirty="0" err="1">
-                <a:solidFill>
-                  <a:srgbClr val="FF3300"/>
-                </a:solidFill>
-                <a:cs typeface="Times New Roman" pitchFamily="18" charset="0"/>
-                <a:sym typeface="Symbol" pitchFamily="18" charset="2"/>
-              </a:rPr>
-              <a:t>eigenvalues</a:t>
-            </a:r>
-            <a:r>
-              <a:rPr lang="en-US" dirty="0">
-                <a:solidFill>
-                  <a:srgbClr val="FF3300"/>
-                </a:solidFill>
-                <a:cs typeface="Times New Roman" pitchFamily="18" charset="0"/>
-                <a:sym typeface="Symbol" pitchFamily="18" charset="2"/>
-              </a:rPr>
-              <a:t> of </a:t>
-            </a:r>
-            <a:r>
-              <a:rPr lang="en-US" i="1" dirty="0">
-                <a:solidFill>
-                  <a:srgbClr val="FF3300"/>
-                </a:solidFill>
-                <a:cs typeface="Times New Roman" pitchFamily="18" charset="0"/>
-                <a:sym typeface="Symbol" pitchFamily="18" charset="2"/>
-              </a:rPr>
-              <a:t>H</a:t>
-            </a:r>
-            <a:endParaRPr lang="en-US" i="1" dirty="0"/>
-          </a:p>
-        </p:txBody>
-      </p:sp>
+      </p:pic>
     </p:spTree>
     <p:extLst>
       <p:ext uri="{BB962C8B-B14F-4D97-AF65-F5344CB8AC3E}">
@@ -12156,17 +12567,132 @@
   <p:clrMapOvr>
     <a:masterClrMapping/>
   </p:clrMapOvr>
-  <p:timing>
-    <p:tnLst>
-      <p:par>
-        <p:cTn id="1" dur="indefinite" restart="never" nodeType="tmRoot"/>
-      </p:par>
-    </p:tnLst>
-  </p:timing>
 </p:sld>
 </file>
 
-<file path=ppt/slides/slide19.xml><?xml version="1.0" encoding="utf-8"?>
+<file path=ppt/slides/slide2.xml><?xml version="1.0" encoding="utf-8"?>
+<p:sld xmlns:a="http://schemas.openxmlformats.org/drawingml/2006/main" xmlns:r="http://schemas.openxmlformats.org/officeDocument/2006/relationships" xmlns:p="http://schemas.openxmlformats.org/presentationml/2006/main">
+  <p:cSld>
+    <p:spTree>
+      <p:nvGrpSpPr>
+        <p:cNvPr id="1" name=""/>
+        <p:cNvGrpSpPr/>
+        <p:nvPr/>
+      </p:nvGrpSpPr>
+      <p:grpSpPr>
+        <a:xfrm>
+          <a:off x="0" y="0"/>
+          <a:ext cx="0" cy="0"/>
+          <a:chOff x="0" y="0"/>
+          <a:chExt cx="0" cy="0"/>
+        </a:xfrm>
+      </p:grpSpPr>
+      <p:sp>
+        <p:nvSpPr>
+          <p:cNvPr id="2" name="Title 1"/>
+          <p:cNvSpPr>
+            <a:spLocks noGrp="1"/>
+          </p:cNvSpPr>
+          <p:nvPr>
+            <p:ph type="title"/>
+          </p:nvPr>
+        </p:nvSpPr>
+        <p:spPr/>
+        <p:txBody>
+          <a:bodyPr/>
+          <a:lstStyle/>
+          <a:p>
+            <a:r>
+              <a:rPr lang="en-US" dirty="0"/>
+              <a:t>References</a:t>
+            </a:r>
+          </a:p>
+        </p:txBody>
+      </p:sp>
+      <p:sp>
+        <p:nvSpPr>
+          <p:cNvPr id="3" name="Content Placeholder 2"/>
+          <p:cNvSpPr>
+            <a:spLocks noGrp="1"/>
+          </p:cNvSpPr>
+          <p:nvPr>
+            <p:ph idx="1"/>
+          </p:nvPr>
+        </p:nvSpPr>
+        <p:spPr/>
+        <p:txBody>
+          <a:bodyPr/>
+          <a:lstStyle/>
+          <a:p>
+            <a:r>
+              <a:rPr lang="en-US" dirty="0">
+                <a:hlinkClick r:id="rId2"/>
+              </a:rPr>
+              <a:t>http://szeliski.org/Book/</a:t>
+            </a:r>
+            <a:endParaRPr lang="en-US" dirty="0"/>
+          </a:p>
+          <a:p>
+            <a:r>
+              <a:rPr lang="en-US" dirty="0">
+                <a:hlinkClick r:id="rId3"/>
+              </a:rPr>
+              <a:t>http://www.cs.cornell.edu/courses/cs5670/2019sp/lectures/lectures.html</a:t>
+            </a:r>
+            <a:endParaRPr lang="en-US" dirty="0"/>
+          </a:p>
+          <a:p>
+            <a:r>
+              <a:rPr lang="en-US" dirty="0">
+                <a:hlinkClick r:id="rId4"/>
+              </a:rPr>
+              <a:t>http://www.cs.cmu.edu/~16385/</a:t>
+            </a:r>
+            <a:endParaRPr lang="en-US" dirty="0"/>
+          </a:p>
+          <a:p>
+            <a:r>
+              <a:rPr lang="en-US" dirty="0">
+                <a:hlinkClick r:id="rId5"/>
+              </a:rPr>
+              <a:t>https://medium.com/software-incubator/introduction-to-orb-oriented-fast-and-rotated-brief-4220e8ec40cf</a:t>
+            </a:r>
+            <a:endParaRPr lang="en-US" dirty="0"/>
+          </a:p>
+          <a:p>
+            <a:r>
+              <a:rPr lang="en-US" dirty="0">
+                <a:hlinkClick r:id="rId6"/>
+              </a:rPr>
+              <a:t>https://opencv-python-tutroals.readthedocs.io/en/latest/py_tutorials/py_feature2d/py_table_of_contents_feature2d/py_table_of_contents_feature2d.html</a:t>
+            </a:r>
+            <a:endParaRPr lang="en-US" dirty="0"/>
+          </a:p>
+          <a:p>
+            <a:r>
+              <a:rPr lang="en-US">
+                <a:hlinkClick r:id="rId7"/>
+              </a:rPr>
+              <a:t>https://towardsdatascience.com/sift-scale-invariant-feature-transform-c7233dc60f37</a:t>
+            </a:r>
+            <a:endParaRPr lang="en-US" dirty="0"/>
+          </a:p>
+        </p:txBody>
+      </p:sp>
+    </p:spTree>
+    <p:extLst>
+      <p:ext uri="{BB962C8B-B14F-4D97-AF65-F5344CB8AC3E}">
+        <p14:creationId xmlns:p14="http://schemas.microsoft.com/office/powerpoint/2010/main" val="727268315"/>
+      </p:ext>
+    </p:extLst>
+  </p:cSld>
+  <p:clrMapOvr>
+    <a:masterClrMapping/>
+  </p:clrMapOvr>
+</p:sld>
+</file>
+
+<file path=ppt/slides/slide20.xml><?xml version="1.0" encoding="utf-8"?>
 <p:sld xmlns:a="http://schemas.openxmlformats.org/drawingml/2006/main" xmlns:r="http://schemas.openxmlformats.org/officeDocument/2006/relationships" xmlns:p="http://schemas.openxmlformats.org/presentationml/2006/main">
   <p:cSld>
     <p:spTree>
@@ -12414,7 +12940,7 @@
           <p:cNvPr id="2" name="Group 1">
             <a:extLst>
               <a:ext uri="{FF2B5EF4-FFF2-40B4-BE49-F238E27FC236}">
-                <a16:creationId xmlns:a16="http://schemas.microsoft.com/office/drawing/2014/main" xmlns="" id="{3A01699C-081E-4221-A671-F1110CFF6EE8}"/>
+                <a16:creationId xmlns:a16="http://schemas.microsoft.com/office/drawing/2014/main" id="{3A01699C-081E-4221-A671-F1110CFF6EE8}"/>
               </a:ext>
             </a:extLst>
           </p:cNvPr>
@@ -12964,146 +13490,10 @@
   <p:clrMapOvr>
     <a:masterClrMapping/>
   </p:clrMapOvr>
-  <p:timing>
-    <p:tnLst>
-      <p:par>
-        <p:cTn id="1" dur="indefinite" restart="never" nodeType="tmRoot"/>
-      </p:par>
-    </p:tnLst>
-  </p:timing>
 </p:sld>
 </file>
 
-<file path=ppt/slides/slide2.xml><?xml version="1.0" encoding="utf-8"?>
-<p:sld xmlns:a="http://schemas.openxmlformats.org/drawingml/2006/main" xmlns:r="http://schemas.openxmlformats.org/officeDocument/2006/relationships" xmlns:p="http://schemas.openxmlformats.org/presentationml/2006/main">
-  <p:cSld>
-    <p:spTree>
-      <p:nvGrpSpPr>
-        <p:cNvPr id="1" name=""/>
-        <p:cNvGrpSpPr/>
-        <p:nvPr/>
-      </p:nvGrpSpPr>
-      <p:grpSpPr>
-        <a:xfrm>
-          <a:off x="0" y="0"/>
-          <a:ext cx="0" cy="0"/>
-          <a:chOff x="0" y="0"/>
-          <a:chExt cx="0" cy="0"/>
-        </a:xfrm>
-      </p:grpSpPr>
-      <p:sp>
-        <p:nvSpPr>
-          <p:cNvPr id="2" name="Title 1"/>
-          <p:cNvSpPr>
-            <a:spLocks noGrp="1"/>
-          </p:cNvSpPr>
-          <p:nvPr>
-            <p:ph type="title"/>
-          </p:nvPr>
-        </p:nvSpPr>
-        <p:spPr/>
-        <p:txBody>
-          <a:bodyPr/>
-          <a:lstStyle/>
-          <a:p>
-            <a:r>
-              <a:rPr lang="en-US" dirty="0"/>
-              <a:t>References</a:t>
-            </a:r>
-          </a:p>
-        </p:txBody>
-      </p:sp>
-      <p:sp>
-        <p:nvSpPr>
-          <p:cNvPr id="3" name="Content Placeholder 2"/>
-          <p:cNvSpPr>
-            <a:spLocks noGrp="1"/>
-          </p:cNvSpPr>
-          <p:nvPr>
-            <p:ph idx="1"/>
-          </p:nvPr>
-        </p:nvSpPr>
-        <p:spPr/>
-        <p:txBody>
-          <a:bodyPr/>
-          <a:lstStyle/>
-          <a:p>
-            <a:r>
-              <a:rPr lang="en-US" dirty="0">
-                <a:hlinkClick r:id="rId2"/>
-              </a:rPr>
-              <a:t>http://szeliski.org/Book/</a:t>
-            </a:r>
-            <a:endParaRPr lang="en-US" dirty="0"/>
-          </a:p>
-          <a:p>
-            <a:r>
-              <a:rPr lang="en-US" dirty="0">
-                <a:hlinkClick r:id="rId3"/>
-              </a:rPr>
-              <a:t>http://www.cs.cornell.edu/courses/cs5670/2019sp/lectures/lectures.html</a:t>
-            </a:r>
-            <a:endParaRPr lang="en-US" dirty="0"/>
-          </a:p>
-          <a:p>
-            <a:r>
-              <a:rPr lang="en-US" dirty="0">
-                <a:hlinkClick r:id="rId4"/>
-              </a:rPr>
-              <a:t>http://www.cs.cmu.edu/~16385/</a:t>
-            </a:r>
-            <a:endParaRPr lang="en-US" dirty="0"/>
-          </a:p>
-          <a:p>
-            <a:r>
-              <a:rPr lang="en-US" dirty="0">
-                <a:hlinkClick r:id="rId5"/>
-              </a:rPr>
-              <a:t>https://medium.com/software-incubator/introduction-to-orb-oriented-fast-and-rotated-brief-4220e8ec40cf</a:t>
-            </a:r>
-            <a:endParaRPr lang="en-US" dirty="0"/>
-          </a:p>
-          <a:p>
-            <a:r>
-              <a:rPr lang="en-US" dirty="0">
-                <a:hlinkClick r:id="rId6"/>
-              </a:rPr>
-              <a:t>https://opencv-python-tutroals.readthedocs.io/en/latest/py_tutorials/py_feature2d/py_table_of_contents_feature2d/py_table_of_contents_feature2d.html</a:t>
-            </a:r>
-            <a:endParaRPr lang="en-US" dirty="0"/>
-          </a:p>
-          <a:p>
-            <a:r>
-              <a:rPr lang="en-US">
-                <a:hlinkClick r:id="rId7"/>
-              </a:rPr>
-              <a:t>https://towardsdatascience.com/sift-scale-invariant-feature-transform-c7233dc60f37</a:t>
-            </a:r>
-            <a:endParaRPr lang="en-US" dirty="0"/>
-          </a:p>
-        </p:txBody>
-      </p:sp>
-    </p:spTree>
-    <p:extLst>
-      <p:ext uri="{BB962C8B-B14F-4D97-AF65-F5344CB8AC3E}">
-        <p14:creationId xmlns:p14="http://schemas.microsoft.com/office/powerpoint/2010/main" val="727268315"/>
-      </p:ext>
-    </p:extLst>
-  </p:cSld>
-  <p:clrMapOvr>
-    <a:masterClrMapping/>
-  </p:clrMapOvr>
-  <p:timing>
-    <p:tnLst>
-      <p:par>
-        <p:cTn id="1" dur="indefinite" restart="never" nodeType="tmRoot"/>
-      </p:par>
-    </p:tnLst>
-  </p:timing>
-</p:sld>
-</file>
-
-<file path=ppt/slides/slide20.xml><?xml version="1.0" encoding="utf-8"?>
+<file path=ppt/slides/slide21.xml><?xml version="1.0" encoding="utf-8"?>
 <p:sld xmlns:a="http://schemas.openxmlformats.org/drawingml/2006/main" xmlns:r="http://schemas.openxmlformats.org/officeDocument/2006/relationships" xmlns:p="http://schemas.openxmlformats.org/presentationml/2006/main">
   <p:cSld>
     <p:spTree>
@@ -13317,7 +13707,7 @@
 </p:sld>
 </file>
 
-<file path=ppt/slides/slide21.xml><?xml version="1.0" encoding="utf-8"?>
+<file path=ppt/slides/slide22.xml><?xml version="1.0" encoding="utf-8"?>
 <p:sld xmlns:a="http://schemas.openxmlformats.org/drawingml/2006/main" xmlns:r="http://schemas.openxmlformats.org/officeDocument/2006/relationships" xmlns:p="http://schemas.openxmlformats.org/presentationml/2006/main">
   <p:cSld>
     <p:spTree>
@@ -13922,17 +14312,10 @@
   <p:clrMapOvr>
     <a:masterClrMapping/>
   </p:clrMapOvr>
-  <p:timing>
-    <p:tnLst>
-      <p:par>
-        <p:cTn id="1" dur="indefinite" restart="never" nodeType="tmRoot"/>
-      </p:par>
-    </p:tnLst>
-  </p:timing>
 </p:sld>
 </file>
 
-<file path=ppt/slides/slide22.xml><?xml version="1.0" encoding="utf-8"?>
+<file path=ppt/slides/slide23.xml><?xml version="1.0" encoding="utf-8"?>
 <p:sld xmlns:a="http://schemas.openxmlformats.org/drawingml/2006/main" xmlns:r="http://schemas.openxmlformats.org/officeDocument/2006/relationships" xmlns:p="http://schemas.openxmlformats.org/presentationml/2006/main">
   <p:cSld>
     <p:spTree>
@@ -14345,14 +14728,6 @@
               </a:rPr>
               <a:t>“Corner”</a:t>
             </a:r>
-            <a:r>
-              <a:rPr lang="en-US" sz="2400">
-                <a:latin typeface="Times New Roman" pitchFamily="18" charset="0"/>
-                <a:cs typeface="Times New Roman" pitchFamily="18" charset="0"/>
-                <a:sym typeface="Symbol" pitchFamily="18" charset="2"/>
-              </a:rPr>
-              <a:t/>
-            </a:r>
             <a:br>
               <a:rPr lang="en-US" sz="2400">
                 <a:latin typeface="Times New Roman" pitchFamily="18" charset="0"/>
@@ -14654,14 +15029,6 @@
               </a:rPr>
               <a:t>“Edge” </a:t>
             </a:r>
-            <a:r>
-              <a:rPr lang="en-US" sz="2400">
-                <a:latin typeface="Times New Roman" pitchFamily="18" charset="0"/>
-                <a:cs typeface="Times New Roman" pitchFamily="18" charset="0"/>
-                <a:sym typeface="Symbol" pitchFamily="18" charset="2"/>
-              </a:rPr>
-              <a:t/>
-            </a:r>
             <a:br>
               <a:rPr lang="en-US" sz="2400">
                 <a:latin typeface="Times New Roman" pitchFamily="18" charset="0"/>
@@ -14758,14 +15125,6 @@
                 <a:sym typeface="Symbol" pitchFamily="18" charset="2"/>
               </a:rPr>
               <a:t>“Edge” </a:t>
-            </a:r>
-            <a:r>
-              <a:rPr lang="en-US" sz="2400">
-                <a:latin typeface="Times New Roman" pitchFamily="18" charset="0"/>
-                <a:cs typeface="Times New Roman" pitchFamily="18" charset="0"/>
-                <a:sym typeface="Symbol" pitchFamily="18" charset="2"/>
-              </a:rPr>
-              <a:t/>
             </a:r>
             <a:br>
               <a:rPr lang="en-US" sz="2400">
@@ -15100,17 +15459,10 @@
   <p:clrMapOvr>
     <a:masterClrMapping/>
   </p:clrMapOvr>
-  <p:timing>
-    <p:tnLst>
-      <p:par>
-        <p:cTn id="1" dur="indefinite" restart="never" nodeType="tmRoot"/>
-      </p:par>
-    </p:tnLst>
-  </p:timing>
 </p:sld>
 </file>
 
-<file path=ppt/slides/slide23.xml><?xml version="1.0" encoding="utf-8"?>
+<file path=ppt/slides/slide24.xml><?xml version="1.0" encoding="utf-8"?>
 <p:sld xmlns:a="http://schemas.openxmlformats.org/drawingml/2006/main" xmlns:r="http://schemas.openxmlformats.org/officeDocument/2006/relationships" xmlns:p="http://schemas.openxmlformats.org/presentationml/2006/main">
   <p:cSld>
     <p:spTree>
@@ -15537,7 +15889,7 @@
 </p:sld>
 </file>
 
-<file path=ppt/slides/slide24.xml><?xml version="1.0" encoding="utf-8"?>
+<file path=ppt/slides/slide25.xml><?xml version="1.0" encoding="utf-8"?>
 <p:sld xmlns:a="http://schemas.openxmlformats.org/drawingml/2006/main" xmlns:r="http://schemas.openxmlformats.org/officeDocument/2006/relationships" xmlns:p="http://schemas.openxmlformats.org/presentationml/2006/main">
   <p:cSld>
     <p:spTree>
@@ -15984,7 +16336,7 @@
 </p:sld>
 </file>
 
-<file path=ppt/slides/slide25.xml><?xml version="1.0" encoding="utf-8"?>
+<file path=ppt/slides/slide26.xml><?xml version="1.0" encoding="utf-8"?>
 <p:sld xmlns:a="http://schemas.openxmlformats.org/drawingml/2006/main" xmlns:r="http://schemas.openxmlformats.org/officeDocument/2006/relationships" xmlns:p="http://schemas.openxmlformats.org/presentationml/2006/main">
   <p:cSld>
     <p:spTree>
@@ -16321,17 +16673,10 @@
   <p:clrMapOvr>
     <a:masterClrMapping/>
   </p:clrMapOvr>
-  <p:timing>
-    <p:tnLst>
-      <p:par>
-        <p:cTn id="1" dur="indefinite" restart="never" nodeType="tmRoot"/>
-      </p:par>
-    </p:tnLst>
-  </p:timing>
 </p:sld>
 </file>
 
-<file path=ppt/slides/slide26.xml><?xml version="1.0" encoding="utf-8"?>
+<file path=ppt/slides/slide27.xml><?xml version="1.0" encoding="utf-8"?>
 <p:sld xmlns:a="http://schemas.openxmlformats.org/drawingml/2006/main" xmlns:r="http://schemas.openxmlformats.org/officeDocument/2006/relationships" xmlns:p="http://schemas.openxmlformats.org/presentationml/2006/main">
   <p:cSld>
     <p:spTree>
@@ -16783,7 +17128,7 @@
 </p:sld>
 </file>
 
-<file path=ppt/slides/slide27.xml><?xml version="1.0" encoding="utf-8"?>
+<file path=ppt/slides/slide28.xml><?xml version="1.0" encoding="utf-8"?>
 <p:sld xmlns:a="http://schemas.openxmlformats.org/drawingml/2006/main" xmlns:r="http://schemas.openxmlformats.org/officeDocument/2006/relationships" xmlns:p="http://schemas.openxmlformats.org/presentationml/2006/main">
   <p:cSld>
     <p:spTree>
@@ -16874,7 +17219,7 @@
 </p:sld>
 </file>
 
-<file path=ppt/slides/slide28.xml><?xml version="1.0" encoding="utf-8"?>
+<file path=ppt/slides/slide29.xml><?xml version="1.0" encoding="utf-8"?>
 <p:sld xmlns:a="http://schemas.openxmlformats.org/drawingml/2006/main" xmlns:r="http://schemas.openxmlformats.org/officeDocument/2006/relationships" xmlns:p="http://schemas.openxmlformats.org/presentationml/2006/main">
   <p:cSld>
     <p:spTree>
@@ -16963,7 +17308,133 @@
 </p:sld>
 </file>
 
-<file path=ppt/slides/slide29.xml><?xml version="1.0" encoding="utf-8"?>
+<file path=ppt/slides/slide3.xml><?xml version="1.0" encoding="utf-8"?>
+<p:sld xmlns:a="http://schemas.openxmlformats.org/drawingml/2006/main" xmlns:r="http://schemas.openxmlformats.org/officeDocument/2006/relationships" xmlns:p="http://schemas.openxmlformats.org/presentationml/2006/main">
+  <p:cSld>
+    <p:spTree>
+      <p:nvGrpSpPr>
+        <p:cNvPr id="1" name=""/>
+        <p:cNvGrpSpPr/>
+        <p:nvPr/>
+      </p:nvGrpSpPr>
+      <p:grpSpPr>
+        <a:xfrm>
+          <a:off x="0" y="0"/>
+          <a:ext cx="0" cy="0"/>
+          <a:chOff x="0" y="0"/>
+          <a:chExt cx="0" cy="0"/>
+        </a:xfrm>
+      </p:grpSpPr>
+      <p:sp>
+        <p:nvSpPr>
+          <p:cNvPr id="2" name="Title 1">
+            <a:extLst>
+              <a:ext uri="{FF2B5EF4-FFF2-40B4-BE49-F238E27FC236}">
+                <a16:creationId xmlns:a16="http://schemas.microsoft.com/office/drawing/2014/main" id="{A20DB4A6-AFE1-4F8E-B54F-7A302B25FDD4}"/>
+              </a:ext>
+            </a:extLst>
+          </p:cNvPr>
+          <p:cNvSpPr>
+            <a:spLocks noGrp="1"/>
+          </p:cNvSpPr>
+          <p:nvPr>
+            <p:ph type="title"/>
+          </p:nvPr>
+        </p:nvSpPr>
+        <p:spPr/>
+        <p:txBody>
+          <a:bodyPr/>
+          <a:lstStyle/>
+          <a:p>
+            <a:endParaRPr lang="en-US"/>
+          </a:p>
+        </p:txBody>
+      </p:sp>
+      <p:sp>
+        <p:nvSpPr>
+          <p:cNvPr id="3" name="Content Placeholder 2">
+            <a:extLst>
+              <a:ext uri="{FF2B5EF4-FFF2-40B4-BE49-F238E27FC236}">
+                <a16:creationId xmlns:a16="http://schemas.microsoft.com/office/drawing/2014/main" id="{8CC1A28A-BF0F-4286-8895-BC5370F57509}"/>
+              </a:ext>
+            </a:extLst>
+          </p:cNvPr>
+          <p:cNvSpPr>
+            <a:spLocks noGrp="1"/>
+          </p:cNvSpPr>
+          <p:nvPr>
+            <p:ph idx="1"/>
+          </p:nvPr>
+        </p:nvSpPr>
+        <p:spPr/>
+        <p:txBody>
+          <a:bodyPr/>
+          <a:lstStyle/>
+          <a:p>
+            <a:r>
+              <a:rPr lang="en-US" dirty="0"/>
+              <a:t>Feature detection</a:t>
+            </a:r>
+          </a:p>
+          <a:p>
+            <a:pPr lvl="1"/>
+            <a:r>
+              <a:rPr lang="en-US" dirty="0"/>
+              <a:t>Talk about </a:t>
+            </a:r>
+            <a:r>
+              <a:rPr lang="en-US" dirty="0" err="1"/>
+              <a:t>harris</a:t>
+            </a:r>
+            <a:r>
+              <a:rPr lang="en-US" dirty="0"/>
+              <a:t> corner detector?</a:t>
+            </a:r>
+          </a:p>
+          <a:p>
+            <a:r>
+              <a:rPr lang="en-US" dirty="0"/>
+              <a:t>Feature descriptor and matching</a:t>
+            </a:r>
+          </a:p>
+          <a:p>
+            <a:r>
+              <a:rPr lang="en-US" dirty="0"/>
+              <a:t>Sift</a:t>
+            </a:r>
+          </a:p>
+          <a:p>
+            <a:pPr lvl="1"/>
+            <a:r>
+              <a:rPr lang="en-US" dirty="0"/>
+              <a:t>Talk about orb</a:t>
+            </a:r>
+          </a:p>
+          <a:p>
+            <a:r>
+              <a:rPr lang="en-US" dirty="0"/>
+              <a:t>Panorama</a:t>
+            </a:r>
+          </a:p>
+          <a:p>
+            <a:endParaRPr lang="en-US" dirty="0"/>
+          </a:p>
+        </p:txBody>
+      </p:sp>
+    </p:spTree>
+    <p:extLst>
+      <p:ext uri="{BB962C8B-B14F-4D97-AF65-F5344CB8AC3E}">
+        <p14:creationId xmlns:p14="http://schemas.microsoft.com/office/powerpoint/2010/main" val="3199300629"/>
+      </p:ext>
+    </p:extLst>
+  </p:cSld>
+  <p:clrMapOvr>
+    <a:masterClrMapping/>
+  </p:clrMapOvr>
+</p:sld>
+</file>
+
+<file path=ppt/slides/slide30.xml><?xml version="1.0" encoding="utf-8"?>
 <p:sld xmlns:a="http://schemas.openxmlformats.org/drawingml/2006/main" xmlns:r="http://schemas.openxmlformats.org/officeDocument/2006/relationships" xmlns:p="http://schemas.openxmlformats.org/presentationml/2006/main">
   <p:cSld>
     <p:spTree>
@@ -17047,133 +17518,7 @@
 </p:sld>
 </file>
 
-<file path=ppt/slides/slide3.xml><?xml version="1.0" encoding="utf-8"?>
-<p:sld xmlns:a="http://schemas.openxmlformats.org/drawingml/2006/main" xmlns:r="http://schemas.openxmlformats.org/officeDocument/2006/relationships" xmlns:p="http://schemas.openxmlformats.org/presentationml/2006/main">
-  <p:cSld>
-    <p:spTree>
-      <p:nvGrpSpPr>
-        <p:cNvPr id="1" name=""/>
-        <p:cNvGrpSpPr/>
-        <p:nvPr/>
-      </p:nvGrpSpPr>
-      <p:grpSpPr>
-        <a:xfrm>
-          <a:off x="0" y="0"/>
-          <a:ext cx="0" cy="0"/>
-          <a:chOff x="0" y="0"/>
-          <a:chExt cx="0" cy="0"/>
-        </a:xfrm>
-      </p:grpSpPr>
-      <p:sp>
-        <p:nvSpPr>
-          <p:cNvPr id="2" name="Title 1">
-            <a:extLst>
-              <a:ext uri="{FF2B5EF4-FFF2-40B4-BE49-F238E27FC236}">
-                <a16:creationId xmlns:a16="http://schemas.microsoft.com/office/drawing/2014/main" xmlns="" id="{A20DB4A6-AFE1-4F8E-B54F-7A302B25FDD4}"/>
-              </a:ext>
-            </a:extLst>
-          </p:cNvPr>
-          <p:cNvSpPr>
-            <a:spLocks noGrp="1"/>
-          </p:cNvSpPr>
-          <p:nvPr>
-            <p:ph type="title"/>
-          </p:nvPr>
-        </p:nvSpPr>
-        <p:spPr/>
-        <p:txBody>
-          <a:bodyPr/>
-          <a:lstStyle/>
-          <a:p>
-            <a:endParaRPr lang="en-US"/>
-          </a:p>
-        </p:txBody>
-      </p:sp>
-      <p:sp>
-        <p:nvSpPr>
-          <p:cNvPr id="3" name="Content Placeholder 2">
-            <a:extLst>
-              <a:ext uri="{FF2B5EF4-FFF2-40B4-BE49-F238E27FC236}">
-                <a16:creationId xmlns:a16="http://schemas.microsoft.com/office/drawing/2014/main" xmlns="" id="{8CC1A28A-BF0F-4286-8895-BC5370F57509}"/>
-              </a:ext>
-            </a:extLst>
-          </p:cNvPr>
-          <p:cNvSpPr>
-            <a:spLocks noGrp="1"/>
-          </p:cNvSpPr>
-          <p:nvPr>
-            <p:ph idx="1"/>
-          </p:nvPr>
-        </p:nvSpPr>
-        <p:spPr/>
-        <p:txBody>
-          <a:bodyPr/>
-          <a:lstStyle/>
-          <a:p>
-            <a:r>
-              <a:rPr lang="en-US" dirty="0"/>
-              <a:t>Feature detection</a:t>
-            </a:r>
-          </a:p>
-          <a:p>
-            <a:pPr lvl="1"/>
-            <a:r>
-              <a:rPr lang="en-US" dirty="0"/>
-              <a:t>Talk about </a:t>
-            </a:r>
-            <a:r>
-              <a:rPr lang="en-US" dirty="0" err="1"/>
-              <a:t>harris</a:t>
-            </a:r>
-            <a:r>
-              <a:rPr lang="en-US" dirty="0"/>
-              <a:t> corner detector?</a:t>
-            </a:r>
-          </a:p>
-          <a:p>
-            <a:r>
-              <a:rPr lang="en-US" dirty="0"/>
-              <a:t>Feature descriptor and matching</a:t>
-            </a:r>
-          </a:p>
-          <a:p>
-            <a:r>
-              <a:rPr lang="en-US" dirty="0"/>
-              <a:t>Sift</a:t>
-            </a:r>
-          </a:p>
-          <a:p>
-            <a:pPr lvl="1"/>
-            <a:r>
-              <a:rPr lang="en-US" dirty="0"/>
-              <a:t>Talk about orb</a:t>
-            </a:r>
-          </a:p>
-          <a:p>
-            <a:r>
-              <a:rPr lang="en-US" dirty="0"/>
-              <a:t>Panorama</a:t>
-            </a:r>
-          </a:p>
-          <a:p>
-            <a:endParaRPr lang="en-US" dirty="0"/>
-          </a:p>
-        </p:txBody>
-      </p:sp>
-    </p:spTree>
-    <p:extLst>
-      <p:ext uri="{BB962C8B-B14F-4D97-AF65-F5344CB8AC3E}">
-        <p14:creationId xmlns:p14="http://schemas.microsoft.com/office/powerpoint/2010/main" val="3199300629"/>
-      </p:ext>
-    </p:extLst>
-  </p:cSld>
-  <p:clrMapOvr>
-    <a:masterClrMapping/>
-  </p:clrMapOvr>
-</p:sld>
-</file>
-
-<file path=ppt/slides/slide30.xml><?xml version="1.0" encoding="utf-8"?>
+<file path=ppt/slides/slide31.xml><?xml version="1.0" encoding="utf-8"?>
 <p:sld xmlns:a="http://schemas.openxmlformats.org/drawingml/2006/main" xmlns:r="http://schemas.openxmlformats.org/officeDocument/2006/relationships" xmlns:p="http://schemas.openxmlformats.org/presentationml/2006/main">
   <p:cSld>
     <p:spTree>
@@ -17261,7 +17606,7 @@
 </p:sld>
 </file>
 
-<file path=ppt/slides/slide31.xml><?xml version="1.0" encoding="utf-8"?>
+<file path=ppt/slides/slide32.xml><?xml version="1.0" encoding="utf-8"?>
 <p:sld xmlns:a="http://schemas.openxmlformats.org/drawingml/2006/main" xmlns:r="http://schemas.openxmlformats.org/officeDocument/2006/relationships" xmlns:p="http://schemas.openxmlformats.org/presentationml/2006/main">
   <p:cSld>
     <p:spTree>
@@ -17347,7 +17692,7 @@
 </p:sld>
 </file>
 
-<file path=ppt/slides/slide32.xml><?xml version="1.0" encoding="utf-8"?>
+<file path=ppt/slides/slide33.xml><?xml version="1.0" encoding="utf-8"?>
 <p:sld xmlns:a="http://schemas.openxmlformats.org/drawingml/2006/main" xmlns:r="http://schemas.openxmlformats.org/officeDocument/2006/relationships" xmlns:p="http://schemas.openxmlformats.org/presentationml/2006/main">
   <p:cSld>
     <p:spTree>
@@ -17574,17 +17919,10 @@
   <p:clrMapOvr>
     <a:masterClrMapping/>
   </p:clrMapOvr>
-  <p:timing>
-    <p:tnLst>
-      <p:par>
-        <p:cTn id="1" dur="indefinite" restart="never" nodeType="tmRoot"/>
-      </p:par>
-    </p:tnLst>
-  </p:timing>
 </p:sld>
 </file>
 
-<file path=ppt/slides/slide33.xml><?xml version="1.0" encoding="utf-8"?>
+<file path=ppt/slides/slide34.xml><?xml version="1.0" encoding="utf-8"?>
 <p:sld xmlns:a="http://schemas.openxmlformats.org/drawingml/2006/main" xmlns:r="http://schemas.openxmlformats.org/officeDocument/2006/relationships" xmlns:p="http://schemas.openxmlformats.org/presentationml/2006/main">
   <p:cSld>
     <p:spTree>
@@ -17702,7 +18040,7 @@
           <a:graphicData uri="http://schemas.openxmlformats.org/presentationml/2006/ole">
             <mc:AlternateContent xmlns:mc="http://schemas.openxmlformats.org/markup-compatibility/2006">
               <mc:Choice xmlns:v="urn:schemas-microsoft-com:vml" Requires="v">
-                <p:oleObj spid="_x0000_s6152" name="Equation" r:id="rId4" imgW="2654300" imgH="508000" progId="Equation.3">
+                <p:oleObj spid="_x0000_s6162" name="Equation" r:id="rId4" imgW="2654300" imgH="508000" progId="Equation.3">
                   <p:embed/>
                 </p:oleObj>
               </mc:Choice>
@@ -17908,7 +18246,7 @@
                 <a:latin typeface="Calibri" charset="0"/>
               </a:rPr>
               <a:pPr eaLnBrk="1" hangingPunct="1"/>
-              <a:t>33</a:t>
+              <a:t>34</a:t>
             </a:fld>
             <a:endParaRPr lang="de-DE" sz="1200">
               <a:solidFill>
@@ -21227,7 +21565,7 @@
           <a:graphicData uri="http://schemas.openxmlformats.org/presentationml/2006/ole">
             <mc:AlternateContent xmlns:mc="http://schemas.openxmlformats.org/markup-compatibility/2006">
               <mc:Choice xmlns:v="urn:schemas-microsoft-com:vml" Requires="v">
-                <p:oleObj spid="_x0000_s6153" name="Equation" r:id="rId16" imgW="1066800" imgH="457200" progId="Equation.3">
+                <p:oleObj spid="_x0000_s6163" name="Equation" r:id="rId16" imgW="1066800" imgH="457200" progId="Equation.3">
                   <p:embed/>
                 </p:oleObj>
               </mc:Choice>
@@ -21477,17 +21815,10 @@
   <p:clrMapOvr>
     <a:masterClrMapping/>
   </p:clrMapOvr>
-  <p:timing>
-    <p:tnLst>
-      <p:par>
-        <p:cTn id="1" dur="indefinite" restart="never" nodeType="tmRoot"/>
-      </p:par>
-    </p:tnLst>
-  </p:timing>
 </p:sld>
 </file>
 
-<file path=ppt/slides/slide34.xml><?xml version="1.0" encoding="utf-8"?>
+<file path=ppt/slides/slide35.xml><?xml version="1.0" encoding="utf-8"?>
 <p:sld xmlns:a="http://schemas.openxmlformats.org/drawingml/2006/main" xmlns:r="http://schemas.openxmlformats.org/officeDocument/2006/relationships" xmlns:p="http://schemas.openxmlformats.org/presentationml/2006/main">
   <p:cSld>
     <p:spTree>
@@ -21685,7 +22016,7 @@
 </p:sld>
 </file>
 
-<file path=ppt/slides/slide35.xml><?xml version="1.0" encoding="utf-8"?>
+<file path=ppt/slides/slide36.xml><?xml version="1.0" encoding="utf-8"?>
 <p:sld xmlns:a="http://schemas.openxmlformats.org/drawingml/2006/main" xmlns:r="http://schemas.openxmlformats.org/officeDocument/2006/relationships" xmlns:p="http://schemas.openxmlformats.org/presentationml/2006/main">
   <p:cSld>
     <p:spTree>
@@ -21775,7 +22106,7 @@
           </a:ln>
           <a:extLst>
             <a:ext uri="{C572A759-6A51-4108-AA02-DFA0A04FC94B}">
-              <ma14:wrappingTextBoxFlag xmlns:ma14="http://schemas.microsoft.com/office/mac/drawingml/2011/main" xmlns="" val="1"/>
+              <ma14:wrappingTextBoxFlag xmlns="" xmlns:ma14="http://schemas.microsoft.com/office/mac/drawingml/2011/main" val="1"/>
             </a:ext>
           </a:extLst>
         </p:spPr>
@@ -21815,7 +22146,7 @@
           </a:ln>
           <a:extLst>
             <a:ext uri="{C572A759-6A51-4108-AA02-DFA0A04FC94B}">
-              <ma14:wrappingTextBoxFlag xmlns:ma14="http://schemas.microsoft.com/office/mac/drawingml/2011/main" xmlns="" val="1"/>
+              <ma14:wrappingTextBoxFlag xmlns="" xmlns:ma14="http://schemas.microsoft.com/office/mac/drawingml/2011/main" val="1"/>
             </a:ext>
           </a:extLst>
         </p:spPr>
@@ -21850,7 +22181,7 @@
 </p:sld>
 </file>
 
-<file path=ppt/slides/slide36.xml><?xml version="1.0" encoding="utf-8"?>
+<file path=ppt/slides/slide37.xml><?xml version="1.0" encoding="utf-8"?>
 <p:sld xmlns:a="http://schemas.openxmlformats.org/drawingml/2006/main" xmlns:r="http://schemas.openxmlformats.org/officeDocument/2006/relationships" xmlns:p="http://schemas.openxmlformats.org/presentationml/2006/main">
   <p:cSld>
     <p:spTree>
@@ -22009,7 +22340,7 @@
 </p:sld>
 </file>
 
-<file path=ppt/slides/slide37.xml><?xml version="1.0" encoding="utf-8"?>
+<file path=ppt/slides/slide38.xml><?xml version="1.0" encoding="utf-8"?>
 <p:sld xmlns:a="http://schemas.openxmlformats.org/drawingml/2006/main" xmlns:r="http://schemas.openxmlformats.org/officeDocument/2006/relationships" xmlns:p="http://schemas.openxmlformats.org/presentationml/2006/main">
   <p:cSld>
     <p:spTree>
@@ -22155,17 +22486,10 @@
   <p:clrMapOvr>
     <a:masterClrMapping/>
   </p:clrMapOvr>
-  <p:timing>
-    <p:tnLst>
-      <p:par>
-        <p:cTn id="1" dur="indefinite" restart="never" nodeType="tmRoot"/>
-      </p:par>
-    </p:tnLst>
-  </p:timing>
 </p:sld>
 </file>
 
-<file path=ppt/slides/slide38.xml><?xml version="1.0" encoding="utf-8"?>
+<file path=ppt/slides/slide39.xml><?xml version="1.0" encoding="utf-8"?>
 <p:sld xmlns:a="http://schemas.openxmlformats.org/drawingml/2006/main" xmlns:r="http://schemas.openxmlformats.org/officeDocument/2006/relationships" xmlns:p="http://schemas.openxmlformats.org/presentationml/2006/main">
   <p:cSld>
     <p:spTree>
@@ -22670,17 +22994,107 @@
   <p:clrMapOvr>
     <a:masterClrMapping/>
   </p:clrMapOvr>
-  <p:timing>
-    <p:tnLst>
-      <p:par>
-        <p:cTn id="1" dur="indefinite" restart="never" nodeType="tmRoot"/>
-      </p:par>
-    </p:tnLst>
-  </p:timing>
 </p:sld>
 </file>
 
-<file path=ppt/slides/slide39.xml><?xml version="1.0" encoding="utf-8"?>
+<file path=ppt/slides/slide4.xml><?xml version="1.0" encoding="utf-8"?>
+<p:sld xmlns:a="http://schemas.openxmlformats.org/drawingml/2006/main" xmlns:r="http://schemas.openxmlformats.org/officeDocument/2006/relationships" xmlns:p="http://schemas.openxmlformats.org/presentationml/2006/main">
+  <p:cSld>
+    <p:spTree>
+      <p:nvGrpSpPr>
+        <p:cNvPr id="1" name=""/>
+        <p:cNvGrpSpPr/>
+        <p:nvPr/>
+      </p:nvGrpSpPr>
+      <p:grpSpPr>
+        <a:xfrm>
+          <a:off x="0" y="0"/>
+          <a:ext cx="0" cy="0"/>
+          <a:chOff x="0" y="0"/>
+          <a:chExt cx="0" cy="0"/>
+        </a:xfrm>
+      </p:grpSpPr>
+      <p:sp>
+        <p:nvSpPr>
+          <p:cNvPr id="2" name="Title 1"/>
+          <p:cNvSpPr>
+            <a:spLocks noGrp="1"/>
+          </p:cNvSpPr>
+          <p:nvPr>
+            <p:ph type="title"/>
+          </p:nvPr>
+        </p:nvSpPr>
+        <p:spPr/>
+        <p:txBody>
+          <a:bodyPr/>
+          <a:lstStyle/>
+          <a:p>
+            <a:r>
+              <a:rPr lang="en-US" dirty="0"/>
+              <a:t>What is a feature?</a:t>
+            </a:r>
+          </a:p>
+        </p:txBody>
+      </p:sp>
+      <p:sp>
+        <p:nvSpPr>
+          <p:cNvPr id="3" name="Content Placeholder 2"/>
+          <p:cNvSpPr>
+            <a:spLocks noGrp="1"/>
+          </p:cNvSpPr>
+          <p:nvPr>
+            <p:ph idx="1"/>
+          </p:nvPr>
+        </p:nvSpPr>
+        <p:spPr/>
+        <p:txBody>
+          <a:bodyPr/>
+          <a:lstStyle/>
+          <a:p>
+            <a:r>
+              <a:rPr lang="en-US" dirty="0"/>
+              <a:t>There is no universal or exact definition of what constitutes a feature, and the exact definition often depends on the problem or the type of application. Given that, a feature is defined as an </a:t>
+            </a:r>
+            <a:r>
+              <a:rPr lang="en-US" b="1" dirty="0"/>
+              <a:t>"interesting" </a:t>
+            </a:r>
+            <a:r>
+              <a:rPr lang="en-US" dirty="0"/>
+              <a:t>part of an image.</a:t>
+            </a:r>
+          </a:p>
+          <a:p>
+            <a:pPr lvl="1"/>
+            <a:r>
+              <a:rPr lang="en-US" dirty="0"/>
+              <a:t>[from: </a:t>
+            </a:r>
+            <a:r>
+              <a:rPr lang="en-US" dirty="0" err="1"/>
+              <a:t>wikipedia</a:t>
+            </a:r>
+            <a:r>
+              <a:rPr lang="en-US" dirty="0"/>
+              <a:t>]</a:t>
+            </a:r>
+          </a:p>
+        </p:txBody>
+      </p:sp>
+    </p:spTree>
+    <p:extLst>
+      <p:ext uri="{BB962C8B-B14F-4D97-AF65-F5344CB8AC3E}">
+        <p14:creationId xmlns:p14="http://schemas.microsoft.com/office/powerpoint/2010/main" val="2213808971"/>
+      </p:ext>
+    </p:extLst>
+  </p:cSld>
+  <p:clrMapOvr>
+    <a:masterClrMapping/>
+  </p:clrMapOvr>
+</p:sld>
+</file>
+
+<file path=ppt/slides/slide40.xml><?xml version="1.0" encoding="utf-8"?>
 <p:sld xmlns:a="http://schemas.openxmlformats.org/drawingml/2006/main" xmlns:r="http://schemas.openxmlformats.org/officeDocument/2006/relationships" xmlns:p="http://schemas.openxmlformats.org/presentationml/2006/main">
   <p:cSld>
     <p:spTree>
@@ -22905,110 +23319,6 @@
   <p:clrMapOvr>
     <a:masterClrMapping/>
   </p:clrMapOvr>
-  <p:timing>
-    <p:tnLst>
-      <p:par>
-        <p:cTn id="1" dur="indefinite" restart="never" nodeType="tmRoot"/>
-      </p:par>
-    </p:tnLst>
-  </p:timing>
-</p:sld>
-</file>
-
-<file path=ppt/slides/slide4.xml><?xml version="1.0" encoding="utf-8"?>
-<p:sld xmlns:a="http://schemas.openxmlformats.org/drawingml/2006/main" xmlns:r="http://schemas.openxmlformats.org/officeDocument/2006/relationships" xmlns:p="http://schemas.openxmlformats.org/presentationml/2006/main">
-  <p:cSld>
-    <p:spTree>
-      <p:nvGrpSpPr>
-        <p:cNvPr id="1" name=""/>
-        <p:cNvGrpSpPr/>
-        <p:nvPr/>
-      </p:nvGrpSpPr>
-      <p:grpSpPr>
-        <a:xfrm>
-          <a:off x="0" y="0"/>
-          <a:ext cx="0" cy="0"/>
-          <a:chOff x="0" y="0"/>
-          <a:chExt cx="0" cy="0"/>
-        </a:xfrm>
-      </p:grpSpPr>
-      <p:sp>
-        <p:nvSpPr>
-          <p:cNvPr id="2" name="Title 1"/>
-          <p:cNvSpPr>
-            <a:spLocks noGrp="1"/>
-          </p:cNvSpPr>
-          <p:nvPr>
-            <p:ph type="title"/>
-          </p:nvPr>
-        </p:nvSpPr>
-        <p:spPr/>
-        <p:txBody>
-          <a:bodyPr/>
-          <a:lstStyle/>
-          <a:p>
-            <a:r>
-              <a:rPr lang="en-US" dirty="0"/>
-              <a:t>What is a feature?</a:t>
-            </a:r>
-          </a:p>
-        </p:txBody>
-      </p:sp>
-      <p:sp>
-        <p:nvSpPr>
-          <p:cNvPr id="3" name="Content Placeholder 2"/>
-          <p:cNvSpPr>
-            <a:spLocks noGrp="1"/>
-          </p:cNvSpPr>
-          <p:nvPr>
-            <p:ph idx="1"/>
-          </p:nvPr>
-        </p:nvSpPr>
-        <p:spPr/>
-        <p:txBody>
-          <a:bodyPr/>
-          <a:lstStyle/>
-          <a:p>
-            <a:r>
-              <a:rPr lang="en-US" dirty="0"/>
-              <a:t>There is no universal or exact definition of what constitutes a feature, and the exact definition often depends on the problem or the type of application. Given that, a feature is defined as an </a:t>
-            </a:r>
-            <a:r>
-              <a:rPr lang="en-US" b="1" dirty="0"/>
-              <a:t>"interesting" </a:t>
-            </a:r>
-            <a:r>
-              <a:rPr lang="en-US" dirty="0"/>
-              <a:t>part of an image.</a:t>
-            </a:r>
-          </a:p>
-          <a:p>
-            <a:pPr lvl="1"/>
-            <a:r>
-              <a:rPr lang="en-US" dirty="0"/>
-              <a:t>[from: </a:t>
-            </a:r>
-            <a:r>
-              <a:rPr lang="en-US" dirty="0" err="1"/>
-              <a:t>wikipedia</a:t>
-            </a:r>
-            <a:r>
-              <a:rPr lang="en-US" dirty="0"/>
-              <a:t>]</a:t>
-            </a:r>
-          </a:p>
-        </p:txBody>
-      </p:sp>
-    </p:spTree>
-    <p:extLst>
-      <p:ext uri="{BB962C8B-B14F-4D97-AF65-F5344CB8AC3E}">
-        <p14:creationId xmlns:p14="http://schemas.microsoft.com/office/powerpoint/2010/main" val="2213808971"/>
-      </p:ext>
-    </p:extLst>
-  </p:cSld>
-  <p:clrMapOvr>
-    <a:masterClrMapping/>
-  </p:clrMapOvr>
 </p:sld>
 </file>
 
@@ -23092,7 +23402,7 @@
           <a:graphicData uri="http://schemas.openxmlformats.org/presentationml/2006/ole">
             <mc:AlternateContent xmlns:mc="http://schemas.openxmlformats.org/markup-compatibility/2006">
               <mc:Choice xmlns:v="urn:schemas-microsoft-com:vml" Requires="v">
-                <p:oleObj spid="_x0000_s1039" name="CorelPhotoPaint.Image.8" r:id="rId3" imgW="3796825" imgH="4507937" progId="">
+                <p:oleObj spid="_x0000_s1044" name="CorelPhotoPaint.Image.8" r:id="rId3" imgW="3796825" imgH="4507937" progId="">
                   <p:embed/>
                 </p:oleObj>
               </mc:Choice>
@@ -23478,29 +23788,20 @@
               <a:rPr lang="en-US" sz="2400" dirty="0">
                 <a:latin typeface="Arial" charset="0"/>
               </a:rPr>
-              <a:t>Identify the interest </a:t>
-            </a:r>
-            <a:r>
-              <a:rPr lang="en-US" sz="2400" dirty="0" smtClean="0">
-                <a:latin typeface="Arial" charset="0"/>
-              </a:rPr>
-              <a:t>points (also called </a:t>
-            </a:r>
-            <a:r>
-              <a:rPr lang="en-US" sz="2400" b="1" dirty="0" err="1" smtClean="0">
+              <a:t>Identify the interest points (also called </a:t>
+            </a:r>
+            <a:r>
+              <a:rPr lang="en-US" sz="2400" b="1" dirty="0" err="1">
                 <a:latin typeface="Arial" charset="0"/>
               </a:rPr>
               <a:t>keypoints</a:t>
             </a:r>
             <a:r>
-              <a:rPr lang="en-US" sz="2400" dirty="0" smtClean="0">
+              <a:rPr lang="en-US" sz="2400" dirty="0">
                 <a:latin typeface="Arial" charset="0"/>
               </a:rPr>
               <a:t>).</a:t>
             </a:r>
-            <a:endParaRPr lang="en-US" sz="2400" dirty="0">
-              <a:latin typeface="Arial" charset="0"/>
-            </a:endParaRPr>
           </a:p>
           <a:p>
             <a:pPr marL="514350" indent="-514350" eaLnBrk="1" hangingPunct="1">
@@ -23525,25 +23826,7 @@
               <a:buFontTx/>
               <a:buAutoNum type="arabicParenR"/>
             </a:pPr>
-            <a:endParaRPr lang="en-US" sz="1000" dirty="0" smtClean="0">
-              <a:latin typeface="Arial" charset="0"/>
-            </a:endParaRPr>
-          </a:p>
-          <a:p>
-            <a:pPr marL="514350" indent="-514350" eaLnBrk="1" hangingPunct="1">
-              <a:buFontTx/>
-              <a:buAutoNum type="arabicParenR"/>
-            </a:pPr>
-            <a:endParaRPr lang="en-US" sz="1000" dirty="0" smtClean="0">
-              <a:latin typeface="Arial" charset="0"/>
-            </a:endParaRPr>
-          </a:p>
-          <a:p>
-            <a:pPr marL="514350" indent="-514350" eaLnBrk="1" hangingPunct="1">
-              <a:buFontTx/>
-              <a:buAutoNum type="arabicParenR"/>
-            </a:pPr>
-            <a:endParaRPr lang="en-US" sz="1000" dirty="0" smtClean="0">
+            <a:endParaRPr lang="en-US" sz="1000" dirty="0">
               <a:latin typeface="Arial" charset="0"/>
             </a:endParaRPr>
           </a:p>
@@ -23570,18 +23853,9 @@
               <a:buFontTx/>
               <a:buAutoNum type="arabicParenR"/>
             </a:pPr>
-            <a:r>
-              <a:rPr lang="en-US" sz="2800" dirty="0">
-                <a:latin typeface="Arial" charset="0"/>
-              </a:rPr>
-              <a:t>Description</a:t>
-            </a:r>
-            <a:r>
-              <a:rPr lang="en-US" sz="2400" dirty="0">
-                <a:latin typeface="Arial" charset="0"/>
-              </a:rPr>
-              <a:t>: Extract vector feature descriptor surrounding each interest point.</a:t>
-            </a:r>
+            <a:endParaRPr lang="en-US" sz="1000" dirty="0">
+              <a:latin typeface="Arial" charset="0"/>
+            </a:endParaRPr>
           </a:p>
           <a:p>
             <a:pPr marL="514350" indent="-514350" eaLnBrk="1" hangingPunct="1">
@@ -23597,7 +23871,34 @@
               <a:buFontTx/>
               <a:buAutoNum type="arabicParenR"/>
             </a:pPr>
-            <a:endParaRPr lang="en-US" sz="1000" dirty="0" smtClean="0">
+            <a:r>
+              <a:rPr lang="en-US" sz="2800" dirty="0">
+                <a:latin typeface="Arial" charset="0"/>
+              </a:rPr>
+              <a:t>Description</a:t>
+            </a:r>
+            <a:r>
+              <a:rPr lang="en-US" sz="2400" dirty="0">
+                <a:latin typeface="Arial" charset="0"/>
+              </a:rPr>
+              <a:t>: Extract vector feature descriptor surrounding each interest point.</a:t>
+            </a:r>
+          </a:p>
+          <a:p>
+            <a:pPr marL="514350" indent="-514350" eaLnBrk="1" hangingPunct="1">
+              <a:buFontTx/>
+              <a:buAutoNum type="arabicParenR"/>
+            </a:pPr>
+            <a:endParaRPr lang="en-US" sz="1000" dirty="0">
+              <a:latin typeface="Arial" charset="0"/>
+            </a:endParaRPr>
+          </a:p>
+          <a:p>
+            <a:pPr marL="514350" indent="-514350" eaLnBrk="1" hangingPunct="1">
+              <a:buFontTx/>
+              <a:buAutoNum type="arabicParenR"/>
+            </a:pPr>
+            <a:endParaRPr lang="en-US" sz="1000" dirty="0">
               <a:latin typeface="Arial" charset="0"/>
             </a:endParaRPr>
           </a:p>
@@ -23797,7 +24098,7 @@
             <a:graphicData uri="http://schemas.openxmlformats.org/presentationml/2006/ole">
               <mc:AlternateContent xmlns:mc="http://schemas.openxmlformats.org/markup-compatibility/2006">
                 <mc:Choice xmlns:v="urn:schemas-microsoft-com:vml" Requires="v">
-                  <p:oleObj spid="_x0000_s2058" name="Equation" r:id="rId5" imgW="1066800" imgH="241300" progId="Equation.3">
+                  <p:oleObj spid="_x0000_s2068" name="Equation" r:id="rId5" imgW="1066800" imgH="241300" progId="Equation.3">
                     <p:embed/>
                   </p:oleObj>
                 </mc:Choice>
@@ -23933,7 +24234,7 @@
             <a:graphicData uri="http://schemas.openxmlformats.org/presentationml/2006/ole">
               <mc:AlternateContent xmlns:mc="http://schemas.openxmlformats.org/markup-compatibility/2006">
                 <mc:Choice xmlns:v="urn:schemas-microsoft-com:vml" Requires="v">
-                  <p:oleObj spid="_x0000_s2059" name="Equation" r:id="rId7" imgW="1117600" imgH="241300" progId="Equation.3">
+                  <p:oleObj spid="_x0000_s2069" name="Equation" r:id="rId7" imgW="1117600" imgH="241300" progId="Equation.3">
                     <p:embed/>
                   </p:oleObj>
                 </mc:Choice>
@@ -24308,13 +24609,6 @@
   <p:clrMapOvr>
     <a:masterClrMapping/>
   </p:clrMapOvr>
-  <p:timing>
-    <p:tnLst>
-      <p:par>
-        <p:cTn id="1" dur="indefinite" restart="never" nodeType="tmRoot"/>
-      </p:par>
-    </p:tnLst>
-  </p:timing>
 </p:sld>
 </file>
 
@@ -24351,10 +24645,9 @@
           <a:lstStyle/>
           <a:p>
             <a:r>
-              <a:rPr lang="en-US" dirty="0" smtClean="0"/>
+              <a:rPr lang="en-US" dirty="0"/>
               <a:t>detection</a:t>
             </a:r>
-            <a:endParaRPr lang="en-US" dirty="0"/>
           </a:p>
         </p:txBody>
       </p:sp>
@@ -24423,10 +24716,9 @@
           <a:lstStyle/>
           <a:p>
             <a:r>
-              <a:rPr lang="en-US" dirty="0" smtClean="0"/>
+              <a:rPr lang="en-US" dirty="0"/>
               <a:t>Global detection</a:t>
             </a:r>
-            <a:endParaRPr lang="en-US" dirty="0"/>
           </a:p>
         </p:txBody>
       </p:sp>
@@ -24446,10 +24738,9 @@
           <a:lstStyle/>
           <a:p>
             <a:r>
-              <a:rPr lang="en-US" dirty="0" smtClean="0"/>
+              <a:rPr lang="en-US" dirty="0"/>
               <a:t>Template matching</a:t>
             </a:r>
-            <a:endParaRPr lang="en-US" dirty="0"/>
           </a:p>
         </p:txBody>
       </p:sp>
@@ -24503,7 +24794,7 @@
               <a:t>Advantages of local </a:t>
             </a:r>
             <a:r>
-              <a:rPr lang="en-US" dirty="0" err="1" smtClean="0"/>
+              <a:rPr lang="en-US" dirty="0" err="1"/>
               <a:t>keypoints</a:t>
             </a:r>
             <a:endParaRPr lang="en-US" dirty="0"/>
@@ -24538,10 +24829,9 @@
               <a:buNone/>
             </a:pPr>
             <a:r>
-              <a:rPr lang="en-US" dirty="0" smtClean="0"/>
+              <a:rPr lang="en-US" dirty="0"/>
               <a:t>Locality:</a:t>
             </a:r>
-            <a:endParaRPr lang="en-US" dirty="0"/>
           </a:p>
           <a:p>
             <a:pPr lvl="1">
@@ -24569,10 +24859,9 @@
               <a:buNone/>
             </a:pPr>
             <a:r>
-              <a:rPr lang="en-US" dirty="0" smtClean="0"/>
+              <a:rPr lang="en-US" dirty="0"/>
               <a:t>Quantity:</a:t>
             </a:r>
-            <a:endParaRPr lang="en-US" dirty="0"/>
           </a:p>
           <a:p>
             <a:pPr lvl="1">

--- a/c_08_features/features.pptx
+++ b/c_08_features/features.pptx
@@ -204,7 +204,7 @@
       </p14:sectionLst>
     </p:ext>
     <p:ext uri="{EFAFB233-063F-42B5-8137-9DF3F51BA10A}">
-      <p15:sldGuideLst xmlns:p15="http://schemas.microsoft.com/office/powerpoint/2012/main" xmlns="">
+      <p15:sldGuideLst xmlns:p15="http://schemas.microsoft.com/office/powerpoint/2012/main">
         <p15:guide id="1" orient="horz" pos="2160">
           <p15:clr>
             <a:srgbClr val="A4A3A4"/>
@@ -308,7 +308,7 @@
           <a:p>
             <a:fld id="{12474718-754F-4E07-9605-F6005C29891E}" type="datetimeFigureOut">
               <a:rPr lang="en-US" smtClean="0"/>
-              <a:t>13-Nov-19</a:t>
+              <a:t>16-Nov-19</a:t>
             </a:fld>
             <a:endParaRPr lang="en-US"/>
           </a:p>
@@ -1167,407 +1167,406 @@
           <a:lstStyle/>
           <a:p>
             <a:r>
-              <a:rPr lang="en-US" dirty="0" smtClean="0"/>
+              <a:rPr lang="en-US" dirty="0"/>
               <a:t>\begin{align}</a:t>
             </a:r>
           </a:p>
           <a:p>
             <a:r>
-              <a:rPr lang="en-US" dirty="0" smtClean="0"/>
+              <a:rPr lang="en-US" dirty="0"/>
               <a:t>\</a:t>
             </a:r>
             <a:r>
-              <a:rPr lang="en-US" dirty="0" err="1" smtClean="0"/>
+              <a:rPr lang="en-US" dirty="0" err="1"/>
               <a:t>operatorname</a:t>
             </a:r>
             <a:r>
-              <a:rPr lang="en-US" dirty="0" smtClean="0"/>
+              <a:rPr lang="en-US" dirty="0"/>
               <a:t>{</a:t>
             </a:r>
             <a:r>
-              <a:rPr lang="en-US" dirty="0" err="1" smtClean="0"/>
+              <a:rPr lang="en-US" dirty="0" err="1"/>
               <a:t>Cov</a:t>
             </a:r>
             <a:r>
-              <a:rPr lang="en-US" dirty="0" smtClean="0"/>
+              <a:rPr lang="en-US" dirty="0"/>
               <a:t>}(X,Y) &amp;= \</a:t>
             </a:r>
             <a:r>
-              <a:rPr lang="en-US" dirty="0" err="1" smtClean="0"/>
+              <a:rPr lang="en-US" dirty="0" err="1"/>
               <a:t>operatorname</a:t>
             </a:r>
             <a:r>
-              <a:rPr lang="en-US" dirty="0" smtClean="0"/>
+              <a:rPr lang="en-US" dirty="0"/>
               <a:t>{E}\left[(X - \</a:t>
             </a:r>
             <a:r>
-              <a:rPr lang="en-US" dirty="0" err="1" smtClean="0"/>
+              <a:rPr lang="en-US" dirty="0" err="1"/>
               <a:t>operatorname</a:t>
             </a:r>
             <a:r>
-              <a:rPr lang="en-US" dirty="0" smtClean="0"/>
+              <a:rPr lang="en-US" dirty="0"/>
               <a:t>{E}[X])(Y - \</a:t>
             </a:r>
             <a:r>
-              <a:rPr lang="en-US" dirty="0" err="1" smtClean="0"/>
+              <a:rPr lang="en-US" dirty="0" err="1"/>
               <a:t>operatorname</a:t>
             </a:r>
             <a:r>
-              <a:rPr lang="en-US" dirty="0" smtClean="0"/>
+              <a:rPr lang="en-US" dirty="0"/>
               <a:t>{E}[Y])\right] \</a:t>
             </a:r>
             <a:r>
-              <a:rPr lang="en-US" dirty="0" err="1" smtClean="0"/>
+              <a:rPr lang="en-US" dirty="0" err="1"/>
               <a:t>nonumber</a:t>
             </a:r>
             <a:r>
-              <a:rPr lang="en-US" dirty="0" smtClean="0"/>
+              <a:rPr lang="en-US" dirty="0"/>
               <a:t>\\</a:t>
             </a:r>
           </a:p>
           <a:p>
             <a:r>
-              <a:rPr lang="en-US" dirty="0" smtClean="0"/>
+              <a:rPr lang="en-US" dirty="0"/>
               <a:t>&amp;= \</a:t>
             </a:r>
             <a:r>
-              <a:rPr lang="en-US" dirty="0" err="1" smtClean="0"/>
+              <a:rPr lang="en-US" dirty="0" err="1"/>
               <a:t>operatorname</a:t>
             </a:r>
             <a:r>
-              <a:rPr lang="en-US" dirty="0" smtClean="0"/>
+              <a:rPr lang="en-US" dirty="0"/>
               <a:t>{E}\left[XY -X\</a:t>
             </a:r>
             <a:r>
-              <a:rPr lang="en-US" dirty="0" err="1" smtClean="0"/>
+              <a:rPr lang="en-US" dirty="0" err="1"/>
               <a:t>operatorname</a:t>
             </a:r>
             <a:r>
-              <a:rPr lang="en-US" dirty="0" smtClean="0"/>
+              <a:rPr lang="en-US" dirty="0"/>
               <a:t>{E}[Y] -Y\</a:t>
             </a:r>
             <a:r>
-              <a:rPr lang="en-US" dirty="0" err="1" smtClean="0"/>
+              <a:rPr lang="en-US" dirty="0" err="1"/>
               <a:t>operatorname</a:t>
             </a:r>
             <a:r>
-              <a:rPr lang="en-US" dirty="0" smtClean="0"/>
+              <a:rPr lang="en-US" dirty="0"/>
               <a:t>{E}[X] + \</a:t>
             </a:r>
             <a:r>
-              <a:rPr lang="en-US" dirty="0" err="1" smtClean="0"/>
+              <a:rPr lang="en-US" dirty="0" err="1"/>
               <a:t>operatorname</a:t>
             </a:r>
             <a:r>
-              <a:rPr lang="en-US" dirty="0" smtClean="0"/>
+              <a:rPr lang="en-US" dirty="0"/>
               <a:t>{E}[X]\</a:t>
             </a:r>
             <a:r>
-              <a:rPr lang="en-US" dirty="0" err="1" smtClean="0"/>
+              <a:rPr lang="en-US" dirty="0" err="1"/>
               <a:t>operatorname</a:t>
             </a:r>
             <a:r>
-              <a:rPr lang="en-US" dirty="0" smtClean="0"/>
+              <a:rPr lang="en-US" dirty="0"/>
               <a:t>{E}[Y]\right] \</a:t>
             </a:r>
             <a:r>
-              <a:rPr lang="en-US" dirty="0" err="1" smtClean="0"/>
+              <a:rPr lang="en-US" dirty="0" err="1"/>
               <a:t>nonumber</a:t>
             </a:r>
             <a:r>
-              <a:rPr lang="en-US" dirty="0" smtClean="0"/>
+              <a:rPr lang="en-US" dirty="0"/>
               <a:t>\\</a:t>
             </a:r>
           </a:p>
           <a:p>
             <a:r>
-              <a:rPr lang="en-US" dirty="0" smtClean="0"/>
+              <a:rPr lang="en-US" dirty="0"/>
               <a:t>&amp;= \</a:t>
             </a:r>
             <a:r>
-              <a:rPr lang="en-US" dirty="0" err="1" smtClean="0"/>
+              <a:rPr lang="en-US" dirty="0" err="1"/>
               <a:t>operatorname</a:t>
             </a:r>
             <a:r>
-              <a:rPr lang="en-US" dirty="0" smtClean="0"/>
+              <a:rPr lang="en-US" dirty="0"/>
               <a:t>{E}\left[XY\right] - 2\</a:t>
             </a:r>
             <a:r>
-              <a:rPr lang="en-US" dirty="0" err="1" smtClean="0"/>
+              <a:rPr lang="en-US" dirty="0" err="1"/>
               <a:t>operatorname</a:t>
             </a:r>
             <a:r>
-              <a:rPr lang="en-US" dirty="0" smtClean="0"/>
+              <a:rPr lang="en-US" dirty="0"/>
               <a:t>{E}[X]\</a:t>
             </a:r>
             <a:r>
-              <a:rPr lang="en-US" dirty="0" err="1" smtClean="0"/>
+              <a:rPr lang="en-US" dirty="0" err="1"/>
               <a:t>operatorname</a:t>
             </a:r>
             <a:r>
-              <a:rPr lang="en-US" dirty="0" smtClean="0"/>
+              <a:rPr lang="en-US" dirty="0"/>
               <a:t>{E}[Y] + \</a:t>
             </a:r>
             <a:r>
-              <a:rPr lang="en-US" dirty="0" err="1" smtClean="0"/>
+              <a:rPr lang="en-US" dirty="0" err="1"/>
               <a:t>operatorname</a:t>
             </a:r>
             <a:r>
-              <a:rPr lang="en-US" dirty="0" smtClean="0"/>
+              <a:rPr lang="en-US" dirty="0"/>
               <a:t>{E}[X]\</a:t>
             </a:r>
             <a:r>
-              <a:rPr lang="en-US" dirty="0" err="1" smtClean="0"/>
+              <a:rPr lang="en-US" dirty="0" err="1"/>
               <a:t>operatorname</a:t>
             </a:r>
             <a:r>
-              <a:rPr lang="en-US" dirty="0" smtClean="0"/>
+              <a:rPr lang="en-US" dirty="0"/>
               <a:t>{E}[Y] \</a:t>
             </a:r>
             <a:r>
-              <a:rPr lang="en-US" dirty="0" err="1" smtClean="0"/>
+              <a:rPr lang="en-US" dirty="0" err="1"/>
               <a:t>nonumber</a:t>
             </a:r>
             <a:r>
-              <a:rPr lang="en-US" dirty="0" smtClean="0"/>
+              <a:rPr lang="en-US" dirty="0"/>
               <a:t>\\</a:t>
             </a:r>
           </a:p>
           <a:p>
             <a:r>
-              <a:rPr lang="en-US" dirty="0" smtClean="0"/>
+              <a:rPr lang="en-US" dirty="0"/>
               <a:t>&amp;= \</a:t>
             </a:r>
             <a:r>
-              <a:rPr lang="en-US" dirty="0" err="1" smtClean="0"/>
+              <a:rPr lang="en-US" dirty="0" err="1"/>
               <a:t>operatorname</a:t>
             </a:r>
             <a:r>
-              <a:rPr lang="en-US" dirty="0" smtClean="0"/>
+              <a:rPr lang="en-US" dirty="0"/>
               <a:t>{E}\left[XY\right] -\</a:t>
             </a:r>
             <a:r>
-              <a:rPr lang="en-US" dirty="0" err="1" smtClean="0"/>
+              <a:rPr lang="en-US" dirty="0" err="1"/>
               <a:t>operatorname</a:t>
             </a:r>
             <a:r>
-              <a:rPr lang="en-US" dirty="0" smtClean="0"/>
+              <a:rPr lang="en-US" dirty="0"/>
               <a:t>{E}[X]\</a:t>
             </a:r>
             <a:r>
-              <a:rPr lang="en-US" dirty="0" err="1" smtClean="0"/>
+              <a:rPr lang="en-US" dirty="0" err="1"/>
               <a:t>operatorname</a:t>
             </a:r>
             <a:r>
-              <a:rPr lang="en-US" dirty="0" smtClean="0"/>
+              <a:rPr lang="en-US" dirty="0"/>
               <a:t>{E}[Y]  \</a:t>
             </a:r>
             <a:r>
-              <a:rPr lang="en-US" dirty="0" err="1" smtClean="0"/>
+              <a:rPr lang="en-US" dirty="0" err="1"/>
               <a:t>nonumber</a:t>
             </a:r>
-            <a:endParaRPr lang="en-US" dirty="0" smtClean="0"/>
+            <a:endParaRPr lang="en-US" dirty="0"/>
           </a:p>
           <a:p>
             <a:r>
-              <a:rPr lang="en-US" dirty="0" smtClean="0"/>
+              <a:rPr lang="en-US" dirty="0"/>
               <a:t>\end{align}</a:t>
             </a:r>
           </a:p>
           <a:p>
-            <a:endParaRPr lang="en-US" dirty="0" smtClean="0"/>
+            <a:endParaRPr lang="en-US" dirty="0"/>
           </a:p>
           <a:p>
             <a:r>
-              <a:rPr lang="en-US" dirty="0" smtClean="0"/>
+              <a:rPr lang="en-US" dirty="0"/>
               <a:t>=================================</a:t>
             </a:r>
           </a:p>
           <a:p>
-            <a:endParaRPr lang="en-US" dirty="0" smtClean="0"/>
+            <a:endParaRPr lang="en-US" dirty="0"/>
           </a:p>
           <a:p>
             <a:r>
-              <a:rPr lang="en-US" dirty="0" smtClean="0"/>
+              <a:rPr lang="en-US" dirty="0"/>
               <a:t>\</a:t>
             </a:r>
             <a:r>
-              <a:rPr lang="en-US" dirty="0" err="1" smtClean="0"/>
+              <a:rPr lang="en-US" dirty="0" err="1"/>
               <a:t>operatorname</a:t>
             </a:r>
             <a:r>
-              <a:rPr lang="en-US" dirty="0" smtClean="0"/>
+              <a:rPr lang="en-US" dirty="0"/>
               <a:t>{K}_{\</a:t>
             </a:r>
             <a:r>
-              <a:rPr lang="en-US" dirty="0" err="1" smtClean="0"/>
+              <a:rPr lang="en-US" dirty="0" err="1"/>
               <a:t>mathbf</a:t>
             </a:r>
             <a:r>
-              <a:rPr lang="en-US" dirty="0" smtClean="0"/>
+              <a:rPr lang="en-US" dirty="0"/>
               <a:t>{X}\</a:t>
             </a:r>
             <a:r>
-              <a:rPr lang="en-US" dirty="0" err="1" smtClean="0"/>
+              <a:rPr lang="en-US" dirty="0" err="1"/>
               <a:t>mathbf</a:t>
             </a:r>
             <a:r>
-              <a:rPr lang="en-US" dirty="0" smtClean="0"/>
+              <a:rPr lang="en-US" dirty="0"/>
               <a:t>{X}} = \</a:t>
             </a:r>
             <a:r>
-              <a:rPr lang="en-US" dirty="0" err="1" smtClean="0"/>
+              <a:rPr lang="en-US" dirty="0" err="1"/>
               <a:t>operatorname</a:t>
             </a:r>
             <a:r>
-              <a:rPr lang="en-US" dirty="0" smtClean="0"/>
+              <a:rPr lang="en-US" dirty="0"/>
               <a:t>{</a:t>
             </a:r>
             <a:r>
-              <a:rPr lang="en-US" dirty="0" err="1" smtClean="0"/>
+              <a:rPr lang="en-US" dirty="0" err="1"/>
               <a:t>cov</a:t>
             </a:r>
             <a:r>
-              <a:rPr lang="en-US" dirty="0" smtClean="0"/>
+              <a:rPr lang="en-US" dirty="0"/>
               <a:t>}[\</a:t>
             </a:r>
             <a:r>
-              <a:rPr lang="en-US" dirty="0" err="1" smtClean="0"/>
+              <a:rPr lang="en-US" dirty="0" err="1"/>
               <a:t>mathbf</a:t>
             </a:r>
             <a:r>
-              <a:rPr lang="en-US" dirty="0" smtClean="0"/>
+              <a:rPr lang="en-US" dirty="0"/>
               <a:t>{X},\</a:t>
             </a:r>
             <a:r>
-              <a:rPr lang="en-US" dirty="0" err="1" smtClean="0"/>
+              <a:rPr lang="en-US" dirty="0" err="1"/>
               <a:t>mathbf</a:t>
             </a:r>
             <a:r>
-              <a:rPr lang="en-US" dirty="0" smtClean="0"/>
+              <a:rPr lang="en-US" dirty="0"/>
               <a:t>{Y}] = \</a:t>
             </a:r>
             <a:r>
-              <a:rPr lang="en-US" dirty="0" err="1" smtClean="0"/>
+              <a:rPr lang="en-US" dirty="0" err="1"/>
               <a:t>operatorname</a:t>
             </a:r>
             <a:r>
-              <a:rPr lang="en-US" dirty="0" smtClean="0"/>
+              <a:rPr lang="en-US" dirty="0"/>
               <a:t>{E}[(\</a:t>
             </a:r>
             <a:r>
-              <a:rPr lang="en-US" dirty="0" err="1" smtClean="0"/>
+              <a:rPr lang="en-US" dirty="0" err="1"/>
               <a:t>mathbf</a:t>
             </a:r>
             <a:r>
-              <a:rPr lang="en-US" dirty="0" smtClean="0"/>
+              <a:rPr lang="en-US" dirty="0"/>
               <a:t>{X}-\</a:t>
             </a:r>
             <a:r>
-              <a:rPr lang="en-US" dirty="0" err="1" smtClean="0"/>
+              <a:rPr lang="en-US" dirty="0" err="1"/>
               <a:t>mathbf</a:t>
             </a:r>
             <a:r>
-              <a:rPr lang="en-US" dirty="0" smtClean="0"/>
+              <a:rPr lang="en-US" dirty="0"/>
               <a:t>{\</a:t>
             </a:r>
             <a:r>
-              <a:rPr lang="en-US" dirty="0" err="1" smtClean="0"/>
+              <a:rPr lang="en-US" dirty="0" err="1"/>
               <a:t>mu_X</a:t>
             </a:r>
             <a:r>
-              <a:rPr lang="en-US" dirty="0" smtClean="0"/>
+              <a:rPr lang="en-US" dirty="0"/>
               <a:t>})(\</a:t>
             </a:r>
             <a:r>
-              <a:rPr lang="en-US" dirty="0" err="1" smtClean="0"/>
+              <a:rPr lang="en-US" dirty="0" err="1"/>
               <a:t>mathbf</a:t>
             </a:r>
             <a:r>
-              <a:rPr lang="en-US" dirty="0" smtClean="0"/>
+              <a:rPr lang="en-US" dirty="0"/>
               <a:t>{Y}-\</a:t>
             </a:r>
             <a:r>
-              <a:rPr lang="en-US" dirty="0" err="1" smtClean="0"/>
+              <a:rPr lang="en-US" dirty="0" err="1"/>
               <a:t>mathbf</a:t>
             </a:r>
             <a:r>
-              <a:rPr lang="en-US" dirty="0" smtClean="0"/>
+              <a:rPr lang="en-US" dirty="0"/>
               <a:t>{\</a:t>
             </a:r>
             <a:r>
-              <a:rPr lang="en-US" dirty="0" err="1" smtClean="0"/>
+              <a:rPr lang="en-US" dirty="0" err="1"/>
               <a:t>mu_Y</a:t>
             </a:r>
             <a:r>
-              <a:rPr lang="en-US" dirty="0" smtClean="0"/>
+              <a:rPr lang="en-US" dirty="0"/>
               <a:t>})^{\</a:t>
             </a:r>
             <a:r>
-              <a:rPr lang="en-US" dirty="0" err="1" smtClean="0"/>
+              <a:rPr lang="en-US" dirty="0" err="1"/>
               <a:t>rm</a:t>
             </a:r>
             <a:r>
-              <a:rPr lang="en-US" dirty="0" smtClean="0"/>
+              <a:rPr lang="en-US" dirty="0"/>
               <a:t> T}]= \</a:t>
             </a:r>
             <a:r>
-              <a:rPr lang="en-US" dirty="0" err="1" smtClean="0"/>
+              <a:rPr lang="en-US" dirty="0" err="1"/>
               <a:t>operatorname</a:t>
             </a:r>
             <a:r>
-              <a:rPr lang="en-US" dirty="0" smtClean="0"/>
+              <a:rPr lang="en-US" dirty="0"/>
               <a:t>{E}[\</a:t>
             </a:r>
             <a:r>
-              <a:rPr lang="en-US" dirty="0" err="1" smtClean="0"/>
+              <a:rPr lang="en-US" dirty="0" err="1"/>
               <a:t>mathbf</a:t>
             </a:r>
             <a:r>
-              <a:rPr lang="en-US" dirty="0" smtClean="0"/>
+              <a:rPr lang="en-US" dirty="0"/>
               <a:t>{X} \</a:t>
             </a:r>
             <a:r>
-              <a:rPr lang="en-US" dirty="0" err="1" smtClean="0"/>
+              <a:rPr lang="en-US" dirty="0" err="1"/>
               <a:t>mathbf</a:t>
             </a:r>
             <a:r>
-              <a:rPr lang="en-US" dirty="0" smtClean="0"/>
+              <a:rPr lang="en-US" dirty="0"/>
               <a:t>{Y}^T] - \</a:t>
             </a:r>
             <a:r>
-              <a:rPr lang="en-US" dirty="0" err="1" smtClean="0"/>
+              <a:rPr lang="en-US" dirty="0" err="1"/>
               <a:t>mathbf</a:t>
             </a:r>
             <a:r>
-              <a:rPr lang="en-US" dirty="0" smtClean="0"/>
+              <a:rPr lang="en-US" dirty="0"/>
               <a:t>{\</a:t>
             </a:r>
             <a:r>
-              <a:rPr lang="en-US" dirty="0" err="1" smtClean="0"/>
+              <a:rPr lang="en-US" dirty="0" err="1"/>
               <a:t>mu_X</a:t>
             </a:r>
             <a:r>
-              <a:rPr lang="en-US" dirty="0" smtClean="0"/>
+              <a:rPr lang="en-US" dirty="0"/>
               <a:t>}\</a:t>
             </a:r>
             <a:r>
-              <a:rPr lang="en-US" dirty="0" err="1" smtClean="0"/>
+              <a:rPr lang="en-US" dirty="0" err="1"/>
               <a:t>mathbf</a:t>
             </a:r>
             <a:r>
-              <a:rPr lang="en-US" dirty="0" smtClean="0"/>
+              <a:rPr lang="en-US" dirty="0"/>
               <a:t>{\</a:t>
             </a:r>
             <a:r>
-              <a:rPr lang="en-US" dirty="0" err="1" smtClean="0"/>
+              <a:rPr lang="en-US" dirty="0" err="1"/>
               <a:t>mu_Y</a:t>
             </a:r>
             <a:r>
-              <a:rPr lang="en-US" dirty="0" smtClean="0"/>
+              <a:rPr lang="en-US" dirty="0"/>
               <a:t>}^T</a:t>
             </a:r>
-            <a:endParaRPr lang="en-US" dirty="0"/>
           </a:p>
         </p:txBody>
       </p:sp>
@@ -2660,7 +2659,7 @@
           <a:p>
             <a:fld id="{1930E4BE-DC49-4C06-9EAD-5C882F80E0B2}" type="datetimeFigureOut">
               <a:rPr lang="en-US" smtClean="0"/>
-              <a:t>13-Nov-19</a:t>
+              <a:t>16-Nov-19</a:t>
             </a:fld>
             <a:endParaRPr lang="en-US"/>
           </a:p>
@@ -2838,7 +2837,7 @@
           <a:p>
             <a:fld id="{1930E4BE-DC49-4C06-9EAD-5C882F80E0B2}" type="datetimeFigureOut">
               <a:rPr lang="en-US" smtClean="0"/>
-              <a:t>13-Nov-19</a:t>
+              <a:t>16-Nov-19</a:t>
             </a:fld>
             <a:endParaRPr lang="en-US"/>
           </a:p>
@@ -3468,7 +3467,7 @@
           <a:p>
             <a:fld id="{1930E4BE-DC49-4C06-9EAD-5C882F80E0B2}" type="datetimeFigureOut">
               <a:rPr lang="en-US" smtClean="0"/>
-              <a:t>13-Nov-19</a:t>
+              <a:t>16-Nov-19</a:t>
             </a:fld>
             <a:endParaRPr lang="en-US"/>
           </a:p>
@@ -3713,7 +3712,7 @@
           <a:p>
             <a:fld id="{1930E4BE-DC49-4C06-9EAD-5C882F80E0B2}" type="datetimeFigureOut">
               <a:rPr lang="en-US" smtClean="0"/>
-              <a:t>13-Nov-19</a:t>
+              <a:t>16-Nov-19</a:t>
             </a:fld>
             <a:endParaRPr lang="en-US"/>
           </a:p>
@@ -3998,7 +3997,7 @@
           <a:p>
             <a:fld id="{1930E4BE-DC49-4C06-9EAD-5C882F80E0B2}" type="datetimeFigureOut">
               <a:rPr lang="en-US" smtClean="0"/>
-              <a:t>13-Nov-19</a:t>
+              <a:t>16-Nov-19</a:t>
             </a:fld>
             <a:endParaRPr lang="en-US"/>
           </a:p>
@@ -4417,7 +4416,7 @@
           <a:p>
             <a:fld id="{1930E4BE-DC49-4C06-9EAD-5C882F80E0B2}" type="datetimeFigureOut">
               <a:rPr lang="en-US" smtClean="0"/>
-              <a:t>13-Nov-19</a:t>
+              <a:t>16-Nov-19</a:t>
             </a:fld>
             <a:endParaRPr lang="en-US"/>
           </a:p>
@@ -4534,7 +4533,7 @@
           <a:p>
             <a:fld id="{1930E4BE-DC49-4C06-9EAD-5C882F80E0B2}" type="datetimeFigureOut">
               <a:rPr lang="en-US" smtClean="0"/>
-              <a:t>13-Nov-19</a:t>
+              <a:t>16-Nov-19</a:t>
             </a:fld>
             <a:endParaRPr lang="en-US"/>
           </a:p>
@@ -4629,7 +4628,7 @@
           <a:p>
             <a:fld id="{1930E4BE-DC49-4C06-9EAD-5C882F80E0B2}" type="datetimeFigureOut">
               <a:rPr lang="en-US" smtClean="0"/>
-              <a:t>13-Nov-19</a:t>
+              <a:t>16-Nov-19</a:t>
             </a:fld>
             <a:endParaRPr lang="en-US"/>
           </a:p>
@@ -4904,7 +4903,7 @@
           <a:p>
             <a:fld id="{1930E4BE-DC49-4C06-9EAD-5C882F80E0B2}" type="datetimeFigureOut">
               <a:rPr lang="en-US" smtClean="0"/>
-              <a:t>13-Nov-19</a:t>
+              <a:t>16-Nov-19</a:t>
             </a:fld>
             <a:endParaRPr lang="en-US"/>
           </a:p>
@@ -5156,7 +5155,7 @@
           <a:p>
             <a:fld id="{1930E4BE-DC49-4C06-9EAD-5C882F80E0B2}" type="datetimeFigureOut">
               <a:rPr lang="en-US" smtClean="0"/>
-              <a:t>13-Nov-19</a:t>
+              <a:t>16-Nov-19</a:t>
             </a:fld>
             <a:endParaRPr lang="en-US"/>
           </a:p>
@@ -5367,7 +5366,7 @@
           <a:p>
             <a:fld id="{1930E4BE-DC49-4C06-9EAD-5C882F80E0B2}" type="datetimeFigureOut">
               <a:rPr lang="en-US" smtClean="0"/>
-              <a:t>13-Nov-19</a:t>
+              <a:t>16-Nov-19</a:t>
             </a:fld>
             <a:endParaRPr lang="en-US"/>
           </a:p>
@@ -5791,7 +5790,7 @@
           <p:cNvPr id="4" name="Picture 8" descr="http://www.athoughtabroad.com/images/19.png">
             <a:extLst>
               <a:ext uri="{FF2B5EF4-FFF2-40B4-BE49-F238E27FC236}">
-                <a16:creationId xmlns:a16="http://schemas.microsoft.com/office/drawing/2014/main" xmlns="" id="{B81C0895-495C-4C3E-9EB1-6D8FCE5C75C6}"/>
+                <a16:creationId xmlns:a16="http://schemas.microsoft.com/office/drawing/2014/main" id="{B81C0895-495C-4C3E-9EB1-6D8FCE5C75C6}"/>
               </a:ext>
             </a:extLst>
           </p:cNvPr>
@@ -5902,13 +5901,8 @@
           <a:p>
             <a:r>
               <a:rPr lang="en-US" sz="2800" dirty="0"/>
-              <a:t>Suppose we only consider a small window of </a:t>
+              <a:t>Suppose we only consider a small window of pixels. </a:t>
             </a:r>
-            <a:r>
-              <a:rPr lang="en-US" sz="2800" dirty="0" smtClean="0"/>
-              <a:t>pixels. </a:t>
-            </a:r>
-            <a:endParaRPr lang="en-US" sz="2800" dirty="0"/>
           </a:p>
           <a:p>
             <a:pPr lvl="0"/>
@@ -7816,7 +7810,7 @@
           </a:ln>
           <a:extLst>
             <a:ext uri="{C572A759-6A51-4108-AA02-DFA0A04FC94B}">
-              <ma14:wrappingTextBoxFlag xmlns:ma14="http://schemas.microsoft.com/office/mac/drawingml/2011/main" xmlns="" val="1"/>
+              <ma14:wrappingTextBoxFlag xmlns="" xmlns:ma14="http://schemas.microsoft.com/office/mac/drawingml/2011/main" val="1"/>
             </a:ext>
           </a:extLst>
         </p:spPr>
@@ -7837,25 +7831,8 @@
                 <a:latin typeface="Helvetica Light"/>
                 <a:sym typeface="Helvetica Light"/>
               </a:rPr>
-              <a:t>1. Compute image gradients over a small </a:t>
+              <a:t>1. Compute image gradients over a small region</a:t>
             </a:r>
-            <a:r>
-              <a:rPr sz="3000" kern="0" dirty="0" smtClean="0">
-                <a:solidFill>
-                  <a:srgbClr val="000000"/>
-                </a:solidFill>
-                <a:latin typeface="Helvetica Light"/>
-                <a:sym typeface="Helvetica Light"/>
-              </a:rPr>
-              <a:t>region</a:t>
-            </a:r>
-            <a:endParaRPr sz="3000" kern="0" dirty="0">
-              <a:solidFill>
-                <a:srgbClr val="000000"/>
-              </a:solidFill>
-              <a:latin typeface="Helvetica Light"/>
-              <a:sym typeface="Helvetica Light"/>
-            </a:endParaRPr>
           </a:p>
         </p:txBody>
       </p:sp>
@@ -9351,9 +9328,7 @@
           <p:nvPr/>
         </p:nvPicPr>
         <p:blipFill>
-          <a:blip r:embed="rId2">
-            <a:extLst/>
-          </a:blip>
+          <a:blip r:embed="rId2"/>
           <a:stretch>
             <a:fillRect/>
           </a:stretch>
@@ -9380,9 +9355,7 @@
           <p:nvPr/>
         </p:nvPicPr>
         <p:blipFill>
-          <a:blip r:embed="rId3">
-            <a:extLst/>
-          </a:blip>
+          <a:blip r:embed="rId3"/>
           <a:stretch>
             <a:fillRect/>
           </a:stretch>
@@ -9419,7 +9392,7 @@
           </a:ln>
           <a:extLst>
             <a:ext uri="{C572A759-6A51-4108-AA02-DFA0A04FC94B}">
-              <ma14:wrappingTextBoxFlag xmlns:ma14="http://schemas.microsoft.com/office/mac/drawingml/2011/main" xmlns="" val="1"/>
+              <ma14:wrappingTextBoxFlag xmlns="" xmlns:ma14="http://schemas.microsoft.com/office/mac/drawingml/2011/main" val="1"/>
             </a:ext>
           </a:extLst>
         </p:spPr>
@@ -9468,7 +9441,7 @@
           </a:ln>
           <a:extLst>
             <a:ext uri="{C572A759-6A51-4108-AA02-DFA0A04FC94B}">
-              <ma14:wrappingTextBoxFlag xmlns:ma14="http://schemas.microsoft.com/office/mac/drawingml/2011/main" xmlns="" val="1"/>
+              <ma14:wrappingTextBoxFlag xmlns="" xmlns:ma14="http://schemas.microsoft.com/office/mac/drawingml/2011/main" val="1"/>
             </a:ext>
           </a:extLst>
         </p:spPr>
@@ -9525,11 +9498,7 @@
           <a:p>
             <a:r>
               <a:rPr lang="en-US" dirty="0"/>
-              <a:t>Harris corner detection: </a:t>
-            </a:r>
-            <a:r>
-              <a:rPr lang="en-US" dirty="0" smtClean="0"/>
-              <a:t>probabilistic interpretation</a:t>
+              <a:t>Harris corner detection: probabilistic interpretation</a:t>
             </a:r>
             <a:endParaRPr dirty="0"/>
           </a:p>
@@ -13745,9 +13714,7 @@
           <p:nvPr/>
         </p:nvPicPr>
         <p:blipFill>
-          <a:blip r:embed="rId2">
-            <a:extLst/>
-          </a:blip>
+          <a:blip r:embed="rId2"/>
           <a:stretch>
             <a:fillRect/>
           </a:stretch>
@@ -13774,9 +13741,7 @@
           <p:nvPr/>
         </p:nvPicPr>
         <p:blipFill>
-          <a:blip r:embed="rId2">
-            <a:extLst/>
-          </a:blip>
+          <a:blip r:embed="rId2"/>
           <a:stretch>
             <a:fillRect/>
           </a:stretch>
@@ -13803,9 +13768,7 @@
           <p:nvPr/>
         </p:nvPicPr>
         <p:blipFill>
-          <a:blip r:embed="rId2">
-            <a:extLst/>
-          </a:blip>
+          <a:blip r:embed="rId2"/>
           <a:stretch>
             <a:fillRect/>
           </a:stretch>
@@ -13832,9 +13795,7 @@
           <p:nvPr/>
         </p:nvPicPr>
         <p:blipFill>
-          <a:blip r:embed="rId3">
-            <a:extLst/>
-          </a:blip>
+          <a:blip r:embed="rId3"/>
           <a:stretch>
             <a:fillRect/>
           </a:stretch>
@@ -13861,9 +13822,7 @@
           <p:nvPr/>
         </p:nvPicPr>
         <p:blipFill>
-          <a:blip r:embed="rId3">
-            <a:extLst/>
-          </a:blip>
+          <a:blip r:embed="rId3"/>
           <a:stretch>
             <a:fillRect/>
           </a:stretch>
@@ -13890,9 +13849,7 @@
           <p:nvPr/>
         </p:nvPicPr>
         <p:blipFill>
-          <a:blip r:embed="rId3">
-            <a:extLst/>
-          </a:blip>
+          <a:blip r:embed="rId3"/>
           <a:stretch>
             <a:fillRect/>
           </a:stretch>
@@ -15285,7 +15242,7 @@
           </a:ln>
           <a:extLst>
             <a:ext uri="{C572A759-6A51-4108-AA02-DFA0A04FC94B}">
-              <ma14:wrappingTextBoxFlag xmlns:ma14="http://schemas.microsoft.com/office/mac/drawingml/2011/main" xmlns="" val="1"/>
+              <ma14:wrappingTextBoxFlag xmlns="" xmlns:ma14="http://schemas.microsoft.com/office/mac/drawingml/2011/main" val="1"/>
             </a:ext>
           </a:extLst>
         </p:spPr>
@@ -15340,7 +15297,7 @@
           </a:ln>
           <a:extLst>
             <a:ext uri="{C572A759-6A51-4108-AA02-DFA0A04FC94B}">
-              <ma14:wrappingTextBoxFlag xmlns:ma14="http://schemas.microsoft.com/office/mac/drawingml/2011/main" xmlns="" val="1"/>
+              <ma14:wrappingTextBoxFlag xmlns="" xmlns:ma14="http://schemas.microsoft.com/office/mac/drawingml/2011/main" val="1"/>
             </a:ext>
           </a:extLst>
         </p:spPr>
@@ -15361,25 +15318,8 @@
                 <a:latin typeface="Helvetica Light"/>
                 <a:sym typeface="Helvetica Light"/>
               </a:rPr>
-              <a:t>1. Compute image gradients over a small </a:t>
+              <a:t>1. Compute image gradients over a small region</a:t>
             </a:r>
-            <a:r>
-              <a:rPr sz="3000" kern="0" dirty="0" smtClean="0">
-                <a:solidFill>
-                  <a:srgbClr val="000000"/>
-                </a:solidFill>
-                <a:latin typeface="Helvetica Light"/>
-                <a:sym typeface="Helvetica Light"/>
-              </a:rPr>
-              <a:t>region</a:t>
-            </a:r>
-            <a:endParaRPr sz="3000" kern="0" dirty="0">
-              <a:solidFill>
-                <a:srgbClr val="000000"/>
-              </a:solidFill>
-              <a:latin typeface="Helvetica Light"/>
-              <a:sym typeface="Helvetica Light"/>
-            </a:endParaRPr>
           </a:p>
         </p:txBody>
       </p:sp>
@@ -15410,11 +15350,7 @@
           <a:p>
             <a:r>
               <a:rPr lang="en-US" dirty="0"/>
-              <a:t>Harris corner detection: </a:t>
-            </a:r>
-            <a:r>
-              <a:rPr lang="en-US" dirty="0" smtClean="0"/>
-              <a:t>probabilistic interpretation</a:t>
+              <a:t>Harris corner detection: probabilistic interpretation</a:t>
             </a:r>
             <a:endParaRPr dirty="0"/>
           </a:p>
@@ -19630,9 +19566,7 @@
           <p:nvPr/>
         </p:nvPicPr>
         <p:blipFill>
-          <a:blip r:embed="rId2">
-            <a:extLst/>
-          </a:blip>
+          <a:blip r:embed="rId2"/>
           <a:stretch>
             <a:fillRect/>
           </a:stretch>
@@ -19659,9 +19593,7 @@
           <p:nvPr/>
         </p:nvPicPr>
         <p:blipFill>
-          <a:blip r:embed="rId2">
-            <a:extLst/>
-          </a:blip>
+          <a:blip r:embed="rId2"/>
           <a:stretch>
             <a:fillRect/>
           </a:stretch>
@@ -19688,9 +19620,7 @@
           <p:nvPr/>
         </p:nvPicPr>
         <p:blipFill>
-          <a:blip r:embed="rId2">
-            <a:extLst/>
-          </a:blip>
+          <a:blip r:embed="rId2"/>
           <a:stretch>
             <a:fillRect/>
           </a:stretch>
@@ -19717,9 +19647,7 @@
           <p:nvPr/>
         </p:nvPicPr>
         <p:blipFill>
-          <a:blip r:embed="rId3">
-            <a:extLst/>
-          </a:blip>
+          <a:blip r:embed="rId3"/>
           <a:stretch>
             <a:fillRect/>
           </a:stretch>
@@ -19746,9 +19674,7 @@
           <p:nvPr/>
         </p:nvPicPr>
         <p:blipFill>
-          <a:blip r:embed="rId3">
-            <a:extLst/>
-          </a:blip>
+          <a:blip r:embed="rId3"/>
           <a:stretch>
             <a:fillRect/>
           </a:stretch>
@@ -19775,9 +19701,7 @@
           <p:nvPr/>
         </p:nvPicPr>
         <p:blipFill>
-          <a:blip r:embed="rId3">
-            <a:extLst/>
-          </a:blip>
+          <a:blip r:embed="rId3"/>
           <a:stretch>
             <a:fillRect/>
           </a:stretch>
@@ -21170,7 +21094,7 @@
           </a:ln>
           <a:extLst>
             <a:ext uri="{C572A759-6A51-4108-AA02-DFA0A04FC94B}">
-              <ma14:wrappingTextBoxFlag xmlns:ma14="http://schemas.microsoft.com/office/mac/drawingml/2011/main" xmlns="" val="1"/>
+              <ma14:wrappingTextBoxFlag xmlns="" xmlns:ma14="http://schemas.microsoft.com/office/mac/drawingml/2011/main" val="1"/>
             </a:ext>
           </a:extLst>
         </p:spPr>
@@ -21371,7 +21295,7 @@
           </a:ln>
           <a:extLst>
             <a:ext uri="{C572A759-6A51-4108-AA02-DFA0A04FC94B}">
-              <ma14:wrappingTextBoxFlag xmlns:ma14="http://schemas.microsoft.com/office/mac/drawingml/2011/main" xmlns="" val="1"/>
+              <ma14:wrappingTextBoxFlag xmlns="" xmlns:ma14="http://schemas.microsoft.com/office/mac/drawingml/2011/main" val="1"/>
             </a:ext>
           </a:extLst>
         </p:spPr>
@@ -21392,25 +21316,8 @@
                 <a:latin typeface="Helvetica Light"/>
                 <a:sym typeface="Helvetica Light"/>
               </a:rPr>
-              <a:t>1. Compute image gradients over a small </a:t>
+              <a:t>1. Compute image gradients over a small region</a:t>
             </a:r>
-            <a:r>
-              <a:rPr sz="3000" kern="0" dirty="0" smtClean="0">
-                <a:solidFill>
-                  <a:srgbClr val="000000"/>
-                </a:solidFill>
-                <a:latin typeface="Helvetica Light"/>
-                <a:sym typeface="Helvetica Light"/>
-              </a:rPr>
-              <a:t>region</a:t>
-            </a:r>
-            <a:endParaRPr sz="3000" kern="0" dirty="0">
-              <a:solidFill>
-                <a:srgbClr val="000000"/>
-              </a:solidFill>
-              <a:latin typeface="Helvetica Light"/>
-              <a:sym typeface="Helvetica Light"/>
-            </a:endParaRPr>
           </a:p>
         </p:txBody>
       </p:sp>
@@ -21441,11 +21348,7 @@
           <a:p>
             <a:r>
               <a:rPr lang="en-US" dirty="0"/>
-              <a:t>Harris corner detection: </a:t>
-            </a:r>
-            <a:r>
-              <a:rPr lang="en-US" dirty="0" smtClean="0"/>
-              <a:t>probabilistic interpretation</a:t>
+              <a:t>Harris corner detection: probabilistic interpretation</a:t>
             </a:r>
             <a:endParaRPr dirty="0"/>
           </a:p>
@@ -21501,7 +21404,7 @@
           </a:ln>
           <a:extLst>
             <a:ext uri="{C572A759-6A51-4108-AA02-DFA0A04FC94B}">
-              <ma14:wrappingTextBoxFlag xmlns:ma14="http://schemas.microsoft.com/office/mac/drawingml/2011/main" xmlns="" val="1"/>
+              <ma14:wrappingTextBoxFlag xmlns="" xmlns:ma14="http://schemas.microsoft.com/office/mac/drawingml/2011/main" val="1"/>
             </a:ext>
           </a:extLst>
         </p:spPr>
@@ -21535,7 +21438,7 @@
         </p:nvSpPr>
         <p:spPr>
           <a:xfrm rot="16200000">
-            <a:off x="3860491" y="1549814"/>
+            <a:off x="3860491" y="1967068"/>
             <a:ext cx="2625224" cy="1536093"/>
           </a:xfrm>
           <a:prstGeom prst="rect">
@@ -21573,7 +21476,7 @@
         </p:nvSpPr>
         <p:spPr>
           <a:xfrm rot="16200000">
-            <a:off x="3128350" y="805766"/>
+            <a:off x="3128350" y="1223020"/>
             <a:ext cx="2625224" cy="3024188"/>
           </a:xfrm>
           <a:prstGeom prst="rect">
@@ -21633,7 +21536,7 @@
         </p:nvSpPr>
         <p:spPr>
           <a:xfrm>
-            <a:off x="3425628" y="2067578"/>
+            <a:off x="3425628" y="2484832"/>
             <a:ext cx="2030667" cy="35719"/>
           </a:xfrm>
           <a:prstGeom prst="rect">
@@ -21682,7 +21585,7 @@
         </p:nvSpPr>
         <p:spPr>
           <a:xfrm>
-            <a:off x="6626314" y="1638769"/>
+            <a:off x="6626314" y="2056023"/>
             <a:ext cx="1606973" cy="603630"/>
           </a:xfrm>
           <a:prstGeom prst="line">
@@ -21720,7 +21623,7 @@
         </p:nvSpPr>
         <p:spPr>
           <a:xfrm>
-            <a:off x="8232774" y="2235260"/>
+            <a:off x="8232774" y="2652514"/>
             <a:ext cx="1" cy="455415"/>
           </a:xfrm>
           <a:prstGeom prst="line">
@@ -21758,7 +21661,7 @@
         </p:nvSpPr>
         <p:spPr>
           <a:xfrm>
-            <a:off x="6585264" y="3333611"/>
+            <a:off x="6585264" y="3750865"/>
             <a:ext cx="3425789" cy="1"/>
           </a:xfrm>
           <a:prstGeom prst="line">
@@ -21797,7 +21700,7 @@
         </p:nvSpPr>
         <p:spPr>
           <a:xfrm>
-            <a:off x="8233657" y="2683539"/>
+            <a:off x="8233657" y="3100793"/>
             <a:ext cx="1606973" cy="603630"/>
           </a:xfrm>
           <a:prstGeom prst="line">
@@ -21836,16 +21739,14 @@
           <p:nvPr/>
         </p:nvPicPr>
         <p:blipFill>
-          <a:blip r:embed="rId2">
-            <a:extLst/>
-          </a:blip>
+          <a:blip r:embed="rId2"/>
           <a:stretch>
             <a:fillRect/>
           </a:stretch>
         </p:blipFill>
         <p:spPr>
           <a:xfrm>
-            <a:off x="3989530" y="1075349"/>
+            <a:off x="3989530" y="1492603"/>
             <a:ext cx="3688040" cy="1033371"/>
           </a:xfrm>
           <a:prstGeom prst="rect">
@@ -21861,7 +21762,7 @@
         </p:nvSpPr>
         <p:spPr>
           <a:xfrm flipV="1">
-            <a:off x="6594956" y="1413729"/>
+            <a:off x="6594956" y="1830983"/>
             <a:ext cx="1" cy="1919884"/>
           </a:xfrm>
           <a:prstGeom prst="line">
@@ -21900,7 +21801,7 @@
         </p:nvSpPr>
         <p:spPr>
           <a:xfrm>
-            <a:off x="7712352" y="1136662"/>
+            <a:off x="7712352" y="1553916"/>
             <a:ext cx="1470865" cy="347481"/>
           </a:xfrm>
           <a:prstGeom prst="rect">
@@ -21911,7 +21812,7 @@
           </a:ln>
           <a:extLst>
             <a:ext uri="{C572A759-6A51-4108-AA02-DFA0A04FC94B}">
-              <ma14:wrappingTextBoxFlag xmlns:ma14="http://schemas.microsoft.com/office/mac/drawingml/2011/main" xmlns="" val="1"/>
+              <ma14:wrappingTextBoxFlag xmlns="" xmlns:ma14="http://schemas.microsoft.com/office/mac/drawingml/2011/main" val="1"/>
             </a:ext>
           </a:extLst>
         </p:spPr>
@@ -21949,7 +21850,7 @@
         </p:nvSpPr>
         <p:spPr>
           <a:xfrm>
-            <a:off x="374673" y="1902746"/>
+            <a:off x="374673" y="2320000"/>
             <a:ext cx="2448128" cy="609091"/>
           </a:xfrm>
           <a:prstGeom prst="rect">
@@ -21960,7 +21861,7 @@
           </a:ln>
           <a:extLst>
             <a:ext uri="{C572A759-6A51-4108-AA02-DFA0A04FC94B}">
-              <ma14:wrappingTextBoxFlag xmlns:ma14="http://schemas.microsoft.com/office/mac/drawingml/2011/main" xmlns="" val="1"/>
+              <ma14:wrappingTextBoxFlag xmlns="" xmlns:ma14="http://schemas.microsoft.com/office/mac/drawingml/2011/main" val="1"/>
             </a:ext>
           </a:extLst>
         </p:spPr>
@@ -21998,7 +21899,7 @@
         </p:nvSpPr>
         <p:spPr>
           <a:xfrm flipH="1">
-            <a:off x="3402223" y="4027698"/>
+            <a:off x="3402223" y="4444952"/>
             <a:ext cx="1" cy="1985290"/>
           </a:xfrm>
           <a:prstGeom prst="line">
@@ -22044,7 +21945,7 @@
         </p:nvSpPr>
         <p:spPr>
           <a:xfrm>
-            <a:off x="2090798" y="5020343"/>
+            <a:off x="2090798" y="5437597"/>
             <a:ext cx="2699994" cy="1"/>
           </a:xfrm>
           <a:prstGeom prst="line">
@@ -22090,7 +21991,7 @@
         </p:nvSpPr>
         <p:spPr>
           <a:xfrm>
-            <a:off x="2077404" y="4935637"/>
+            <a:off x="2077404" y="5352891"/>
             <a:ext cx="77144" cy="56725"/>
           </a:xfrm>
           <a:prstGeom prst="ellipse">
@@ -22156,7 +22057,7 @@
         </p:nvSpPr>
         <p:spPr>
           <a:xfrm>
-            <a:off x="2813986" y="5064252"/>
+            <a:off x="2813986" y="5481506"/>
             <a:ext cx="77145" cy="56725"/>
           </a:xfrm>
           <a:prstGeom prst="ellipse">
@@ -22222,7 +22123,7 @@
         </p:nvSpPr>
         <p:spPr>
           <a:xfrm>
-            <a:off x="2968288" y="5092614"/>
+            <a:off x="2968288" y="5509868"/>
             <a:ext cx="77145" cy="56725"/>
           </a:xfrm>
           <a:prstGeom prst="ellipse">
@@ -22288,7 +22189,7 @@
         </p:nvSpPr>
         <p:spPr>
           <a:xfrm>
-            <a:off x="2813986" y="5015843"/>
+            <a:off x="2813986" y="5433097"/>
             <a:ext cx="77145" cy="56725"/>
           </a:xfrm>
           <a:prstGeom prst="ellipse">
@@ -22354,7 +22255,7 @@
         </p:nvSpPr>
         <p:spPr>
           <a:xfrm>
-            <a:off x="2578831" y="5048703"/>
+            <a:off x="2578831" y="5465957"/>
             <a:ext cx="77144" cy="56725"/>
           </a:xfrm>
           <a:prstGeom prst="ellipse">
@@ -22420,7 +22321,7 @@
         </p:nvSpPr>
         <p:spPr>
           <a:xfrm>
-            <a:off x="2771688" y="5176965"/>
+            <a:off x="2771688" y="5594219"/>
             <a:ext cx="77145" cy="56725"/>
           </a:xfrm>
           <a:prstGeom prst="ellipse">
@@ -22486,7 +22387,7 @@
         </p:nvSpPr>
         <p:spPr>
           <a:xfrm>
-            <a:off x="1932863" y="4923175"/>
+            <a:off x="1932863" y="5340429"/>
             <a:ext cx="77145" cy="56725"/>
           </a:xfrm>
           <a:prstGeom prst="ellipse">
@@ -22552,7 +22453,7 @@
         </p:nvSpPr>
         <p:spPr>
           <a:xfrm>
-            <a:off x="2951492" y="4971175"/>
+            <a:off x="2951492" y="5388429"/>
             <a:ext cx="77144" cy="56725"/>
           </a:xfrm>
           <a:prstGeom prst="ellipse">
@@ -22618,7 +22519,7 @@
         </p:nvSpPr>
         <p:spPr>
           <a:xfrm>
-            <a:off x="2974064" y="4892971"/>
+            <a:off x="2974064" y="5310225"/>
             <a:ext cx="77145" cy="56725"/>
           </a:xfrm>
           <a:prstGeom prst="ellipse">
@@ -22684,7 +22585,7 @@
         </p:nvSpPr>
         <p:spPr>
           <a:xfrm>
-            <a:off x="2771688" y="4945857"/>
+            <a:off x="2771688" y="5363111"/>
             <a:ext cx="77145" cy="56725"/>
           </a:xfrm>
           <a:prstGeom prst="ellipse">
@@ -22750,7 +22651,7 @@
         </p:nvSpPr>
         <p:spPr>
           <a:xfrm>
-            <a:off x="2077404" y="5042361"/>
+            <a:off x="2077404" y="5459615"/>
             <a:ext cx="77145" cy="56725"/>
           </a:xfrm>
           <a:prstGeom prst="ellipse">
@@ -22816,7 +22717,7 @@
         </p:nvSpPr>
         <p:spPr>
           <a:xfrm>
-            <a:off x="2874349" y="4976532"/>
+            <a:off x="2874349" y="5393786"/>
             <a:ext cx="77145" cy="56725"/>
           </a:xfrm>
           <a:prstGeom prst="ellipse">
@@ -22882,7 +22783,7 @@
         </p:nvSpPr>
         <p:spPr>
           <a:xfrm>
-            <a:off x="2392470" y="4949125"/>
+            <a:off x="2392470" y="5366379"/>
             <a:ext cx="77145" cy="56725"/>
           </a:xfrm>
           <a:prstGeom prst="ellipse">
@@ -22948,7 +22849,7 @@
         </p:nvSpPr>
         <p:spPr>
           <a:xfrm>
-            <a:off x="2189878" y="4922201"/>
+            <a:off x="2189878" y="5339455"/>
             <a:ext cx="77145" cy="56725"/>
           </a:xfrm>
           <a:prstGeom prst="ellipse">
@@ -23014,7 +22915,7 @@
         </p:nvSpPr>
         <p:spPr>
           <a:xfrm>
-            <a:off x="2891666" y="4928775"/>
+            <a:off x="2891666" y="5346029"/>
             <a:ext cx="77145" cy="56725"/>
           </a:xfrm>
           <a:prstGeom prst="ellipse">
@@ -23080,7 +22981,7 @@
         </p:nvSpPr>
         <p:spPr>
           <a:xfrm>
-            <a:off x="1922822" y="5066516"/>
+            <a:off x="1922822" y="5483770"/>
             <a:ext cx="77145" cy="56725"/>
           </a:xfrm>
           <a:prstGeom prst="ellipse">
@@ -23147,16 +23048,14 @@
           <p:nvPr/>
         </p:nvPicPr>
         <p:blipFill>
-          <a:blip r:embed="rId3">
-            <a:extLst/>
-          </a:blip>
+          <a:blip r:embed="rId3"/>
           <a:stretch>
             <a:fillRect/>
           </a:stretch>
         </p:blipFill>
         <p:spPr>
           <a:xfrm>
-            <a:off x="4346111" y="4970024"/>
+            <a:off x="4346111" y="5387278"/>
             <a:ext cx="712578" cy="324027"/>
           </a:xfrm>
           <a:prstGeom prst="rect">
@@ -23176,16 +23075,14 @@
           <p:nvPr/>
         </p:nvPicPr>
         <p:blipFill>
-          <a:blip r:embed="rId4">
-            <a:extLst/>
-          </a:blip>
+          <a:blip r:embed="rId4"/>
           <a:stretch>
             <a:fillRect/>
           </a:stretch>
         </p:blipFill>
         <p:spPr>
           <a:xfrm>
-            <a:off x="3466702" y="4022510"/>
+            <a:off x="3466702" y="4439764"/>
             <a:ext cx="763173" cy="380060"/>
           </a:xfrm>
           <a:prstGeom prst="rect">
@@ -23204,7 +23101,7 @@
         </p:nvSpPr>
         <p:spPr>
           <a:xfrm>
-            <a:off x="7017455" y="3341508"/>
+            <a:off x="7017455" y="3758762"/>
             <a:ext cx="2419843" cy="347481"/>
           </a:xfrm>
           <a:prstGeom prst="rect">
@@ -23215,7 +23112,7 @@
           </a:ln>
           <a:extLst>
             <a:ext uri="{C572A759-6A51-4108-AA02-DFA0A04FC94B}">
-              <ma14:wrappingTextBoxFlag xmlns:ma14="http://schemas.microsoft.com/office/mac/drawingml/2011/main" xmlns="" val="1"/>
+              <ma14:wrappingTextBoxFlag xmlns="" xmlns:ma14="http://schemas.microsoft.com/office/mac/drawingml/2011/main" val="1"/>
             </a:ext>
           </a:extLst>
         </p:spPr>
@@ -23253,7 +23150,7 @@
         </p:nvSpPr>
         <p:spPr>
           <a:xfrm>
-            <a:off x="2244286" y="6093529"/>
+            <a:off x="2244286" y="6510783"/>
             <a:ext cx="2298015" cy="347481"/>
           </a:xfrm>
           <a:prstGeom prst="rect">
@@ -23264,7 +23161,7 @@
           </a:ln>
           <a:extLst>
             <a:ext uri="{C572A759-6A51-4108-AA02-DFA0A04FC94B}">
-              <ma14:wrappingTextBoxFlag xmlns:ma14="http://schemas.microsoft.com/office/mac/drawingml/2011/main" xmlns="" val="1"/>
+              <ma14:wrappingTextBoxFlag xmlns="" xmlns:ma14="http://schemas.microsoft.com/office/mac/drawingml/2011/main" val="1"/>
             </a:ext>
           </a:extLst>
         </p:spPr>
@@ -23302,7 +23199,7 @@
         </p:nvSpPr>
         <p:spPr>
           <a:xfrm>
-            <a:off x="5463861" y="4863800"/>
+            <a:off x="5463861" y="5281054"/>
             <a:ext cx="1179983" cy="392913"/>
           </a:xfrm>
           <a:prstGeom prst="rightArrow">
@@ -23354,7 +23251,7 @@
         </p:nvSpPr>
         <p:spPr>
           <a:xfrm>
-            <a:off x="5274268" y="4477256"/>
+            <a:off x="5274268" y="4894510"/>
             <a:ext cx="1470865" cy="347481"/>
           </a:xfrm>
           <a:prstGeom prst="rect">
@@ -23365,7 +23262,7 @@
           </a:ln>
           <a:extLst>
             <a:ext uri="{C572A759-6A51-4108-AA02-DFA0A04FC94B}">
-              <ma14:wrappingTextBoxFlag xmlns:ma14="http://schemas.microsoft.com/office/mac/drawingml/2011/main" xmlns="" val="1"/>
+              <ma14:wrappingTextBoxFlag xmlns="" xmlns:ma14="http://schemas.microsoft.com/office/mac/drawingml/2011/main" val="1"/>
             </a:ext>
           </a:extLst>
         </p:spPr>
@@ -23422,11 +23319,7 @@
           <a:p>
             <a:r>
               <a:rPr lang="en-US" dirty="0"/>
-              <a:t>Harris corner detection: </a:t>
-            </a:r>
-            <a:r>
-              <a:rPr lang="en-US" dirty="0" smtClean="0"/>
-              <a:t>probabilistic interpretation</a:t>
+              <a:t>Harris corner detection: probabilistic interpretation</a:t>
             </a:r>
             <a:endParaRPr dirty="0"/>
           </a:p>
@@ -23772,9 +23665,7 @@
           <p:nvPr/>
         </p:nvPicPr>
         <p:blipFill>
-          <a:blip r:embed="rId2">
-            <a:extLst/>
-          </a:blip>
+          <a:blip r:embed="rId2"/>
           <a:stretch>
             <a:fillRect/>
           </a:stretch>
@@ -23847,7 +23738,7 @@
           </a:ln>
           <a:extLst>
             <a:ext uri="{C572A759-6A51-4108-AA02-DFA0A04FC94B}">
-              <ma14:wrappingTextBoxFlag xmlns:ma14="http://schemas.microsoft.com/office/mac/drawingml/2011/main" xmlns="" val="1"/>
+              <ma14:wrappingTextBoxFlag xmlns="" xmlns:ma14="http://schemas.microsoft.com/office/mac/drawingml/2011/main" val="1"/>
             </a:ext>
           </a:extLst>
         </p:spPr>
@@ -23896,7 +23787,7 @@
           </a:ln>
           <a:extLst>
             <a:ext uri="{C572A759-6A51-4108-AA02-DFA0A04FC94B}">
-              <ma14:wrappingTextBoxFlag xmlns:ma14="http://schemas.microsoft.com/office/mac/drawingml/2011/main" xmlns="" val="1"/>
+              <ma14:wrappingTextBoxFlag xmlns="" xmlns:ma14="http://schemas.microsoft.com/office/mac/drawingml/2011/main" val="1"/>
             </a:ext>
           </a:extLst>
         </p:spPr>
@@ -25083,9 +24974,7 @@
           <p:nvPr/>
         </p:nvPicPr>
         <p:blipFill>
-          <a:blip r:embed="rId3">
-            <a:extLst/>
-          </a:blip>
+          <a:blip r:embed="rId3"/>
           <a:stretch>
             <a:fillRect/>
           </a:stretch>
@@ -25112,9 +25001,7 @@
           <p:nvPr/>
         </p:nvPicPr>
         <p:blipFill>
-          <a:blip r:embed="rId4">
-            <a:extLst/>
-          </a:blip>
+          <a:blip r:embed="rId4"/>
           <a:stretch>
             <a:fillRect/>
           </a:stretch>
@@ -25151,7 +25038,7 @@
           </a:ln>
           <a:extLst>
             <a:ext uri="{C572A759-6A51-4108-AA02-DFA0A04FC94B}">
-              <ma14:wrappingTextBoxFlag xmlns:ma14="http://schemas.microsoft.com/office/mac/drawingml/2011/main" xmlns="" val="1"/>
+              <ma14:wrappingTextBoxFlag xmlns="" xmlns:ma14="http://schemas.microsoft.com/office/mac/drawingml/2011/main" val="1"/>
             </a:ext>
           </a:extLst>
         </p:spPr>
@@ -25200,7 +25087,7 @@
           </a:ln>
           <a:extLst>
             <a:ext uri="{C572A759-6A51-4108-AA02-DFA0A04FC94B}">
-              <ma14:wrappingTextBoxFlag xmlns:ma14="http://schemas.microsoft.com/office/mac/drawingml/2011/main" xmlns="" val="1"/>
+              <ma14:wrappingTextBoxFlag xmlns="" xmlns:ma14="http://schemas.microsoft.com/office/mac/drawingml/2011/main" val="1"/>
             </a:ext>
           </a:extLst>
         </p:spPr>
@@ -26387,9 +26274,7 @@
           <p:nvPr/>
         </p:nvPicPr>
         <p:blipFill>
-          <a:blip r:embed="rId3">
-            <a:extLst/>
-          </a:blip>
+          <a:blip r:embed="rId3"/>
           <a:stretch>
             <a:fillRect/>
           </a:stretch>
@@ -26416,9 +26301,7 @@
           <p:nvPr/>
         </p:nvPicPr>
         <p:blipFill>
-          <a:blip r:embed="rId4">
-            <a:extLst/>
-          </a:blip>
+          <a:blip r:embed="rId4"/>
           <a:stretch>
             <a:fillRect/>
           </a:stretch>
@@ -26455,7 +26338,7 @@
           </a:ln>
           <a:extLst>
             <a:ext uri="{C572A759-6A51-4108-AA02-DFA0A04FC94B}">
-              <ma14:wrappingTextBoxFlag xmlns:ma14="http://schemas.microsoft.com/office/mac/drawingml/2011/main" xmlns="" val="1"/>
+              <ma14:wrappingTextBoxFlag xmlns="" xmlns:ma14="http://schemas.microsoft.com/office/mac/drawingml/2011/main" val="1"/>
             </a:ext>
           </a:extLst>
         </p:spPr>
@@ -26567,7 +26450,7 @@
           </a:ln>
           <a:extLst>
             <a:ext uri="{C572A759-6A51-4108-AA02-DFA0A04FC94B}">
-              <ma14:wrappingTextBoxFlag xmlns:ma14="http://schemas.microsoft.com/office/mac/drawingml/2011/main" xmlns="" val="1"/>
+              <ma14:wrappingTextBoxFlag xmlns="" xmlns:ma14="http://schemas.microsoft.com/office/mac/drawingml/2011/main" val="1"/>
             </a:ext>
           </a:extLst>
         </p:spPr>
@@ -26616,7 +26499,7 @@
           </a:ln>
           <a:extLst>
             <a:ext uri="{C572A759-6A51-4108-AA02-DFA0A04FC94B}">
-              <ma14:wrappingTextBoxFlag xmlns:ma14="http://schemas.microsoft.com/office/mac/drawingml/2011/main" xmlns="" val="1"/>
+              <ma14:wrappingTextBoxFlag xmlns="" xmlns:ma14="http://schemas.microsoft.com/office/mac/drawingml/2011/main" val="1"/>
             </a:ext>
           </a:extLst>
         </p:spPr>
@@ -26669,11 +26552,7 @@
           <a:p>
             <a:r>
               <a:rPr lang="en-US" dirty="0"/>
-              <a:t>Harris corner detection: </a:t>
-            </a:r>
-            <a:r>
-              <a:rPr lang="en-US" dirty="0" smtClean="0"/>
-              <a:t>probabilistic interpretation</a:t>
+              <a:t>Harris corner detection: probabilistic interpretation</a:t>
             </a:r>
             <a:endParaRPr dirty="0"/>
           </a:p>
@@ -26729,7 +26608,7 @@
           </a:ln>
           <a:extLst>
             <a:ext uri="{C572A759-6A51-4108-AA02-DFA0A04FC94B}">
-              <ma14:wrappingTextBoxFlag xmlns:ma14="http://schemas.microsoft.com/office/mac/drawingml/2011/main" xmlns="" val="1"/>
+              <ma14:wrappingTextBoxFlag xmlns="" xmlns:ma14="http://schemas.microsoft.com/office/mac/drawingml/2011/main" val="1"/>
             </a:ext>
           </a:extLst>
         </p:spPr>
@@ -26782,24 +26661,20 @@
           <a:p>
             <a:r>
               <a:rPr lang="en-US" dirty="0"/>
-              <a:t>Harris corner detection: </a:t>
-            </a:r>
-            <a:r>
-              <a:rPr lang="en-US" dirty="0" smtClean="0"/>
-              <a:t>probabilistic interpretation</a:t>
+              <a:t>Harris corner detection: probabilistic interpretation</a:t>
             </a:r>
             <a:endParaRPr dirty="0"/>
           </a:p>
         </p:txBody>
       </p:sp>
-      <mc:AlternateContent xmlns:mc="http://schemas.openxmlformats.org/markup-compatibility/2006">
-        <mc:Choice xmlns:a14="http://schemas.microsoft.com/office/drawing/2010/main" Requires="a14">
+      <mc:AlternateContent xmlns:mc="http://schemas.openxmlformats.org/markup-compatibility/2006" xmlns:a14="http://schemas.microsoft.com/office/drawing/2010/main">
+        <mc:Choice Requires="a14">
           <p:sp>
             <p:nvSpPr>
               <p:cNvPr id="36" name="Content Placeholder 2">
                 <a:extLst>
                   <a:ext uri="{FF2B5EF4-FFF2-40B4-BE49-F238E27FC236}">
-                    <a16:creationId xmlns:a16="http://schemas.microsoft.com/office/drawing/2014/main" xmlns="" id="{33CDFFC9-0AE8-4280-AABD-D6304D782111}"/>
+                    <a16:creationId xmlns:a16="http://schemas.microsoft.com/office/drawing/2014/main" id="{33CDFFC9-0AE8-4280-AABD-D6304D782111}"/>
                   </a:ext>
                 </a:extLst>
               </p:cNvPr>
@@ -26957,22 +26832,22 @@
                 </a:lvl9pPr>
               </a:lstStyle>
               <a:p>
-                <a:endParaRPr lang="en-US" dirty="0" smtClean="0"/>
+                <a:endParaRPr lang="en-US" dirty="0"/>
               </a:p>
               <a:p>
                 <a:r>
-                  <a:rPr lang="en-US" dirty="0" smtClean="0"/>
+                  <a:rPr lang="en-US" dirty="0"/>
                   <a:t>As you know:</a:t>
                 </a:r>
               </a:p>
               <a:p>
                 <a:pPr lvl="1"/>
                 <a:r>
-                  <a:rPr lang="en-US" b="1" dirty="0" smtClean="0"/>
+                  <a:rPr lang="en-US" b="1" dirty="0"/>
                   <a:t>Covariance</a:t>
                 </a:r>
                 <a:r>
-                  <a:rPr lang="en-US" dirty="0" smtClean="0"/>
+                  <a:rPr lang="en-US" dirty="0"/>
                   <a:t> of two random variables:</a:t>
                 </a:r>
               </a:p>
@@ -26982,7 +26857,7 @@
               </a:p>
               <a:p>
                 <a:pPr lvl="1"/>
-                <a:endParaRPr lang="en-US" dirty="0" smtClean="0"/>
+                <a:endParaRPr lang="en-US" dirty="0"/>
               </a:p>
               <a:p>
                 <a:pPr lvl="1"/>
@@ -26991,19 +26866,19 @@
               <a:p>
                 <a:pPr lvl="1"/>
                 <a:r>
-                  <a:rPr lang="en-US" b="1" dirty="0" smtClean="0"/>
+                  <a:rPr lang="en-US" b="1" dirty="0"/>
                   <a:t>Covariance matrix </a:t>
                 </a:r>
                 <a:r>
-                  <a:rPr lang="en-US" dirty="0" smtClean="0"/>
+                  <a:rPr lang="en-US" dirty="0"/>
                   <a:t>(also known as </a:t>
                 </a:r>
                 <a:r>
-                  <a:rPr lang="en-US" b="1" dirty="0" smtClean="0"/>
+                  <a:rPr lang="en-US" b="1" dirty="0"/>
                   <a:t>second moment matrix</a:t>
                 </a:r>
                 <a:r>
-                  <a:rPr lang="en-US" dirty="0" smtClean="0"/>
+                  <a:rPr lang="en-US" dirty="0"/>
                   <a:t>) of two random vectors:</a:t>
                 </a:r>
               </a:p>
@@ -27013,7 +26888,7 @@
               </a:p>
               <a:p>
                 <a:r>
-                  <a:rPr lang="en-US" dirty="0" smtClean="0"/>
+                  <a:rPr lang="en-US" dirty="0"/>
                   <a:t>In our case </a:t>
                 </a:r>
                 <a14:m>
@@ -27036,7 +26911,7 @@
                         <m:endChr m:val="]"/>
                         <m:ctrlPr>
                           <a:rPr lang="en-US" b="0" i="1" smtClean="0">
-                            <a:latin typeface="Cambria Math"/>
+                            <a:latin typeface="Cambria Math" panose="02040503050406030204" pitchFamily="18" charset="0"/>
                           </a:rPr>
                         </m:ctrlPr>
                       </m:dPr>
@@ -27045,7 +26920,7 @@
                           <m:eqArrPr>
                             <m:ctrlPr>
                               <a:rPr lang="en-US" b="0" i="1" smtClean="0">
-                                <a:latin typeface="Cambria Math"/>
+                                <a:latin typeface="Cambria Math" panose="02040503050406030204" pitchFamily="18" charset="0"/>
                               </a:rPr>
                             </m:ctrlPr>
                           </m:eqArrPr>
@@ -27054,7 +26929,7 @@
                               <m:sSubPr>
                                 <m:ctrlPr>
                                   <a:rPr lang="en-US" b="0" i="1" smtClean="0">
-                                    <a:latin typeface="Cambria Math"/>
+                                    <a:latin typeface="Cambria Math" panose="02040503050406030204" pitchFamily="18" charset="0"/>
                                   </a:rPr>
                                 </m:ctrlPr>
                               </m:sSubPr>
@@ -27093,7 +26968,7 @@
                               <m:sSubPr>
                                 <m:ctrlPr>
                                   <a:rPr lang="en-US" b="0" i="1" smtClean="0">
-                                    <a:latin typeface="Cambria Math"/>
+                                    <a:latin typeface="Cambria Math" panose="02040503050406030204" pitchFamily="18" charset="0"/>
                                   </a:rPr>
                                 </m:ctrlPr>
                               </m:sSubPr>
@@ -27133,12 +27008,8 @@
                   </m:oMath>
                 </a14:m>
                 <a:r>
-                  <a:rPr lang="en-US" dirty="0" smtClean="0"/>
-                  <a:t> </a:t>
-                </a:r>
-                <a:r>
                   <a:rPr lang="en-US" dirty="0"/>
-                  <a:t>and </a:t>
+                  <a:t> and </a:t>
                 </a:r>
                 <a14:m>
                   <m:oMath xmlns:m="http://schemas.openxmlformats.org/officeDocument/2006/math">
@@ -27146,7 +27017,7 @@
                       <m:sSubPr>
                         <m:ctrlPr>
                           <a:rPr lang="en-US" b="0" i="1" smtClean="0">
-                            <a:latin typeface="Cambria Math"/>
+                            <a:latin typeface="Cambria Math" panose="02040503050406030204" pitchFamily="18" charset="0"/>
                           </a:rPr>
                         </m:ctrlPr>
                       </m:sSubPr>
@@ -27176,24 +27047,20 @@
                   </m:oMath>
                 </a14:m>
                 <a:r>
-                  <a:rPr lang="en-US" dirty="0" smtClean="0"/>
-                  <a:t>due </a:t>
-                </a:r>
-                <a:r>
                   <a:rPr lang="en-US" dirty="0"/>
-                  <a:t>to step 2.</a:t>
+                  <a:t>due to step 2.</a:t>
                 </a:r>
               </a:p>
               <a:p>
                 <a:pPr marL="0" indent="0">
                   <a:buNone/>
                 </a:pPr>
-                <a:endParaRPr lang="en-US" dirty="0" smtClean="0"/>
+                <a:endParaRPr lang="en-US" dirty="0"/>
               </a:p>
             </p:txBody>
           </p:sp>
         </mc:Choice>
-        <mc:Fallback>
+        <mc:Fallback xmlns="">
           <p:sp>
             <p:nvSpPr>
               <p:cNvPr id="36" name="Content Placeholder 2">
@@ -27370,7 +27237,7 @@
           </a:ln>
           <a:extLst>
             <a:ext uri="{C572A759-6A51-4108-AA02-DFA0A04FC94B}">
-              <ma14:wrappingTextBoxFlag xmlns:ma14="http://schemas.microsoft.com/office/mac/drawingml/2011/main" xmlns="" val="1"/>
+              <ma14:wrappingTextBoxFlag xmlns="" xmlns:ma14="http://schemas.microsoft.com/office/mac/drawingml/2011/main" val="1"/>
             </a:ext>
           </a:extLst>
         </p:spPr>
@@ -27405,9 +27272,7 @@
           <p:nvPr/>
         </p:nvPicPr>
         <p:blipFill>
-          <a:blip r:embed="rId2">
-            <a:extLst/>
-          </a:blip>
+          <a:blip r:embed="rId2"/>
           <a:srcRect r="51453"/>
           <a:stretch>
             <a:fillRect/>
@@ -28304,9 +28169,7 @@
           <p:nvPr/>
         </p:nvPicPr>
         <p:blipFill>
-          <a:blip r:embed="rId3">
-            <a:extLst/>
-          </a:blip>
+          <a:blip r:embed="rId3"/>
           <a:stretch>
             <a:fillRect/>
           </a:stretch>
@@ -28333,9 +28196,7 @@
           <p:nvPr/>
         </p:nvPicPr>
         <p:blipFill>
-          <a:blip r:embed="rId4">
-            <a:extLst/>
-          </a:blip>
+          <a:blip r:embed="rId4"/>
           <a:stretch>
             <a:fillRect/>
           </a:stretch>
@@ -28372,7 +28233,7 @@
           </a:ln>
           <a:extLst>
             <a:ext uri="{C572A759-6A51-4108-AA02-DFA0A04FC94B}">
-              <ma14:wrappingTextBoxFlag xmlns:ma14="http://schemas.microsoft.com/office/mac/drawingml/2011/main" xmlns="" val="1"/>
+              <ma14:wrappingTextBoxFlag xmlns="" xmlns:ma14="http://schemas.microsoft.com/office/mac/drawingml/2011/main" val="1"/>
             </a:ext>
           </a:extLst>
         </p:spPr>
@@ -28421,7 +28282,7 @@
           </a:ln>
           <a:extLst>
             <a:ext uri="{C572A759-6A51-4108-AA02-DFA0A04FC94B}">
-              <ma14:wrappingTextBoxFlag xmlns:ma14="http://schemas.microsoft.com/office/mac/drawingml/2011/main" xmlns="" val="1"/>
+              <ma14:wrappingTextBoxFlag xmlns="" xmlns:ma14="http://schemas.microsoft.com/office/mac/drawingml/2011/main" val="1"/>
             </a:ext>
           </a:extLst>
         </p:spPr>
@@ -28470,7 +28331,7 @@
           </a:ln>
           <a:extLst>
             <a:ext uri="{C572A759-6A51-4108-AA02-DFA0A04FC94B}">
-              <ma14:wrappingTextBoxFlag xmlns:ma14="http://schemas.microsoft.com/office/mac/drawingml/2011/main" xmlns="" val="1"/>
+              <ma14:wrappingTextBoxFlag xmlns="" xmlns:ma14="http://schemas.microsoft.com/office/mac/drawingml/2011/main" val="1"/>
             </a:ext>
           </a:extLst>
         </p:spPr>
@@ -28519,7 +28380,7 @@
           </a:ln>
           <a:extLst>
             <a:ext uri="{C572A759-6A51-4108-AA02-DFA0A04FC94B}">
-              <ma14:wrappingTextBoxFlag xmlns:ma14="http://schemas.microsoft.com/office/mac/drawingml/2011/main" xmlns="" val="1"/>
+              <ma14:wrappingTextBoxFlag xmlns="" xmlns:ma14="http://schemas.microsoft.com/office/mac/drawingml/2011/main" val="1"/>
             </a:ext>
           </a:extLst>
         </p:spPr>
@@ -28568,7 +28429,7 @@
           </a:ln>
           <a:extLst>
             <a:ext uri="{C572A759-6A51-4108-AA02-DFA0A04FC94B}">
-              <ma14:wrappingTextBoxFlag xmlns:ma14="http://schemas.microsoft.com/office/mac/drawingml/2011/main" xmlns="" val="1"/>
+              <ma14:wrappingTextBoxFlag xmlns="" xmlns:ma14="http://schemas.microsoft.com/office/mac/drawingml/2011/main" val="1"/>
             </a:ext>
           </a:extLst>
         </p:spPr>
@@ -28607,9 +28468,7 @@
           <p:nvPr/>
         </p:nvPicPr>
         <p:blipFill>
-          <a:blip r:embed="rId2">
-            <a:extLst/>
-          </a:blip>
+          <a:blip r:embed="rId2"/>
           <a:srcRect l="24950" r="54504" b="49478"/>
           <a:stretch>
             <a:fillRect/>
@@ -28655,11 +28514,7 @@
           <a:p>
             <a:r>
               <a:rPr lang="en-US" dirty="0"/>
-              <a:t>Harris corner detection: </a:t>
-            </a:r>
-            <a:r>
-              <a:rPr lang="en-US" dirty="0" smtClean="0"/>
-              <a:t>probabilistic interpretation</a:t>
+              <a:t>Harris corner detection: probabilistic interpretation</a:t>
             </a:r>
             <a:endParaRPr dirty="0"/>
           </a:p>
@@ -28991,13 +28846,8 @@
           <a:p>
             <a:r>
               <a:rPr lang="en-US" dirty="0"/>
-              <a:t>Harris corner detection: </a:t>
+              <a:t>Harris corner detection</a:t>
             </a:r>
-            <a:r>
-              <a:rPr lang="en-US" dirty="0" smtClean="0"/>
-              <a:t>geometric interpretation</a:t>
-            </a:r>
-            <a:endParaRPr lang="en-US" dirty="0"/>
           </a:p>
         </p:txBody>
       </p:sp>
@@ -29520,8 +29370,8 @@
           <a:chExt cx="0" cy="0"/>
         </a:xfrm>
       </p:grpSpPr>
-      <mc:AlternateContent xmlns:mc="http://schemas.openxmlformats.org/markup-compatibility/2006" xmlns:a14="http://schemas.microsoft.com/office/drawing/2010/main">
-        <mc:Choice Requires="a14">
+      <mc:AlternateContent xmlns:mc="http://schemas.openxmlformats.org/markup-compatibility/2006">
+        <mc:Choice xmlns:a14="http://schemas.microsoft.com/office/drawing/2010/main" Requires="a14">
           <p:sp>
             <p:nvSpPr>
               <p:cNvPr id="36866" name="Rectangle 10"/>
@@ -29558,13 +29408,13 @@
                   <a:buChar char="•"/>
                 </a:pPr>
                 <a:r>
-                  <a:rPr lang="en-US" sz="2000" b="0" dirty="0"/>
+                  <a:rPr lang="en-US" sz="2800" b="0" dirty="0"/>
                   <a:t>Taylor Series expansion of </a:t>
                 </a:r>
                 <a14:m>
                   <m:oMath xmlns:m="http://schemas.openxmlformats.org/officeDocument/2006/math">
                     <m:r>
-                      <a:rPr lang="en-US" sz="2000" b="0" i="1" dirty="0" smtClean="0">
+                      <a:rPr lang="en-US" sz="2800" b="0" i="1" dirty="0" smtClean="0">
                         <a:latin typeface="Cambria Math"/>
                       </a:rPr>
                       <m:t>𝐼</m:t>
@@ -29572,29 +29422,17 @@
                   </m:oMath>
                 </a14:m>
                 <a:r>
-                  <a:rPr lang="en-US" sz="2000" b="0" dirty="0"/>
+                  <a:rPr lang="en-US" sz="2800" b="0" dirty="0"/>
                   <a:t>:</a:t>
                 </a:r>
               </a:p>
               <a:p>
-                <a:pPr marL="342900" indent="-342900">
+                <a:pPr>
                   <a:spcBef>
                     <a:spcPct val="20000"/>
                   </a:spcBef>
-                  <a:buFont typeface="Arial" pitchFamily="34" charset="0"/>
-                  <a:buChar char="•"/>
                 </a:pPr>
-                <a:endParaRPr lang="en-US" sz="2000" b="0" dirty="0"/>
-              </a:p>
-              <a:p>
-                <a:pPr marL="342900" indent="-342900">
-                  <a:spcBef>
-                    <a:spcPct val="20000"/>
-                  </a:spcBef>
-                  <a:buFont typeface="Arial" pitchFamily="34" charset="0"/>
-                  <a:buChar char="•"/>
-                </a:pPr>
-                <a:endParaRPr lang="en-US" sz="2000" b="0" dirty="0"/>
+                <a:endParaRPr lang="en-US" sz="2800" b="0" dirty="0"/>
               </a:p>
               <a:p>
                 <a:pPr marL="342900" indent="-342900">
@@ -29605,37 +29443,37 @@
                   <a:buChar char="•"/>
                 </a:pPr>
                 <a:r>
-                  <a:rPr lang="en-US" sz="2000" b="0" dirty="0"/>
+                  <a:rPr lang="en-US" sz="2800" b="0" dirty="0"/>
                   <a:t>If the motion </a:t>
                 </a:r>
                 <a14:m>
                   <m:oMath xmlns:m="http://schemas.openxmlformats.org/officeDocument/2006/math">
                     <m:r>
-                      <a:rPr lang="en-US" sz="2000" b="0" i="1" dirty="0" smtClean="0">
+                      <a:rPr lang="en-US" sz="2800" b="0" i="1" dirty="0" smtClean="0">
                         <a:latin typeface="Cambria Math"/>
                       </a:rPr>
                       <m:t>(</m:t>
                     </m:r>
                     <m:r>
-                      <a:rPr lang="en-US" sz="2000" b="0" i="1" dirty="0" err="1">
+                      <a:rPr lang="en-US" sz="2800" b="0" i="1" dirty="0" err="1">
                         <a:latin typeface="Cambria Math"/>
                       </a:rPr>
                       <m:t>𝑢</m:t>
                     </m:r>
                     <m:r>
-                      <a:rPr lang="en-US" sz="2000" b="0" i="1" dirty="0" err="1">
+                      <a:rPr lang="en-US" sz="2800" b="0" i="1" dirty="0" err="1">
                         <a:latin typeface="Cambria Math"/>
                       </a:rPr>
                       <m:t>,</m:t>
                     </m:r>
                     <m:r>
-                      <a:rPr lang="en-US" sz="2000" b="0" i="1" dirty="0" err="1">
+                      <a:rPr lang="en-US" sz="2800" b="0" i="1" dirty="0" err="1">
                         <a:latin typeface="Cambria Math"/>
                       </a:rPr>
                       <m:t>𝑣</m:t>
                     </m:r>
                     <m:r>
-                      <a:rPr lang="en-US" sz="2000" b="0" i="1" dirty="0">
+                      <a:rPr lang="en-US" sz="2800" b="0" i="1" dirty="0">
                         <a:latin typeface="Cambria Math"/>
                       </a:rPr>
                       <m:t>)</m:t>
@@ -29643,19 +29481,9 @@
                   </m:oMath>
                 </a14:m>
                 <a:r>
-                  <a:rPr lang="en-US" sz="2000" b="0" dirty="0"/>
+                  <a:rPr lang="en-US" sz="2800" b="0" dirty="0"/>
                   <a:t> is small, then first order approximation is good</a:t>
                 </a:r>
-              </a:p>
-              <a:p>
-                <a:pPr marL="342900" indent="-342900">
-                  <a:spcBef>
-                    <a:spcPct val="20000"/>
-                  </a:spcBef>
-                  <a:buFont typeface="Arial" pitchFamily="34" charset="0"/>
-                  <a:buChar char="•"/>
-                </a:pPr>
-                <a:endParaRPr lang="en-US" sz="2000" dirty="0"/>
               </a:p>
               <a:p>
                 <a:pPr>
@@ -29663,7 +29491,7 @@
                     <a:spcPct val="20000"/>
                   </a:spcBef>
                 </a:pPr>
-                <a:endParaRPr lang="en-US" sz="2000" b="0" dirty="0"/>
+                <a:endParaRPr lang="en-US" sz="2800" b="0" dirty="0"/>
               </a:p>
               <a:p>
                 <a:pPr marL="342900" indent="-342900">
@@ -29674,10 +29502,18 @@
                   <a:buChar char="•"/>
                 </a:pPr>
                 <a:r>
-                  <a:rPr lang="en-US" sz="2000" dirty="0"/>
+                  <a:rPr lang="en-US" sz="2800" dirty="0"/>
                   <a:t>Plug it into the SSD error term:</a:t>
                 </a:r>
-                <a:endParaRPr lang="en-US" sz="2000" b="0" dirty="0"/>
+                <a:endParaRPr lang="en-US" sz="2800" b="0" dirty="0"/>
+              </a:p>
+              <a:p>
+                <a:pPr>
+                  <a:spcBef>
+                    <a:spcPct val="20000"/>
+                  </a:spcBef>
+                </a:pPr>
+                <a:endParaRPr lang="en-US" sz="2800" b="0" dirty="0"/>
               </a:p>
               <a:p>
                 <a:pPr marL="342900" indent="-342900">
@@ -29687,7 +29523,7 @@
                   <a:buFont typeface="Arial" pitchFamily="34" charset="0"/>
                   <a:buChar char="•"/>
                 </a:pPr>
-                <a:endParaRPr lang="en-US" sz="2000" b="0" dirty="0"/>
+                <a:endParaRPr lang="en-US" sz="2800" b="0" dirty="0"/>
               </a:p>
               <a:p>
                 <a:pPr marL="342900" indent="-342900">
@@ -29697,7 +29533,7 @@
                   <a:buFont typeface="Arial" pitchFamily="34" charset="0"/>
                   <a:buChar char="•"/>
                 </a:pPr>
-                <a:endParaRPr lang="en-US" sz="2000" b="0" dirty="0"/>
+                <a:endParaRPr lang="en-US" sz="2800" b="0" dirty="0"/>
               </a:p>
               <a:p>
                 <a:pPr marL="342900" indent="-342900">
@@ -29707,17 +29543,7 @@
                   <a:buFont typeface="Arial" pitchFamily="34" charset="0"/>
                   <a:buChar char="•"/>
                 </a:pPr>
-                <a:endParaRPr lang="en-US" sz="2000" b="0" dirty="0"/>
-              </a:p>
-              <a:p>
-                <a:pPr marL="342900" indent="-342900">
-                  <a:spcBef>
-                    <a:spcPct val="20000"/>
-                  </a:spcBef>
-                  <a:buFont typeface="Arial" pitchFamily="34" charset="0"/>
-                  <a:buChar char="•"/>
-                </a:pPr>
-                <a:endParaRPr lang="en-US" sz="2000" b="0" dirty="0"/>
+                <a:endParaRPr lang="en-US" sz="2800" b="0" dirty="0"/>
               </a:p>
               <a:p>
                 <a:pPr marL="742950" lvl="1" indent="-285750">
@@ -29727,12 +29553,12 @@
                   <a:buFontTx/>
                   <a:buChar char="•"/>
                 </a:pPr>
-                <a:endParaRPr lang="en-US" sz="2000" b="0" dirty="0"/>
+                <a:endParaRPr lang="en-US" sz="2800" b="0" dirty="0"/>
               </a:p>
             </p:txBody>
           </p:sp>
         </mc:Choice>
-        <mc:Fallback xmlns="">
+        <mc:Fallback>
           <p:sp>
             <p:nvSpPr>
               <p:cNvPr id="36866" name="Rectangle 10"/>
@@ -29749,10 +29575,10 @@
               <a:prstGeom prst="rect">
                 <a:avLst/>
               </a:prstGeom>
-              <a:blipFill rotWithShape="1">
+              <a:blipFill>
                 <a:blip r:embed="rId5"/>
                 <a:stretch>
-                  <a:fillRect l="-505" t="-579"/>
+                  <a:fillRect l="-1010" t="-1043"/>
                 </a:stretch>
               </a:blipFill>
               <a:ln w="9525">
@@ -29794,9 +29620,8 @@
           <a:p>
             <a:r>
               <a:rPr lang="en-US" dirty="0"/>
-              <a:t>Harris corner detection: geometric interpretation</a:t>
+              <a:t>Harris corner detection</a:t>
             </a:r>
-            <a:endParaRPr lang="en-US" dirty="0"/>
           </a:p>
         </p:txBody>
       </p:sp>
@@ -29822,7 +29647,7 @@
         </p:blipFill>
         <p:spPr>
           <a:xfrm>
-            <a:off x="432441" y="2294965"/>
+            <a:off x="432441" y="2357109"/>
             <a:ext cx="4641583" cy="471488"/>
           </a:xfrm>
         </p:spPr>
@@ -29880,7 +29705,7 @@
         </p:blipFill>
         <p:spPr bwMode="auto">
           <a:xfrm>
-            <a:off x="334677" y="3397156"/>
+            <a:off x="334677" y="3379400"/>
             <a:ext cx="7141881" cy="668314"/>
           </a:xfrm>
           <a:prstGeom prst="rect">
@@ -29912,7 +29737,7 @@
         </p:blipFill>
         <p:spPr bwMode="auto">
           <a:xfrm>
-            <a:off x="1726506" y="4163729"/>
+            <a:off x="1726506" y="4145973"/>
             <a:ext cx="6101976" cy="682264"/>
           </a:xfrm>
           <a:prstGeom prst="rect">
@@ -29944,7 +29769,7 @@
         </p:blipFill>
         <p:spPr bwMode="auto">
           <a:xfrm>
-            <a:off x="1798226" y="5007047"/>
+            <a:off x="1798226" y="4989291"/>
             <a:ext cx="3634386" cy="658403"/>
           </a:xfrm>
           <a:prstGeom prst="rect">
@@ -30006,9 +29831,8 @@
           <a:p>
             <a:r>
               <a:rPr lang="en-US" dirty="0"/>
-              <a:t>Harris corner detection: geometric interpretation</a:t>
+              <a:t>Harris corner detection</a:t>
             </a:r>
-            <a:endParaRPr lang="en-US" dirty="0"/>
           </a:p>
         </p:txBody>
       </p:sp>
@@ -30145,7 +29969,7 @@
           <p:cNvPr id="19" name="Group 18">
             <a:extLst>
               <a:ext uri="{FF2B5EF4-FFF2-40B4-BE49-F238E27FC236}">
-                <a16:creationId xmlns:a16="http://schemas.microsoft.com/office/drawing/2014/main" xmlns="" id="{96D493C6-FD8D-4994-A2D5-77B5BA5B5BC5}"/>
+                <a16:creationId xmlns:a16="http://schemas.microsoft.com/office/drawing/2014/main" id="{96D493C6-FD8D-4994-A2D5-77B5BA5B5BC5}"/>
               </a:ext>
             </a:extLst>
           </p:cNvPr>
@@ -30165,7 +29989,7 @@
             <p:cNvPr id="23" name="Picture 4">
               <a:extLst>
                 <a:ext uri="{FF2B5EF4-FFF2-40B4-BE49-F238E27FC236}">
-                  <a16:creationId xmlns:a16="http://schemas.microsoft.com/office/drawing/2014/main" xmlns="" id="{57157CBB-0154-4E55-AAE5-181D9CB282C3}"/>
+                  <a16:creationId xmlns:a16="http://schemas.microsoft.com/office/drawing/2014/main" id="{57157CBB-0154-4E55-AAE5-181D9CB282C3}"/>
                 </a:ext>
               </a:extLst>
             </p:cNvPr>
@@ -30203,7 +30027,7 @@
             <p:cNvPr id="24" name="Rectangle 23">
               <a:extLst>
                 <a:ext uri="{FF2B5EF4-FFF2-40B4-BE49-F238E27FC236}">
-                  <a16:creationId xmlns:a16="http://schemas.microsoft.com/office/drawing/2014/main" xmlns="" id="{6CF9D9D9-8F2A-455C-89F5-C0C6977F8323}"/>
+                  <a16:creationId xmlns:a16="http://schemas.microsoft.com/office/drawing/2014/main" id="{6CF9D9D9-8F2A-455C-89F5-C0C6977F8323}"/>
                 </a:ext>
               </a:extLst>
             </p:cNvPr>
@@ -30258,7 +30082,7 @@
           <p:cNvPr id="25" name="Left Brace 17">
             <a:extLst>
               <a:ext uri="{FF2B5EF4-FFF2-40B4-BE49-F238E27FC236}">
-                <a16:creationId xmlns:a16="http://schemas.microsoft.com/office/drawing/2014/main" xmlns="" id="{32288ED3-C48F-4694-9FDD-84A1FC1444C1}"/>
+                <a16:creationId xmlns:a16="http://schemas.microsoft.com/office/drawing/2014/main" id="{32288ED3-C48F-4694-9FDD-84A1FC1444C1}"/>
               </a:ext>
             </a:extLst>
           </p:cNvPr>
@@ -30301,7 +30125,7 @@
           <p:cNvPr id="26" name="Picture 20" descr="TP_tmp.emf">
             <a:extLst>
               <a:ext uri="{FF2B5EF4-FFF2-40B4-BE49-F238E27FC236}">
-                <a16:creationId xmlns:a16="http://schemas.microsoft.com/office/drawing/2014/main" xmlns="" id="{6E7724B0-9B0C-4741-A3B2-2345D52CF8F7}"/>
+                <a16:creationId xmlns:a16="http://schemas.microsoft.com/office/drawing/2014/main" id="{6E7724B0-9B0C-4741-A3B2-2345D52CF8F7}"/>
               </a:ext>
             </a:extLst>
           </p:cNvPr>
@@ -30343,7 +30167,7 @@
           <p:cNvPr id="3" name="Group 2">
             <a:extLst>
               <a:ext uri="{FF2B5EF4-FFF2-40B4-BE49-F238E27FC236}">
-                <a16:creationId xmlns:a16="http://schemas.microsoft.com/office/drawing/2014/main" xmlns="" id="{DCB8E157-BB2E-42B9-BF9B-01B7976AB3BC}"/>
+                <a16:creationId xmlns:a16="http://schemas.microsoft.com/office/drawing/2014/main" id="{DCB8E157-BB2E-42B9-BF9B-01B7976AB3BC}"/>
               </a:ext>
             </a:extLst>
           </p:cNvPr>
@@ -30363,7 +30187,7 @@
             <p:cNvPr id="27" name="Picture 16">
               <a:extLst>
                 <a:ext uri="{FF2B5EF4-FFF2-40B4-BE49-F238E27FC236}">
-                  <a16:creationId xmlns:a16="http://schemas.microsoft.com/office/drawing/2014/main" xmlns="" id="{B305AAAD-D6D9-4830-B581-F807363983C9}"/>
+                  <a16:creationId xmlns:a16="http://schemas.microsoft.com/office/drawing/2014/main" id="{B305AAAD-D6D9-4830-B581-F807363983C9}"/>
                 </a:ext>
               </a:extLst>
             </p:cNvPr>
@@ -30401,7 +30225,7 @@
             <p:cNvPr id="28" name="TextBox 27">
               <a:extLst>
                 <a:ext uri="{FF2B5EF4-FFF2-40B4-BE49-F238E27FC236}">
-                  <a16:creationId xmlns:a16="http://schemas.microsoft.com/office/drawing/2014/main" xmlns="" id="{9E428CFB-1706-4E18-99AA-E50EA979F8EA}"/>
+                  <a16:creationId xmlns:a16="http://schemas.microsoft.com/office/drawing/2014/main" id="{9E428CFB-1706-4E18-99AA-E50EA979F8EA}"/>
                 </a:ext>
               </a:extLst>
             </p:cNvPr>
@@ -30436,7 +30260,7 @@
             <p:cNvPr id="29" name="TextBox 28">
               <a:extLst>
                 <a:ext uri="{FF2B5EF4-FFF2-40B4-BE49-F238E27FC236}">
-                  <a16:creationId xmlns:a16="http://schemas.microsoft.com/office/drawing/2014/main" xmlns="" id="{42E30E86-828A-4962-B6AD-31A7D7913C06}"/>
+                  <a16:creationId xmlns:a16="http://schemas.microsoft.com/office/drawing/2014/main" id="{42E30E86-828A-4962-B6AD-31A7D7913C06}"/>
                 </a:ext>
               </a:extLst>
             </p:cNvPr>
@@ -30471,7 +30295,7 @@
             <p:cNvPr id="30" name="TextBox 29">
               <a:extLst>
                 <a:ext uri="{FF2B5EF4-FFF2-40B4-BE49-F238E27FC236}">
-                  <a16:creationId xmlns:a16="http://schemas.microsoft.com/office/drawing/2014/main" xmlns="" id="{3CE37FD6-BB45-4151-B099-34ADEB56DBE9}"/>
+                  <a16:creationId xmlns:a16="http://schemas.microsoft.com/office/drawing/2014/main" id="{3CE37FD6-BB45-4151-B099-34ADEB56DBE9}"/>
                 </a:ext>
               </a:extLst>
             </p:cNvPr>
@@ -30515,7 +30339,7 @@
           <p:cNvPr id="4" name="TextBox 3">
             <a:extLst>
               <a:ext uri="{FF2B5EF4-FFF2-40B4-BE49-F238E27FC236}">
-                <a16:creationId xmlns:a16="http://schemas.microsoft.com/office/drawing/2014/main" xmlns="" id="{B95F911D-2D2E-462E-A0E1-2D57C5C492E8}"/>
+                <a16:creationId xmlns:a16="http://schemas.microsoft.com/office/drawing/2014/main" id="{B95F911D-2D2E-462E-A0E1-2D57C5C492E8}"/>
               </a:ext>
             </a:extLst>
           </p:cNvPr>
@@ -30525,7 +30349,7 @@
         <p:spPr>
           <a:xfrm>
             <a:off x="852255" y="4341180"/>
-            <a:ext cx="4121211" cy="646331"/>
+            <a:ext cx="4121211" cy="369332"/>
           </a:xfrm>
           <a:prstGeom prst="rect">
             <a:avLst/>
@@ -30544,21 +30368,8 @@
             </a:r>
             <a:r>
               <a:rPr lang="en-US" b="1" dirty="0"/>
-              <a:t>second-moments </a:t>
+              <a:t>second-moments matrix</a:t>
             </a:r>
-            <a:r>
-              <a:rPr lang="en-US" b="1" dirty="0" smtClean="0"/>
-              <a:t>matrix </a:t>
-            </a:r>
-            <a:r>
-              <a:rPr lang="en-US" dirty="0" smtClean="0"/>
-              <a:t>or</a:t>
-            </a:r>
-            <a:r>
-              <a:rPr lang="en-US" b="1" dirty="0" smtClean="0"/>
-              <a:t> covariance matrix</a:t>
-            </a:r>
-            <a:endParaRPr lang="en-US" b="1" dirty="0"/>
           </a:p>
         </p:txBody>
       </p:sp>
@@ -30567,7 +30378,7 @@
           <p:cNvPr id="6" name="Straight Arrow Connector 5">
             <a:extLst>
               <a:ext uri="{FF2B5EF4-FFF2-40B4-BE49-F238E27FC236}">
-                <a16:creationId xmlns:a16="http://schemas.microsoft.com/office/drawing/2014/main" xmlns="" id="{A77245C2-32A3-4E88-B419-269B3DFA529A}"/>
+                <a16:creationId xmlns:a16="http://schemas.microsoft.com/office/drawing/2014/main" id="{A77245C2-32A3-4E88-B419-269B3DFA529A}"/>
               </a:ext>
             </a:extLst>
           </p:cNvPr>
@@ -31256,7 +31067,7 @@
           <p:cNvPr id="28" name="Title 1">
             <a:extLst>
               <a:ext uri="{FF2B5EF4-FFF2-40B4-BE49-F238E27FC236}">
-                <a16:creationId xmlns:a16="http://schemas.microsoft.com/office/drawing/2014/main" xmlns="" id="{D281A877-3056-44E9-80AC-29BD92E34473}"/>
+                <a16:creationId xmlns:a16="http://schemas.microsoft.com/office/drawing/2014/main" id="{D281A877-3056-44E9-80AC-29BD92E34473}"/>
               </a:ext>
             </a:extLst>
           </p:cNvPr>
@@ -31279,9 +31090,8 @@
           <a:p>
             <a:r>
               <a:rPr lang="en-US" dirty="0"/>
-              <a:t>Harris corner detection: geometric interpretation</a:t>
+              <a:t>Harris corner detection</a:t>
             </a:r>
-            <a:endParaRPr lang="en-US" dirty="0"/>
           </a:p>
         </p:txBody>
       </p:sp>
@@ -31832,7 +31642,7 @@
           <p:cNvPr id="26" name="Picture 4">
             <a:extLst>
               <a:ext uri="{FF2B5EF4-FFF2-40B4-BE49-F238E27FC236}">
-                <a16:creationId xmlns:a16="http://schemas.microsoft.com/office/drawing/2014/main" xmlns="" id="{D061BC92-94BB-4699-BBA1-FA96B5D9B5E1}"/>
+                <a16:creationId xmlns:a16="http://schemas.microsoft.com/office/drawing/2014/main" id="{D061BC92-94BB-4699-BBA1-FA96B5D9B5E1}"/>
               </a:ext>
             </a:extLst>
           </p:cNvPr>
@@ -31870,7 +31680,7 @@
           <p:cNvPr id="27" name="Left Brace 17">
             <a:extLst>
               <a:ext uri="{FF2B5EF4-FFF2-40B4-BE49-F238E27FC236}">
-                <a16:creationId xmlns:a16="http://schemas.microsoft.com/office/drawing/2014/main" xmlns="" id="{F4B03C04-72AD-47DD-B029-C4902DCA5E09}"/>
+                <a16:creationId xmlns:a16="http://schemas.microsoft.com/office/drawing/2014/main" id="{F4B03C04-72AD-47DD-B029-C4902DCA5E09}"/>
               </a:ext>
             </a:extLst>
           </p:cNvPr>
@@ -31913,7 +31723,7 @@
           <p:cNvPr id="28" name="Picture 20" descr="TP_tmp.emf">
             <a:extLst>
               <a:ext uri="{FF2B5EF4-FFF2-40B4-BE49-F238E27FC236}">
-                <a16:creationId xmlns:a16="http://schemas.microsoft.com/office/drawing/2014/main" xmlns="" id="{7CAF7626-4B46-429B-9109-3C717E40F8DD}"/>
+                <a16:creationId xmlns:a16="http://schemas.microsoft.com/office/drawing/2014/main" id="{7CAF7626-4B46-429B-9109-3C717E40F8DD}"/>
               </a:ext>
             </a:extLst>
           </p:cNvPr>
@@ -31955,7 +31765,7 @@
           <p:cNvPr id="29" name="Title 1">
             <a:extLst>
               <a:ext uri="{FF2B5EF4-FFF2-40B4-BE49-F238E27FC236}">
-                <a16:creationId xmlns:a16="http://schemas.microsoft.com/office/drawing/2014/main" xmlns="" id="{DBE53FFE-4416-45D8-A714-82AC5359EDFC}"/>
+                <a16:creationId xmlns:a16="http://schemas.microsoft.com/office/drawing/2014/main" id="{DBE53FFE-4416-45D8-A714-82AC5359EDFC}"/>
               </a:ext>
             </a:extLst>
           </p:cNvPr>
@@ -31978,9 +31788,8 @@
           <a:p>
             <a:r>
               <a:rPr lang="en-US" dirty="0"/>
-              <a:t>Harris corner detection: geometric interpretation</a:t>
+              <a:t>Harris corner detection</a:t>
             </a:r>
-            <a:endParaRPr lang="en-US" dirty="0"/>
           </a:p>
         </p:txBody>
       </p:sp>
@@ -32019,7 +31828,7 @@
           <p:cNvPr id="3" name="Content Placeholder 2">
             <a:extLst>
               <a:ext uri="{FF2B5EF4-FFF2-40B4-BE49-F238E27FC236}">
-                <a16:creationId xmlns:a16="http://schemas.microsoft.com/office/drawing/2014/main" xmlns="" id="{F4D1FC57-AF3F-4078-BDFD-6239486CA5E4}"/>
+                <a16:creationId xmlns:a16="http://schemas.microsoft.com/office/drawing/2014/main" id="{F4D1FC57-AF3F-4078-BDFD-6239486CA5E4}"/>
               </a:ext>
             </a:extLst>
           </p:cNvPr>
@@ -32109,7 +31918,7 @@
           <p:cNvPr id="7174" name="Picture 6">
             <a:extLst>
               <a:ext uri="{FF2B5EF4-FFF2-40B4-BE49-F238E27FC236}">
-                <a16:creationId xmlns:a16="http://schemas.microsoft.com/office/drawing/2014/main" xmlns="" id="{AE6A78A5-E4DA-45C1-99DC-2A5FD385EC6F}"/>
+                <a16:creationId xmlns:a16="http://schemas.microsoft.com/office/drawing/2014/main" id="{AE6A78A5-E4DA-45C1-99DC-2A5FD385EC6F}"/>
               </a:ext>
             </a:extLst>
           </p:cNvPr>
@@ -32170,7 +31979,7 @@
           </a:ln>
           <a:extLst>
             <a:ext uri="{C572A759-6A51-4108-AA02-DFA0A04FC94B}">
-              <ma14:wrappingTextBoxFlag xmlns:ma14="http://schemas.microsoft.com/office/mac/drawingml/2011/main" xmlns="" val="1"/>
+              <ma14:wrappingTextBoxFlag xmlns="" xmlns:ma14="http://schemas.microsoft.com/office/mac/drawingml/2011/main" val="1"/>
             </a:ext>
           </a:extLst>
         </p:spPr>
@@ -32184,7 +31993,7 @@
               <a:defRPr/>
             </a:pPr>
             <a:r>
-              <a:rPr lang="en-US" sz="3000" kern="0" dirty="0" smtClean="0">
+              <a:rPr lang="en-US" sz="3000" kern="0" dirty="0">
                 <a:solidFill>
                   <a:srgbClr val="000000"/>
                 </a:solidFill>
@@ -32194,27 +32003,17 @@
               <a:t>4</a:t>
             </a:r>
             <a:r>
-              <a:rPr sz="3000" kern="0" dirty="0" smtClean="0">
+              <a:rPr sz="3000" kern="0" dirty="0">
                 <a:solidFill>
                   <a:srgbClr val="000000"/>
                 </a:solidFill>
                 <a:latin typeface="Helvetica Light"/>
                 <a:sym typeface="Helvetica Light"/>
               </a:rPr>
-              <a:t>. </a:t>
+              <a:t>. Compute the </a:t>
             </a:r>
             <a:r>
-              <a:rPr sz="3000" kern="0" dirty="0">
-                <a:solidFill>
-                  <a:srgbClr val="000000"/>
-                </a:solidFill>
-                <a:latin typeface="Helvetica Light"/>
-                <a:sym typeface="Helvetica Light"/>
-              </a:rPr>
-              <a:t>Compute the </a:t>
-            </a:r>
-            <a:r>
-              <a:rPr lang="en-US" sz="3000" kern="0" dirty="0" err="1" smtClean="0">
+              <a:rPr lang="en-US" sz="3000" kern="0" dirty="0" err="1">
                 <a:solidFill>
                   <a:srgbClr val="000000"/>
                 </a:solidFill>
@@ -32272,10 +32071,9 @@
           </a:lstStyle>
           <a:p>
             <a:r>
-              <a:rPr lang="en-US" dirty="0" smtClean="0"/>
+              <a:rPr lang="en-US" dirty="0"/>
               <a:t>Harris corner detection: probabilistic interpretation</a:t>
             </a:r>
-            <a:endParaRPr lang="en-US" dirty="0"/>
           </a:p>
         </p:txBody>
       </p:sp>
@@ -32289,14 +32087,6 @@
   <p:clrMapOvr>
     <a:masterClrMapping/>
   </p:clrMapOvr>
-  <mc:AlternateContent xmlns:mc="http://schemas.openxmlformats.org/markup-compatibility/2006">
-    <mc:Choice xmlns:p14="http://schemas.microsoft.com/office/powerpoint/2010/main" Requires="p14">
-      <p:transition spd="slow" p14:dur="2000"/>
-    </mc:Choice>
-    <mc:Fallback>
-      <p:transition spd="slow"/>
-    </mc:Fallback>
-  </mc:AlternateContent>
 </p:sld>
 </file>
 
@@ -32322,7 +32112,7 @@
           <p:cNvPr id="2" name="Title 1">
             <a:extLst>
               <a:ext uri="{FF2B5EF4-FFF2-40B4-BE49-F238E27FC236}">
-                <a16:creationId xmlns:a16="http://schemas.microsoft.com/office/drawing/2014/main" xmlns="" id="{6C59EDE2-7E6C-4BC3-8C40-233548B2D79B}"/>
+                <a16:creationId xmlns:a16="http://schemas.microsoft.com/office/drawing/2014/main" id="{6C59EDE2-7E6C-4BC3-8C40-233548B2D79B}"/>
               </a:ext>
             </a:extLst>
           </p:cNvPr>
@@ -32340,9 +32130,8 @@
           <a:p>
             <a:r>
               <a:rPr lang="en-US" dirty="0"/>
-              <a:t>Harris corner detection: geometric interpretation</a:t>
+              <a:t>Harris corner detection</a:t>
             </a:r>
-            <a:endParaRPr lang="en-US" dirty="0"/>
           </a:p>
         </p:txBody>
       </p:sp>
@@ -32353,7 +32142,7 @@
               <p:cNvPr id="3" name="Content Placeholder 2">
                 <a:extLst>
                   <a:ext uri="{FF2B5EF4-FFF2-40B4-BE49-F238E27FC236}">
-                    <a16:creationId xmlns:a16="http://schemas.microsoft.com/office/drawing/2014/main" xmlns="" id="{5F94B82D-E0B3-4F67-AB6D-EE0190DEF29F}"/>
+                    <a16:creationId xmlns:a16="http://schemas.microsoft.com/office/drawing/2014/main" id="{5F94B82D-E0B3-4F67-AB6D-EE0190DEF29F}"/>
                   </a:ext>
                 </a:extLst>
               </p:cNvPr>
@@ -32406,7 +32195,7 @@
                       <m:dPr>
                         <m:ctrlPr>
                           <a:rPr lang="en-US" b="0" i="1" smtClean="0">
-                            <a:latin typeface="Cambria Math"/>
+                            <a:latin typeface="Cambria Math" panose="02040503050406030204" pitchFamily="18" charset="0"/>
                           </a:rPr>
                         </m:ctrlPr>
                       </m:dPr>
@@ -32477,7 +32266,7 @@
           <p:cNvPr id="8196" name="Picture 4">
             <a:extLst>
               <a:ext uri="{FF2B5EF4-FFF2-40B4-BE49-F238E27FC236}">
-                <a16:creationId xmlns:a16="http://schemas.microsoft.com/office/drawing/2014/main" xmlns="" id="{BD2DC13E-7C92-4E04-9E1C-E94B93826A54}"/>
+                <a16:creationId xmlns:a16="http://schemas.microsoft.com/office/drawing/2014/main" id="{BD2DC13E-7C92-4E04-9E1C-E94B93826A54}"/>
               </a:ext>
             </a:extLst>
           </p:cNvPr>
@@ -32524,7 +32313,7 @@
           <p:cNvPr id="8198" name="Picture 6">
             <a:extLst>
               <a:ext uri="{FF2B5EF4-FFF2-40B4-BE49-F238E27FC236}">
-                <a16:creationId xmlns:a16="http://schemas.microsoft.com/office/drawing/2014/main" xmlns="" id="{8F4E4528-7DA3-4C57-8C96-3C37AFC2FAA9}"/>
+                <a16:creationId xmlns:a16="http://schemas.microsoft.com/office/drawing/2014/main" id="{8F4E4528-7DA3-4C57-8C96-3C37AFC2FAA9}"/>
               </a:ext>
             </a:extLst>
           </p:cNvPr>
@@ -32603,7 +32392,7 @@
               <p:cNvPr id="19" name="Content Placeholder 2">
                 <a:extLst>
                   <a:ext uri="{FF2B5EF4-FFF2-40B4-BE49-F238E27FC236}">
-                    <a16:creationId xmlns:a16="http://schemas.microsoft.com/office/drawing/2014/main" xmlns="" id="{6E5A4122-EB86-4108-80AB-EEE28410A988}"/>
+                    <a16:creationId xmlns:a16="http://schemas.microsoft.com/office/drawing/2014/main" id="{6E5A4122-EB86-4108-80AB-EEE28410A988}"/>
                   </a:ext>
                 </a:extLst>
               </p:cNvPr>
@@ -32835,7 +32624,7 @@
                             <a:solidFill>
                               <a:srgbClr val="000000"/>
                             </a:solidFill>
-                            <a:latin typeface="Cambria Math"/>
+                            <a:latin typeface="Cambria Math" panose="02040503050406030204" pitchFamily="18" charset="0"/>
                           </a:rPr>
                         </m:ctrlPr>
                       </m:dPr>
@@ -32856,7 +32645,7 @@
                                 <a:solidFill>
                                   <a:srgbClr val="000000"/>
                                 </a:solidFill>
-                                <a:latin typeface="Cambria Math"/>
+                                <a:latin typeface="Cambria Math" panose="02040503050406030204" pitchFamily="18" charset="0"/>
                               </a:rPr>
                             </m:ctrlPr>
                           </m:mPr>
@@ -32930,7 +32719,7 @@
                       <m:sSubPr>
                         <m:ctrlPr>
                           <a:rPr lang="en-US" i="1">
-                            <a:latin typeface="Cambria Math"/>
+                            <a:latin typeface="Cambria Math" panose="02040503050406030204" pitchFamily="18" charset="0"/>
                             <a:cs typeface="Times New Roman" pitchFamily="18" charset="0"/>
                             <a:sym typeface="Symbol" pitchFamily="18" charset="2"/>
                           </a:rPr>
@@ -32969,7 +32758,7 @@
                       <m:sSubPr>
                         <m:ctrlPr>
                           <a:rPr lang="en-US" i="1">
-                            <a:latin typeface="Cambria Math"/>
+                            <a:latin typeface="Cambria Math" panose="02040503050406030204" pitchFamily="18" charset="0"/>
                             <a:cs typeface="Times New Roman" pitchFamily="18" charset="0"/>
                             <a:sym typeface="Symbol" pitchFamily="18" charset="2"/>
                           </a:rPr>
@@ -33109,9 +32898,8 @@
           <a:p>
             <a:r>
               <a:rPr lang="en-US" dirty="0"/>
-              <a:t>Harris corner detection: geometric interpretation</a:t>
+              <a:t>Harris corner detection</a:t>
             </a:r>
-            <a:endParaRPr lang="en-US" dirty="0"/>
           </a:p>
         </p:txBody>
       </p:sp>
@@ -33120,7 +32908,7 @@
           <p:cNvPr id="17" name="Picture 2" descr="Image result for cross section of 3d parabola">
             <a:extLst>
               <a:ext uri="{FF2B5EF4-FFF2-40B4-BE49-F238E27FC236}">
-                <a16:creationId xmlns:a16="http://schemas.microsoft.com/office/drawing/2014/main" xmlns="" id="{91343A07-F01C-421A-8B2F-99615B63DF14}"/>
+                <a16:creationId xmlns:a16="http://schemas.microsoft.com/office/drawing/2014/main" id="{91343A07-F01C-421A-8B2F-99615B63DF14}"/>
               </a:ext>
             </a:extLst>
           </p:cNvPr>
@@ -33229,7 +33017,7 @@
                               <a:solidFill>
                                 <a:srgbClr val="FF0000"/>
                               </a:solidFill>
-                              <a:latin typeface="Cambria Math"/>
+                              <a:latin typeface="Cambria Math" panose="02040503050406030204" pitchFamily="18" charset="0"/>
                               <a:cs typeface="Times New Roman" pitchFamily="18" charset="0"/>
                             </a:rPr>
                           </m:ctrlPr>
@@ -33367,7 +33155,7 @@
                               <a:solidFill>
                                 <a:srgbClr val="0033CC"/>
                               </a:solidFill>
-                              <a:latin typeface="Cambria Math"/>
+                              <a:latin typeface="Cambria Math" panose="02040503050406030204" pitchFamily="18" charset="0"/>
                               <a:cs typeface="Times New Roman" pitchFamily="18" charset="0"/>
                             </a:rPr>
                           </m:ctrlPr>
@@ -33857,14 +33645,14 @@
           <a:chExt cx="0" cy="0"/>
         </a:xfrm>
       </p:grpSpPr>
-      <mc:AlternateContent xmlns:mc="http://schemas.openxmlformats.org/markup-compatibility/2006">
-        <mc:Choice xmlns:a14="http://schemas.microsoft.com/office/drawing/2010/main" Requires="a14">
+      <mc:AlternateContent xmlns:mc="http://schemas.openxmlformats.org/markup-compatibility/2006" xmlns:a14="http://schemas.microsoft.com/office/drawing/2010/main">
+        <mc:Choice Requires="a14">
           <p:sp>
             <p:nvSpPr>
               <p:cNvPr id="19" name="Content Placeholder 2">
                 <a:extLst>
                   <a:ext uri="{FF2B5EF4-FFF2-40B4-BE49-F238E27FC236}">
-                    <a16:creationId xmlns:a16="http://schemas.microsoft.com/office/drawing/2014/main" xmlns="" id="{6E5A4122-EB86-4108-80AB-EEE28410A988}"/>
+                    <a16:creationId xmlns:a16="http://schemas.microsoft.com/office/drawing/2014/main" id="{6E5A4122-EB86-4108-80AB-EEE28410A988}"/>
                   </a:ext>
                 </a:extLst>
               </p:cNvPr>
@@ -34025,7 +33813,7 @@
               </a:lstStyle>
               <a:p>
                 <a:r>
-                  <a:rPr lang="en-US" dirty="0" smtClean="0"/>
+                  <a:rPr lang="en-US" dirty="0"/>
                   <a:t>Eigenvalues and eigenvectors of </a:t>
                 </a:r>
                 <a14:m>
@@ -34051,7 +33839,7 @@
                       <m:sSubPr>
                         <m:ctrlPr>
                           <a:rPr lang="en-US" sz="2800" b="0" i="1" smtClean="0">
-                            <a:latin typeface="Cambria Math"/>
+                            <a:latin typeface="Cambria Math" panose="02040503050406030204" pitchFamily="18" charset="0"/>
                           </a:rPr>
                         </m:ctrlPr>
                       </m:sSubPr>
@@ -34129,7 +33917,7 @@
                       <m:sSubPr>
                         <m:ctrlPr>
                           <a:rPr lang="en-US" sz="2800" i="1">
-                            <a:latin typeface="Cambria Math"/>
+                            <a:latin typeface="Cambria Math" panose="02040503050406030204" pitchFamily="18" charset="0"/>
                           </a:rPr>
                         </m:ctrlPr>
                       </m:sSubPr>
@@ -34171,7 +33959,7 @@
                       <m:sSubPr>
                         <m:ctrlPr>
                           <a:rPr lang="en-US" sz="2800" b="0" i="1" dirty="0" smtClean="0">
-                            <a:latin typeface="Cambria Math"/>
+                            <a:latin typeface="Cambria Math" panose="02040503050406030204" pitchFamily="18" charset="0"/>
                           </a:rPr>
                         </m:ctrlPr>
                       </m:sSubPr>
@@ -34251,7 +34039,7 @@
                       <m:sSubPr>
                         <m:ctrlPr>
                           <a:rPr lang="en-US" sz="2800" b="0" i="1" dirty="0" smtClean="0">
-                            <a:latin typeface="Cambria Math"/>
+                            <a:latin typeface="Cambria Math" panose="02040503050406030204" pitchFamily="18" charset="0"/>
                           </a:rPr>
                         </m:ctrlPr>
                       </m:sSubPr>
@@ -34308,7 +34096,7 @@
                       <m:sSupPr>
                         <m:ctrlPr>
                           <a:rPr lang="en-US" b="1" i="1" smtClean="0">
-                            <a:latin typeface="Cambria Math"/>
+                            <a:latin typeface="Cambria Math" panose="02040503050406030204" pitchFamily="18" charset="0"/>
                             <a:ea typeface="Cambria Math" panose="02040503050406030204" pitchFamily="18" charset="0"/>
                           </a:rPr>
                         </m:ctrlPr>
@@ -34334,7 +34122,7 @@
                           <m:fPr>
                             <m:ctrlPr>
                               <a:rPr lang="en-US" b="1" i="1" smtClean="0">
-                                <a:latin typeface="Cambria Math"/>
+                                <a:latin typeface="Cambria Math" panose="02040503050406030204" pitchFamily="18" charset="0"/>
                                 <a:ea typeface="Cambria Math" panose="02040503050406030204" pitchFamily="18" charset="0"/>
                               </a:rPr>
                             </m:ctrlPr>
@@ -34427,7 +34215,7 @@
                       <m:dPr>
                         <m:ctrlPr>
                           <a:rPr lang="en-US" b="1" i="1" dirty="0" smtClean="0">
-                            <a:latin typeface="Cambria Math"/>
+                            <a:latin typeface="Cambria Math" panose="02040503050406030204" pitchFamily="18" charset="0"/>
                           </a:rPr>
                         </m:ctrlPr>
                       </m:dPr>
@@ -34533,7 +34321,7 @@
             </p:txBody>
           </p:sp>
         </mc:Choice>
-        <mc:Fallback>
+        <mc:Fallback xmlns="">
           <p:sp>
             <p:nvSpPr>
               <p:cNvPr id="19" name="Content Placeholder 2">
@@ -34595,9 +34383,8 @@
           <a:p>
             <a:r>
               <a:rPr lang="en-US" dirty="0"/>
-              <a:t>Harris corner detection: geometric interpretation</a:t>
+              <a:t>Harris corner detection</a:t>
             </a:r>
-            <a:endParaRPr lang="en-US" dirty="0"/>
           </a:p>
         </p:txBody>
       </p:sp>
@@ -34668,7 +34455,7 @@
                               <a:solidFill>
                                 <a:srgbClr val="FF0000"/>
                               </a:solidFill>
-                              <a:latin typeface="Cambria Math"/>
+                              <a:latin typeface="Cambria Math" panose="02040503050406030204" pitchFamily="18" charset="0"/>
                               <a:cs typeface="Times New Roman" pitchFamily="18" charset="0"/>
                             </a:rPr>
                           </m:ctrlPr>
@@ -34806,7 +34593,7 @@
                               <a:solidFill>
                                 <a:srgbClr val="0033CC"/>
                               </a:solidFill>
-                              <a:latin typeface="Cambria Math"/>
+                              <a:latin typeface="Cambria Math" panose="02040503050406030204" pitchFamily="18" charset="0"/>
                               <a:cs typeface="Times New Roman" pitchFamily="18" charset="0"/>
                             </a:rPr>
                           </m:ctrlPr>
@@ -35271,7 +35058,7 @@
           <p:cNvPr id="15" name="Group 14">
             <a:extLst>
               <a:ext uri="{FF2B5EF4-FFF2-40B4-BE49-F238E27FC236}">
-                <a16:creationId xmlns:a16="http://schemas.microsoft.com/office/drawing/2014/main" xmlns="" id="{92097EA7-5CF8-4E57-8D95-5885E2D3DCAB}"/>
+                <a16:creationId xmlns:a16="http://schemas.microsoft.com/office/drawing/2014/main" id="{92097EA7-5CF8-4E57-8D95-5885E2D3DCAB}"/>
               </a:ext>
             </a:extLst>
           </p:cNvPr>
@@ -35291,7 +35078,7 @@
             <p:cNvPr id="16" name="Freeform 44">
               <a:extLst>
                 <a:ext uri="{FF2B5EF4-FFF2-40B4-BE49-F238E27FC236}">
-                  <a16:creationId xmlns:a16="http://schemas.microsoft.com/office/drawing/2014/main" xmlns="" id="{C2C89FF3-D572-4208-B491-00B38A48B984}"/>
+                  <a16:creationId xmlns:a16="http://schemas.microsoft.com/office/drawing/2014/main" id="{C2C89FF3-D572-4208-B491-00B38A48B984}"/>
                 </a:ext>
               </a:extLst>
             </p:cNvPr>
@@ -35372,7 +35159,7 @@
             <p:cNvPr id="18" name="Rectangle 46">
               <a:extLst>
                 <a:ext uri="{FF2B5EF4-FFF2-40B4-BE49-F238E27FC236}">
-                  <a16:creationId xmlns:a16="http://schemas.microsoft.com/office/drawing/2014/main" xmlns="" id="{F2AEA519-2EED-4B0A-8157-EBA0832FF788}"/>
+                  <a16:creationId xmlns:a16="http://schemas.microsoft.com/office/drawing/2014/main" id="{F2AEA519-2EED-4B0A-8157-EBA0832FF788}"/>
                 </a:ext>
               </a:extLst>
             </p:cNvPr>
@@ -35416,7 +35203,7 @@
             <p:cNvPr id="20" name="Straight Arrow Connector 27">
               <a:extLst>
                 <a:ext uri="{FF2B5EF4-FFF2-40B4-BE49-F238E27FC236}">
-                  <a16:creationId xmlns:a16="http://schemas.microsoft.com/office/drawing/2014/main" xmlns="" id="{B854093B-8067-4C32-A611-7FEB65DD3894}"/>
+                  <a16:creationId xmlns:a16="http://schemas.microsoft.com/office/drawing/2014/main" id="{B854093B-8067-4C32-A611-7FEB65DD3894}"/>
                 </a:ext>
               </a:extLst>
             </p:cNvPr>
@@ -35449,7 +35236,7 @@
             <p:cNvPr id="21" name="Straight Arrow Connector 30">
               <a:extLst>
                 <a:ext uri="{FF2B5EF4-FFF2-40B4-BE49-F238E27FC236}">
-                  <a16:creationId xmlns:a16="http://schemas.microsoft.com/office/drawing/2014/main" xmlns="" id="{8EC74966-4F69-483A-AE81-DE625DDA577A}"/>
+                  <a16:creationId xmlns:a16="http://schemas.microsoft.com/office/drawing/2014/main" id="{8EC74966-4F69-483A-AE81-DE625DDA577A}"/>
                 </a:ext>
               </a:extLst>
             </p:cNvPr>
@@ -35483,7 +35270,7 @@
             <p:cNvPr id="23" name="Oval 26">
               <a:extLst>
                 <a:ext uri="{FF2B5EF4-FFF2-40B4-BE49-F238E27FC236}">
-                  <a16:creationId xmlns:a16="http://schemas.microsoft.com/office/drawing/2014/main" xmlns="" id="{AED01386-414A-4B1E-B55A-A1AF47B2E110}"/>
+                  <a16:creationId xmlns:a16="http://schemas.microsoft.com/office/drawing/2014/main" id="{AED01386-414A-4B1E-B55A-A1AF47B2E110}"/>
                 </a:ext>
               </a:extLst>
             </p:cNvPr>
@@ -35525,7 +35312,7 @@
                 <p:cNvPr id="24" name="Rectangle 9">
                   <a:extLst>
                     <a:ext uri="{FF2B5EF4-FFF2-40B4-BE49-F238E27FC236}">
-                      <a16:creationId xmlns:a16="http://schemas.microsoft.com/office/drawing/2014/main" xmlns="" id="{009A6412-C5B6-4E8B-B347-CDBCD59AE747}"/>
+                      <a16:creationId xmlns:a16="http://schemas.microsoft.com/office/drawing/2014/main" id="{009A6412-C5B6-4E8B-B347-CDBCD59AE747}"/>
                     </a:ext>
                   </a:extLst>
                 </p:cNvPr>
@@ -35579,7 +35366,7 @@
                         <m:sSubPr>
                           <m:ctrlPr>
                             <a:rPr lang="en-US" i="1" dirty="0">
-                              <a:latin typeface="Cambria Math"/>
+                              <a:latin typeface="Cambria Math" panose="02040503050406030204" pitchFamily="18" charset="0"/>
                             </a:rPr>
                           </m:ctrlPr>
                         </m:sSubPr>
@@ -35671,7 +35458,7 @@
               <p:cNvPr id="43" name="Rectangle 9">
                 <a:extLst>
                   <a:ext uri="{FF2B5EF4-FFF2-40B4-BE49-F238E27FC236}">
-                    <a16:creationId xmlns:a16="http://schemas.microsoft.com/office/drawing/2014/main" xmlns="" id="{25BE423B-C100-42BE-9C81-A7D96C0333F0}"/>
+                    <a16:creationId xmlns:a16="http://schemas.microsoft.com/office/drawing/2014/main" id="{25BE423B-C100-42BE-9C81-A7D96C0333F0}"/>
                   </a:ext>
                 </a:extLst>
               </p:cNvPr>
@@ -35725,7 +35512,7 @@
                       <m:sSubPr>
                         <m:ctrlPr>
                           <a:rPr lang="en-US" i="1" dirty="0">
-                            <a:latin typeface="Cambria Math"/>
+                            <a:latin typeface="Cambria Math" panose="02040503050406030204" pitchFamily="18" charset="0"/>
                           </a:rPr>
                         </m:ctrlPr>
                       </m:sSubPr>
@@ -35844,7 +35631,7 @@
           <p:cNvPr id="2" name="Title 1">
             <a:extLst>
               <a:ext uri="{FF2B5EF4-FFF2-40B4-BE49-F238E27FC236}">
-                <a16:creationId xmlns:a16="http://schemas.microsoft.com/office/drawing/2014/main" xmlns="" id="{9E879C42-D583-4AAB-8394-19AE6A141EAE}"/>
+                <a16:creationId xmlns:a16="http://schemas.microsoft.com/office/drawing/2014/main" id="{9E879C42-D583-4AAB-8394-19AE6A141EAE}"/>
               </a:ext>
             </a:extLst>
           </p:cNvPr>
@@ -35864,18 +35651,17 @@
               <a:rPr lang="en-US" dirty="0"/>
               <a:t>Interpreting the eigenvalues</a:t>
             </a:r>
-            <a:endParaRPr lang="en-US" dirty="0"/>
-          </a:p>
-        </p:txBody>
-      </p:sp>
-      <mc:AlternateContent xmlns:mc="http://schemas.openxmlformats.org/markup-compatibility/2006">
-        <mc:Choice xmlns:a14="http://schemas.microsoft.com/office/drawing/2010/main" Requires="a14">
+          </a:p>
+        </p:txBody>
+      </p:sp>
+      <mc:AlternateContent xmlns:mc="http://schemas.openxmlformats.org/markup-compatibility/2006" xmlns:a14="http://schemas.microsoft.com/office/drawing/2010/main">
+        <mc:Choice Requires="a14">
           <p:sp>
             <p:nvSpPr>
               <p:cNvPr id="3" name="Content Placeholder 2">
                 <a:extLst>
                   <a:ext uri="{FF2B5EF4-FFF2-40B4-BE49-F238E27FC236}">
-                    <a16:creationId xmlns:a16="http://schemas.microsoft.com/office/drawing/2014/main" xmlns="" id="{33CDFFC9-0AE8-4280-AABD-D6304D782111}"/>
+                    <a16:creationId xmlns:a16="http://schemas.microsoft.com/office/drawing/2014/main" id="{33CDFFC9-0AE8-4280-AABD-D6304D782111}"/>
                   </a:ext>
                 </a:extLst>
               </p:cNvPr>
@@ -35892,7 +35678,7 @@
               <a:lstStyle/>
               <a:p>
                 <a:r>
-                  <a:rPr lang="en-US" dirty="0" smtClean="0"/>
+                  <a:rPr lang="en-US" dirty="0"/>
                   <a:t>A “good” corner will have a large </a:t>
                 </a:r>
                 <a14:m>
@@ -35913,7 +35699,7 @@
                       <m:sSubPr>
                         <m:ctrlPr>
                           <a:rPr lang="en-US" b="0" i="1" smtClean="0">
-                            <a:latin typeface="Cambria Math"/>
+                            <a:latin typeface="Cambria Math" panose="02040503050406030204" pitchFamily="18" charset="0"/>
                           </a:rPr>
                         </m:ctrlPr>
                       </m:sSubPr>
@@ -35937,7 +35723,7 @@
                   </m:oMath>
                 </a14:m>
                 <a:r>
-                  <a:rPr lang="en-US" dirty="0" smtClean="0"/>
+                  <a:rPr lang="en-US" dirty="0"/>
                   <a:t>, which means big change of </a:t>
                 </a:r>
                 <a14:m>
@@ -35957,10 +35743,9 @@
                   </m:oMath>
                 </a14:m>
                 <a:r>
-                  <a:rPr lang="en-US" dirty="0" smtClean="0"/>
+                  <a:rPr lang="en-US" dirty="0"/>
                   <a:t>in both axis.</a:t>
                 </a:r>
-                <a:endParaRPr lang="en-US" dirty="0"/>
               </a:p>
               <a:p>
                 <a:r>
@@ -35987,7 +35772,7 @@
                         <m:supHide m:val="on"/>
                         <m:ctrlPr>
                           <a:rPr lang="en-US" b="0" i="1" smtClean="0">
-                            <a:latin typeface="Cambria Math"/>
+                            <a:latin typeface="Cambria Math" panose="02040503050406030204" pitchFamily="18" charset="0"/>
                           </a:rPr>
                         </m:ctrlPr>
                       </m:naryPr>
@@ -36008,7 +35793,7 @@
                           <m:sSubPr>
                             <m:ctrlPr>
                               <a:rPr lang="en-US" b="0" i="1" smtClean="0">
-                                <a:latin typeface="Cambria Math"/>
+                                <a:latin typeface="Cambria Math" panose="02040503050406030204" pitchFamily="18" charset="0"/>
                               </a:rPr>
                             </m:ctrlPr>
                           </m:sSubPr>
@@ -36041,7 +35826,7 @@
                       <m:funcPr>
                         <m:ctrlPr>
                           <a:rPr lang="en-US" b="0" i="1" smtClean="0">
-                            <a:latin typeface="Cambria Math"/>
+                            <a:latin typeface="Cambria Math" panose="02040503050406030204" pitchFamily="18" charset="0"/>
                           </a:rPr>
                         </m:ctrlPr>
                       </m:funcPr>
@@ -36061,7 +35846,7 @@
                           <m:dPr>
                             <m:ctrlPr>
                               <a:rPr lang="en-US" b="0" i="1" smtClean="0">
-                                <a:latin typeface="Cambria Math"/>
+                                <a:latin typeface="Cambria Math" panose="02040503050406030204" pitchFamily="18" charset="0"/>
                               </a:rPr>
                             </m:ctrlPr>
                           </m:dPr>
@@ -36093,7 +35878,7 @@
                         <m:supHide m:val="on"/>
                         <m:ctrlPr>
                           <a:rPr lang="en-US" b="0" i="1" smtClean="0">
-                            <a:latin typeface="Cambria Math"/>
+                            <a:latin typeface="Cambria Math" panose="02040503050406030204" pitchFamily="18" charset="0"/>
                           </a:rPr>
                         </m:ctrlPr>
                       </m:naryPr>
@@ -36114,7 +35899,7 @@
                           <m:sSubPr>
                             <m:ctrlPr>
                               <a:rPr lang="en-US" b="0" i="1" smtClean="0">
-                                <a:latin typeface="Cambria Math"/>
+                                <a:latin typeface="Cambria Math" panose="02040503050406030204" pitchFamily="18" charset="0"/>
                               </a:rPr>
                             </m:ctrlPr>
                           </m:sSubPr>
@@ -36217,7 +36002,7 @@
                       <m:funcPr>
                         <m:ctrlPr>
                           <a:rPr lang="en-US" b="0" i="1" smtClean="0">
-                            <a:latin typeface="Cambria Math"/>
+                            <a:latin typeface="Cambria Math" panose="02040503050406030204" pitchFamily="18" charset="0"/>
                           </a:rPr>
                         </m:ctrlPr>
                       </m:funcPr>
@@ -36237,7 +36022,7 @@
                           <m:dPr>
                             <m:ctrlPr>
                               <a:rPr lang="en-US" b="0" i="1" smtClean="0">
-                                <a:latin typeface="Cambria Math"/>
+                                <a:latin typeface="Cambria Math" panose="02040503050406030204" pitchFamily="18" charset="0"/>
                               </a:rPr>
                             </m:ctrlPr>
                           </m:dPr>
@@ -36280,7 +36065,7 @@
                       <m:sSupPr>
                         <m:ctrlPr>
                           <a:rPr lang="en-US" b="0" i="1" smtClean="0">
-                            <a:latin typeface="Cambria Math"/>
+                            <a:latin typeface="Cambria Math" panose="02040503050406030204" pitchFamily="18" charset="0"/>
                           </a:rPr>
                         </m:ctrlPr>
                       </m:sSupPr>
@@ -36289,7 +36074,7 @@
                           <m:dPr>
                             <m:ctrlPr>
                               <a:rPr lang="en-US" b="0" i="1" smtClean="0">
-                                <a:latin typeface="Cambria Math"/>
+                                <a:latin typeface="Cambria Math" panose="02040503050406030204" pitchFamily="18" charset="0"/>
                               </a:rPr>
                             </m:ctrlPr>
                           </m:dPr>
@@ -36315,7 +36100,7 @@
                   </m:oMath>
                 </a14:m>
                 <a:r>
-                  <a:rPr lang="en-US" b="0" dirty="0" smtClean="0"/>
+                  <a:rPr lang="en-US" b="0" dirty="0"/>
                   <a:t> </a:t>
                 </a:r>
                 <a14:m>
@@ -36372,7 +36157,7 @@
                       <m:fPr>
                         <m:ctrlPr>
                           <a:rPr lang="en-US" b="0" i="1" smtClean="0">
-                            <a:latin typeface="Cambria Math"/>
+                            <a:latin typeface="Cambria Math" panose="02040503050406030204" pitchFamily="18" charset="0"/>
                           </a:rPr>
                         </m:ctrlPr>
                       </m:fPr>
@@ -36381,7 +36166,7 @@
                           <m:funcPr>
                             <m:ctrlPr>
                               <a:rPr lang="en-US" b="0" i="1" smtClean="0">
-                                <a:latin typeface="Cambria Math"/>
+                                <a:latin typeface="Cambria Math" panose="02040503050406030204" pitchFamily="18" charset="0"/>
                               </a:rPr>
                             </m:ctrlPr>
                           </m:funcPr>
@@ -36401,7 +36186,7 @@
                               <m:dPr>
                                 <m:ctrlPr>
                                   <a:rPr lang="en-US" b="0" i="1" smtClean="0">
-                                    <a:latin typeface="Cambria Math"/>
+                                    <a:latin typeface="Cambria Math" panose="02040503050406030204" pitchFamily="18" charset="0"/>
                                   </a:rPr>
                                 </m:ctrlPr>
                               </m:dPr>
@@ -36428,7 +36213,7 @@
                           <m:dPr>
                             <m:ctrlPr>
                               <a:rPr lang="en-US" b="0" i="1" smtClean="0">
-                                <a:latin typeface="Cambria Math"/>
+                                <a:latin typeface="Cambria Math" panose="02040503050406030204" pitchFamily="18" charset="0"/>
                               </a:rPr>
                             </m:ctrlPr>
                           </m:dPr>
@@ -36465,7 +36250,7 @@
                       <m:fPr>
                         <m:ctrlPr>
                           <a:rPr lang="en-US" b="0" i="1" smtClean="0">
-                            <a:latin typeface="Cambria Math"/>
+                            <a:latin typeface="Cambria Math" panose="02040503050406030204" pitchFamily="18" charset="0"/>
                           </a:rPr>
                         </m:ctrlPr>
                       </m:fPr>
@@ -36474,7 +36259,7 @@
                           <m:sSubPr>
                             <m:ctrlPr>
                               <a:rPr lang="en-US" b="0" i="1" smtClean="0">
-                                <a:latin typeface="Cambria Math"/>
+                                <a:latin typeface="Cambria Math" panose="02040503050406030204" pitchFamily="18" charset="0"/>
                               </a:rPr>
                             </m:ctrlPr>
                           </m:sSubPr>
@@ -36499,7 +36284,7 @@
                           <m:sSubPr>
                             <m:ctrlPr>
                               <a:rPr lang="en-US" b="0" i="1" smtClean="0">
-                                <a:latin typeface="Cambria Math"/>
+                                <a:latin typeface="Cambria Math" panose="02040503050406030204" pitchFamily="18" charset="0"/>
                               </a:rPr>
                             </m:ctrlPr>
                           </m:sSubPr>
@@ -36526,7 +36311,7 @@
                           <m:sSubPr>
                             <m:ctrlPr>
                               <a:rPr lang="en-US" b="0" i="1" smtClean="0">
-                                <a:latin typeface="Cambria Math"/>
+                                <a:latin typeface="Cambria Math" panose="02040503050406030204" pitchFamily="18" charset="0"/>
                               </a:rPr>
                             </m:ctrlPr>
                           </m:sSubPr>
@@ -36557,7 +36342,7 @@
                           <m:sSubPr>
                             <m:ctrlPr>
                               <a:rPr lang="en-US" b="0" i="1" smtClean="0">
-                                <a:latin typeface="Cambria Math"/>
+                                <a:latin typeface="Cambria Math" panose="02040503050406030204" pitchFamily="18" charset="0"/>
                               </a:rPr>
                             </m:ctrlPr>
                           </m:sSubPr>
@@ -36599,7 +36384,7 @@
             </p:txBody>
           </p:sp>
         </mc:Choice>
-        <mc:Fallback>
+        <mc:Fallback xmlns="">
           <p:sp>
             <p:nvSpPr>
               <p:cNvPr id="3" name="Content Placeholder 2">
@@ -37064,14 +36849,6 @@
                 <a:sym typeface="Symbol" pitchFamily="18" charset="2"/>
               </a:rPr>
               <a:t>“Corner”</a:t>
-            </a:r>
-            <a:r>
-              <a:rPr lang="en-US" sz="2400">
-                <a:latin typeface="Times New Roman" pitchFamily="18" charset="0"/>
-                <a:cs typeface="Times New Roman" pitchFamily="18" charset="0"/>
-                <a:sym typeface="Symbol" pitchFamily="18" charset="2"/>
-              </a:rPr>
-              <a:t/>
             </a:r>
             <a:br>
               <a:rPr lang="en-US" sz="2400">
@@ -37374,14 +37151,6 @@
               </a:rPr>
               <a:t>“Edge” </a:t>
             </a:r>
-            <a:r>
-              <a:rPr lang="en-US" sz="2400">
-                <a:latin typeface="Times New Roman" pitchFamily="18" charset="0"/>
-                <a:cs typeface="Times New Roman" pitchFamily="18" charset="0"/>
-                <a:sym typeface="Symbol" pitchFamily="18" charset="2"/>
-              </a:rPr>
-              <a:t/>
-            </a:r>
             <a:br>
               <a:rPr lang="en-US" sz="2400">
                 <a:latin typeface="Times New Roman" pitchFamily="18" charset="0"/>
@@ -37478,14 +37247,6 @@
                 <a:sym typeface="Symbol" pitchFamily="18" charset="2"/>
               </a:rPr>
               <a:t>“Edge” </a:t>
-            </a:r>
-            <a:r>
-              <a:rPr lang="en-US" sz="2400">
-                <a:latin typeface="Times New Roman" pitchFamily="18" charset="0"/>
-                <a:cs typeface="Times New Roman" pitchFamily="18" charset="0"/>
-                <a:sym typeface="Symbol" pitchFamily="18" charset="2"/>
-              </a:rPr>
-              <a:t/>
             </a:r>
             <a:br>
               <a:rPr lang="en-US" sz="2400">
@@ -37774,7 +37535,7 @@
           <p:cNvPr id="2" name="Title 1">
             <a:extLst>
               <a:ext uri="{FF2B5EF4-FFF2-40B4-BE49-F238E27FC236}">
-                <a16:creationId xmlns:a16="http://schemas.microsoft.com/office/drawing/2014/main" xmlns="" id="{A20DB4A6-AFE1-4F8E-B54F-7A302B25FDD4}"/>
+                <a16:creationId xmlns:a16="http://schemas.microsoft.com/office/drawing/2014/main" id="{A20DB4A6-AFE1-4F8E-B54F-7A302B25FDD4}"/>
               </a:ext>
             </a:extLst>
           </p:cNvPr>
@@ -37799,7 +37560,7 @@
           <p:cNvPr id="3" name="Content Placeholder 2">
             <a:extLst>
               <a:ext uri="{FF2B5EF4-FFF2-40B4-BE49-F238E27FC236}">
-                <a16:creationId xmlns:a16="http://schemas.microsoft.com/office/drawing/2014/main" xmlns="" id="{8CC1A28A-BF0F-4286-8895-BC5370F57509}"/>
+                <a16:creationId xmlns:a16="http://schemas.microsoft.com/office/drawing/2014/main" id="{8CC1A28A-BF0F-4286-8895-BC5370F57509}"/>
               </a:ext>
             </a:extLst>
           </p:cNvPr>
@@ -37914,46 +37675,6 @@
               <a:rPr lang="en-US" dirty="0"/>
               <a:t>Interpreting the eigenvalues</a:t>
             </a:r>
-            <a:endParaRPr lang="en-US" dirty="0"/>
-          </a:p>
-        </p:txBody>
-      </p:sp>
-      <p:sp>
-        <p:nvSpPr>
-          <p:cNvPr id="45059" name="Rectangle 10"/>
-          <p:cNvSpPr>
-            <a:spLocks noChangeArrowheads="1"/>
-          </p:cNvSpPr>
-          <p:nvPr/>
-        </p:nvSpPr>
-        <p:spPr bwMode="auto">
-          <a:xfrm>
-            <a:off x="914400" y="914400"/>
-            <a:ext cx="10972800" cy="5257800"/>
-          </a:xfrm>
-          <a:prstGeom prst="rect">
-            <a:avLst/>
-          </a:prstGeom>
-          <a:noFill/>
-          <a:ln w="9525">
-            <a:noFill/>
-            <a:miter lim="800000"/>
-            <a:headEnd/>
-            <a:tailEnd/>
-          </a:ln>
-        </p:spPr>
-        <p:txBody>
-          <a:bodyPr/>
-          <a:lstStyle/>
-          <a:p>
-            <a:pPr marL="342900" indent="-342900">
-              <a:spcBef>
-                <a:spcPct val="20000"/>
-              </a:spcBef>
-            </a:pPr>
-            <a:endParaRPr lang="en-US" sz="1800" b="0" dirty="0">
-              <a:latin typeface="Arial" charset="0"/>
-            </a:endParaRPr>
           </a:p>
         </p:txBody>
       </p:sp>
@@ -38200,6 +37921,158 @@
           </p:spPr>
         </p:pic>
       </p:grpSp>
+      <mc:AlternateContent xmlns:mc="http://schemas.openxmlformats.org/markup-compatibility/2006">
+        <mc:Choice xmlns:a14="http://schemas.microsoft.com/office/drawing/2010/main" Requires="a14">
+          <p:sp>
+            <p:nvSpPr>
+              <p:cNvPr id="14" name="Content Placeholder 2">
+                <a:extLst>
+                  <a:ext uri="{FF2B5EF4-FFF2-40B4-BE49-F238E27FC236}">
+                    <a16:creationId xmlns:a16="http://schemas.microsoft.com/office/drawing/2014/main" id="{1AF48E04-34FD-4680-9D87-D50BE9ECDB9D}"/>
+                  </a:ext>
+                </a:extLst>
+              </p:cNvPr>
+              <p:cNvSpPr>
+                <a:spLocks noGrp="1"/>
+              </p:cNvSpPr>
+              <p:nvPr>
+                <p:ph idx="1"/>
+              </p:nvPr>
+            </p:nvSpPr>
+            <p:spPr>
+              <a:xfrm>
+                <a:off x="203200" y="762000"/>
+                <a:ext cx="11785600" cy="5715000"/>
+              </a:xfrm>
+            </p:spPr>
+            <p:txBody>
+              <a:bodyPr/>
+              <a:lstStyle/>
+              <a:p>
+                <a:r>
+                  <a:rPr lang="en-US" b="0" dirty="0"/>
+                  <a:t>A binary threshold of pixels above </a:t>
+                </a:r>
+                <a14:m>
+                  <m:oMath xmlns:m="http://schemas.openxmlformats.org/officeDocument/2006/math">
+                    <m:sSub>
+                      <m:sSubPr>
+                        <m:ctrlPr>
+                          <a:rPr lang="en-US" b="0" i="1" smtClean="0">
+                            <a:latin typeface="Cambria Math" panose="02040503050406030204" pitchFamily="18" charset="0"/>
+                          </a:rPr>
+                        </m:ctrlPr>
+                      </m:sSubPr>
+                      <m:e>
+                        <m:r>
+                          <a:rPr lang="en-US" b="0" i="1" smtClean="0">
+                            <a:latin typeface="Cambria Math" panose="02040503050406030204" pitchFamily="18" charset="0"/>
+                          </a:rPr>
+                          <m:t>𝜆</m:t>
+                        </m:r>
+                      </m:e>
+                      <m:sub>
+                        <m:r>
+                          <a:rPr lang="en-US" b="0" i="1" smtClean="0">
+                            <a:latin typeface="Cambria Math" panose="02040503050406030204" pitchFamily="18" charset="0"/>
+                          </a:rPr>
+                          <m:t>𝑚𝑎𝑥</m:t>
+                        </m:r>
+                      </m:sub>
+                    </m:sSub>
+                  </m:oMath>
+                </a14:m>
+                <a:r>
+                  <a:rPr lang="en-US" b="0" dirty="0"/>
+                  <a:t> and </a:t>
+                </a:r>
+                <a14:m>
+                  <m:oMath xmlns:m="http://schemas.openxmlformats.org/officeDocument/2006/math">
+                    <m:sSub>
+                      <m:sSubPr>
+                        <m:ctrlPr>
+                          <a:rPr lang="en-US" i="1">
+                            <a:latin typeface="Cambria Math" panose="02040503050406030204" pitchFamily="18" charset="0"/>
+                          </a:rPr>
+                        </m:ctrlPr>
+                      </m:sSubPr>
+                      <m:e>
+                        <m:r>
+                          <a:rPr lang="en-US" i="1">
+                            <a:latin typeface="Cambria Math" panose="02040503050406030204" pitchFamily="18" charset="0"/>
+                          </a:rPr>
+                          <m:t>𝜆</m:t>
+                        </m:r>
+                      </m:e>
+                      <m:sub>
+                        <m:r>
+                          <a:rPr lang="en-US" i="1">
+                            <a:latin typeface="Cambria Math" panose="02040503050406030204" pitchFamily="18" charset="0"/>
+                          </a:rPr>
+                          <m:t>𝑚</m:t>
+                        </m:r>
+                        <m:r>
+                          <a:rPr lang="en-US" b="0" i="1" smtClean="0">
+                            <a:latin typeface="Cambria Math" panose="02040503050406030204" pitchFamily="18" charset="0"/>
+                          </a:rPr>
+                          <m:t>𝑖𝑛</m:t>
+                        </m:r>
+                      </m:sub>
+                    </m:sSub>
+                  </m:oMath>
+                </a14:m>
+                <a:r>
+                  <a:rPr lang="en-US" dirty="0"/>
+                  <a:t> </a:t>
+                </a:r>
+              </a:p>
+            </p:txBody>
+          </p:sp>
+        </mc:Choice>
+        <mc:Fallback>
+          <p:sp>
+            <p:nvSpPr>
+              <p:cNvPr id="14" name="Content Placeholder 2">
+                <a:extLst>
+                  <a:ext uri="{FF2B5EF4-FFF2-40B4-BE49-F238E27FC236}">
+                    <a16:creationId xmlns:a16="http://schemas.microsoft.com/office/drawing/2014/main" id="{1AF48E04-34FD-4680-9D87-D50BE9ECDB9D}"/>
+                  </a:ext>
+                </a:extLst>
+              </p:cNvPr>
+              <p:cNvSpPr>
+                <a:spLocks noGrp="1" noRot="1" noChangeAspect="1" noMove="1" noResize="1" noEditPoints="1" noAdjustHandles="1" noChangeArrowheads="1" noChangeShapeType="1" noTextEdit="1"/>
+              </p:cNvSpPr>
+              <p:nvPr>
+                <p:ph idx="1"/>
+              </p:nvPr>
+            </p:nvSpPr>
+            <p:spPr>
+              <a:xfrm>
+                <a:off x="203200" y="762000"/>
+                <a:ext cx="11785600" cy="5715000"/>
+              </a:xfrm>
+              <a:blipFill>
+                <a:blip r:embed="rId9"/>
+                <a:stretch>
+                  <a:fillRect l="-931" t="-959"/>
+                </a:stretch>
+              </a:blipFill>
+            </p:spPr>
+            <p:txBody>
+              <a:bodyPr/>
+              <a:lstStyle/>
+              <a:p>
+                <a:r>
+                  <a:rPr lang="en-US">
+                    <a:noFill/>
+                  </a:rPr>
+                  <a:t> </a:t>
+                </a:r>
+              </a:p>
+            </p:txBody>
+          </p:sp>
+        </mc:Fallback>
+      </mc:AlternateContent>
     </p:spTree>
     <p:extLst>
       <p:ext uri="{BB962C8B-B14F-4D97-AF65-F5344CB8AC3E}">
@@ -38247,13 +38120,8 @@
           <a:p>
             <a:r>
               <a:rPr lang="en-US" dirty="0"/>
-              <a:t>Harris corner detection: </a:t>
+              <a:t>Harris corner detection</a:t>
             </a:r>
-            <a:r>
-              <a:rPr lang="en-US" dirty="0" smtClean="0"/>
-              <a:t>geometric interpretation</a:t>
-            </a:r>
-            <a:endParaRPr lang="en-US" dirty="0"/>
           </a:p>
         </p:txBody>
       </p:sp>
@@ -38382,21 +38250,8 @@
                   <a:schemeClr val="tx1"/>
                 </a:solidFill>
               </a:rPr>
-              <a:t>Use eigenvalues to find corners</a:t>
+              <a:t>Use eigenvalues to find corners.</a:t>
             </a:r>
-            <a:r>
-              <a:rPr lang="en-US" sz="2800" dirty="0" smtClean="0">
-                <a:solidFill>
-                  <a:schemeClr val="tx1"/>
-                </a:solidFill>
-              </a:rPr>
-              <a:t>.</a:t>
-            </a:r>
-            <a:endParaRPr lang="en-US" sz="2800" dirty="0">
-              <a:solidFill>
-                <a:schemeClr val="tx1"/>
-              </a:solidFill>
-            </a:endParaRPr>
           </a:p>
         </p:txBody>
       </p:sp>
@@ -38461,10 +38316,9 @@
           <a:lstStyle/>
           <a:p>
             <a:r>
-              <a:rPr lang="en-US" dirty="0" smtClean="0"/>
+              <a:rPr lang="en-US" dirty="0"/>
               <a:t>This is PCA (principal component analysis). Out of scope but really interesting!</a:t>
             </a:r>
-            <a:endParaRPr lang="en-US" dirty="0"/>
           </a:p>
         </p:txBody>
       </p:sp>
@@ -38472,6 +38326,7 @@
         <p:nvCxnSpPr>
           <p:cNvPr id="9" name="Curved Connector 8"/>
           <p:cNvCxnSpPr>
+            <a:cxnSpLocks/>
             <a:stCxn id="5" idx="0"/>
             <a:endCxn id="3" idx="1"/>
           </p:cNvCxnSpPr>
@@ -38517,14 +38372,6 @@
   <p:clrMapOvr>
     <a:masterClrMapping/>
   </p:clrMapOvr>
-  <mc:AlternateContent xmlns:mc="http://schemas.openxmlformats.org/markup-compatibility/2006">
-    <mc:Choice xmlns:p14="http://schemas.microsoft.com/office/powerpoint/2010/main" Requires="p14">
-      <p:transition spd="slow" p14:dur="2000"/>
-    </mc:Choice>
-    <mc:Fallback>
-      <p:transition spd="slow"/>
-    </mc:Fallback>
-  </mc:AlternateContent>
 </p:sld>
 </file>
 
@@ -39289,7 +39136,7 @@
           </a:ln>
           <a:extLst>
             <a:ext uri="{C572A759-6A51-4108-AA02-DFA0A04FC94B}">
-              <ma14:wrappingTextBoxFlag xmlns="" xmlns:ma14="http://schemas.microsoft.com/office/mac/drawingml/2011/main" val="1"/>
+              <ma14:wrappingTextBoxFlag xmlns:ma14="http://schemas.microsoft.com/office/mac/drawingml/2011/main" xmlns="" val="1"/>
             </a:ext>
           </a:extLst>
         </p:spPr>
@@ -39329,7 +39176,7 @@
           </a:ln>
           <a:extLst>
             <a:ext uri="{C572A759-6A51-4108-AA02-DFA0A04FC94B}">
-              <ma14:wrappingTextBoxFlag xmlns="" xmlns:ma14="http://schemas.microsoft.com/office/mac/drawingml/2011/main" val="1"/>
+              <ma14:wrappingTextBoxFlag xmlns:ma14="http://schemas.microsoft.com/office/mac/drawingml/2011/main" xmlns="" val="1"/>
             </a:ext>
           </a:extLst>
         </p:spPr>
@@ -40585,7 +40432,7 @@
           <a:graphicData uri="http://schemas.openxmlformats.org/presentationml/2006/ole">
             <mc:AlternateContent xmlns:mc="http://schemas.openxmlformats.org/markup-compatibility/2006">
               <mc:Choice xmlns:v="urn:schemas-microsoft-com:vml" Requires="v">
-                <p:oleObj spid="_x0000_s1051" name="CorelPhotoPaint.Image.8" r:id="rId3" imgW="3796825" imgH="4507937" progId="">
+                <p:oleObj spid="_x0000_s1053" name="CorelPhotoPaint.Image.8" r:id="rId3" imgW="3796825" imgH="4507937" progId="">
                   <p:embed/>
                 </p:oleObj>
               </mc:Choice>
@@ -40956,12 +40803,8 @@
               <a:buNone/>
             </a:pPr>
             <a:r>
-              <a:rPr lang="en-US" dirty="0" smtClean="0"/>
-              <a:t>1. Detection</a:t>
-            </a:r>
-            <a:r>
               <a:rPr lang="en-US" dirty="0"/>
-              <a:t>: Identify the interest points (also called </a:t>
+              <a:t>1. Detection: Identify the interest points (also called </a:t>
             </a:r>
             <a:r>
               <a:rPr lang="en-US" b="1" dirty="0" err="1"/>
@@ -40976,7 +40819,7 @@
             <a:pPr marL="0" indent="0">
               <a:buNone/>
             </a:pPr>
-            <a:endParaRPr lang="en-US" dirty="0" smtClean="0"/>
+            <a:endParaRPr lang="en-US" dirty="0"/>
           </a:p>
           <a:p>
             <a:pPr marL="0" indent="0">
@@ -40989,23 +40832,9 @@
               <a:buNone/>
             </a:pPr>
             <a:r>
-              <a:rPr lang="en-US" dirty="0" smtClean="0"/>
-              <a:t>2. Description</a:t>
+              <a:rPr lang="en-US" dirty="0"/>
+              <a:t>2. Description: Extract vector feature descriptor surrounding each interest point.</a:t>
             </a:r>
-            <a:r>
-              <a:rPr lang="en-US" dirty="0"/>
-              <a:t>: Extract vector feature descriptor surrounding each interest point</a:t>
-            </a:r>
-            <a:r>
-              <a:rPr lang="en-US" dirty="0" smtClean="0"/>
-              <a:t>.</a:t>
-            </a:r>
-          </a:p>
-          <a:p>
-            <a:pPr marL="0" indent="0">
-              <a:buNone/>
-            </a:pPr>
-            <a:endParaRPr lang="en-US" dirty="0" smtClean="0"/>
           </a:p>
           <a:p>
             <a:pPr marL="0" indent="0">
@@ -41017,13 +40846,15 @@
             <a:pPr marL="0" indent="0">
               <a:buNone/>
             </a:pPr>
-            <a:r>
-              <a:rPr lang="en-US" dirty="0" smtClean="0"/>
-              <a:t>3. Matching</a:t>
-            </a:r>
+            <a:endParaRPr lang="en-US" dirty="0"/>
+          </a:p>
+          <a:p>
+            <a:pPr marL="0" indent="0">
+              <a:buNone/>
+            </a:pPr>
             <a:r>
               <a:rPr lang="en-US" dirty="0"/>
-              <a:t>: Determine correspondence between descriptors in two views</a:t>
+              <a:t>3. Matching: Determine correspondence between descriptors in two views.</a:t>
             </a:r>
           </a:p>
           <a:p>
@@ -41171,7 +41002,7 @@
             <a:graphicData uri="http://schemas.openxmlformats.org/presentationml/2006/ole">
               <mc:AlternateContent xmlns:mc="http://schemas.openxmlformats.org/markup-compatibility/2006">
                 <mc:Choice xmlns:v="urn:schemas-microsoft-com:vml" Requires="v">
-                  <p:oleObj spid="_x0000_s3078" name="Equation" r:id="rId4" imgW="1066800" imgH="241300" progId="Equation.3">
+                  <p:oleObj spid="_x0000_s3082" name="Equation" r:id="rId4" imgW="1066800" imgH="241300" progId="Equation.3">
                     <p:embed/>
                   </p:oleObj>
                 </mc:Choice>
@@ -41307,7 +41138,7 @@
             <a:graphicData uri="http://schemas.openxmlformats.org/presentationml/2006/ole">
               <mc:AlternateContent xmlns:mc="http://schemas.openxmlformats.org/markup-compatibility/2006">
                 <mc:Choice xmlns:v="urn:schemas-microsoft-com:vml" Requires="v">
-                  <p:oleObj spid="_x0000_s3079" name="Equation" r:id="rId6" imgW="1117600" imgH="241300" progId="Equation.3">
+                  <p:oleObj spid="_x0000_s3083" name="Equation" r:id="rId6" imgW="1117600" imgH="241300" progId="Equation.3">
                     <p:embed/>
                   </p:oleObj>
                 </mc:Choice>
